--- a/slides/intro_pavo.pptx
+++ b/slides/intro_pavo.pptx
@@ -2,10 +2,21 @@
 <file path=ppt/presentation.xml><?xml version="1.0" encoding="utf-8"?>
 <p:presentation xmlns:a="http://schemas.openxmlformats.org/drawingml/2006/main" xmlns:r="http://schemas.openxmlformats.org/officeDocument/2006/relationships" xmlns:p="http://schemas.openxmlformats.org/presentationml/2006/main" saveSubsetFonts="1" autoCompressPictures="0">
   <p:sldMasterIdLst>
-    <p:sldMasterId id="2147483648" r:id="rId1"/>
+    <p:sldMasterId id="2147483660" r:id="rId1"/>
   </p:sldMasterIdLst>
   <p:sldIdLst>
     <p:sldId id="256" r:id="rId2"/>
+    <p:sldId id="258" r:id="rId3"/>
+    <p:sldId id="260" r:id="rId4"/>
+    <p:sldId id="269" r:id="rId5"/>
+    <p:sldId id="265" r:id="rId6"/>
+    <p:sldId id="262" r:id="rId7"/>
+    <p:sldId id="263" r:id="rId8"/>
+    <p:sldId id="261" r:id="rId9"/>
+    <p:sldId id="267" r:id="rId10"/>
+    <p:sldId id="268" r:id="rId11"/>
+    <p:sldId id="266" r:id="rId12"/>
+    <p:sldId id="264" r:id="rId13"/>
   </p:sldIdLst>
   <p:sldSz cx="12192000" cy="6858000"/>
   <p:notesSz cx="6858000" cy="9144000"/>
@@ -104,6 +115,11 @@
       </a:defRPr>
     </a:lvl9pPr>
   </p:defaultTextStyle>
+  <p:extLst>
+    <p:ext uri="{EFAFB233-063F-42B5-8137-9DF3F51BA10A}">
+      <p15:sldGuideLst xmlns:p15="http://schemas.microsoft.com/office/powerpoint/2012/main"/>
+    </p:ext>
+  </p:extLst>
 </p:presentation>
 </file>
 
@@ -129,7 +145,7 @@
           <p:cNvPr id="2" name="Title 1">
             <a:extLst>
               <a:ext uri="{FF2B5EF4-FFF2-40B4-BE49-F238E27FC236}">
-                <a16:creationId xmlns:a16="http://schemas.microsoft.com/office/drawing/2014/main" id="{2D311934-AEB3-512C-D845-4810A5D06621}"/>
+                <a16:creationId xmlns:a16="http://schemas.microsoft.com/office/drawing/2014/main" id="{E0EB8136-4330-4480-80D9-0F6FD970617C}"/>
               </a:ext>
             </a:extLst>
           </p:cNvPr>
@@ -142,23 +158,24 @@
         </p:nvSpPr>
         <p:spPr>
           <a:xfrm>
-            <a:off x="1524000" y="1122363"/>
-            <a:ext cx="9144000" cy="2387600"/>
+            <a:off x="576072" y="1124712"/>
+            <a:ext cx="11036808" cy="3172968"/>
           </a:xfrm>
         </p:spPr>
         <p:txBody>
-          <a:bodyPr anchor="b"/>
+          <a:bodyPr anchor="b">
+            <a:normAutofit/>
+          </a:bodyPr>
           <a:lstStyle>
-            <a:lvl1pPr algn="ctr">
-              <a:defRPr sz="6000"/>
+            <a:lvl1pPr algn="l">
+              <a:defRPr sz="8000"/>
             </a:lvl1pPr>
           </a:lstStyle>
           <a:p>
             <a:r>
-              <a:rPr lang="en-GB"/>
+              <a:rPr lang="en-US" dirty="0"/>
               <a:t>Click to edit Master title style</a:t>
             </a:r>
-            <a:endParaRPr lang="en-AU"/>
           </a:p>
         </p:txBody>
       </p:sp>
@@ -167,7 +184,7 @@
           <p:cNvPr id="3" name="Subtitle 2">
             <a:extLst>
               <a:ext uri="{FF2B5EF4-FFF2-40B4-BE49-F238E27FC236}">
-                <a16:creationId xmlns:a16="http://schemas.microsoft.com/office/drawing/2014/main" id="{A11D9236-1134-095B-5551-A884E2C065F1}"/>
+                <a16:creationId xmlns:a16="http://schemas.microsoft.com/office/drawing/2014/main" id="{566E5739-DD96-45FB-B609-3E3447A52FED}"/>
               </a:ext>
             </a:extLst>
           </p:cNvPr>
@@ -180,16 +197,18 @@
         </p:nvSpPr>
         <p:spPr>
           <a:xfrm>
-            <a:off x="1524000" y="3602038"/>
-            <a:ext cx="9144000" cy="1655762"/>
+            <a:off x="576072" y="4727448"/>
+            <a:ext cx="11036808" cy="1481328"/>
           </a:xfrm>
         </p:spPr>
         <p:txBody>
-          <a:bodyPr/>
+          <a:bodyPr>
+            <a:normAutofit/>
+          </a:bodyPr>
           <a:lstStyle>
-            <a:lvl1pPr marL="0" indent="0" algn="ctr">
-              <a:buNone/>
-              <a:defRPr sz="2400"/>
+            <a:lvl1pPr marL="0" indent="0" algn="l">
+              <a:buNone/>
+              <a:defRPr sz="2800"/>
             </a:lvl1pPr>
             <a:lvl2pPr marL="457200" indent="0" algn="ctr">
               <a:buNone/>
@@ -226,10 +245,9 @@
           </a:lstStyle>
           <a:p>
             <a:r>
-              <a:rPr lang="en-GB"/>
+              <a:rPr lang="en-US" dirty="0"/>
               <a:t>Click to edit Master subtitle style</a:t>
             </a:r>
-            <a:endParaRPr lang="en-AU"/>
           </a:p>
         </p:txBody>
       </p:sp>
@@ -238,7 +256,7 @@
           <p:cNvPr id="4" name="Date Placeholder 3">
             <a:extLst>
               <a:ext uri="{FF2B5EF4-FFF2-40B4-BE49-F238E27FC236}">
-                <a16:creationId xmlns:a16="http://schemas.microsoft.com/office/drawing/2014/main" id="{1CCA7E3E-DC2A-DF63-605B-1543D1EB3AAB}"/>
+                <a16:creationId xmlns:a16="http://schemas.microsoft.com/office/drawing/2014/main" id="{1B9FF558-51F9-42A2-9944-DBE23DA8B224}"/>
               </a:ext>
             </a:extLst>
           </p:cNvPr>
@@ -249,25 +267,55 @@
             <p:ph type="dt" sz="half" idx="10"/>
           </p:nvPr>
         </p:nvSpPr>
+        <p:spPr>
+          <a:xfrm>
+            <a:off x="576072" y="6356350"/>
+            <a:ext cx="2743200" cy="365125"/>
+          </a:xfrm>
+        </p:spPr>
+        <p:txBody>
+          <a:bodyPr/>
+          <a:lstStyle/>
+          <a:p>
+            <a:fld id="{02AC24A9-CCB6-4F8D-B8DB-C2F3692CFA5A}" type="datetimeFigureOut">
+              <a:rPr lang="en-US" smtClean="0"/>
+              <a:t>9/26/24</a:t>
+            </a:fld>
+            <a:endParaRPr lang="en-US" dirty="0"/>
+          </a:p>
+        </p:txBody>
+      </p:sp>
+      <p:sp>
+        <p:nvSpPr>
+          <p:cNvPr id="5" name="Footer Placeholder 4">
+            <a:extLst>
+              <a:ext uri="{FF2B5EF4-FFF2-40B4-BE49-F238E27FC236}">
+                <a16:creationId xmlns:a16="http://schemas.microsoft.com/office/drawing/2014/main" id="{8B8C0E86-A7F7-4BDC-A637-254E5252DED5}"/>
+              </a:ext>
+            </a:extLst>
+          </p:cNvPr>
+          <p:cNvSpPr>
+            <a:spLocks noGrp="1"/>
+          </p:cNvSpPr>
+          <p:nvPr>
+            <p:ph type="ftr" sz="quarter" idx="11"/>
+          </p:nvPr>
+        </p:nvSpPr>
         <p:spPr/>
         <p:txBody>
           <a:bodyPr/>
           <a:lstStyle/>
           <a:p>
-            <a:fld id="{916416A7-E3AC-4F4D-99D0-B565CC5C8F64}" type="datetimeFigureOut">
-              <a:rPr lang="en-AU" smtClean="0"/>
-              <a:t>22/9/2024</a:t>
-            </a:fld>
-            <a:endParaRPr lang="en-AU"/>
-          </a:p>
-        </p:txBody>
-      </p:sp>
-      <p:sp>
-        <p:nvSpPr>
-          <p:cNvPr id="5" name="Footer Placeholder 4">
-            <a:extLst>
-              <a:ext uri="{FF2B5EF4-FFF2-40B4-BE49-F238E27FC236}">
-                <a16:creationId xmlns:a16="http://schemas.microsoft.com/office/drawing/2014/main" id="{29AC2820-824C-DEA2-D598-8501750784B9}"/>
+            <a:endParaRPr lang="en-US" dirty="0"/>
+          </a:p>
+        </p:txBody>
+      </p:sp>
+      <p:sp>
+        <p:nvSpPr>
+          <p:cNvPr id="6" name="Slide Number Placeholder 5">
+            <a:extLst>
+              <a:ext uri="{FF2B5EF4-FFF2-40B4-BE49-F238E27FC236}">
+                <a16:creationId xmlns:a16="http://schemas.microsoft.com/office/drawing/2014/main" id="{C3D10ADE-E9DA-4E57-BF57-1CCB65219839}"/>
               </a:ext>
             </a:extLst>
           </p:cNvPr>
@@ -275,51 +323,197 @@
             <a:spLocks noGrp="1"/>
           </p:cNvSpPr>
           <p:nvPr>
-            <p:ph type="ftr" sz="quarter" idx="11"/>
-          </p:nvPr>
-        </p:nvSpPr>
-        <p:spPr/>
+            <p:ph type="sldNum" sz="quarter" idx="12"/>
+          </p:nvPr>
+        </p:nvSpPr>
+        <p:spPr>
+          <a:xfrm>
+            <a:off x="8869680" y="6356350"/>
+            <a:ext cx="2743200" cy="365125"/>
+          </a:xfrm>
+        </p:spPr>
         <p:txBody>
           <a:bodyPr/>
           <a:lstStyle/>
           <a:p>
-            <a:endParaRPr lang="en-AU"/>
-          </a:p>
-        </p:txBody>
-      </p:sp>
-      <p:sp>
-        <p:nvSpPr>
-          <p:cNvPr id="6" name="Slide Number Placeholder 5">
-            <a:extLst>
-              <a:ext uri="{FF2B5EF4-FFF2-40B4-BE49-F238E27FC236}">
-                <a16:creationId xmlns:a16="http://schemas.microsoft.com/office/drawing/2014/main" id="{6A3CF7AA-2224-2246-A78B-118A22A36DE8}"/>
-              </a:ext>
-            </a:extLst>
-          </p:cNvPr>
-          <p:cNvSpPr>
-            <a:spLocks noGrp="1"/>
-          </p:cNvSpPr>
-          <p:nvPr>
-            <p:ph type="sldNum" sz="quarter" idx="12"/>
-          </p:nvPr>
-        </p:nvSpPr>
-        <p:spPr/>
-        <p:txBody>
-          <a:bodyPr/>
-          <a:lstStyle/>
-          <a:p>
-            <a:fld id="{3A7546D1-F557-9445-B9CE-424F41EE8835}" type="slidenum">
-              <a:rPr lang="en-AU" smtClean="0"/>
+            <a:fld id="{B2DC25EE-239B-4C5F-AAD1-255A7D5F1EE2}" type="slidenum">
+              <a:rPr lang="en-US" smtClean="0"/>
               <a:t>‹#›</a:t>
             </a:fld>
-            <a:endParaRPr lang="en-AU"/>
+            <a:endParaRPr lang="en-US" dirty="0"/>
+          </a:p>
+        </p:txBody>
+      </p:sp>
+      <p:sp>
+        <p:nvSpPr>
+          <p:cNvPr id="8" name="Rectangle 7">
+            <a:extLst>
+              <a:ext uri="{FF2B5EF4-FFF2-40B4-BE49-F238E27FC236}">
+                <a16:creationId xmlns:a16="http://schemas.microsoft.com/office/drawing/2014/main" id="{8D06CE56-3881-4ADA-8CEF-D18B02C242A3}"/>
+              </a:ext>
+            </a:extLst>
+          </p:cNvPr>
+          <p:cNvSpPr/>
+          <p:nvPr/>
+        </p:nvSpPr>
+        <p:spPr>
+          <a:xfrm rot="5400000">
+            <a:off x="857544" y="346791"/>
+            <a:ext cx="146304" cy="704088"/>
+          </a:xfrm>
+          <a:prstGeom prst="rect">
+            <a:avLst/>
+          </a:prstGeom>
+          <a:solidFill>
+            <a:schemeClr val="accent1"/>
+          </a:solidFill>
+          <a:ln>
+            <a:noFill/>
+          </a:ln>
+        </p:spPr>
+        <p:style>
+          <a:lnRef idx="2">
+            <a:schemeClr val="accent1">
+              <a:shade val="50000"/>
+            </a:schemeClr>
+          </a:lnRef>
+          <a:fillRef idx="1">
+            <a:schemeClr val="accent1"/>
+          </a:fillRef>
+          <a:effectRef idx="0">
+            <a:schemeClr val="accent1"/>
+          </a:effectRef>
+          <a:fontRef idx="minor">
+            <a:schemeClr val="lt1"/>
+          </a:fontRef>
+        </p:style>
+        <p:txBody>
+          <a:bodyPr rtlCol="0" anchor="ctr"/>
+          <a:lstStyle/>
+          <a:p>
+            <a:pPr marL="0" marR="0" lvl="0" indent="0" algn="ctr" defTabSz="914400" rtl="0" eaLnBrk="1" fontAlgn="auto" latinLnBrk="0" hangingPunct="1">
+              <a:lnSpc>
+                <a:spcPct val="100000"/>
+              </a:lnSpc>
+              <a:spcBef>
+                <a:spcPts val="0"/>
+              </a:spcBef>
+              <a:spcAft>
+                <a:spcPts val="0"/>
+              </a:spcAft>
+              <a:buClrTx/>
+              <a:buSzTx/>
+              <a:buFontTx/>
+              <a:buNone/>
+              <a:tabLst/>
+              <a:defRPr/>
+            </a:pPr>
+            <a:endParaRPr kumimoji="0" lang="en-US" sz="1800" b="0" i="0" u="none" strike="noStrike" kern="1200" cap="none" spc="0" normalizeH="0" baseline="0" noProof="0">
+              <a:ln>
+                <a:noFill/>
+              </a:ln>
+              <a:solidFill>
+                <a:prstClr val="white"/>
+              </a:solidFill>
+              <a:effectLst/>
+              <a:uLnTx/>
+              <a:uFillTx/>
+              <a:latin typeface="Calibri" panose="020F0502020204030204"/>
+              <a:ea typeface="+mn-ea"/>
+              <a:cs typeface="+mn-cs"/>
+            </a:endParaRPr>
+          </a:p>
+        </p:txBody>
+      </p:sp>
+      <p:sp>
+        <p:nvSpPr>
+          <p:cNvPr id="10" name="Rectangle 9">
+            <a:extLst>
+              <a:ext uri="{FF2B5EF4-FFF2-40B4-BE49-F238E27FC236}">
+                <a16:creationId xmlns:a16="http://schemas.microsoft.com/office/drawing/2014/main" id="{79F3C543-62EC-4433-9C93-A2CD8764E9B4}"/>
+              </a:ext>
+            </a:extLst>
+          </p:cNvPr>
+          <p:cNvSpPr/>
+          <p:nvPr/>
+        </p:nvSpPr>
+        <p:spPr>
+          <a:xfrm flipV="1">
+            <a:off x="578652" y="4501201"/>
+            <a:ext cx="11034696" cy="18288"/>
+          </a:xfrm>
+          <a:prstGeom prst="rect">
+            <a:avLst/>
+          </a:prstGeom>
+          <a:solidFill>
+            <a:schemeClr val="tx2">
+              <a:lumMod val="25000"/>
+              <a:lumOff val="75000"/>
+            </a:schemeClr>
+          </a:solidFill>
+          <a:ln w="3175">
+            <a:noFill/>
+          </a:ln>
+          <a:effectLst/>
+        </p:spPr>
+        <p:style>
+          <a:lnRef idx="2">
+            <a:schemeClr val="accent1">
+              <a:shade val="50000"/>
+            </a:schemeClr>
+          </a:lnRef>
+          <a:fillRef idx="1">
+            <a:schemeClr val="accent1"/>
+          </a:fillRef>
+          <a:effectRef idx="0">
+            <a:schemeClr val="accent1"/>
+          </a:effectRef>
+          <a:fontRef idx="minor">
+            <a:schemeClr val="lt1"/>
+          </a:fontRef>
+        </p:style>
+        <p:txBody>
+          <a:bodyPr rtlCol="0" anchor="ctr"/>
+          <a:lstStyle/>
+          <a:p>
+            <a:pPr marL="0" marR="0" lvl="0" indent="0" algn="ctr" defTabSz="914400" rtl="0" eaLnBrk="1" fontAlgn="auto" latinLnBrk="0" hangingPunct="1">
+              <a:lnSpc>
+                <a:spcPct val="100000"/>
+              </a:lnSpc>
+              <a:spcBef>
+                <a:spcPts val="0"/>
+              </a:spcBef>
+              <a:spcAft>
+                <a:spcPts val="0"/>
+              </a:spcAft>
+              <a:buClrTx/>
+              <a:buSzTx/>
+              <a:buFontTx/>
+              <a:buNone/>
+              <a:tabLst/>
+              <a:defRPr/>
+            </a:pPr>
+            <a:endParaRPr kumimoji="0" lang="en-US" sz="1800" b="0" i="0" u="none" strike="noStrike" kern="1200" cap="none" spc="0" normalizeH="0" baseline="0" noProof="0">
+              <a:ln>
+                <a:noFill/>
+              </a:ln>
+              <a:solidFill>
+                <a:prstClr val="white"/>
+              </a:solidFill>
+              <a:effectLst/>
+              <a:uLnTx/>
+              <a:uFillTx/>
+              <a:latin typeface="Calibri" panose="020F0502020204030204"/>
+              <a:ea typeface="+mn-ea"/>
+              <a:cs typeface="+mn-cs"/>
+            </a:endParaRPr>
           </a:p>
         </p:txBody>
       </p:sp>
     </p:spTree>
     <p:extLst>
       <p:ext uri="{BB962C8B-B14F-4D97-AF65-F5344CB8AC3E}">
-        <p14:creationId xmlns:p14="http://schemas.microsoft.com/office/powerpoint/2010/main" val="1787471673"/>
+        <p14:creationId xmlns:p14="http://schemas.microsoft.com/office/powerpoint/2010/main" val="1425146055"/>
       </p:ext>
     </p:extLst>
   </p:cSld>
@@ -351,7 +545,7 @@
           <p:cNvPr id="2" name="Title 1">
             <a:extLst>
               <a:ext uri="{FF2B5EF4-FFF2-40B4-BE49-F238E27FC236}">
-                <a16:creationId xmlns:a16="http://schemas.microsoft.com/office/drawing/2014/main" id="{C3709CEC-64C8-693B-C2E0-1A8EEC0E7529}"/>
+                <a16:creationId xmlns:a16="http://schemas.microsoft.com/office/drawing/2014/main" id="{90B32C18-E430-4EC7-BD7C-99D86D012231}"/>
               </a:ext>
             </a:extLst>
           </p:cNvPr>
@@ -368,10 +562,10 @@
           <a:lstStyle/>
           <a:p>
             <a:r>
-              <a:rPr lang="en-GB"/>
+              <a:rPr lang="en-US"/>
               <a:t>Click to edit Master title style</a:t>
             </a:r>
-            <a:endParaRPr lang="en-AU"/>
+            <a:endParaRPr lang="en-US" dirty="0"/>
           </a:p>
         </p:txBody>
       </p:sp>
@@ -380,7 +574,7 @@
           <p:cNvPr id="3" name="Vertical Text Placeholder 2">
             <a:extLst>
               <a:ext uri="{FF2B5EF4-FFF2-40B4-BE49-F238E27FC236}">
-                <a16:creationId xmlns:a16="http://schemas.microsoft.com/office/drawing/2014/main" id="{B5C9ADA6-D18B-1194-E975-0E49FD2E32CE}"/>
+                <a16:creationId xmlns:a16="http://schemas.microsoft.com/office/drawing/2014/main" id="{8FC5012F-7119-4D94-9717-3862E1C9384E}"/>
               </a:ext>
             </a:extLst>
           </p:cNvPr>
@@ -398,38 +592,37 @@
           <a:p>
             <a:pPr lvl="0"/>
             <a:r>
-              <a:rPr lang="en-GB"/>
+              <a:rPr lang="en-US"/>
               <a:t>Click to edit Master text styles</a:t>
             </a:r>
           </a:p>
           <a:p>
             <a:pPr lvl="1"/>
             <a:r>
-              <a:rPr lang="en-GB"/>
+              <a:rPr lang="en-US"/>
               <a:t>Second level</a:t>
             </a:r>
           </a:p>
           <a:p>
             <a:pPr lvl="2"/>
             <a:r>
-              <a:rPr lang="en-GB"/>
+              <a:rPr lang="en-US"/>
               <a:t>Third level</a:t>
             </a:r>
           </a:p>
           <a:p>
             <a:pPr lvl="3"/>
             <a:r>
-              <a:rPr lang="en-GB"/>
+              <a:rPr lang="en-US"/>
               <a:t>Fourth level</a:t>
             </a:r>
           </a:p>
           <a:p>
             <a:pPr lvl="4"/>
             <a:r>
-              <a:rPr lang="en-GB"/>
+              <a:rPr lang="en-US"/>
               <a:t>Fifth level</a:t>
             </a:r>
-            <a:endParaRPr lang="en-AU"/>
           </a:p>
         </p:txBody>
       </p:sp>
@@ -438,7 +631,7 @@
           <p:cNvPr id="4" name="Date Placeholder 3">
             <a:extLst>
               <a:ext uri="{FF2B5EF4-FFF2-40B4-BE49-F238E27FC236}">
-                <a16:creationId xmlns:a16="http://schemas.microsoft.com/office/drawing/2014/main" id="{EB8A641C-4D13-D94C-1BF5-E31863DABB8F}"/>
+                <a16:creationId xmlns:a16="http://schemas.microsoft.com/office/drawing/2014/main" id="{19ED9A4A-D287-4207-9037-70DB007A1707}"/>
               </a:ext>
             </a:extLst>
           </p:cNvPr>
@@ -454,11 +647,11 @@
           <a:bodyPr/>
           <a:lstStyle/>
           <a:p>
-            <a:fld id="{916416A7-E3AC-4F4D-99D0-B565CC5C8F64}" type="datetimeFigureOut">
-              <a:rPr lang="en-AU" smtClean="0"/>
-              <a:t>22/9/2024</a:t>
+            <a:fld id="{02AC24A9-CCB6-4F8D-B8DB-C2F3692CFA5A}" type="datetimeFigureOut">
+              <a:rPr lang="en-US" smtClean="0"/>
+              <a:t>9/26/24</a:t>
             </a:fld>
-            <a:endParaRPr lang="en-AU"/>
+            <a:endParaRPr lang="en-US"/>
           </a:p>
         </p:txBody>
       </p:sp>
@@ -467,7 +660,7 @@
           <p:cNvPr id="5" name="Footer Placeholder 4">
             <a:extLst>
               <a:ext uri="{FF2B5EF4-FFF2-40B4-BE49-F238E27FC236}">
-                <a16:creationId xmlns:a16="http://schemas.microsoft.com/office/drawing/2014/main" id="{8C7493FC-732C-2296-BB43-235D3A1FB130}"/>
+                <a16:creationId xmlns:a16="http://schemas.microsoft.com/office/drawing/2014/main" id="{61ECFCAC-80DB-43BB-B3F1-AC22BACEE360}"/>
               </a:ext>
             </a:extLst>
           </p:cNvPr>
@@ -483,7 +676,7 @@
           <a:bodyPr/>
           <a:lstStyle/>
           <a:p>
-            <a:endParaRPr lang="en-AU"/>
+            <a:endParaRPr lang="en-US"/>
           </a:p>
         </p:txBody>
       </p:sp>
@@ -492,7 +685,7 @@
           <p:cNvPr id="6" name="Slide Number Placeholder 5">
             <a:extLst>
               <a:ext uri="{FF2B5EF4-FFF2-40B4-BE49-F238E27FC236}">
-                <a16:creationId xmlns:a16="http://schemas.microsoft.com/office/drawing/2014/main" id="{EED9203E-2E7E-6F3C-1F82-F41D54C0CD9D}"/>
+                <a16:creationId xmlns:a16="http://schemas.microsoft.com/office/drawing/2014/main" id="{D7679730-3487-4D94-A0DC-C21684963AB3}"/>
               </a:ext>
             </a:extLst>
           </p:cNvPr>
@@ -508,18 +701,18 @@
           <a:bodyPr/>
           <a:lstStyle/>
           <a:p>
-            <a:fld id="{3A7546D1-F557-9445-B9CE-424F41EE8835}" type="slidenum">
-              <a:rPr lang="en-AU" smtClean="0"/>
+            <a:fld id="{B2DC25EE-239B-4C5F-AAD1-255A7D5F1EE2}" type="slidenum">
+              <a:rPr lang="en-US" smtClean="0"/>
               <a:t>‹#›</a:t>
             </a:fld>
-            <a:endParaRPr lang="en-AU"/>
+            <a:endParaRPr lang="en-US"/>
           </a:p>
         </p:txBody>
       </p:sp>
     </p:spTree>
     <p:extLst>
       <p:ext uri="{BB962C8B-B14F-4D97-AF65-F5344CB8AC3E}">
-        <p14:creationId xmlns:p14="http://schemas.microsoft.com/office/powerpoint/2010/main" val="1595436986"/>
+        <p14:creationId xmlns:p14="http://schemas.microsoft.com/office/powerpoint/2010/main" val="661762437"/>
       </p:ext>
     </p:extLst>
   </p:cSld>
@@ -551,7 +744,7 @@
           <p:cNvPr id="2" name="Vertical Title 1">
             <a:extLst>
               <a:ext uri="{FF2B5EF4-FFF2-40B4-BE49-F238E27FC236}">
-                <a16:creationId xmlns:a16="http://schemas.microsoft.com/office/drawing/2014/main" id="{17EB9D42-2F4C-CBC5-AA28-A0BC101DE5CF}"/>
+                <a16:creationId xmlns:a16="http://schemas.microsoft.com/office/drawing/2014/main" id="{B543C89D-929E-4CD1-BCCC-72A14C0335D6}"/>
               </a:ext>
             </a:extLst>
           </p:cNvPr>
@@ -573,10 +766,10 @@
           <a:lstStyle/>
           <a:p>
             <a:r>
-              <a:rPr lang="en-GB"/>
+              <a:rPr lang="en-US"/>
               <a:t>Click to edit Master title style</a:t>
             </a:r>
-            <a:endParaRPr lang="en-AU"/>
+            <a:endParaRPr lang="en-US" dirty="0"/>
           </a:p>
         </p:txBody>
       </p:sp>
@@ -585,7 +778,7 @@
           <p:cNvPr id="3" name="Vertical Text Placeholder 2">
             <a:extLst>
               <a:ext uri="{FF2B5EF4-FFF2-40B4-BE49-F238E27FC236}">
-                <a16:creationId xmlns:a16="http://schemas.microsoft.com/office/drawing/2014/main" id="{8D5F4C61-06DA-C3A6-9250-9675E8FA2FF2}"/>
+                <a16:creationId xmlns:a16="http://schemas.microsoft.com/office/drawing/2014/main" id="{FED450EA-A577-4B76-A12F-650BEB20FD8D}"/>
               </a:ext>
             </a:extLst>
           </p:cNvPr>
@@ -608,38 +801,37 @@
           <a:p>
             <a:pPr lvl="0"/>
             <a:r>
-              <a:rPr lang="en-GB"/>
+              <a:rPr lang="en-US"/>
               <a:t>Click to edit Master text styles</a:t>
             </a:r>
           </a:p>
           <a:p>
             <a:pPr lvl="1"/>
             <a:r>
-              <a:rPr lang="en-GB"/>
+              <a:rPr lang="en-US"/>
               <a:t>Second level</a:t>
             </a:r>
           </a:p>
           <a:p>
             <a:pPr lvl="2"/>
             <a:r>
-              <a:rPr lang="en-GB"/>
+              <a:rPr lang="en-US"/>
               <a:t>Third level</a:t>
             </a:r>
           </a:p>
           <a:p>
             <a:pPr lvl="3"/>
             <a:r>
-              <a:rPr lang="en-GB"/>
+              <a:rPr lang="en-US"/>
               <a:t>Fourth level</a:t>
             </a:r>
           </a:p>
           <a:p>
             <a:pPr lvl="4"/>
             <a:r>
-              <a:rPr lang="en-GB"/>
+              <a:rPr lang="en-US"/>
               <a:t>Fifth level</a:t>
             </a:r>
-            <a:endParaRPr lang="en-AU"/>
           </a:p>
         </p:txBody>
       </p:sp>
@@ -648,7 +840,7 @@
           <p:cNvPr id="4" name="Date Placeholder 3">
             <a:extLst>
               <a:ext uri="{FF2B5EF4-FFF2-40B4-BE49-F238E27FC236}">
-                <a16:creationId xmlns:a16="http://schemas.microsoft.com/office/drawing/2014/main" id="{9579CABE-E085-E430-A9EC-0DAB565BB66C}"/>
+                <a16:creationId xmlns:a16="http://schemas.microsoft.com/office/drawing/2014/main" id="{41D2603B-9ACE-4FA9-805B-9B91EB63DF7D}"/>
               </a:ext>
             </a:extLst>
           </p:cNvPr>
@@ -664,11 +856,11 @@
           <a:bodyPr/>
           <a:lstStyle/>
           <a:p>
-            <a:fld id="{916416A7-E3AC-4F4D-99D0-B565CC5C8F64}" type="datetimeFigureOut">
-              <a:rPr lang="en-AU" smtClean="0"/>
-              <a:t>22/9/2024</a:t>
+            <a:fld id="{02AC24A9-CCB6-4F8D-B8DB-C2F3692CFA5A}" type="datetimeFigureOut">
+              <a:rPr lang="en-US" smtClean="0"/>
+              <a:t>9/26/24</a:t>
             </a:fld>
-            <a:endParaRPr lang="en-AU"/>
+            <a:endParaRPr lang="en-US"/>
           </a:p>
         </p:txBody>
       </p:sp>
@@ -677,7 +869,7 @@
           <p:cNvPr id="5" name="Footer Placeholder 4">
             <a:extLst>
               <a:ext uri="{FF2B5EF4-FFF2-40B4-BE49-F238E27FC236}">
-                <a16:creationId xmlns:a16="http://schemas.microsoft.com/office/drawing/2014/main" id="{8032F1BC-9808-87FD-F752-43FC8259773F}"/>
+                <a16:creationId xmlns:a16="http://schemas.microsoft.com/office/drawing/2014/main" id="{7ECE18AC-D6A9-4A61-885D-68E2B684A438}"/>
               </a:ext>
             </a:extLst>
           </p:cNvPr>
@@ -693,7 +885,7 @@
           <a:bodyPr/>
           <a:lstStyle/>
           <a:p>
-            <a:endParaRPr lang="en-AU"/>
+            <a:endParaRPr lang="en-US"/>
           </a:p>
         </p:txBody>
       </p:sp>
@@ -702,7 +894,7 @@
           <p:cNvPr id="6" name="Slide Number Placeholder 5">
             <a:extLst>
               <a:ext uri="{FF2B5EF4-FFF2-40B4-BE49-F238E27FC236}">
-                <a16:creationId xmlns:a16="http://schemas.microsoft.com/office/drawing/2014/main" id="{00B0CE31-3A88-3808-3D64-D1C1E6B672D8}"/>
+                <a16:creationId xmlns:a16="http://schemas.microsoft.com/office/drawing/2014/main" id="{75197AE4-AA47-4E14-8FFE-171FAE47F49E}"/>
               </a:ext>
             </a:extLst>
           </p:cNvPr>
@@ -718,18 +910,18 @@
           <a:bodyPr/>
           <a:lstStyle/>
           <a:p>
-            <a:fld id="{3A7546D1-F557-9445-B9CE-424F41EE8835}" type="slidenum">
-              <a:rPr lang="en-AU" smtClean="0"/>
+            <a:fld id="{B2DC25EE-239B-4C5F-AAD1-255A7D5F1EE2}" type="slidenum">
+              <a:rPr lang="en-US" smtClean="0"/>
               <a:t>‹#›</a:t>
             </a:fld>
-            <a:endParaRPr lang="en-AU"/>
+            <a:endParaRPr lang="en-US"/>
           </a:p>
         </p:txBody>
       </p:sp>
     </p:spTree>
     <p:extLst>
       <p:ext uri="{BB962C8B-B14F-4D97-AF65-F5344CB8AC3E}">
-        <p14:creationId xmlns:p14="http://schemas.microsoft.com/office/powerpoint/2010/main" val="2520970696"/>
+        <p14:creationId xmlns:p14="http://schemas.microsoft.com/office/powerpoint/2010/main" val="3418464376"/>
       </p:ext>
     </p:extLst>
   </p:cSld>
@@ -756,12 +948,263 @@
           <a:chExt cx="0" cy="0"/>
         </a:xfrm>
       </p:grpSpPr>
+      <p:sp useBgFill="1">
+        <p:nvSpPr>
+          <p:cNvPr id="8" name="Rectangle 7">
+            <a:extLst>
+              <a:ext uri="{FF2B5EF4-FFF2-40B4-BE49-F238E27FC236}">
+                <a16:creationId xmlns:a16="http://schemas.microsoft.com/office/drawing/2014/main" id="{2D6FBB9D-1CAA-4D05-AB33-BABDFE17B843}"/>
+              </a:ext>
+            </a:extLst>
+          </p:cNvPr>
+          <p:cNvSpPr/>
+          <p:nvPr/>
+        </p:nvSpPr>
+        <p:spPr>
+          <a:xfrm>
+            <a:off x="558209" y="0"/>
+            <a:ext cx="11167447" cy="2018806"/>
+          </a:xfrm>
+          <a:prstGeom prst="rect">
+            <a:avLst/>
+          </a:prstGeom>
+          <a:ln w="9525">
+            <a:solidFill>
+              <a:schemeClr val="tx2">
+                <a:lumMod val="10000"/>
+                <a:lumOff val="90000"/>
+              </a:schemeClr>
+            </a:solidFill>
+          </a:ln>
+          <a:effectLst>
+            <a:outerShdw blurRad="50800" dist="38100" dir="2700000" algn="tl" rotWithShape="0">
+              <a:schemeClr val="bg1">
+                <a:lumMod val="85000"/>
+                <a:alpha val="30000"/>
+              </a:schemeClr>
+            </a:outerShdw>
+          </a:effectLst>
+        </p:spPr>
+        <p:style>
+          <a:lnRef idx="2">
+            <a:schemeClr val="accent1">
+              <a:shade val="50000"/>
+            </a:schemeClr>
+          </a:lnRef>
+          <a:fillRef idx="1">
+            <a:schemeClr val="accent1"/>
+          </a:fillRef>
+          <a:effectRef idx="0">
+            <a:schemeClr val="accent1"/>
+          </a:effectRef>
+          <a:fontRef idx="minor">
+            <a:schemeClr val="lt1"/>
+          </a:fontRef>
+        </p:style>
+        <p:txBody>
+          <a:bodyPr rtlCol="0" anchor="ctr"/>
+          <a:lstStyle/>
+          <a:p>
+            <a:pPr marL="0" marR="0" lvl="0" indent="0" algn="ctr" defTabSz="914400" rtl="0" eaLnBrk="1" fontAlgn="auto" latinLnBrk="0" hangingPunct="1">
+              <a:lnSpc>
+                <a:spcPct val="100000"/>
+              </a:lnSpc>
+              <a:spcBef>
+                <a:spcPts val="0"/>
+              </a:spcBef>
+              <a:spcAft>
+                <a:spcPts val="0"/>
+              </a:spcAft>
+              <a:buClrTx/>
+              <a:buSzTx/>
+              <a:buFontTx/>
+              <a:buNone/>
+              <a:tabLst/>
+              <a:defRPr/>
+            </a:pPr>
+            <a:endParaRPr kumimoji="0" lang="en-US" sz="1800" b="0" i="0" u="none" strike="noStrike" kern="1200" cap="none" spc="0" normalizeH="0" baseline="0" noProof="0">
+              <a:ln>
+                <a:noFill/>
+              </a:ln>
+              <a:solidFill>
+                <a:prstClr val="white"/>
+              </a:solidFill>
+              <a:effectLst/>
+              <a:uLnTx/>
+              <a:uFillTx/>
+              <a:latin typeface="Calibri" panose="020F0502020204030204"/>
+              <a:ea typeface="+mn-ea"/>
+              <a:cs typeface="+mn-cs"/>
+            </a:endParaRPr>
+          </a:p>
+        </p:txBody>
+      </p:sp>
+      <p:sp useBgFill="1">
+        <p:nvSpPr>
+          <p:cNvPr id="10" name="Rectangle 9">
+            <a:extLst>
+              <a:ext uri="{FF2B5EF4-FFF2-40B4-BE49-F238E27FC236}">
+                <a16:creationId xmlns:a16="http://schemas.microsoft.com/office/drawing/2014/main" id="{04727B71-B4B6-4823-80A1-68C40B475118}"/>
+              </a:ext>
+            </a:extLst>
+          </p:cNvPr>
+          <p:cNvSpPr/>
+          <p:nvPr/>
+        </p:nvSpPr>
+        <p:spPr>
+          <a:xfrm>
+            <a:off x="566928" y="0"/>
+            <a:ext cx="11155680" cy="2011680"/>
+          </a:xfrm>
+          <a:prstGeom prst="rect">
+            <a:avLst/>
+          </a:prstGeom>
+          <a:ln w="9525">
+            <a:noFill/>
+          </a:ln>
+          <a:effectLst/>
+        </p:spPr>
+        <p:style>
+          <a:lnRef idx="2">
+            <a:schemeClr val="accent1">
+              <a:shade val="50000"/>
+            </a:schemeClr>
+          </a:lnRef>
+          <a:fillRef idx="1">
+            <a:schemeClr val="accent1"/>
+          </a:fillRef>
+          <a:effectRef idx="0">
+            <a:schemeClr val="accent1"/>
+          </a:effectRef>
+          <a:fontRef idx="minor">
+            <a:schemeClr val="lt1"/>
+          </a:fontRef>
+        </p:style>
+        <p:txBody>
+          <a:bodyPr rtlCol="0" anchor="ctr"/>
+          <a:lstStyle/>
+          <a:p>
+            <a:pPr marL="0" marR="0" lvl="0" indent="0" algn="ctr" defTabSz="914400" rtl="0" eaLnBrk="1" fontAlgn="auto" latinLnBrk="0" hangingPunct="1">
+              <a:lnSpc>
+                <a:spcPct val="100000"/>
+              </a:lnSpc>
+              <a:spcBef>
+                <a:spcPts val="0"/>
+              </a:spcBef>
+              <a:spcAft>
+                <a:spcPts val="0"/>
+              </a:spcAft>
+              <a:buClrTx/>
+              <a:buSzTx/>
+              <a:buFontTx/>
+              <a:buNone/>
+              <a:tabLst/>
+              <a:defRPr/>
+            </a:pPr>
+            <a:endParaRPr kumimoji="0" lang="en-US" sz="1800" b="0" i="0" u="none" strike="noStrike" kern="1200" cap="none" spc="0" normalizeH="0" baseline="0" noProof="0">
+              <a:ln>
+                <a:noFill/>
+              </a:ln>
+              <a:solidFill>
+                <a:prstClr val="white"/>
+              </a:solidFill>
+              <a:effectLst/>
+              <a:uLnTx/>
+              <a:uFillTx/>
+              <a:latin typeface="Calibri" panose="020F0502020204030204"/>
+              <a:ea typeface="+mn-ea"/>
+              <a:cs typeface="+mn-cs"/>
+            </a:endParaRPr>
+          </a:p>
+        </p:txBody>
+      </p:sp>
+      <p:sp>
+        <p:nvSpPr>
+          <p:cNvPr id="12" name="Rectangle 11">
+            <a:extLst>
+              <a:ext uri="{FF2B5EF4-FFF2-40B4-BE49-F238E27FC236}">
+                <a16:creationId xmlns:a16="http://schemas.microsoft.com/office/drawing/2014/main" id="{79A6DB05-9FB5-4B07-8675-74C23D4FD89D}"/>
+              </a:ext>
+            </a:extLst>
+          </p:cNvPr>
+          <p:cNvSpPr/>
+          <p:nvPr/>
+        </p:nvSpPr>
+        <p:spPr>
+          <a:xfrm>
+            <a:off x="498834" y="787352"/>
+            <a:ext cx="128016" cy="704088"/>
+          </a:xfrm>
+          <a:prstGeom prst="rect">
+            <a:avLst/>
+          </a:prstGeom>
+          <a:solidFill>
+            <a:schemeClr val="accent1"/>
+          </a:solidFill>
+          <a:ln>
+            <a:noFill/>
+          </a:ln>
+        </p:spPr>
+        <p:style>
+          <a:lnRef idx="2">
+            <a:schemeClr val="accent1">
+              <a:shade val="50000"/>
+            </a:schemeClr>
+          </a:lnRef>
+          <a:fillRef idx="1">
+            <a:schemeClr val="accent1"/>
+          </a:fillRef>
+          <a:effectRef idx="0">
+            <a:schemeClr val="accent1"/>
+          </a:effectRef>
+          <a:fontRef idx="minor">
+            <a:schemeClr val="lt1"/>
+          </a:fontRef>
+        </p:style>
+        <p:txBody>
+          <a:bodyPr rtlCol="0" anchor="ctr"/>
+          <a:lstStyle/>
+          <a:p>
+            <a:pPr marL="0" marR="0" lvl="0" indent="0" algn="ctr" defTabSz="914400" rtl="0" eaLnBrk="1" fontAlgn="auto" latinLnBrk="0" hangingPunct="1">
+              <a:lnSpc>
+                <a:spcPct val="100000"/>
+              </a:lnSpc>
+              <a:spcBef>
+                <a:spcPts val="0"/>
+              </a:spcBef>
+              <a:spcAft>
+                <a:spcPts val="0"/>
+              </a:spcAft>
+              <a:buClrTx/>
+              <a:buSzTx/>
+              <a:buFontTx/>
+              <a:buNone/>
+              <a:tabLst/>
+              <a:defRPr/>
+            </a:pPr>
+            <a:endParaRPr kumimoji="0" lang="en-US" sz="1800" b="0" i="0" u="none" strike="noStrike" kern="1200" cap="none" spc="0" normalizeH="0" baseline="0" noProof="0">
+              <a:ln>
+                <a:noFill/>
+              </a:ln>
+              <a:solidFill>
+                <a:prstClr val="white"/>
+              </a:solidFill>
+              <a:effectLst/>
+              <a:uLnTx/>
+              <a:uFillTx/>
+              <a:latin typeface="Calibri" panose="020F0502020204030204"/>
+              <a:ea typeface="+mn-ea"/>
+              <a:cs typeface="+mn-cs"/>
+            </a:endParaRPr>
+          </a:p>
+        </p:txBody>
+      </p:sp>
       <p:sp>
         <p:nvSpPr>
           <p:cNvPr id="2" name="Title 1">
             <a:extLst>
               <a:ext uri="{FF2B5EF4-FFF2-40B4-BE49-F238E27FC236}">
-                <a16:creationId xmlns:a16="http://schemas.microsoft.com/office/drawing/2014/main" id="{81339DC2-5029-943D-117C-19775793EF51}"/>
+                <a16:creationId xmlns:a16="http://schemas.microsoft.com/office/drawing/2014/main" id="{48D358CF-0758-490A-A084-C46443B9ABE8}"/>
               </a:ext>
             </a:extLst>
           </p:cNvPr>
@@ -772,25 +1215,156 @@
             <p:ph type="title"/>
           </p:nvPr>
         </p:nvSpPr>
+        <p:spPr>
+          <a:xfrm>
+            <a:off x="1115568" y="548640"/>
+            <a:ext cx="10168128" cy="1179576"/>
+          </a:xfrm>
+        </p:spPr>
+        <p:txBody>
+          <a:bodyPr>
+            <a:normAutofit/>
+          </a:bodyPr>
+          <a:lstStyle>
+            <a:lvl1pPr>
+              <a:defRPr sz="4000"/>
+            </a:lvl1pPr>
+          </a:lstStyle>
+          <a:p>
+            <a:r>
+              <a:rPr lang="en-US" dirty="0"/>
+              <a:t>Click to edit Master title style</a:t>
+            </a:r>
+          </a:p>
+        </p:txBody>
+      </p:sp>
+      <p:sp>
+        <p:nvSpPr>
+          <p:cNvPr id="3" name="Content Placeholder 2">
+            <a:extLst>
+              <a:ext uri="{FF2B5EF4-FFF2-40B4-BE49-F238E27FC236}">
+                <a16:creationId xmlns:a16="http://schemas.microsoft.com/office/drawing/2014/main" id="{21671183-B3CE-4F45-92FB-98290CA0E2CA}"/>
+              </a:ext>
+            </a:extLst>
+          </p:cNvPr>
+          <p:cNvSpPr>
+            <a:spLocks noGrp="1"/>
+          </p:cNvSpPr>
+          <p:nvPr>
+            <p:ph idx="1"/>
+          </p:nvPr>
+        </p:nvSpPr>
+        <p:spPr>
+          <a:xfrm>
+            <a:off x="1115568" y="2478024"/>
+            <a:ext cx="10168128" cy="3694176"/>
+          </a:xfrm>
+        </p:spPr>
+        <p:txBody>
+          <a:bodyPr/>
+          <a:lstStyle/>
+          <a:p>
+            <a:pPr lvl="0"/>
+            <a:r>
+              <a:rPr lang="en-US" dirty="0"/>
+              <a:t>Click to edit Master text styles</a:t>
+            </a:r>
+          </a:p>
+          <a:p>
+            <a:pPr lvl="1"/>
+            <a:r>
+              <a:rPr lang="en-US" dirty="0"/>
+              <a:t>Second level</a:t>
+            </a:r>
+          </a:p>
+          <a:p>
+            <a:pPr lvl="2"/>
+            <a:r>
+              <a:rPr lang="en-US" dirty="0"/>
+              <a:t>Third level</a:t>
+            </a:r>
+          </a:p>
+          <a:p>
+            <a:pPr lvl="3"/>
+            <a:r>
+              <a:rPr lang="en-US" dirty="0"/>
+              <a:t>Fourth level</a:t>
+            </a:r>
+          </a:p>
+          <a:p>
+            <a:pPr lvl="4"/>
+            <a:r>
+              <a:rPr lang="en-US" dirty="0"/>
+              <a:t>Fifth level</a:t>
+            </a:r>
+          </a:p>
+        </p:txBody>
+      </p:sp>
+      <p:sp>
+        <p:nvSpPr>
+          <p:cNvPr id="4" name="Date Placeholder 3">
+            <a:extLst>
+              <a:ext uri="{FF2B5EF4-FFF2-40B4-BE49-F238E27FC236}">
+                <a16:creationId xmlns:a16="http://schemas.microsoft.com/office/drawing/2014/main" id="{3D7DED67-27EC-4D43-A21C-093C1DB04813}"/>
+              </a:ext>
+            </a:extLst>
+          </p:cNvPr>
+          <p:cNvSpPr>
+            <a:spLocks noGrp="1"/>
+          </p:cNvSpPr>
+          <p:nvPr>
+            <p:ph type="dt" sz="half" idx="10"/>
+          </p:nvPr>
+        </p:nvSpPr>
+        <p:spPr>
+          <a:xfrm>
+            <a:off x="1115568" y="6356350"/>
+            <a:ext cx="2743200" cy="365125"/>
+          </a:xfrm>
+        </p:spPr>
+        <p:txBody>
+          <a:bodyPr/>
+          <a:lstStyle/>
+          <a:p>
+            <a:fld id="{02AC24A9-CCB6-4F8D-B8DB-C2F3692CFA5A}" type="datetimeFigureOut">
+              <a:rPr lang="en-US" smtClean="0"/>
+              <a:t>9/26/24</a:t>
+            </a:fld>
+            <a:endParaRPr lang="en-US"/>
+          </a:p>
+        </p:txBody>
+      </p:sp>
+      <p:sp>
+        <p:nvSpPr>
+          <p:cNvPr id="5" name="Footer Placeholder 4">
+            <a:extLst>
+              <a:ext uri="{FF2B5EF4-FFF2-40B4-BE49-F238E27FC236}">
+                <a16:creationId xmlns:a16="http://schemas.microsoft.com/office/drawing/2014/main" id="{36747CE3-4890-4BC1-94DB-5D49D02C9933}"/>
+              </a:ext>
+            </a:extLst>
+          </p:cNvPr>
+          <p:cNvSpPr>
+            <a:spLocks noGrp="1"/>
+          </p:cNvSpPr>
+          <p:nvPr>
+            <p:ph type="ftr" sz="quarter" idx="11"/>
+          </p:nvPr>
+        </p:nvSpPr>
         <p:spPr/>
         <p:txBody>
           <a:bodyPr/>
           <a:lstStyle/>
           <a:p>
-            <a:r>
-              <a:rPr lang="en-GB"/>
-              <a:t>Click to edit Master title style</a:t>
-            </a:r>
-            <a:endParaRPr lang="en-AU"/>
-          </a:p>
-        </p:txBody>
-      </p:sp>
-      <p:sp>
-        <p:nvSpPr>
-          <p:cNvPr id="3" name="Content Placeholder 2">
-            <a:extLst>
-              <a:ext uri="{FF2B5EF4-FFF2-40B4-BE49-F238E27FC236}">
-                <a16:creationId xmlns:a16="http://schemas.microsoft.com/office/drawing/2014/main" id="{B9E7B9B8-9C63-613F-6365-9033EC57F943}"/>
+            <a:endParaRPr lang="en-US"/>
+          </a:p>
+        </p:txBody>
+      </p:sp>
+      <p:sp>
+        <p:nvSpPr>
+          <p:cNvPr id="6" name="Slide Number Placeholder 5">
+            <a:extLst>
+              <a:ext uri="{FF2B5EF4-FFF2-40B4-BE49-F238E27FC236}">
+                <a16:creationId xmlns:a16="http://schemas.microsoft.com/office/drawing/2014/main" id="{093C5AD3-D79A-4D46-B25B-822FE0252511}"/>
               </a:ext>
             </a:extLst>
           </p:cNvPr>
@@ -798,138 +1372,31 @@
             <a:spLocks noGrp="1"/>
           </p:cNvSpPr>
           <p:nvPr>
-            <p:ph idx="1"/>
-          </p:nvPr>
-        </p:nvSpPr>
-        <p:spPr/>
+            <p:ph type="sldNum" sz="quarter" idx="12"/>
+          </p:nvPr>
+        </p:nvSpPr>
+        <p:spPr>
+          <a:xfrm>
+            <a:off x="8540496" y="6356350"/>
+            <a:ext cx="2743200" cy="365125"/>
+          </a:xfrm>
+        </p:spPr>
         <p:txBody>
           <a:bodyPr/>
           <a:lstStyle/>
           <a:p>
-            <a:pPr lvl="0"/>
-            <a:r>
-              <a:rPr lang="en-GB"/>
-              <a:t>Click to edit Master text styles</a:t>
-            </a:r>
-          </a:p>
-          <a:p>
-            <a:pPr lvl="1"/>
-            <a:r>
-              <a:rPr lang="en-GB"/>
-              <a:t>Second level</a:t>
-            </a:r>
-          </a:p>
-          <a:p>
-            <a:pPr lvl="2"/>
-            <a:r>
-              <a:rPr lang="en-GB"/>
-              <a:t>Third level</a:t>
-            </a:r>
-          </a:p>
-          <a:p>
-            <a:pPr lvl="3"/>
-            <a:r>
-              <a:rPr lang="en-GB"/>
-              <a:t>Fourth level</a:t>
-            </a:r>
-          </a:p>
-          <a:p>
-            <a:pPr lvl="4"/>
-            <a:r>
-              <a:rPr lang="en-GB"/>
-              <a:t>Fifth level</a:t>
-            </a:r>
-            <a:endParaRPr lang="en-AU"/>
-          </a:p>
-        </p:txBody>
-      </p:sp>
-      <p:sp>
-        <p:nvSpPr>
-          <p:cNvPr id="4" name="Date Placeholder 3">
-            <a:extLst>
-              <a:ext uri="{FF2B5EF4-FFF2-40B4-BE49-F238E27FC236}">
-                <a16:creationId xmlns:a16="http://schemas.microsoft.com/office/drawing/2014/main" id="{E8271B90-4A6A-D86C-BE10-F6E7589F99B4}"/>
-              </a:ext>
-            </a:extLst>
-          </p:cNvPr>
-          <p:cNvSpPr>
-            <a:spLocks noGrp="1"/>
-          </p:cNvSpPr>
-          <p:nvPr>
-            <p:ph type="dt" sz="half" idx="10"/>
-          </p:nvPr>
-        </p:nvSpPr>
-        <p:spPr/>
-        <p:txBody>
-          <a:bodyPr/>
-          <a:lstStyle/>
-          <a:p>
-            <a:fld id="{916416A7-E3AC-4F4D-99D0-B565CC5C8F64}" type="datetimeFigureOut">
-              <a:rPr lang="en-AU" smtClean="0"/>
-              <a:t>22/9/2024</a:t>
-            </a:fld>
-            <a:endParaRPr lang="en-AU"/>
-          </a:p>
-        </p:txBody>
-      </p:sp>
-      <p:sp>
-        <p:nvSpPr>
-          <p:cNvPr id="5" name="Footer Placeholder 4">
-            <a:extLst>
-              <a:ext uri="{FF2B5EF4-FFF2-40B4-BE49-F238E27FC236}">
-                <a16:creationId xmlns:a16="http://schemas.microsoft.com/office/drawing/2014/main" id="{6B8794D6-C670-9E94-B69A-84D035416964}"/>
-              </a:ext>
-            </a:extLst>
-          </p:cNvPr>
-          <p:cNvSpPr>
-            <a:spLocks noGrp="1"/>
-          </p:cNvSpPr>
-          <p:nvPr>
-            <p:ph type="ftr" sz="quarter" idx="11"/>
-          </p:nvPr>
-        </p:nvSpPr>
-        <p:spPr/>
-        <p:txBody>
-          <a:bodyPr/>
-          <a:lstStyle/>
-          <a:p>
-            <a:endParaRPr lang="en-AU"/>
-          </a:p>
-        </p:txBody>
-      </p:sp>
-      <p:sp>
-        <p:nvSpPr>
-          <p:cNvPr id="6" name="Slide Number Placeholder 5">
-            <a:extLst>
-              <a:ext uri="{FF2B5EF4-FFF2-40B4-BE49-F238E27FC236}">
-                <a16:creationId xmlns:a16="http://schemas.microsoft.com/office/drawing/2014/main" id="{372F31EE-BD8F-1E3A-573C-42B5E1983248}"/>
-              </a:ext>
-            </a:extLst>
-          </p:cNvPr>
-          <p:cNvSpPr>
-            <a:spLocks noGrp="1"/>
-          </p:cNvSpPr>
-          <p:nvPr>
-            <p:ph type="sldNum" sz="quarter" idx="12"/>
-          </p:nvPr>
-        </p:nvSpPr>
-        <p:spPr/>
-        <p:txBody>
-          <a:bodyPr/>
-          <a:lstStyle/>
-          <a:p>
-            <a:fld id="{3A7546D1-F557-9445-B9CE-424F41EE8835}" type="slidenum">
-              <a:rPr lang="en-AU" smtClean="0"/>
+            <a:fld id="{B2DC25EE-239B-4C5F-AAD1-255A7D5F1EE2}" type="slidenum">
+              <a:rPr lang="en-US" smtClean="0"/>
               <a:t>‹#›</a:t>
             </a:fld>
-            <a:endParaRPr lang="en-AU"/>
+            <a:endParaRPr lang="en-US"/>
           </a:p>
         </p:txBody>
       </p:sp>
     </p:spTree>
     <p:extLst>
       <p:ext uri="{BB962C8B-B14F-4D97-AF65-F5344CB8AC3E}">
-        <p14:creationId xmlns:p14="http://schemas.microsoft.com/office/powerpoint/2010/main" val="1649551826"/>
+        <p14:creationId xmlns:p14="http://schemas.microsoft.com/office/powerpoint/2010/main" val="3786617297"/>
       </p:ext>
     </p:extLst>
   </p:cSld>
@@ -956,41 +1423,214 @@
           <a:chExt cx="0" cy="0"/>
         </a:xfrm>
       </p:grpSpPr>
-      <p:sp>
-        <p:nvSpPr>
-          <p:cNvPr id="2" name="Title 1">
-            <a:extLst>
-              <a:ext uri="{FF2B5EF4-FFF2-40B4-BE49-F238E27FC236}">
-                <a16:creationId xmlns:a16="http://schemas.microsoft.com/office/drawing/2014/main" id="{0EFA568C-3764-9022-32CC-8375A300ECB4}"/>
-              </a:ext>
-            </a:extLst>
-          </p:cNvPr>
-          <p:cNvSpPr>
-            <a:spLocks noGrp="1"/>
-          </p:cNvSpPr>
-          <p:nvPr>
-            <p:ph type="title"/>
-          </p:nvPr>
+      <p:sp useBgFill="1">
+        <p:nvSpPr>
+          <p:cNvPr id="8" name="Rectangle 7">
+            <a:extLst>
+              <a:ext uri="{FF2B5EF4-FFF2-40B4-BE49-F238E27FC236}">
+                <a16:creationId xmlns:a16="http://schemas.microsoft.com/office/drawing/2014/main" id="{85AEDC5C-2E87-49C6-AB07-A95E5F39ED8E}"/>
+              </a:ext>
+            </a:extLst>
+          </p:cNvPr>
+          <p:cNvSpPr/>
+          <p:nvPr/>
         </p:nvSpPr>
         <p:spPr>
           <a:xfrm>
-            <a:off x="831850" y="1709738"/>
-            <a:ext cx="10515600" cy="2852737"/>
+            <a:off x="558210" y="4981421"/>
+            <a:ext cx="11134956" cy="822960"/>
+          </a:xfrm>
+          <a:prstGeom prst="rect">
+            <a:avLst/>
+          </a:prstGeom>
+          <a:ln w="12700">
+            <a:solidFill>
+              <a:schemeClr val="tx2">
+                <a:lumMod val="10000"/>
+                <a:lumOff val="90000"/>
+              </a:schemeClr>
+            </a:solidFill>
+          </a:ln>
+          <a:effectLst>
+            <a:outerShdw blurRad="50800" dist="38100" dir="2700000" algn="tl" rotWithShape="0">
+              <a:schemeClr val="bg1">
+                <a:lumMod val="85000"/>
+                <a:alpha val="30000"/>
+              </a:schemeClr>
+            </a:outerShdw>
+          </a:effectLst>
+        </p:spPr>
+        <p:style>
+          <a:lnRef idx="2">
+            <a:schemeClr val="accent1">
+              <a:shade val="50000"/>
+            </a:schemeClr>
+          </a:lnRef>
+          <a:fillRef idx="1">
+            <a:schemeClr val="accent1"/>
+          </a:fillRef>
+          <a:effectRef idx="0">
+            <a:schemeClr val="accent1"/>
+          </a:effectRef>
+          <a:fontRef idx="minor">
+            <a:schemeClr val="lt1"/>
+          </a:fontRef>
+        </p:style>
+        <p:txBody>
+          <a:bodyPr rtlCol="0" anchor="ctr"/>
+          <a:lstStyle/>
+          <a:p>
+            <a:pPr marL="0" marR="0" lvl="0" indent="0" algn="ctr" defTabSz="914400" rtl="0" eaLnBrk="1" fontAlgn="auto" latinLnBrk="0" hangingPunct="1">
+              <a:lnSpc>
+                <a:spcPct val="100000"/>
+              </a:lnSpc>
+              <a:spcBef>
+                <a:spcPts val="0"/>
+              </a:spcBef>
+              <a:spcAft>
+                <a:spcPts val="0"/>
+              </a:spcAft>
+              <a:buClrTx/>
+              <a:buSzTx/>
+              <a:buFontTx/>
+              <a:buNone/>
+              <a:tabLst/>
+              <a:defRPr/>
+            </a:pPr>
+            <a:endParaRPr kumimoji="0" lang="en-US" sz="1800" b="0" i="0" u="none" strike="noStrike" kern="1200" cap="none" spc="0" normalizeH="0" baseline="0" noProof="0" dirty="0">
+              <a:ln>
+                <a:noFill/>
+              </a:ln>
+              <a:solidFill>
+                <a:prstClr val="white"/>
+              </a:solidFill>
+              <a:effectLst/>
+              <a:uLnTx/>
+              <a:uFillTx/>
+              <a:latin typeface="Calibri" panose="020F0502020204030204"/>
+              <a:ea typeface="+mn-ea"/>
+              <a:cs typeface="+mn-cs"/>
+            </a:endParaRPr>
+          </a:p>
+        </p:txBody>
+      </p:sp>
+      <p:sp>
+        <p:nvSpPr>
+          <p:cNvPr id="10" name="Rectangle 9">
+            <a:extLst>
+              <a:ext uri="{FF2B5EF4-FFF2-40B4-BE49-F238E27FC236}">
+                <a16:creationId xmlns:a16="http://schemas.microsoft.com/office/drawing/2014/main" id="{A57D88DE-E462-4C8A-BF99-609390DFB781}"/>
+              </a:ext>
+            </a:extLst>
+          </p:cNvPr>
+          <p:cNvSpPr/>
+          <p:nvPr/>
+        </p:nvSpPr>
+        <p:spPr>
+          <a:xfrm>
+            <a:off x="498834" y="5118581"/>
+            <a:ext cx="146304" cy="548640"/>
+          </a:xfrm>
+          <a:prstGeom prst="rect">
+            <a:avLst/>
+          </a:prstGeom>
+          <a:solidFill>
+            <a:schemeClr val="accent1"/>
+          </a:solidFill>
+          <a:ln>
+            <a:noFill/>
+          </a:ln>
+        </p:spPr>
+        <p:style>
+          <a:lnRef idx="2">
+            <a:schemeClr val="accent1">
+              <a:shade val="50000"/>
+            </a:schemeClr>
+          </a:lnRef>
+          <a:fillRef idx="1">
+            <a:schemeClr val="accent1"/>
+          </a:fillRef>
+          <a:effectRef idx="0">
+            <a:schemeClr val="accent1"/>
+          </a:effectRef>
+          <a:fontRef idx="minor">
+            <a:schemeClr val="lt1"/>
+          </a:fontRef>
+        </p:style>
+        <p:txBody>
+          <a:bodyPr rtlCol="0" anchor="ctr"/>
+          <a:lstStyle/>
+          <a:p>
+            <a:pPr marL="0" marR="0" lvl="0" indent="0" algn="ctr" defTabSz="914400" rtl="0" eaLnBrk="1" fontAlgn="auto" latinLnBrk="0" hangingPunct="1">
+              <a:lnSpc>
+                <a:spcPct val="100000"/>
+              </a:lnSpc>
+              <a:spcBef>
+                <a:spcPts val="0"/>
+              </a:spcBef>
+              <a:spcAft>
+                <a:spcPts val="0"/>
+              </a:spcAft>
+              <a:buClrTx/>
+              <a:buSzTx/>
+              <a:buFontTx/>
+              <a:buNone/>
+              <a:tabLst/>
+              <a:defRPr/>
+            </a:pPr>
+            <a:endParaRPr kumimoji="0" lang="en-US" sz="1800" b="0" i="0" u="none" strike="noStrike" kern="1200" cap="none" spc="0" normalizeH="0" baseline="0" noProof="0">
+              <a:ln>
+                <a:noFill/>
+              </a:ln>
+              <a:solidFill>
+                <a:prstClr val="white"/>
+              </a:solidFill>
+              <a:effectLst/>
+              <a:uLnTx/>
+              <a:uFillTx/>
+              <a:latin typeface="Calibri" panose="020F0502020204030204"/>
+              <a:ea typeface="+mn-ea"/>
+              <a:cs typeface="+mn-cs"/>
+            </a:endParaRPr>
+          </a:p>
+        </p:txBody>
+      </p:sp>
+      <p:sp>
+        <p:nvSpPr>
+          <p:cNvPr id="2" name="Title 1">
+            <a:extLst>
+              <a:ext uri="{FF2B5EF4-FFF2-40B4-BE49-F238E27FC236}">
+                <a16:creationId xmlns:a16="http://schemas.microsoft.com/office/drawing/2014/main" id="{B8E44900-E8BF-4B12-8BCB-41076E2B68C7}"/>
+              </a:ext>
+            </a:extLst>
+          </p:cNvPr>
+          <p:cNvSpPr>
+            <a:spLocks noGrp="1"/>
+          </p:cNvSpPr>
+          <p:nvPr>
+            <p:ph type="title"/>
+          </p:nvPr>
+        </p:nvSpPr>
+        <p:spPr>
+          <a:xfrm>
+            <a:off x="557784" y="640080"/>
+            <a:ext cx="10890504" cy="4114800"/>
           </a:xfrm>
         </p:spPr>
         <p:txBody>
-          <a:bodyPr anchor="b"/>
+          <a:bodyPr anchor="b">
+            <a:normAutofit/>
+          </a:bodyPr>
           <a:lstStyle>
             <a:lvl1pPr>
-              <a:defRPr sz="6000"/>
+              <a:defRPr sz="6600"/>
             </a:lvl1pPr>
           </a:lstStyle>
           <a:p>
             <a:r>
-              <a:rPr lang="en-GB"/>
+              <a:rPr lang="en-US" dirty="0"/>
               <a:t>Click to edit Master title style</a:t>
             </a:r>
-            <a:endParaRPr lang="en-AU"/>
           </a:p>
         </p:txBody>
       </p:sp>
@@ -999,7 +1639,7 @@
           <p:cNvPr id="3" name="Text Placeholder 2">
             <a:extLst>
               <a:ext uri="{FF2B5EF4-FFF2-40B4-BE49-F238E27FC236}">
-                <a16:creationId xmlns:a16="http://schemas.microsoft.com/office/drawing/2014/main" id="{505FA347-C9DF-E049-646D-44C1FD5234E7}"/>
+                <a16:creationId xmlns:a16="http://schemas.microsoft.com/office/drawing/2014/main" id="{917741F9-B00F-4463-A257-6B66DABD9B4E}"/>
               </a:ext>
             </a:extLst>
           </p:cNvPr>
@@ -1012,20 +1652,20 @@
         </p:nvSpPr>
         <p:spPr>
           <a:xfrm>
-            <a:off x="831850" y="4589463"/>
-            <a:ext cx="10515600" cy="1500187"/>
+            <a:off x="841248" y="5102352"/>
+            <a:ext cx="10607040" cy="585216"/>
           </a:xfrm>
         </p:spPr>
         <p:txBody>
-          <a:bodyPr/>
+          <a:bodyPr anchor="ctr">
+            <a:normAutofit/>
+          </a:bodyPr>
           <a:lstStyle>
             <a:lvl1pPr marL="0" indent="0">
               <a:buNone/>
-              <a:defRPr sz="2400">
+              <a:defRPr sz="2000">
                 <a:solidFill>
-                  <a:schemeClr val="tx1">
-                    <a:tint val="82000"/>
-                  </a:schemeClr>
+                  <a:schemeClr val="tx1"/>
                 </a:solidFill>
               </a:defRPr>
             </a:lvl1pPr>
@@ -1034,7 +1674,7 @@
               <a:defRPr sz="2000">
                 <a:solidFill>
                   <a:schemeClr val="tx1">
-                    <a:tint val="82000"/>
+                    <a:tint val="75000"/>
                   </a:schemeClr>
                 </a:solidFill>
               </a:defRPr>
@@ -1044,7 +1684,7 @@
               <a:defRPr sz="1800">
                 <a:solidFill>
                   <a:schemeClr val="tx1">
-                    <a:tint val="82000"/>
+                    <a:tint val="75000"/>
                   </a:schemeClr>
                 </a:solidFill>
               </a:defRPr>
@@ -1054,7 +1694,7 @@
               <a:defRPr sz="1600">
                 <a:solidFill>
                   <a:schemeClr val="tx1">
-                    <a:tint val="82000"/>
+                    <a:tint val="75000"/>
                   </a:schemeClr>
                 </a:solidFill>
               </a:defRPr>
@@ -1064,7 +1704,7 @@
               <a:defRPr sz="1600">
                 <a:solidFill>
                   <a:schemeClr val="tx1">
-                    <a:tint val="82000"/>
+                    <a:tint val="75000"/>
                   </a:schemeClr>
                 </a:solidFill>
               </a:defRPr>
@@ -1074,7 +1714,7 @@
               <a:defRPr sz="1600">
                 <a:solidFill>
                   <a:schemeClr val="tx1">
-                    <a:tint val="82000"/>
+                    <a:tint val="75000"/>
                   </a:schemeClr>
                 </a:solidFill>
               </a:defRPr>
@@ -1084,7 +1724,7 @@
               <a:defRPr sz="1600">
                 <a:solidFill>
                   <a:schemeClr val="tx1">
-                    <a:tint val="82000"/>
+                    <a:tint val="75000"/>
                   </a:schemeClr>
                 </a:solidFill>
               </a:defRPr>
@@ -1094,7 +1734,7 @@
               <a:defRPr sz="1600">
                 <a:solidFill>
                   <a:schemeClr val="tx1">
-                    <a:tint val="82000"/>
+                    <a:tint val="75000"/>
                   </a:schemeClr>
                 </a:solidFill>
               </a:defRPr>
@@ -1104,7 +1744,7 @@
               <a:defRPr sz="1600">
                 <a:solidFill>
                   <a:schemeClr val="tx1">
-                    <a:tint val="82000"/>
+                    <a:tint val="75000"/>
                   </a:schemeClr>
                 </a:solidFill>
               </a:defRPr>
@@ -1113,7 +1753,7 @@
           <a:p>
             <a:pPr lvl="0"/>
             <a:r>
-              <a:rPr lang="en-GB"/>
+              <a:rPr lang="en-US" dirty="0"/>
               <a:t>Click to edit Master text styles</a:t>
             </a:r>
           </a:p>
@@ -1124,7 +1764,7 @@
           <p:cNvPr id="4" name="Date Placeholder 3">
             <a:extLst>
               <a:ext uri="{FF2B5EF4-FFF2-40B4-BE49-F238E27FC236}">
-                <a16:creationId xmlns:a16="http://schemas.microsoft.com/office/drawing/2014/main" id="{4BC0D2DB-0785-6C3F-322E-CF1616D1C174}"/>
+                <a16:creationId xmlns:a16="http://schemas.microsoft.com/office/drawing/2014/main" id="{D48BFA7D-4401-4285-802B-1579165F0D6D}"/>
               </a:ext>
             </a:extLst>
           </p:cNvPr>
@@ -1140,11 +1780,11 @@
           <a:bodyPr/>
           <a:lstStyle/>
           <a:p>
-            <a:fld id="{916416A7-E3AC-4F4D-99D0-B565CC5C8F64}" type="datetimeFigureOut">
-              <a:rPr lang="en-AU" smtClean="0"/>
-              <a:t>22/9/2024</a:t>
+            <a:fld id="{02AC24A9-CCB6-4F8D-B8DB-C2F3692CFA5A}" type="datetimeFigureOut">
+              <a:rPr lang="en-US" smtClean="0"/>
+              <a:t>9/26/24</a:t>
             </a:fld>
-            <a:endParaRPr lang="en-AU"/>
+            <a:endParaRPr lang="en-US"/>
           </a:p>
         </p:txBody>
       </p:sp>
@@ -1153,7 +1793,7 @@
           <p:cNvPr id="5" name="Footer Placeholder 4">
             <a:extLst>
               <a:ext uri="{FF2B5EF4-FFF2-40B4-BE49-F238E27FC236}">
-                <a16:creationId xmlns:a16="http://schemas.microsoft.com/office/drawing/2014/main" id="{15CD4863-00FD-57FE-3984-0197ABC5D7BD}"/>
+                <a16:creationId xmlns:a16="http://schemas.microsoft.com/office/drawing/2014/main" id="{49A909C5-AA19-4195-8376-9002D5DF4651}"/>
               </a:ext>
             </a:extLst>
           </p:cNvPr>
@@ -1169,7 +1809,7 @@
           <a:bodyPr/>
           <a:lstStyle/>
           <a:p>
-            <a:endParaRPr lang="en-AU"/>
+            <a:endParaRPr lang="en-US"/>
           </a:p>
         </p:txBody>
       </p:sp>
@@ -1178,7 +1818,7 @@
           <p:cNvPr id="6" name="Slide Number Placeholder 5">
             <a:extLst>
               <a:ext uri="{FF2B5EF4-FFF2-40B4-BE49-F238E27FC236}">
-                <a16:creationId xmlns:a16="http://schemas.microsoft.com/office/drawing/2014/main" id="{E0983A33-95DB-B187-ED11-D967AD333FC7}"/>
+                <a16:creationId xmlns:a16="http://schemas.microsoft.com/office/drawing/2014/main" id="{53AC3F32-46E0-47C8-8565-5969A475FDB0}"/>
               </a:ext>
             </a:extLst>
           </p:cNvPr>
@@ -1194,18 +1834,18 @@
           <a:bodyPr/>
           <a:lstStyle/>
           <a:p>
-            <a:fld id="{3A7546D1-F557-9445-B9CE-424F41EE8835}" type="slidenum">
-              <a:rPr lang="en-AU" smtClean="0"/>
+            <a:fld id="{B2DC25EE-239B-4C5F-AAD1-255A7D5F1EE2}" type="slidenum">
+              <a:rPr lang="en-US" smtClean="0"/>
               <a:t>‹#›</a:t>
             </a:fld>
-            <a:endParaRPr lang="en-AU"/>
+            <a:endParaRPr lang="en-US"/>
           </a:p>
         </p:txBody>
       </p:sp>
     </p:spTree>
     <p:extLst>
       <p:ext uri="{BB962C8B-B14F-4D97-AF65-F5344CB8AC3E}">
-        <p14:creationId xmlns:p14="http://schemas.microsoft.com/office/powerpoint/2010/main" val="730847906"/>
+        <p14:creationId xmlns:p14="http://schemas.microsoft.com/office/powerpoint/2010/main" val="717690402"/>
       </p:ext>
     </p:extLst>
   </p:cSld>
@@ -1232,104 +1872,302 @@
           <a:chExt cx="0" cy="0"/>
         </a:xfrm>
       </p:grpSpPr>
-      <p:sp>
-        <p:nvSpPr>
-          <p:cNvPr id="2" name="Title 1">
-            <a:extLst>
-              <a:ext uri="{FF2B5EF4-FFF2-40B4-BE49-F238E27FC236}">
-                <a16:creationId xmlns:a16="http://schemas.microsoft.com/office/drawing/2014/main" id="{4026CFD0-3717-7357-4900-C8DB601995C7}"/>
-              </a:ext>
-            </a:extLst>
-          </p:cNvPr>
-          <p:cNvSpPr>
-            <a:spLocks noGrp="1"/>
-          </p:cNvSpPr>
-          <p:nvPr>
-            <p:ph type="title"/>
-          </p:nvPr>
-        </p:nvSpPr>
-        <p:spPr/>
-        <p:txBody>
-          <a:bodyPr/>
-          <a:lstStyle/>
-          <a:p>
-            <a:r>
-              <a:rPr lang="en-GB"/>
-              <a:t>Click to edit Master title style</a:t>
-            </a:r>
-            <a:endParaRPr lang="en-AU"/>
-          </a:p>
-        </p:txBody>
-      </p:sp>
-      <p:sp>
-        <p:nvSpPr>
-          <p:cNvPr id="3" name="Content Placeholder 2">
-            <a:extLst>
-              <a:ext uri="{FF2B5EF4-FFF2-40B4-BE49-F238E27FC236}">
-                <a16:creationId xmlns:a16="http://schemas.microsoft.com/office/drawing/2014/main" id="{3D377D7B-D62D-F455-4CF2-CB909682D95D}"/>
-              </a:ext>
-            </a:extLst>
-          </p:cNvPr>
-          <p:cNvSpPr>
-            <a:spLocks noGrp="1"/>
-          </p:cNvSpPr>
-          <p:nvPr>
-            <p:ph sz="half" idx="1"/>
-          </p:nvPr>
+      <p:sp useBgFill="1">
+        <p:nvSpPr>
+          <p:cNvPr id="9" name="Rectangle 8">
+            <a:extLst>
+              <a:ext uri="{FF2B5EF4-FFF2-40B4-BE49-F238E27FC236}">
+                <a16:creationId xmlns:a16="http://schemas.microsoft.com/office/drawing/2014/main" id="{2076262E-36A0-40C6-ADE6-90CD9FB9B9EA}"/>
+              </a:ext>
+            </a:extLst>
+          </p:cNvPr>
+          <p:cNvSpPr/>
+          <p:nvPr/>
         </p:nvSpPr>
         <p:spPr>
           <a:xfrm>
-            <a:off x="838200" y="1825625"/>
-            <a:ext cx="5181600" cy="4351338"/>
+            <a:off x="558209" y="0"/>
+            <a:ext cx="11167447" cy="2018806"/>
+          </a:xfrm>
+          <a:prstGeom prst="rect">
+            <a:avLst/>
+          </a:prstGeom>
+          <a:ln w="9525">
+            <a:solidFill>
+              <a:schemeClr val="tx2">
+                <a:lumMod val="10000"/>
+                <a:lumOff val="90000"/>
+              </a:schemeClr>
+            </a:solidFill>
+          </a:ln>
+          <a:effectLst>
+            <a:outerShdw blurRad="50800" dist="38100" dir="2700000" algn="tl" rotWithShape="0">
+              <a:schemeClr val="bg1">
+                <a:lumMod val="85000"/>
+                <a:alpha val="30000"/>
+              </a:schemeClr>
+            </a:outerShdw>
+          </a:effectLst>
+        </p:spPr>
+        <p:style>
+          <a:lnRef idx="2">
+            <a:schemeClr val="accent1">
+              <a:shade val="50000"/>
+            </a:schemeClr>
+          </a:lnRef>
+          <a:fillRef idx="1">
+            <a:schemeClr val="accent1"/>
+          </a:fillRef>
+          <a:effectRef idx="0">
+            <a:schemeClr val="accent1"/>
+          </a:effectRef>
+          <a:fontRef idx="minor">
+            <a:schemeClr val="lt1"/>
+          </a:fontRef>
+        </p:style>
+        <p:txBody>
+          <a:bodyPr rtlCol="0" anchor="ctr"/>
+          <a:lstStyle/>
+          <a:p>
+            <a:pPr marL="0" marR="0" lvl="0" indent="0" algn="ctr" defTabSz="914400" rtl="0" eaLnBrk="1" fontAlgn="auto" latinLnBrk="0" hangingPunct="1">
+              <a:lnSpc>
+                <a:spcPct val="100000"/>
+              </a:lnSpc>
+              <a:spcBef>
+                <a:spcPts val="0"/>
+              </a:spcBef>
+              <a:spcAft>
+                <a:spcPts val="0"/>
+              </a:spcAft>
+              <a:buClrTx/>
+              <a:buSzTx/>
+              <a:buFontTx/>
+              <a:buNone/>
+              <a:tabLst/>
+              <a:defRPr/>
+            </a:pPr>
+            <a:endParaRPr kumimoji="0" lang="en-US" sz="1800" b="0" i="0" u="none" strike="noStrike" kern="1200" cap="none" spc="0" normalizeH="0" baseline="0" noProof="0">
+              <a:ln>
+                <a:noFill/>
+              </a:ln>
+              <a:solidFill>
+                <a:prstClr val="white"/>
+              </a:solidFill>
+              <a:effectLst/>
+              <a:uLnTx/>
+              <a:uFillTx/>
+              <a:latin typeface="Calibri" panose="020F0502020204030204"/>
+              <a:ea typeface="+mn-ea"/>
+              <a:cs typeface="+mn-cs"/>
+            </a:endParaRPr>
+          </a:p>
+        </p:txBody>
+      </p:sp>
+      <p:sp useBgFill="1">
+        <p:nvSpPr>
+          <p:cNvPr id="11" name="Rectangle 10">
+            <a:extLst>
+              <a:ext uri="{FF2B5EF4-FFF2-40B4-BE49-F238E27FC236}">
+                <a16:creationId xmlns:a16="http://schemas.microsoft.com/office/drawing/2014/main" id="{42677A9B-4D1D-4D80-912C-24570140A650}"/>
+              </a:ext>
+            </a:extLst>
+          </p:cNvPr>
+          <p:cNvSpPr/>
+          <p:nvPr/>
+        </p:nvSpPr>
+        <p:spPr>
+          <a:xfrm>
+            <a:off x="566928" y="0"/>
+            <a:ext cx="11155680" cy="2011680"/>
+          </a:xfrm>
+          <a:prstGeom prst="rect">
+            <a:avLst/>
+          </a:prstGeom>
+          <a:ln w="9525">
+            <a:noFill/>
+          </a:ln>
+          <a:effectLst/>
+        </p:spPr>
+        <p:style>
+          <a:lnRef idx="2">
+            <a:schemeClr val="accent1">
+              <a:shade val="50000"/>
+            </a:schemeClr>
+          </a:lnRef>
+          <a:fillRef idx="1">
+            <a:schemeClr val="accent1"/>
+          </a:fillRef>
+          <a:effectRef idx="0">
+            <a:schemeClr val="accent1"/>
+          </a:effectRef>
+          <a:fontRef idx="minor">
+            <a:schemeClr val="lt1"/>
+          </a:fontRef>
+        </p:style>
+        <p:txBody>
+          <a:bodyPr rtlCol="0" anchor="ctr"/>
+          <a:lstStyle/>
+          <a:p>
+            <a:pPr marL="0" marR="0" lvl="0" indent="0" algn="ctr" defTabSz="914400" rtl="0" eaLnBrk="1" fontAlgn="auto" latinLnBrk="0" hangingPunct="1">
+              <a:lnSpc>
+                <a:spcPct val="100000"/>
+              </a:lnSpc>
+              <a:spcBef>
+                <a:spcPts val="0"/>
+              </a:spcBef>
+              <a:spcAft>
+                <a:spcPts val="0"/>
+              </a:spcAft>
+              <a:buClrTx/>
+              <a:buSzTx/>
+              <a:buFontTx/>
+              <a:buNone/>
+              <a:tabLst/>
+              <a:defRPr/>
+            </a:pPr>
+            <a:endParaRPr kumimoji="0" lang="en-US" sz="1800" b="0" i="0" u="none" strike="noStrike" kern="1200" cap="none" spc="0" normalizeH="0" baseline="0" noProof="0">
+              <a:ln>
+                <a:noFill/>
+              </a:ln>
+              <a:solidFill>
+                <a:prstClr val="white"/>
+              </a:solidFill>
+              <a:effectLst/>
+              <a:uLnTx/>
+              <a:uFillTx/>
+              <a:latin typeface="Calibri" panose="020F0502020204030204"/>
+              <a:ea typeface="+mn-ea"/>
+              <a:cs typeface="+mn-cs"/>
+            </a:endParaRPr>
+          </a:p>
+        </p:txBody>
+      </p:sp>
+      <p:sp>
+        <p:nvSpPr>
+          <p:cNvPr id="13" name="Rectangle 12">
+            <a:extLst>
+              <a:ext uri="{FF2B5EF4-FFF2-40B4-BE49-F238E27FC236}">
+                <a16:creationId xmlns:a16="http://schemas.microsoft.com/office/drawing/2014/main" id="{03DC8C98-510F-48C9-82B2-9E4F760A68DF}"/>
+              </a:ext>
+            </a:extLst>
+          </p:cNvPr>
+          <p:cNvSpPr/>
+          <p:nvPr/>
+        </p:nvSpPr>
+        <p:spPr>
+          <a:xfrm>
+            <a:off x="498834" y="787352"/>
+            <a:ext cx="128016" cy="704088"/>
+          </a:xfrm>
+          <a:prstGeom prst="rect">
+            <a:avLst/>
+          </a:prstGeom>
+          <a:solidFill>
+            <a:schemeClr val="accent1"/>
+          </a:solidFill>
+          <a:ln>
+            <a:noFill/>
+          </a:ln>
+        </p:spPr>
+        <p:style>
+          <a:lnRef idx="2">
+            <a:schemeClr val="accent1">
+              <a:shade val="50000"/>
+            </a:schemeClr>
+          </a:lnRef>
+          <a:fillRef idx="1">
+            <a:schemeClr val="accent1"/>
+          </a:fillRef>
+          <a:effectRef idx="0">
+            <a:schemeClr val="accent1"/>
+          </a:effectRef>
+          <a:fontRef idx="minor">
+            <a:schemeClr val="lt1"/>
+          </a:fontRef>
+        </p:style>
+        <p:txBody>
+          <a:bodyPr rtlCol="0" anchor="ctr"/>
+          <a:lstStyle/>
+          <a:p>
+            <a:pPr marL="0" marR="0" lvl="0" indent="0" algn="ctr" defTabSz="914400" rtl="0" eaLnBrk="1" fontAlgn="auto" latinLnBrk="0" hangingPunct="1">
+              <a:lnSpc>
+                <a:spcPct val="100000"/>
+              </a:lnSpc>
+              <a:spcBef>
+                <a:spcPts val="0"/>
+              </a:spcBef>
+              <a:spcAft>
+                <a:spcPts val="0"/>
+              </a:spcAft>
+              <a:buClrTx/>
+              <a:buSzTx/>
+              <a:buFontTx/>
+              <a:buNone/>
+              <a:tabLst/>
+              <a:defRPr/>
+            </a:pPr>
+            <a:endParaRPr kumimoji="0" lang="en-US" sz="1800" b="0" i="0" u="none" strike="noStrike" kern="1200" cap="none" spc="0" normalizeH="0" baseline="0" noProof="0">
+              <a:ln>
+                <a:noFill/>
+              </a:ln>
+              <a:solidFill>
+                <a:prstClr val="white"/>
+              </a:solidFill>
+              <a:effectLst/>
+              <a:uLnTx/>
+              <a:uFillTx/>
+              <a:latin typeface="Calibri" panose="020F0502020204030204"/>
+              <a:ea typeface="+mn-ea"/>
+              <a:cs typeface="+mn-cs"/>
+            </a:endParaRPr>
+          </a:p>
+        </p:txBody>
+      </p:sp>
+      <p:sp>
+        <p:nvSpPr>
+          <p:cNvPr id="2" name="Title 1">
+            <a:extLst>
+              <a:ext uri="{FF2B5EF4-FFF2-40B4-BE49-F238E27FC236}">
+                <a16:creationId xmlns:a16="http://schemas.microsoft.com/office/drawing/2014/main" id="{17A078AE-0BC3-48F9-87EC-2DB0CCE7E2AE}"/>
+              </a:ext>
+            </a:extLst>
+          </p:cNvPr>
+          <p:cNvSpPr>
+            <a:spLocks noGrp="1"/>
+          </p:cNvSpPr>
+          <p:nvPr>
+            <p:ph type="title"/>
+          </p:nvPr>
+        </p:nvSpPr>
+        <p:spPr>
+          <a:xfrm>
+            <a:off x="1115568" y="548640"/>
+            <a:ext cx="10168128" cy="1179576"/>
           </a:xfrm>
         </p:spPr>
         <p:txBody>
-          <a:bodyPr/>
-          <a:lstStyle/>
-          <a:p>
-            <a:pPr lvl="0"/>
-            <a:r>
-              <a:rPr lang="en-GB"/>
-              <a:t>Click to edit Master text styles</a:t>
-            </a:r>
-          </a:p>
-          <a:p>
-            <a:pPr lvl="1"/>
-            <a:r>
-              <a:rPr lang="en-GB"/>
-              <a:t>Second level</a:t>
-            </a:r>
-          </a:p>
-          <a:p>
-            <a:pPr lvl="2"/>
-            <a:r>
-              <a:rPr lang="en-GB"/>
-              <a:t>Third level</a:t>
-            </a:r>
-          </a:p>
-          <a:p>
-            <a:pPr lvl="3"/>
-            <a:r>
-              <a:rPr lang="en-GB"/>
-              <a:t>Fourth level</a:t>
-            </a:r>
-          </a:p>
-          <a:p>
-            <a:pPr lvl="4"/>
-            <a:r>
-              <a:rPr lang="en-GB"/>
-              <a:t>Fifth level</a:t>
-            </a:r>
-            <a:endParaRPr lang="en-AU"/>
-          </a:p>
-        </p:txBody>
-      </p:sp>
-      <p:sp>
-        <p:nvSpPr>
-          <p:cNvPr id="4" name="Content Placeholder 3">
-            <a:extLst>
-              <a:ext uri="{FF2B5EF4-FFF2-40B4-BE49-F238E27FC236}">
-                <a16:creationId xmlns:a16="http://schemas.microsoft.com/office/drawing/2014/main" id="{879A9B63-8675-B94A-0044-2E6342ADCD6F}"/>
+          <a:bodyPr>
+            <a:normAutofit/>
+          </a:bodyPr>
+          <a:lstStyle>
+            <a:lvl1pPr>
+              <a:defRPr sz="4000"/>
+            </a:lvl1pPr>
+          </a:lstStyle>
+          <a:p>
+            <a:r>
+              <a:rPr lang="en-US" dirty="0"/>
+              <a:t>Click to edit Master title style</a:t>
+            </a:r>
+          </a:p>
+        </p:txBody>
+      </p:sp>
+      <p:sp>
+        <p:nvSpPr>
+          <p:cNvPr id="3" name="Content Placeholder 2">
+            <a:extLst>
+              <a:ext uri="{FF2B5EF4-FFF2-40B4-BE49-F238E27FC236}">
+                <a16:creationId xmlns:a16="http://schemas.microsoft.com/office/drawing/2014/main" id="{292A20DF-0829-4336-B59F-FF9D7AA9D8B6}"/>
               </a:ext>
             </a:extLst>
           </p:cNvPr>
@@ -1337,13 +2175,13 @@
             <a:spLocks noGrp="1"/>
           </p:cNvSpPr>
           <p:nvPr>
-            <p:ph sz="half" idx="2"/>
+            <p:ph sz="half" idx="1"/>
           </p:nvPr>
         </p:nvSpPr>
         <p:spPr>
           <a:xfrm>
-            <a:off x="6172200" y="1825625"/>
-            <a:ext cx="5181600" cy="4351338"/>
+            <a:off x="1115568" y="2478024"/>
+            <a:ext cx="4937760" cy="3694176"/>
           </a:xfrm>
         </p:spPr>
         <p:txBody>
@@ -1352,38 +2190,99 @@
           <a:p>
             <a:pPr lvl="0"/>
             <a:r>
-              <a:rPr lang="en-GB"/>
+              <a:rPr lang="en-US" dirty="0"/>
               <a:t>Click to edit Master text styles</a:t>
             </a:r>
           </a:p>
           <a:p>
             <a:pPr lvl="1"/>
             <a:r>
-              <a:rPr lang="en-GB"/>
+              <a:rPr lang="en-US" dirty="0"/>
               <a:t>Second level</a:t>
             </a:r>
           </a:p>
           <a:p>
             <a:pPr lvl="2"/>
             <a:r>
-              <a:rPr lang="en-GB"/>
+              <a:rPr lang="en-US" dirty="0"/>
               <a:t>Third level</a:t>
             </a:r>
           </a:p>
           <a:p>
             <a:pPr lvl="3"/>
             <a:r>
-              <a:rPr lang="en-GB"/>
+              <a:rPr lang="en-US" dirty="0"/>
               <a:t>Fourth level</a:t>
             </a:r>
           </a:p>
           <a:p>
             <a:pPr lvl="4"/>
             <a:r>
-              <a:rPr lang="en-GB"/>
+              <a:rPr lang="en-US" dirty="0"/>
               <a:t>Fifth level</a:t>
             </a:r>
-            <a:endParaRPr lang="en-AU"/>
+          </a:p>
+        </p:txBody>
+      </p:sp>
+      <p:sp>
+        <p:nvSpPr>
+          <p:cNvPr id="4" name="Content Placeholder 3">
+            <a:extLst>
+              <a:ext uri="{FF2B5EF4-FFF2-40B4-BE49-F238E27FC236}">
+                <a16:creationId xmlns:a16="http://schemas.microsoft.com/office/drawing/2014/main" id="{7935D01C-CF67-4DF6-B96C-FFC9D5BF847B}"/>
+              </a:ext>
+            </a:extLst>
+          </p:cNvPr>
+          <p:cNvSpPr>
+            <a:spLocks noGrp="1"/>
+          </p:cNvSpPr>
+          <p:nvPr>
+            <p:ph sz="half" idx="2"/>
+          </p:nvPr>
+        </p:nvSpPr>
+        <p:spPr>
+          <a:xfrm>
+            <a:off x="6345936" y="2478024"/>
+            <a:ext cx="4937760" cy="3694176"/>
+          </a:xfrm>
+        </p:spPr>
+        <p:txBody>
+          <a:bodyPr/>
+          <a:lstStyle/>
+          <a:p>
+            <a:pPr lvl="0"/>
+            <a:r>
+              <a:rPr lang="en-US" dirty="0"/>
+              <a:t>Click to edit Master text styles</a:t>
+            </a:r>
+          </a:p>
+          <a:p>
+            <a:pPr lvl="1"/>
+            <a:r>
+              <a:rPr lang="en-US" dirty="0"/>
+              <a:t>Second level</a:t>
+            </a:r>
+          </a:p>
+          <a:p>
+            <a:pPr lvl="2"/>
+            <a:r>
+              <a:rPr lang="en-US" dirty="0"/>
+              <a:t>Third level</a:t>
+            </a:r>
+          </a:p>
+          <a:p>
+            <a:pPr lvl="3"/>
+            <a:r>
+              <a:rPr lang="en-US" dirty="0"/>
+              <a:t>Fourth level</a:t>
+            </a:r>
+          </a:p>
+          <a:p>
+            <a:pPr lvl="4"/>
+            <a:r>
+              <a:rPr lang="en-US" dirty="0"/>
+              <a:t>Fifth level</a:t>
+            </a:r>
           </a:p>
         </p:txBody>
       </p:sp>
@@ -1392,7 +2291,7 @@
           <p:cNvPr id="5" name="Date Placeholder 4">
             <a:extLst>
               <a:ext uri="{FF2B5EF4-FFF2-40B4-BE49-F238E27FC236}">
-                <a16:creationId xmlns:a16="http://schemas.microsoft.com/office/drawing/2014/main" id="{6C06ACFE-16D8-256C-71C3-416680C88898}"/>
+                <a16:creationId xmlns:a16="http://schemas.microsoft.com/office/drawing/2014/main" id="{29BBD797-6031-4F82-8726-EAB757027FF5}"/>
               </a:ext>
             </a:extLst>
           </p:cNvPr>
@@ -1403,25 +2302,55 @@
             <p:ph type="dt" sz="half" idx="10"/>
           </p:nvPr>
         </p:nvSpPr>
+        <p:spPr>
+          <a:xfrm>
+            <a:off x="1115568" y="6356350"/>
+            <a:ext cx="2743200" cy="365125"/>
+          </a:xfrm>
+        </p:spPr>
+        <p:txBody>
+          <a:bodyPr/>
+          <a:lstStyle/>
+          <a:p>
+            <a:fld id="{02AC24A9-CCB6-4F8D-B8DB-C2F3692CFA5A}" type="datetimeFigureOut">
+              <a:rPr lang="en-US" smtClean="0"/>
+              <a:t>9/26/24</a:t>
+            </a:fld>
+            <a:endParaRPr lang="en-US"/>
+          </a:p>
+        </p:txBody>
+      </p:sp>
+      <p:sp>
+        <p:nvSpPr>
+          <p:cNvPr id="6" name="Footer Placeholder 5">
+            <a:extLst>
+              <a:ext uri="{FF2B5EF4-FFF2-40B4-BE49-F238E27FC236}">
+                <a16:creationId xmlns:a16="http://schemas.microsoft.com/office/drawing/2014/main" id="{76B3F71C-B897-4909-A75E-8716AD49C156}"/>
+              </a:ext>
+            </a:extLst>
+          </p:cNvPr>
+          <p:cNvSpPr>
+            <a:spLocks noGrp="1"/>
+          </p:cNvSpPr>
+          <p:nvPr>
+            <p:ph type="ftr" sz="quarter" idx="11"/>
+          </p:nvPr>
+        </p:nvSpPr>
         <p:spPr/>
         <p:txBody>
           <a:bodyPr/>
           <a:lstStyle/>
           <a:p>
-            <a:fld id="{916416A7-E3AC-4F4D-99D0-B565CC5C8F64}" type="datetimeFigureOut">
-              <a:rPr lang="en-AU" smtClean="0"/>
-              <a:t>22/9/2024</a:t>
-            </a:fld>
-            <a:endParaRPr lang="en-AU"/>
-          </a:p>
-        </p:txBody>
-      </p:sp>
-      <p:sp>
-        <p:nvSpPr>
-          <p:cNvPr id="6" name="Footer Placeholder 5">
-            <a:extLst>
-              <a:ext uri="{FF2B5EF4-FFF2-40B4-BE49-F238E27FC236}">
-                <a16:creationId xmlns:a16="http://schemas.microsoft.com/office/drawing/2014/main" id="{34826EF4-AA7D-846B-98B1-EAFC750A8C41}"/>
+            <a:endParaRPr lang="en-US"/>
+          </a:p>
+        </p:txBody>
+      </p:sp>
+      <p:sp>
+        <p:nvSpPr>
+          <p:cNvPr id="7" name="Slide Number Placeholder 6">
+            <a:extLst>
+              <a:ext uri="{FF2B5EF4-FFF2-40B4-BE49-F238E27FC236}">
+                <a16:creationId xmlns:a16="http://schemas.microsoft.com/office/drawing/2014/main" id="{4F78BC14-5BB1-405F-A6F3-C07230F085C8}"/>
               </a:ext>
             </a:extLst>
           </p:cNvPr>
@@ -1429,51 +2358,31 @@
             <a:spLocks noGrp="1"/>
           </p:cNvSpPr>
           <p:nvPr>
-            <p:ph type="ftr" sz="quarter" idx="11"/>
-          </p:nvPr>
-        </p:nvSpPr>
-        <p:spPr/>
+            <p:ph type="sldNum" sz="quarter" idx="12"/>
+          </p:nvPr>
+        </p:nvSpPr>
+        <p:spPr>
+          <a:xfrm>
+            <a:off x="8540496" y="6356350"/>
+            <a:ext cx="2743200" cy="365125"/>
+          </a:xfrm>
+        </p:spPr>
         <p:txBody>
           <a:bodyPr/>
           <a:lstStyle/>
           <a:p>
-            <a:endParaRPr lang="en-AU"/>
-          </a:p>
-        </p:txBody>
-      </p:sp>
-      <p:sp>
-        <p:nvSpPr>
-          <p:cNvPr id="7" name="Slide Number Placeholder 6">
-            <a:extLst>
-              <a:ext uri="{FF2B5EF4-FFF2-40B4-BE49-F238E27FC236}">
-                <a16:creationId xmlns:a16="http://schemas.microsoft.com/office/drawing/2014/main" id="{0517418E-1C15-95D4-B059-00D0C93A68D0}"/>
-              </a:ext>
-            </a:extLst>
-          </p:cNvPr>
-          <p:cNvSpPr>
-            <a:spLocks noGrp="1"/>
-          </p:cNvSpPr>
-          <p:nvPr>
-            <p:ph type="sldNum" sz="quarter" idx="12"/>
-          </p:nvPr>
-        </p:nvSpPr>
-        <p:spPr/>
-        <p:txBody>
-          <a:bodyPr/>
-          <a:lstStyle/>
-          <a:p>
-            <a:fld id="{3A7546D1-F557-9445-B9CE-424F41EE8835}" type="slidenum">
-              <a:rPr lang="en-AU" smtClean="0"/>
+            <a:fld id="{B2DC25EE-239B-4C5F-AAD1-255A7D5F1EE2}" type="slidenum">
+              <a:rPr lang="en-US" smtClean="0"/>
               <a:t>‹#›</a:t>
             </a:fld>
-            <a:endParaRPr lang="en-AU"/>
+            <a:endParaRPr lang="en-US"/>
           </a:p>
         </p:txBody>
       </p:sp>
     </p:spTree>
     <p:extLst>
       <p:ext uri="{BB962C8B-B14F-4D97-AF65-F5344CB8AC3E}">
-        <p14:creationId xmlns:p14="http://schemas.microsoft.com/office/powerpoint/2010/main" val="1136329084"/>
+        <p14:creationId xmlns:p14="http://schemas.microsoft.com/office/powerpoint/2010/main" val="1417063829"/>
       </p:ext>
     </p:extLst>
   </p:cSld>
@@ -1500,37 +2409,293 @@
           <a:chExt cx="0" cy="0"/>
         </a:xfrm>
       </p:grpSpPr>
-      <p:sp>
-        <p:nvSpPr>
-          <p:cNvPr id="2" name="Title 1">
-            <a:extLst>
-              <a:ext uri="{FF2B5EF4-FFF2-40B4-BE49-F238E27FC236}">
-                <a16:creationId xmlns:a16="http://schemas.microsoft.com/office/drawing/2014/main" id="{1E944F6D-C4C6-C59F-A887-48F2E65F9E0A}"/>
-              </a:ext>
-            </a:extLst>
-          </p:cNvPr>
-          <p:cNvSpPr>
-            <a:spLocks noGrp="1"/>
-          </p:cNvSpPr>
-          <p:nvPr>
-            <p:ph type="title"/>
-          </p:nvPr>
+      <p:sp useBgFill="1">
+        <p:nvSpPr>
+          <p:cNvPr id="11" name="Rectangle 10">
+            <a:extLst>
+              <a:ext uri="{FF2B5EF4-FFF2-40B4-BE49-F238E27FC236}">
+                <a16:creationId xmlns:a16="http://schemas.microsoft.com/office/drawing/2014/main" id="{6B671BDE-E45C-41A1-9B98-4A607D703855}"/>
+              </a:ext>
+            </a:extLst>
+          </p:cNvPr>
+          <p:cNvSpPr/>
+          <p:nvPr/>
         </p:nvSpPr>
         <p:spPr>
           <a:xfrm>
-            <a:off x="839788" y="365125"/>
-            <a:ext cx="10515600" cy="1325563"/>
+            <a:off x="558209" y="0"/>
+            <a:ext cx="11167447" cy="2018806"/>
+          </a:xfrm>
+          <a:prstGeom prst="rect">
+            <a:avLst/>
+          </a:prstGeom>
+          <a:ln w="9525">
+            <a:solidFill>
+              <a:schemeClr val="tx2">
+                <a:lumMod val="10000"/>
+                <a:lumOff val="90000"/>
+              </a:schemeClr>
+            </a:solidFill>
+          </a:ln>
+          <a:effectLst>
+            <a:outerShdw blurRad="50800" dist="38100" dir="2700000" algn="tl" rotWithShape="0">
+              <a:schemeClr val="bg1">
+                <a:lumMod val="85000"/>
+                <a:alpha val="30000"/>
+              </a:schemeClr>
+            </a:outerShdw>
+          </a:effectLst>
+        </p:spPr>
+        <p:style>
+          <a:lnRef idx="2">
+            <a:schemeClr val="accent1">
+              <a:shade val="50000"/>
+            </a:schemeClr>
+          </a:lnRef>
+          <a:fillRef idx="1">
+            <a:schemeClr val="accent1"/>
+          </a:fillRef>
+          <a:effectRef idx="0">
+            <a:schemeClr val="accent1"/>
+          </a:effectRef>
+          <a:fontRef idx="minor">
+            <a:schemeClr val="lt1"/>
+          </a:fontRef>
+        </p:style>
+        <p:txBody>
+          <a:bodyPr rtlCol="0" anchor="ctr"/>
+          <a:lstStyle/>
+          <a:p>
+            <a:pPr marL="0" marR="0" lvl="0" indent="0" algn="ctr" defTabSz="914400" rtl="0" eaLnBrk="1" fontAlgn="auto" latinLnBrk="0" hangingPunct="1">
+              <a:lnSpc>
+                <a:spcPct val="100000"/>
+              </a:lnSpc>
+              <a:spcBef>
+                <a:spcPts val="0"/>
+              </a:spcBef>
+              <a:spcAft>
+                <a:spcPts val="0"/>
+              </a:spcAft>
+              <a:buClrTx/>
+              <a:buSzTx/>
+              <a:buFontTx/>
+              <a:buNone/>
+              <a:tabLst/>
+              <a:defRPr/>
+            </a:pPr>
+            <a:endParaRPr kumimoji="0" lang="en-US" sz="1800" b="0" i="0" u="none" strike="noStrike" kern="1200" cap="none" spc="0" normalizeH="0" baseline="0" noProof="0">
+              <a:ln>
+                <a:noFill/>
+              </a:ln>
+              <a:solidFill>
+                <a:prstClr val="white"/>
+              </a:solidFill>
+              <a:effectLst/>
+              <a:uLnTx/>
+              <a:uFillTx/>
+              <a:latin typeface="Calibri" panose="020F0502020204030204"/>
+              <a:ea typeface="+mn-ea"/>
+              <a:cs typeface="+mn-cs"/>
+            </a:endParaRPr>
+          </a:p>
+        </p:txBody>
+      </p:sp>
+      <p:sp useBgFill="1">
+        <p:nvSpPr>
+          <p:cNvPr id="13" name="Rectangle 12">
+            <a:extLst>
+              <a:ext uri="{FF2B5EF4-FFF2-40B4-BE49-F238E27FC236}">
+                <a16:creationId xmlns:a16="http://schemas.microsoft.com/office/drawing/2014/main" id="{299500CE-917A-4D03-A7DF-71D8EBBC1537}"/>
+              </a:ext>
+            </a:extLst>
+          </p:cNvPr>
+          <p:cNvSpPr/>
+          <p:nvPr/>
+        </p:nvSpPr>
+        <p:spPr>
+          <a:xfrm>
+            <a:off x="566928" y="0"/>
+            <a:ext cx="11155680" cy="2011680"/>
+          </a:xfrm>
+          <a:prstGeom prst="rect">
+            <a:avLst/>
+          </a:prstGeom>
+          <a:ln w="9525">
+            <a:noFill/>
+          </a:ln>
+          <a:effectLst/>
+        </p:spPr>
+        <p:style>
+          <a:lnRef idx="2">
+            <a:schemeClr val="accent1">
+              <a:shade val="50000"/>
+            </a:schemeClr>
+          </a:lnRef>
+          <a:fillRef idx="1">
+            <a:schemeClr val="accent1"/>
+          </a:fillRef>
+          <a:effectRef idx="0">
+            <a:schemeClr val="accent1"/>
+          </a:effectRef>
+          <a:fontRef idx="minor">
+            <a:schemeClr val="lt1"/>
+          </a:fontRef>
+        </p:style>
+        <p:txBody>
+          <a:bodyPr rtlCol="0" anchor="ctr"/>
+          <a:lstStyle/>
+          <a:p>
+            <a:pPr marL="0" marR="0" lvl="0" indent="0" algn="ctr" defTabSz="914400" rtl="0" eaLnBrk="1" fontAlgn="auto" latinLnBrk="0" hangingPunct="1">
+              <a:lnSpc>
+                <a:spcPct val="100000"/>
+              </a:lnSpc>
+              <a:spcBef>
+                <a:spcPts val="0"/>
+              </a:spcBef>
+              <a:spcAft>
+                <a:spcPts val="0"/>
+              </a:spcAft>
+              <a:buClrTx/>
+              <a:buSzTx/>
+              <a:buFontTx/>
+              <a:buNone/>
+              <a:tabLst/>
+              <a:defRPr/>
+            </a:pPr>
+            <a:endParaRPr kumimoji="0" lang="en-US" sz="1800" b="0" i="0" u="none" strike="noStrike" kern="1200" cap="none" spc="0" normalizeH="0" baseline="0" noProof="0" dirty="0">
+              <a:ln>
+                <a:noFill/>
+              </a:ln>
+              <a:solidFill>
+                <a:prstClr val="white"/>
+              </a:solidFill>
+              <a:effectLst/>
+              <a:uLnTx/>
+              <a:uFillTx/>
+              <a:latin typeface="Calibri" panose="020F0502020204030204"/>
+              <a:ea typeface="+mn-ea"/>
+              <a:cs typeface="+mn-cs"/>
+            </a:endParaRPr>
+          </a:p>
+        </p:txBody>
+      </p:sp>
+      <p:sp>
+        <p:nvSpPr>
+          <p:cNvPr id="15" name="Rectangle 14">
+            <a:extLst>
+              <a:ext uri="{FF2B5EF4-FFF2-40B4-BE49-F238E27FC236}">
+                <a16:creationId xmlns:a16="http://schemas.microsoft.com/office/drawing/2014/main" id="{C3D0D377-28B0-417D-886B-9483AF064975}"/>
+              </a:ext>
+            </a:extLst>
+          </p:cNvPr>
+          <p:cNvSpPr/>
+          <p:nvPr/>
+        </p:nvSpPr>
+        <p:spPr>
+          <a:xfrm>
+            <a:off x="498834" y="787352"/>
+            <a:ext cx="128016" cy="704088"/>
+          </a:xfrm>
+          <a:prstGeom prst="rect">
+            <a:avLst/>
+          </a:prstGeom>
+          <a:solidFill>
+            <a:schemeClr val="accent1"/>
+          </a:solidFill>
+          <a:ln>
+            <a:noFill/>
+          </a:ln>
+        </p:spPr>
+        <p:style>
+          <a:lnRef idx="2">
+            <a:schemeClr val="accent1">
+              <a:shade val="50000"/>
+            </a:schemeClr>
+          </a:lnRef>
+          <a:fillRef idx="1">
+            <a:schemeClr val="accent1"/>
+          </a:fillRef>
+          <a:effectRef idx="0">
+            <a:schemeClr val="accent1"/>
+          </a:effectRef>
+          <a:fontRef idx="minor">
+            <a:schemeClr val="lt1"/>
+          </a:fontRef>
+        </p:style>
+        <p:txBody>
+          <a:bodyPr rtlCol="0" anchor="ctr"/>
+          <a:lstStyle/>
+          <a:p>
+            <a:pPr marL="0" marR="0" lvl="0" indent="0" algn="ctr" defTabSz="914400" rtl="0" eaLnBrk="1" fontAlgn="auto" latinLnBrk="0" hangingPunct="1">
+              <a:lnSpc>
+                <a:spcPct val="100000"/>
+              </a:lnSpc>
+              <a:spcBef>
+                <a:spcPts val="0"/>
+              </a:spcBef>
+              <a:spcAft>
+                <a:spcPts val="0"/>
+              </a:spcAft>
+              <a:buClrTx/>
+              <a:buSzTx/>
+              <a:buFontTx/>
+              <a:buNone/>
+              <a:tabLst/>
+              <a:defRPr/>
+            </a:pPr>
+            <a:endParaRPr kumimoji="0" lang="en-US" sz="1800" b="0" i="0" u="none" strike="noStrike" kern="1200" cap="none" spc="0" normalizeH="0" baseline="0" noProof="0">
+              <a:ln>
+                <a:noFill/>
+              </a:ln>
+              <a:solidFill>
+                <a:prstClr val="white"/>
+              </a:solidFill>
+              <a:effectLst/>
+              <a:uLnTx/>
+              <a:uFillTx/>
+              <a:latin typeface="Calibri" panose="020F0502020204030204"/>
+              <a:ea typeface="+mn-ea"/>
+              <a:cs typeface="+mn-cs"/>
+            </a:endParaRPr>
+          </a:p>
+        </p:txBody>
+      </p:sp>
+      <p:sp>
+        <p:nvSpPr>
+          <p:cNvPr id="2" name="Title 1">
+            <a:extLst>
+              <a:ext uri="{FF2B5EF4-FFF2-40B4-BE49-F238E27FC236}">
+                <a16:creationId xmlns:a16="http://schemas.microsoft.com/office/drawing/2014/main" id="{0F8F91F8-0767-40B5-A3AA-72931FC192EA}"/>
+              </a:ext>
+            </a:extLst>
+          </p:cNvPr>
+          <p:cNvSpPr>
+            <a:spLocks noGrp="1"/>
+          </p:cNvSpPr>
+          <p:nvPr>
+            <p:ph type="title"/>
+          </p:nvPr>
+        </p:nvSpPr>
+        <p:spPr>
+          <a:xfrm>
+            <a:off x="1115568" y="548640"/>
+            <a:ext cx="10168128" cy="1179576"/>
           </a:xfrm>
         </p:spPr>
         <p:txBody>
-          <a:bodyPr/>
-          <a:lstStyle/>
-          <a:p>
-            <a:r>
-              <a:rPr lang="en-GB"/>
+          <a:bodyPr>
+            <a:normAutofit/>
+          </a:bodyPr>
+          <a:lstStyle>
+            <a:lvl1pPr>
+              <a:defRPr sz="4000"/>
+            </a:lvl1pPr>
+          </a:lstStyle>
+          <a:p>
+            <a:r>
+              <a:rPr lang="en-US" dirty="0"/>
               <a:t>Click to edit Master title style</a:t>
             </a:r>
-            <a:endParaRPr lang="en-AU"/>
           </a:p>
         </p:txBody>
       </p:sp>
@@ -1539,7 +2704,7 @@
           <p:cNvPr id="3" name="Text Placeholder 2">
             <a:extLst>
               <a:ext uri="{FF2B5EF4-FFF2-40B4-BE49-F238E27FC236}">
-                <a16:creationId xmlns:a16="http://schemas.microsoft.com/office/drawing/2014/main" id="{5FBD85F4-2459-0C03-A704-F5AECB8EFAB8}"/>
+                <a16:creationId xmlns:a16="http://schemas.microsoft.com/office/drawing/2014/main" id="{AAAE0554-8BEE-4BF6-9519-51B8475D35E1}"/>
               </a:ext>
             </a:extLst>
           </p:cNvPr>
@@ -1552,8 +2717,8 @@
         </p:nvSpPr>
         <p:spPr>
           <a:xfrm>
-            <a:off x="839788" y="1681163"/>
-            <a:ext cx="5157787" cy="823912"/>
+            <a:off x="1115568" y="2372650"/>
+            <a:ext cx="4937760" cy="823912"/>
           </a:xfrm>
         </p:spPr>
         <p:txBody>
@@ -1561,7 +2726,7 @@
           <a:lstStyle>
             <a:lvl1pPr marL="0" indent="0">
               <a:buNone/>
-              <a:defRPr sz="2400" b="1"/>
+              <a:defRPr sz="2400" b="1" cap="none" baseline="0"/>
             </a:lvl1pPr>
             <a:lvl2pPr marL="457200" indent="0">
               <a:buNone/>
@@ -1599,7 +2764,7 @@
           <a:p>
             <a:pPr lvl="0"/>
             <a:r>
-              <a:rPr lang="en-GB"/>
+              <a:rPr lang="en-US" dirty="0"/>
               <a:t>Click to edit Master text styles</a:t>
             </a:r>
           </a:p>
@@ -1610,7 +2775,7 @@
           <p:cNvPr id="4" name="Content Placeholder 3">
             <a:extLst>
               <a:ext uri="{FF2B5EF4-FFF2-40B4-BE49-F238E27FC236}">
-                <a16:creationId xmlns:a16="http://schemas.microsoft.com/office/drawing/2014/main" id="{01359834-D605-5C19-D4F9-8DA8FF52A3A1}"/>
+                <a16:creationId xmlns:a16="http://schemas.microsoft.com/office/drawing/2014/main" id="{FD4A358D-C930-48E0-B372-06A826B74C47}"/>
               </a:ext>
             </a:extLst>
           </p:cNvPr>
@@ -1623,48 +2788,57 @@
         </p:nvSpPr>
         <p:spPr>
           <a:xfrm>
-            <a:off x="839788" y="2505075"/>
-            <a:ext cx="5157787" cy="3684588"/>
+            <a:off x="1115568" y="3203688"/>
+            <a:ext cx="4937760" cy="2968512"/>
           </a:xfrm>
         </p:spPr>
         <p:txBody>
           <a:bodyPr/>
-          <a:lstStyle/>
+          <a:lstStyle>
+            <a:lvl1pPr>
+              <a:defRPr sz="2400"/>
+            </a:lvl1pPr>
+            <a:lvl2pPr>
+              <a:defRPr sz="2000"/>
+            </a:lvl2pPr>
+            <a:lvl3pPr>
+              <a:defRPr sz="1800"/>
+            </a:lvl3pPr>
+          </a:lstStyle>
           <a:p>
             <a:pPr lvl="0"/>
             <a:r>
-              <a:rPr lang="en-GB"/>
+              <a:rPr lang="en-US" dirty="0"/>
               <a:t>Click to edit Master text styles</a:t>
             </a:r>
           </a:p>
           <a:p>
             <a:pPr lvl="1"/>
             <a:r>
-              <a:rPr lang="en-GB"/>
+              <a:rPr lang="en-US" dirty="0"/>
               <a:t>Second level</a:t>
             </a:r>
           </a:p>
           <a:p>
             <a:pPr lvl="2"/>
             <a:r>
-              <a:rPr lang="en-GB"/>
+              <a:rPr lang="en-US" dirty="0"/>
               <a:t>Third level</a:t>
             </a:r>
           </a:p>
           <a:p>
             <a:pPr lvl="3"/>
             <a:r>
-              <a:rPr lang="en-GB"/>
+              <a:rPr lang="en-US" dirty="0"/>
               <a:t>Fourth level</a:t>
             </a:r>
           </a:p>
           <a:p>
             <a:pPr lvl="4"/>
             <a:r>
-              <a:rPr lang="en-GB"/>
+              <a:rPr lang="en-US" dirty="0"/>
               <a:t>Fifth level</a:t>
             </a:r>
-            <a:endParaRPr lang="en-AU"/>
           </a:p>
         </p:txBody>
       </p:sp>
@@ -1673,7 +2847,7 @@
           <p:cNvPr id="5" name="Text Placeholder 4">
             <a:extLst>
               <a:ext uri="{FF2B5EF4-FFF2-40B4-BE49-F238E27FC236}">
-                <a16:creationId xmlns:a16="http://schemas.microsoft.com/office/drawing/2014/main" id="{346DE2B6-73CA-ADE5-F1B3-0F865C3084E9}"/>
+                <a16:creationId xmlns:a16="http://schemas.microsoft.com/office/drawing/2014/main" id="{83B6615E-4966-4150-83B6-C47591B36383}"/>
               </a:ext>
             </a:extLst>
           </p:cNvPr>
@@ -1686,8 +2860,8 @@
         </p:nvSpPr>
         <p:spPr>
           <a:xfrm>
-            <a:off x="6172200" y="1681163"/>
-            <a:ext cx="5183188" cy="823912"/>
+            <a:off x="6345936" y="2372650"/>
+            <a:ext cx="4937760" cy="823912"/>
           </a:xfrm>
         </p:spPr>
         <p:txBody>
@@ -1695,7 +2869,7 @@
           <a:lstStyle>
             <a:lvl1pPr marL="0" indent="0">
               <a:buNone/>
-              <a:defRPr sz="2400" b="1"/>
+              <a:defRPr sz="2400" b="1" cap="none" baseline="0"/>
             </a:lvl1pPr>
             <a:lvl2pPr marL="457200" indent="0">
               <a:buNone/>
@@ -1733,7 +2907,7 @@
           <a:p>
             <a:pPr lvl="0"/>
             <a:r>
-              <a:rPr lang="en-GB"/>
+              <a:rPr lang="en-US" dirty="0"/>
               <a:t>Click to edit Master text styles</a:t>
             </a:r>
           </a:p>
@@ -1744,7 +2918,7 @@
           <p:cNvPr id="6" name="Content Placeholder 5">
             <a:extLst>
               <a:ext uri="{FF2B5EF4-FFF2-40B4-BE49-F238E27FC236}">
-                <a16:creationId xmlns:a16="http://schemas.microsoft.com/office/drawing/2014/main" id="{03ACA199-8E76-93DD-1E19-A3343AEF64A8}"/>
+                <a16:creationId xmlns:a16="http://schemas.microsoft.com/office/drawing/2014/main" id="{BD409F6B-C17B-4B4F-9F35-5068BDC4E2FD}"/>
               </a:ext>
             </a:extLst>
           </p:cNvPr>
@@ -1757,48 +2931,57 @@
         </p:nvSpPr>
         <p:spPr>
           <a:xfrm>
-            <a:off x="6172200" y="2505075"/>
-            <a:ext cx="5183188" cy="3684588"/>
+            <a:off x="6345936" y="3203687"/>
+            <a:ext cx="4937760" cy="2968511"/>
           </a:xfrm>
         </p:spPr>
         <p:txBody>
           <a:bodyPr/>
-          <a:lstStyle/>
+          <a:lstStyle>
+            <a:lvl1pPr>
+              <a:defRPr sz="2400"/>
+            </a:lvl1pPr>
+            <a:lvl2pPr>
+              <a:defRPr sz="2000"/>
+            </a:lvl2pPr>
+            <a:lvl3pPr>
+              <a:defRPr sz="1800"/>
+            </a:lvl3pPr>
+          </a:lstStyle>
           <a:p>
             <a:pPr lvl="0"/>
             <a:r>
-              <a:rPr lang="en-GB"/>
+              <a:rPr lang="en-US" dirty="0"/>
               <a:t>Click to edit Master text styles</a:t>
             </a:r>
           </a:p>
           <a:p>
             <a:pPr lvl="1"/>
             <a:r>
-              <a:rPr lang="en-GB"/>
+              <a:rPr lang="en-US" dirty="0"/>
               <a:t>Second level</a:t>
             </a:r>
           </a:p>
           <a:p>
             <a:pPr lvl="2"/>
             <a:r>
-              <a:rPr lang="en-GB"/>
+              <a:rPr lang="en-US" dirty="0"/>
               <a:t>Third level</a:t>
             </a:r>
           </a:p>
           <a:p>
             <a:pPr lvl="3"/>
             <a:r>
-              <a:rPr lang="en-GB"/>
+              <a:rPr lang="en-US" dirty="0"/>
               <a:t>Fourth level</a:t>
             </a:r>
           </a:p>
           <a:p>
             <a:pPr lvl="4"/>
             <a:r>
-              <a:rPr lang="en-GB"/>
+              <a:rPr lang="en-US" dirty="0"/>
               <a:t>Fifth level</a:t>
             </a:r>
-            <a:endParaRPr lang="en-AU"/>
           </a:p>
         </p:txBody>
       </p:sp>
@@ -1807,7 +2990,7 @@
           <p:cNvPr id="7" name="Date Placeholder 6">
             <a:extLst>
               <a:ext uri="{FF2B5EF4-FFF2-40B4-BE49-F238E27FC236}">
-                <a16:creationId xmlns:a16="http://schemas.microsoft.com/office/drawing/2014/main" id="{B433F63D-3F76-2FA7-D143-73AC7F3573E4}"/>
+                <a16:creationId xmlns:a16="http://schemas.microsoft.com/office/drawing/2014/main" id="{C8BC356D-052B-4A9B-8B2F-6665FD325AB3}"/>
               </a:ext>
             </a:extLst>
           </p:cNvPr>
@@ -1818,25 +3001,55 @@
             <p:ph type="dt" sz="half" idx="10"/>
           </p:nvPr>
         </p:nvSpPr>
+        <p:spPr>
+          <a:xfrm>
+            <a:off x="1115568" y="6356350"/>
+            <a:ext cx="2743200" cy="365125"/>
+          </a:xfrm>
+        </p:spPr>
+        <p:txBody>
+          <a:bodyPr/>
+          <a:lstStyle/>
+          <a:p>
+            <a:fld id="{02AC24A9-CCB6-4F8D-B8DB-C2F3692CFA5A}" type="datetimeFigureOut">
+              <a:rPr lang="en-US" smtClean="0"/>
+              <a:t>9/26/24</a:t>
+            </a:fld>
+            <a:endParaRPr lang="en-US"/>
+          </a:p>
+        </p:txBody>
+      </p:sp>
+      <p:sp>
+        <p:nvSpPr>
+          <p:cNvPr id="8" name="Footer Placeholder 7">
+            <a:extLst>
+              <a:ext uri="{FF2B5EF4-FFF2-40B4-BE49-F238E27FC236}">
+                <a16:creationId xmlns:a16="http://schemas.microsoft.com/office/drawing/2014/main" id="{69C5E5FA-26A9-467C-93E3-8476142D1D46}"/>
+              </a:ext>
+            </a:extLst>
+          </p:cNvPr>
+          <p:cNvSpPr>
+            <a:spLocks noGrp="1"/>
+          </p:cNvSpPr>
+          <p:nvPr>
+            <p:ph type="ftr" sz="quarter" idx="11"/>
+          </p:nvPr>
+        </p:nvSpPr>
         <p:spPr/>
         <p:txBody>
           <a:bodyPr/>
           <a:lstStyle/>
           <a:p>
-            <a:fld id="{916416A7-E3AC-4F4D-99D0-B565CC5C8F64}" type="datetimeFigureOut">
-              <a:rPr lang="en-AU" smtClean="0"/>
-              <a:t>22/9/2024</a:t>
-            </a:fld>
-            <a:endParaRPr lang="en-AU"/>
-          </a:p>
-        </p:txBody>
-      </p:sp>
-      <p:sp>
-        <p:nvSpPr>
-          <p:cNvPr id="8" name="Footer Placeholder 7">
-            <a:extLst>
-              <a:ext uri="{FF2B5EF4-FFF2-40B4-BE49-F238E27FC236}">
-                <a16:creationId xmlns:a16="http://schemas.microsoft.com/office/drawing/2014/main" id="{C243D5E9-FDC8-9E1C-25C2-3A973D4DF3CF}"/>
+            <a:endParaRPr lang="en-US"/>
+          </a:p>
+        </p:txBody>
+      </p:sp>
+      <p:sp>
+        <p:nvSpPr>
+          <p:cNvPr id="9" name="Slide Number Placeholder 8">
+            <a:extLst>
+              <a:ext uri="{FF2B5EF4-FFF2-40B4-BE49-F238E27FC236}">
+                <a16:creationId xmlns:a16="http://schemas.microsoft.com/office/drawing/2014/main" id="{D279E50C-1E40-4B48-871B-E392428D20A3}"/>
               </a:ext>
             </a:extLst>
           </p:cNvPr>
@@ -1844,51 +3057,31 @@
             <a:spLocks noGrp="1"/>
           </p:cNvSpPr>
           <p:nvPr>
-            <p:ph type="ftr" sz="quarter" idx="11"/>
-          </p:nvPr>
-        </p:nvSpPr>
-        <p:spPr/>
+            <p:ph type="sldNum" sz="quarter" idx="12"/>
+          </p:nvPr>
+        </p:nvSpPr>
+        <p:spPr>
+          <a:xfrm>
+            <a:off x="8540496" y="6356350"/>
+            <a:ext cx="2743200" cy="365125"/>
+          </a:xfrm>
+        </p:spPr>
         <p:txBody>
           <a:bodyPr/>
           <a:lstStyle/>
           <a:p>
-            <a:endParaRPr lang="en-AU"/>
-          </a:p>
-        </p:txBody>
-      </p:sp>
-      <p:sp>
-        <p:nvSpPr>
-          <p:cNvPr id="9" name="Slide Number Placeholder 8">
-            <a:extLst>
-              <a:ext uri="{FF2B5EF4-FFF2-40B4-BE49-F238E27FC236}">
-                <a16:creationId xmlns:a16="http://schemas.microsoft.com/office/drawing/2014/main" id="{D5F2F3D6-2BA8-7679-BE54-375D3F11D5CA}"/>
-              </a:ext>
-            </a:extLst>
-          </p:cNvPr>
-          <p:cNvSpPr>
-            <a:spLocks noGrp="1"/>
-          </p:cNvSpPr>
-          <p:nvPr>
-            <p:ph type="sldNum" sz="quarter" idx="12"/>
-          </p:nvPr>
-        </p:nvSpPr>
-        <p:spPr/>
-        <p:txBody>
-          <a:bodyPr/>
-          <a:lstStyle/>
-          <a:p>
-            <a:fld id="{3A7546D1-F557-9445-B9CE-424F41EE8835}" type="slidenum">
-              <a:rPr lang="en-AU" smtClean="0"/>
+            <a:fld id="{B2DC25EE-239B-4C5F-AAD1-255A7D5F1EE2}" type="slidenum">
+              <a:rPr lang="en-US" smtClean="0"/>
               <a:t>‹#›</a:t>
             </a:fld>
-            <a:endParaRPr lang="en-AU"/>
+            <a:endParaRPr lang="en-US"/>
           </a:p>
         </p:txBody>
       </p:sp>
     </p:spTree>
     <p:extLst>
       <p:ext uri="{BB962C8B-B14F-4D97-AF65-F5344CB8AC3E}">
-        <p14:creationId xmlns:p14="http://schemas.microsoft.com/office/powerpoint/2010/main" val="2747243375"/>
+        <p14:creationId xmlns:p14="http://schemas.microsoft.com/office/powerpoint/2010/main" val="719474404"/>
       </p:ext>
     </p:extLst>
   </p:cSld>
@@ -1915,12 +3108,184 @@
           <a:chExt cx="0" cy="0"/>
         </a:xfrm>
       </p:grpSpPr>
+      <p:sp useBgFill="1">
+        <p:nvSpPr>
+          <p:cNvPr id="7" name="Rectangle 6">
+            <a:extLst>
+              <a:ext uri="{FF2B5EF4-FFF2-40B4-BE49-F238E27FC236}">
+                <a16:creationId xmlns:a16="http://schemas.microsoft.com/office/drawing/2014/main" id="{8C0689C4-0DB3-408B-A956-40326B4AE4C4}"/>
+              </a:ext>
+            </a:extLst>
+          </p:cNvPr>
+          <p:cNvSpPr/>
+          <p:nvPr/>
+        </p:nvSpPr>
+        <p:spPr>
+          <a:xfrm>
+            <a:off x="665853" y="1533525"/>
+            <a:ext cx="10917063" cy="3790950"/>
+          </a:xfrm>
+          <a:prstGeom prst="rect">
+            <a:avLst/>
+          </a:prstGeom>
+          <a:ln w="12700">
+            <a:solidFill>
+              <a:schemeClr val="tx2">
+                <a:lumMod val="10000"/>
+                <a:lumOff val="90000"/>
+              </a:schemeClr>
+            </a:solidFill>
+          </a:ln>
+          <a:effectLst>
+            <a:outerShdw blurRad="50800" dist="38100" dir="2700000" algn="tl" rotWithShape="0">
+              <a:schemeClr val="bg2">
+                <a:lumMod val="85000"/>
+                <a:alpha val="30000"/>
+              </a:schemeClr>
+            </a:outerShdw>
+          </a:effectLst>
+        </p:spPr>
+        <p:style>
+          <a:lnRef idx="2">
+            <a:schemeClr val="accent1">
+              <a:shade val="50000"/>
+            </a:schemeClr>
+          </a:lnRef>
+          <a:fillRef idx="1">
+            <a:schemeClr val="accent1"/>
+          </a:fillRef>
+          <a:effectRef idx="0">
+            <a:schemeClr val="accent1"/>
+          </a:effectRef>
+          <a:fontRef idx="minor">
+            <a:schemeClr val="lt1"/>
+          </a:fontRef>
+        </p:style>
+        <p:txBody>
+          <a:bodyPr rtlCol="0" anchor="ctr"/>
+          <a:lstStyle/>
+          <a:p>
+            <a:pPr marL="0" marR="0" lvl="0" indent="0" algn="ctr" defTabSz="914400" rtl="0" eaLnBrk="1" fontAlgn="auto" latinLnBrk="0" hangingPunct="1">
+              <a:lnSpc>
+                <a:spcPct val="100000"/>
+              </a:lnSpc>
+              <a:spcBef>
+                <a:spcPts val="0"/>
+              </a:spcBef>
+              <a:spcAft>
+                <a:spcPts val="0"/>
+              </a:spcAft>
+              <a:buClrTx/>
+              <a:buSzTx/>
+              <a:buFontTx/>
+              <a:buNone/>
+              <a:tabLst/>
+              <a:defRPr/>
+            </a:pPr>
+            <a:endParaRPr kumimoji="0" lang="en-US" sz="1800" b="0" i="0" u="none" strike="noStrike" kern="1200" cap="none" spc="0" normalizeH="0" baseline="0" noProof="0">
+              <a:ln>
+                <a:noFill/>
+              </a:ln>
+              <a:solidFill>
+                <a:prstClr val="white"/>
+              </a:solidFill>
+              <a:effectLst/>
+              <a:uLnTx/>
+              <a:uFillTx/>
+              <a:latin typeface="Calibri" panose="020F0502020204030204"/>
+              <a:ea typeface="+mn-ea"/>
+              <a:cs typeface="+mn-cs"/>
+            </a:endParaRPr>
+          </a:p>
+        </p:txBody>
+      </p:sp>
+      <p:sp>
+        <p:nvSpPr>
+          <p:cNvPr id="9" name="Rectangle 8">
+            <a:extLst>
+              <a:ext uri="{FF2B5EF4-FFF2-40B4-BE49-F238E27FC236}">
+                <a16:creationId xmlns:a16="http://schemas.microsoft.com/office/drawing/2014/main" id="{56E1D10E-1C30-41BF-8C3B-C460C9B5597B}"/>
+              </a:ext>
+            </a:extLst>
+          </p:cNvPr>
+          <p:cNvSpPr/>
+          <p:nvPr/>
+        </p:nvSpPr>
+        <p:spPr>
+          <a:xfrm>
+            <a:off x="609084" y="2971798"/>
+            <a:ext cx="128016" cy="914400"/>
+          </a:xfrm>
+          <a:prstGeom prst="rect">
+            <a:avLst/>
+          </a:prstGeom>
+          <a:solidFill>
+            <a:schemeClr val="accent1"/>
+          </a:solidFill>
+          <a:ln>
+            <a:noFill/>
+          </a:ln>
+        </p:spPr>
+        <p:style>
+          <a:lnRef idx="2">
+            <a:schemeClr val="accent1">
+              <a:shade val="50000"/>
+            </a:schemeClr>
+          </a:lnRef>
+          <a:fillRef idx="1">
+            <a:schemeClr val="accent1"/>
+          </a:fillRef>
+          <a:effectRef idx="0">
+            <a:schemeClr val="accent1"/>
+          </a:effectRef>
+          <a:fontRef idx="minor">
+            <a:schemeClr val="lt1"/>
+          </a:fontRef>
+        </p:style>
+        <p:txBody>
+          <a:bodyPr rtlCol="0" anchor="ctr"/>
+          <a:lstStyle/>
+          <a:p>
+            <a:pPr marL="0" marR="0" lvl="0" indent="0" algn="ctr" defTabSz="914400" rtl="0" eaLnBrk="1" fontAlgn="auto" latinLnBrk="0" hangingPunct="1">
+              <a:lnSpc>
+                <a:spcPct val="100000"/>
+              </a:lnSpc>
+              <a:spcBef>
+                <a:spcPts val="0"/>
+              </a:spcBef>
+              <a:spcAft>
+                <a:spcPts val="0"/>
+              </a:spcAft>
+              <a:buClrTx/>
+              <a:buSzTx/>
+              <a:buFontTx/>
+              <a:buNone/>
+              <a:tabLst/>
+              <a:defRPr/>
+            </a:pPr>
+            <a:endParaRPr kumimoji="0" lang="en-US" sz="1800" b="0" i="0" u="none" strike="noStrike" kern="1200" cap="none" spc="0" normalizeH="0" baseline="0" noProof="0">
+              <a:ln>
+                <a:noFill/>
+              </a:ln>
+              <a:solidFill>
+                <a:prstClr val="white"/>
+              </a:solidFill>
+              <a:effectLst/>
+              <a:uLnTx/>
+              <a:uFillTx/>
+              <a:latin typeface="Calibri" panose="020F0502020204030204"/>
+              <a:ea typeface="+mn-ea"/>
+              <a:cs typeface="+mn-cs"/>
+            </a:endParaRPr>
+          </a:p>
+        </p:txBody>
+      </p:sp>
       <p:sp>
         <p:nvSpPr>
           <p:cNvPr id="2" name="Title 1">
             <a:extLst>
               <a:ext uri="{FF2B5EF4-FFF2-40B4-BE49-F238E27FC236}">
-                <a16:creationId xmlns:a16="http://schemas.microsoft.com/office/drawing/2014/main" id="{B397581F-CAD0-A9C2-5B39-0C7C3C5E38B0}"/>
+                <a16:creationId xmlns:a16="http://schemas.microsoft.com/office/drawing/2014/main" id="{779454F2-0EE5-4888-AF4C-82F825E6226E}"/>
               </a:ext>
             </a:extLst>
           </p:cNvPr>
@@ -1931,25 +3296,64 @@
             <p:ph type="title"/>
           </p:nvPr>
         </p:nvSpPr>
+        <p:spPr>
+          <a:xfrm>
+            <a:off x="1078992" y="1938528"/>
+            <a:ext cx="10177272" cy="2990088"/>
+          </a:xfrm>
+        </p:spPr>
+        <p:txBody>
+          <a:bodyPr>
+            <a:normAutofit/>
+          </a:bodyPr>
+          <a:lstStyle>
+            <a:lvl1pPr>
+              <a:defRPr sz="5400"/>
+            </a:lvl1pPr>
+          </a:lstStyle>
+          <a:p>
+            <a:r>
+              <a:rPr lang="en-US" dirty="0"/>
+              <a:t>Click to edit Master title style</a:t>
+            </a:r>
+          </a:p>
+        </p:txBody>
+      </p:sp>
+      <p:sp>
+        <p:nvSpPr>
+          <p:cNvPr id="3" name="Date Placeholder 2">
+            <a:extLst>
+              <a:ext uri="{FF2B5EF4-FFF2-40B4-BE49-F238E27FC236}">
+                <a16:creationId xmlns:a16="http://schemas.microsoft.com/office/drawing/2014/main" id="{67C91241-A315-4643-91E5-CF2C25CC903A}"/>
+              </a:ext>
+            </a:extLst>
+          </p:cNvPr>
+          <p:cNvSpPr>
+            <a:spLocks noGrp="1"/>
+          </p:cNvSpPr>
+          <p:nvPr>
+            <p:ph type="dt" sz="half" idx="10"/>
+          </p:nvPr>
+        </p:nvSpPr>
         <p:spPr/>
         <p:txBody>
           <a:bodyPr/>
           <a:lstStyle/>
           <a:p>
-            <a:r>
-              <a:rPr lang="en-GB"/>
-              <a:t>Click to edit Master title style</a:t>
-            </a:r>
-            <a:endParaRPr lang="en-AU"/>
-          </a:p>
-        </p:txBody>
-      </p:sp>
-      <p:sp>
-        <p:nvSpPr>
-          <p:cNvPr id="3" name="Date Placeholder 2">
-            <a:extLst>
-              <a:ext uri="{FF2B5EF4-FFF2-40B4-BE49-F238E27FC236}">
-                <a16:creationId xmlns:a16="http://schemas.microsoft.com/office/drawing/2014/main" id="{5442DADD-4481-2CC8-9010-70A4213926EC}"/>
+            <a:fld id="{02AC24A9-CCB6-4F8D-B8DB-C2F3692CFA5A}" type="datetimeFigureOut">
+              <a:rPr lang="en-US" smtClean="0"/>
+              <a:t>9/26/24</a:t>
+            </a:fld>
+            <a:endParaRPr lang="en-US"/>
+          </a:p>
+        </p:txBody>
+      </p:sp>
+      <p:sp>
+        <p:nvSpPr>
+          <p:cNvPr id="4" name="Footer Placeholder 3">
+            <a:extLst>
+              <a:ext uri="{FF2B5EF4-FFF2-40B4-BE49-F238E27FC236}">
+                <a16:creationId xmlns:a16="http://schemas.microsoft.com/office/drawing/2014/main" id="{22706D86-5479-487D-94C8-76093D84F377}"/>
               </a:ext>
             </a:extLst>
           </p:cNvPr>
@@ -1957,7 +3361,7 @@
             <a:spLocks noGrp="1"/>
           </p:cNvSpPr>
           <p:nvPr>
-            <p:ph type="dt" sz="half" idx="10"/>
+            <p:ph type="ftr" sz="quarter" idx="11"/>
           </p:nvPr>
         </p:nvSpPr>
         <p:spPr/>
@@ -1965,20 +3369,16 @@
           <a:bodyPr/>
           <a:lstStyle/>
           <a:p>
-            <a:fld id="{916416A7-E3AC-4F4D-99D0-B565CC5C8F64}" type="datetimeFigureOut">
-              <a:rPr lang="en-AU" smtClean="0"/>
-              <a:t>22/9/2024</a:t>
-            </a:fld>
-            <a:endParaRPr lang="en-AU"/>
-          </a:p>
-        </p:txBody>
-      </p:sp>
-      <p:sp>
-        <p:nvSpPr>
-          <p:cNvPr id="4" name="Footer Placeholder 3">
-            <a:extLst>
-              <a:ext uri="{FF2B5EF4-FFF2-40B4-BE49-F238E27FC236}">
-                <a16:creationId xmlns:a16="http://schemas.microsoft.com/office/drawing/2014/main" id="{9EDAEE9B-AC1B-BF74-86F1-26DAAABABE5B}"/>
+            <a:endParaRPr lang="en-US"/>
+          </a:p>
+        </p:txBody>
+      </p:sp>
+      <p:sp>
+        <p:nvSpPr>
+          <p:cNvPr id="5" name="Slide Number Placeholder 4">
+            <a:extLst>
+              <a:ext uri="{FF2B5EF4-FFF2-40B4-BE49-F238E27FC236}">
+                <a16:creationId xmlns:a16="http://schemas.microsoft.com/office/drawing/2014/main" id="{A7739411-CED6-43D4-868D-A65C4161A72B}"/>
               </a:ext>
             </a:extLst>
           </p:cNvPr>
@@ -1986,7 +3386,7 @@
             <a:spLocks noGrp="1"/>
           </p:cNvSpPr>
           <p:nvPr>
-            <p:ph type="ftr" sz="quarter" idx="11"/>
+            <p:ph type="sldNum" sz="quarter" idx="12"/>
           </p:nvPr>
         </p:nvSpPr>
         <p:spPr/>
@@ -1994,43 +3394,18 @@
           <a:bodyPr/>
           <a:lstStyle/>
           <a:p>
-            <a:endParaRPr lang="en-AU"/>
-          </a:p>
-        </p:txBody>
-      </p:sp>
-      <p:sp>
-        <p:nvSpPr>
-          <p:cNvPr id="5" name="Slide Number Placeholder 4">
-            <a:extLst>
-              <a:ext uri="{FF2B5EF4-FFF2-40B4-BE49-F238E27FC236}">
-                <a16:creationId xmlns:a16="http://schemas.microsoft.com/office/drawing/2014/main" id="{0D43D869-F34A-83DD-5146-96FD56EA6269}"/>
-              </a:ext>
-            </a:extLst>
-          </p:cNvPr>
-          <p:cNvSpPr>
-            <a:spLocks noGrp="1"/>
-          </p:cNvSpPr>
-          <p:nvPr>
-            <p:ph type="sldNum" sz="quarter" idx="12"/>
-          </p:nvPr>
-        </p:nvSpPr>
-        <p:spPr/>
-        <p:txBody>
-          <a:bodyPr/>
-          <a:lstStyle/>
-          <a:p>
-            <a:fld id="{3A7546D1-F557-9445-B9CE-424F41EE8835}" type="slidenum">
-              <a:rPr lang="en-AU" smtClean="0"/>
+            <a:fld id="{B2DC25EE-239B-4C5F-AAD1-255A7D5F1EE2}" type="slidenum">
+              <a:rPr lang="en-US" smtClean="0"/>
               <a:t>‹#›</a:t>
             </a:fld>
-            <a:endParaRPr lang="en-AU"/>
+            <a:endParaRPr lang="en-US"/>
           </a:p>
         </p:txBody>
       </p:sp>
     </p:spTree>
     <p:extLst>
       <p:ext uri="{BB962C8B-B14F-4D97-AF65-F5344CB8AC3E}">
-        <p14:creationId xmlns:p14="http://schemas.microsoft.com/office/powerpoint/2010/main" val="226923384"/>
+        <p14:creationId xmlns:p14="http://schemas.microsoft.com/office/powerpoint/2010/main" val="2846353563"/>
       </p:ext>
     </p:extLst>
   </p:cSld>
@@ -2062,7 +3437,7 @@
           <p:cNvPr id="2" name="Date Placeholder 1">
             <a:extLst>
               <a:ext uri="{FF2B5EF4-FFF2-40B4-BE49-F238E27FC236}">
-                <a16:creationId xmlns:a16="http://schemas.microsoft.com/office/drawing/2014/main" id="{157B3AC3-FE95-9FB2-EB7A-307EC8F0094B}"/>
+                <a16:creationId xmlns:a16="http://schemas.microsoft.com/office/drawing/2014/main" id="{EAC447E0-1D4D-4EF2-B81B-4B2400EE3EDB}"/>
               </a:ext>
             </a:extLst>
           </p:cNvPr>
@@ -2078,11 +3453,11 @@
           <a:bodyPr/>
           <a:lstStyle/>
           <a:p>
-            <a:fld id="{916416A7-E3AC-4F4D-99D0-B565CC5C8F64}" type="datetimeFigureOut">
-              <a:rPr lang="en-AU" smtClean="0"/>
-              <a:t>22/9/2024</a:t>
+            <a:fld id="{02AC24A9-CCB6-4F8D-B8DB-C2F3692CFA5A}" type="datetimeFigureOut">
+              <a:rPr lang="en-US" smtClean="0"/>
+              <a:t>9/26/24</a:t>
             </a:fld>
-            <a:endParaRPr lang="en-AU"/>
+            <a:endParaRPr lang="en-US"/>
           </a:p>
         </p:txBody>
       </p:sp>
@@ -2091,7 +3466,7 @@
           <p:cNvPr id="3" name="Footer Placeholder 2">
             <a:extLst>
               <a:ext uri="{FF2B5EF4-FFF2-40B4-BE49-F238E27FC236}">
-                <a16:creationId xmlns:a16="http://schemas.microsoft.com/office/drawing/2014/main" id="{3725C1B5-137F-CC59-8386-B6FEE666E2AB}"/>
+                <a16:creationId xmlns:a16="http://schemas.microsoft.com/office/drawing/2014/main" id="{C9984CA0-2A78-4600-9F3D-19B09E790FE8}"/>
               </a:ext>
             </a:extLst>
           </p:cNvPr>
@@ -2107,7 +3482,7 @@
           <a:bodyPr/>
           <a:lstStyle/>
           <a:p>
-            <a:endParaRPr lang="en-AU"/>
+            <a:endParaRPr lang="en-US"/>
           </a:p>
         </p:txBody>
       </p:sp>
@@ -2116,7 +3491,7 @@
           <p:cNvPr id="4" name="Slide Number Placeholder 3">
             <a:extLst>
               <a:ext uri="{FF2B5EF4-FFF2-40B4-BE49-F238E27FC236}">
-                <a16:creationId xmlns:a16="http://schemas.microsoft.com/office/drawing/2014/main" id="{5BD1523C-A5BE-B808-1381-9B8844B12208}"/>
+                <a16:creationId xmlns:a16="http://schemas.microsoft.com/office/drawing/2014/main" id="{38440955-B18E-49D3-AE7B-B331200E34C5}"/>
               </a:ext>
             </a:extLst>
           </p:cNvPr>
@@ -2132,18 +3507,18 @@
           <a:bodyPr/>
           <a:lstStyle/>
           <a:p>
-            <a:fld id="{3A7546D1-F557-9445-B9CE-424F41EE8835}" type="slidenum">
-              <a:rPr lang="en-AU" smtClean="0"/>
+            <a:fld id="{B2DC25EE-239B-4C5F-AAD1-255A7D5F1EE2}" type="slidenum">
+              <a:rPr lang="en-US" smtClean="0"/>
               <a:t>‹#›</a:t>
             </a:fld>
-            <a:endParaRPr lang="en-AU"/>
+            <a:endParaRPr lang="en-US"/>
           </a:p>
         </p:txBody>
       </p:sp>
     </p:spTree>
     <p:extLst>
       <p:ext uri="{BB962C8B-B14F-4D97-AF65-F5344CB8AC3E}">
-        <p14:creationId xmlns:p14="http://schemas.microsoft.com/office/powerpoint/2010/main" val="3883365959"/>
+        <p14:creationId xmlns:p14="http://schemas.microsoft.com/office/powerpoint/2010/main" val="2672774457"/>
       </p:ext>
     </p:extLst>
   </p:cSld>
@@ -2170,41 +3545,217 @@
           <a:chExt cx="0" cy="0"/>
         </a:xfrm>
       </p:grpSpPr>
-      <p:sp>
-        <p:nvSpPr>
-          <p:cNvPr id="2" name="Title 1">
-            <a:extLst>
-              <a:ext uri="{FF2B5EF4-FFF2-40B4-BE49-F238E27FC236}">
-                <a16:creationId xmlns:a16="http://schemas.microsoft.com/office/drawing/2014/main" id="{3F04EF06-85C1-2ABB-74DF-F8754746020E}"/>
-              </a:ext>
-            </a:extLst>
-          </p:cNvPr>
-          <p:cNvSpPr>
-            <a:spLocks noGrp="1"/>
-          </p:cNvSpPr>
-          <p:nvPr>
-            <p:ph type="title"/>
-          </p:nvPr>
+      <p:sp useBgFill="1">
+        <p:nvSpPr>
+          <p:cNvPr id="9" name="Rectangle 8">
+            <a:extLst>
+              <a:ext uri="{FF2B5EF4-FFF2-40B4-BE49-F238E27FC236}">
+                <a16:creationId xmlns:a16="http://schemas.microsoft.com/office/drawing/2014/main" id="{1FA417FE-CD1A-486F-A4AC-E4000A2FB18E}"/>
+              </a:ext>
+            </a:extLst>
+          </p:cNvPr>
+          <p:cNvSpPr/>
+          <p:nvPr/>
         </p:nvSpPr>
         <p:spPr>
           <a:xfrm>
-            <a:off x="839788" y="457200"/>
-            <a:ext cx="3932237" cy="1600200"/>
+            <a:off x="558210" y="1162033"/>
+            <a:ext cx="3740740" cy="4643344"/>
+          </a:xfrm>
+          <a:prstGeom prst="rect">
+            <a:avLst/>
+          </a:prstGeom>
+          <a:ln w="12700">
+            <a:solidFill>
+              <a:schemeClr val="tx2">
+                <a:lumMod val="10000"/>
+                <a:lumOff val="90000"/>
+              </a:schemeClr>
+            </a:solidFill>
+          </a:ln>
+          <a:effectLst>
+            <a:outerShdw blurRad="50800" dist="38100" dir="2700000" algn="tl" rotWithShape="0">
+              <a:schemeClr val="bg1">
+                <a:lumMod val="85000"/>
+                <a:alpha val="30000"/>
+              </a:schemeClr>
+            </a:outerShdw>
+          </a:effectLst>
+        </p:spPr>
+        <p:style>
+          <a:lnRef idx="2">
+            <a:schemeClr val="accent1">
+              <a:shade val="50000"/>
+            </a:schemeClr>
+          </a:lnRef>
+          <a:fillRef idx="1">
+            <a:schemeClr val="accent1"/>
+          </a:fillRef>
+          <a:effectRef idx="0">
+            <a:schemeClr val="accent1"/>
+          </a:effectRef>
+          <a:fontRef idx="minor">
+            <a:schemeClr val="lt1"/>
+          </a:fontRef>
+        </p:style>
+        <p:txBody>
+          <a:bodyPr rtlCol="0" anchor="ctr"/>
+          <a:lstStyle/>
+          <a:p>
+            <a:pPr marL="0" marR="0" lvl="0" indent="0" algn="ctr" defTabSz="914400" rtl="0" eaLnBrk="1" fontAlgn="auto" latinLnBrk="0" hangingPunct="1">
+              <a:lnSpc>
+                <a:spcPct val="100000"/>
+              </a:lnSpc>
+              <a:spcBef>
+                <a:spcPts val="0"/>
+              </a:spcBef>
+              <a:spcAft>
+                <a:spcPts val="0"/>
+              </a:spcAft>
+              <a:buClrTx/>
+              <a:buSzTx/>
+              <a:buFontTx/>
+              <a:buNone/>
+              <a:tabLst/>
+              <a:defRPr/>
+            </a:pPr>
+            <a:endParaRPr kumimoji="0" lang="en-US" sz="1800" b="0" i="0" u="none" strike="noStrike" kern="1200" cap="none" spc="0" normalizeH="0" baseline="0" noProof="0">
+              <a:ln>
+                <a:noFill/>
+              </a:ln>
+              <a:solidFill>
+                <a:prstClr val="white"/>
+              </a:solidFill>
+              <a:effectLst/>
+              <a:uLnTx/>
+              <a:uFillTx/>
+              <a:latin typeface="Calibri" panose="020F0502020204030204"/>
+              <a:ea typeface="+mn-ea"/>
+              <a:cs typeface="+mn-cs"/>
+            </a:endParaRPr>
+          </a:p>
+        </p:txBody>
+      </p:sp>
+      <p:sp>
+        <p:nvSpPr>
+          <p:cNvPr id="11" name="Rectangle 10">
+            <a:extLst>
+              <a:ext uri="{FF2B5EF4-FFF2-40B4-BE49-F238E27FC236}">
+                <a16:creationId xmlns:a16="http://schemas.microsoft.com/office/drawing/2014/main" id="{1318F0F5-812B-472C-9408-B80F2553F5E0}"/>
+              </a:ext>
+            </a:extLst>
+          </p:cNvPr>
+          <p:cNvSpPr/>
+          <p:nvPr/>
+        </p:nvSpPr>
+        <p:spPr>
+          <a:xfrm>
+            <a:off x="498834" y="1618375"/>
+            <a:ext cx="146304" cy="822960"/>
+          </a:xfrm>
+          <a:prstGeom prst="rect">
+            <a:avLst/>
+          </a:prstGeom>
+          <a:solidFill>
+            <a:schemeClr val="accent1"/>
+          </a:solidFill>
+          <a:ln>
+            <a:noFill/>
+          </a:ln>
+        </p:spPr>
+        <p:style>
+          <a:lnRef idx="2">
+            <a:schemeClr val="accent1">
+              <a:shade val="50000"/>
+            </a:schemeClr>
+          </a:lnRef>
+          <a:fillRef idx="1">
+            <a:schemeClr val="accent1"/>
+          </a:fillRef>
+          <a:effectRef idx="0">
+            <a:schemeClr val="accent1"/>
+          </a:effectRef>
+          <a:fontRef idx="minor">
+            <a:schemeClr val="lt1"/>
+          </a:fontRef>
+        </p:style>
+        <p:txBody>
+          <a:bodyPr rtlCol="0" anchor="ctr"/>
+          <a:lstStyle/>
+          <a:p>
+            <a:pPr marL="0" marR="0" lvl="0" indent="0" algn="ctr" defTabSz="914400" rtl="0" eaLnBrk="1" fontAlgn="auto" latinLnBrk="0" hangingPunct="1">
+              <a:lnSpc>
+                <a:spcPct val="100000"/>
+              </a:lnSpc>
+              <a:spcBef>
+                <a:spcPts val="0"/>
+              </a:spcBef>
+              <a:spcAft>
+                <a:spcPts val="0"/>
+              </a:spcAft>
+              <a:buClrTx/>
+              <a:buSzTx/>
+              <a:buFontTx/>
+              <a:buNone/>
+              <a:tabLst/>
+              <a:defRPr/>
+            </a:pPr>
+            <a:endParaRPr kumimoji="0" lang="en-US" sz="1800" b="0" i="0" u="none" strike="noStrike" kern="1200" cap="none" spc="0" normalizeH="0" baseline="0" noProof="0">
+              <a:ln>
+                <a:noFill/>
+              </a:ln>
+              <a:solidFill>
+                <a:prstClr val="white"/>
+              </a:solidFill>
+              <a:effectLst/>
+              <a:uLnTx/>
+              <a:uFillTx/>
+              <a:latin typeface="Calibri" panose="020F0502020204030204"/>
+              <a:ea typeface="+mn-ea"/>
+              <a:cs typeface="+mn-cs"/>
+            </a:endParaRPr>
+          </a:p>
+        </p:txBody>
+      </p:sp>
+      <p:sp>
+        <p:nvSpPr>
+          <p:cNvPr id="2" name="Title 1">
+            <a:extLst>
+              <a:ext uri="{FF2B5EF4-FFF2-40B4-BE49-F238E27FC236}">
+                <a16:creationId xmlns:a16="http://schemas.microsoft.com/office/drawing/2014/main" id="{47F7751B-CD8F-4F5B-A903-1DCE5D1E8306}"/>
+              </a:ext>
+            </a:extLst>
+          </p:cNvPr>
+          <p:cNvSpPr>
+            <a:spLocks noGrp="1"/>
+          </p:cNvSpPr>
+          <p:nvPr>
+            <p:ph type="title"/>
+          </p:nvPr>
+        </p:nvSpPr>
+        <p:spPr>
+          <a:xfrm>
+            <a:off x="868680" y="1709928"/>
+            <a:ext cx="3099816" cy="1709928"/>
           </a:xfrm>
         </p:spPr>
         <p:txBody>
-          <a:bodyPr anchor="b"/>
+          <a:bodyPr tIns="45720" anchor="t">
+            <a:normAutofit/>
+          </a:bodyPr>
           <a:lstStyle>
             <a:lvl1pPr>
-              <a:defRPr sz="3200"/>
+              <a:lnSpc>
+                <a:spcPct val="100000"/>
+              </a:lnSpc>
+              <a:defRPr sz="3400"/>
             </a:lvl1pPr>
           </a:lstStyle>
           <a:p>
             <a:r>
-              <a:rPr lang="en-GB"/>
+              <a:rPr lang="en-US" dirty="0"/>
               <a:t>Click to edit Master title style</a:t>
             </a:r>
-            <a:endParaRPr lang="en-AU"/>
           </a:p>
         </p:txBody>
       </p:sp>
@@ -2213,7 +3764,7 @@
           <p:cNvPr id="3" name="Content Placeholder 2">
             <a:extLst>
               <a:ext uri="{FF2B5EF4-FFF2-40B4-BE49-F238E27FC236}">
-                <a16:creationId xmlns:a16="http://schemas.microsoft.com/office/drawing/2014/main" id="{4D21F3F9-2FB0-C9D8-EF15-B0FAE4A300EB}"/>
+                <a16:creationId xmlns:a16="http://schemas.microsoft.com/office/drawing/2014/main" id="{EFA55C8A-A0BB-441D-976F-EB56D4382DB6}"/>
               </a:ext>
             </a:extLst>
           </p:cNvPr>
@@ -2226,21 +3777,21 @@
         </p:nvSpPr>
         <p:spPr>
           <a:xfrm>
-            <a:off x="5183188" y="987425"/>
-            <a:ext cx="6172200" cy="4873625"/>
+            <a:off x="4965192" y="1709928"/>
+            <a:ext cx="6729984" cy="4096512"/>
           </a:xfrm>
         </p:spPr>
         <p:txBody>
           <a:bodyPr/>
           <a:lstStyle>
             <a:lvl1pPr>
-              <a:defRPr sz="3200"/>
+              <a:defRPr sz="2800"/>
             </a:lvl1pPr>
             <a:lvl2pPr>
-              <a:defRPr sz="2800"/>
+              <a:defRPr sz="2400"/>
             </a:lvl2pPr>
             <a:lvl3pPr>
-              <a:defRPr sz="2400"/>
+              <a:defRPr sz="2000"/>
             </a:lvl3pPr>
             <a:lvl4pPr>
               <a:defRPr sz="2000"/>
@@ -2264,38 +3815,37 @@
           <a:p>
             <a:pPr lvl="0"/>
             <a:r>
-              <a:rPr lang="en-GB"/>
+              <a:rPr lang="en-US" dirty="0"/>
               <a:t>Click to edit Master text styles</a:t>
             </a:r>
           </a:p>
           <a:p>
             <a:pPr lvl="1"/>
             <a:r>
-              <a:rPr lang="en-GB"/>
+              <a:rPr lang="en-US" dirty="0"/>
               <a:t>Second level</a:t>
             </a:r>
           </a:p>
           <a:p>
             <a:pPr lvl="2"/>
             <a:r>
-              <a:rPr lang="en-GB"/>
+              <a:rPr lang="en-US" dirty="0"/>
               <a:t>Third level</a:t>
             </a:r>
           </a:p>
           <a:p>
             <a:pPr lvl="3"/>
             <a:r>
-              <a:rPr lang="en-GB"/>
+              <a:rPr lang="en-US" dirty="0"/>
               <a:t>Fourth level</a:t>
             </a:r>
           </a:p>
           <a:p>
             <a:pPr lvl="4"/>
             <a:r>
-              <a:rPr lang="en-GB"/>
+              <a:rPr lang="en-US" dirty="0"/>
               <a:t>Fifth level</a:t>
             </a:r>
-            <a:endParaRPr lang="en-AU"/>
           </a:p>
         </p:txBody>
       </p:sp>
@@ -2304,7 +3854,7 @@
           <p:cNvPr id="4" name="Text Placeholder 3">
             <a:extLst>
               <a:ext uri="{FF2B5EF4-FFF2-40B4-BE49-F238E27FC236}">
-                <a16:creationId xmlns:a16="http://schemas.microsoft.com/office/drawing/2014/main" id="{494B7F6E-929F-2130-1B3E-398A325C9EC5}"/>
+                <a16:creationId xmlns:a16="http://schemas.microsoft.com/office/drawing/2014/main" id="{37DE6A51-A2E5-4BFA-B571-9FDFE1BBFB44}"/>
               </a:ext>
             </a:extLst>
           </p:cNvPr>
@@ -2317,16 +3867,18 @@
         </p:nvSpPr>
         <p:spPr>
           <a:xfrm>
-            <a:off x="839788" y="2057400"/>
-            <a:ext cx="3932237" cy="3811588"/>
+            <a:off x="868680" y="3429000"/>
+            <a:ext cx="3099816" cy="2066544"/>
           </a:xfrm>
         </p:spPr>
         <p:txBody>
-          <a:bodyPr/>
+          <a:bodyPr>
+            <a:normAutofit/>
+          </a:bodyPr>
           <a:lstStyle>
             <a:lvl1pPr marL="0" indent="0">
               <a:buNone/>
-              <a:defRPr sz="1600"/>
+              <a:defRPr sz="1800"/>
             </a:lvl1pPr>
             <a:lvl2pPr marL="457200" indent="0">
               <a:buNone/>
@@ -2364,7 +3916,7 @@
           <a:p>
             <a:pPr lvl="0"/>
             <a:r>
-              <a:rPr lang="en-GB"/>
+              <a:rPr lang="en-US" dirty="0"/>
               <a:t>Click to edit Master text styles</a:t>
             </a:r>
           </a:p>
@@ -2375,7 +3927,7 @@
           <p:cNvPr id="5" name="Date Placeholder 4">
             <a:extLst>
               <a:ext uri="{FF2B5EF4-FFF2-40B4-BE49-F238E27FC236}">
-                <a16:creationId xmlns:a16="http://schemas.microsoft.com/office/drawing/2014/main" id="{87235738-383B-A5D9-A3E0-6F05FAE225D4}"/>
+                <a16:creationId xmlns:a16="http://schemas.microsoft.com/office/drawing/2014/main" id="{3D92778A-DD4C-4651-9C53-8B0C44CD8805}"/>
               </a:ext>
             </a:extLst>
           </p:cNvPr>
@@ -2386,25 +3938,55 @@
             <p:ph type="dt" sz="half" idx="10"/>
           </p:nvPr>
         </p:nvSpPr>
+        <p:spPr>
+          <a:xfrm>
+            <a:off x="868680" y="6356350"/>
+            <a:ext cx="2743200" cy="365125"/>
+          </a:xfrm>
+        </p:spPr>
+        <p:txBody>
+          <a:bodyPr/>
+          <a:lstStyle/>
+          <a:p>
+            <a:fld id="{02AC24A9-CCB6-4F8D-B8DB-C2F3692CFA5A}" type="datetimeFigureOut">
+              <a:rPr lang="en-US" smtClean="0"/>
+              <a:t>9/26/24</a:t>
+            </a:fld>
+            <a:endParaRPr lang="en-US" dirty="0"/>
+          </a:p>
+        </p:txBody>
+      </p:sp>
+      <p:sp>
+        <p:nvSpPr>
+          <p:cNvPr id="6" name="Footer Placeholder 5">
+            <a:extLst>
+              <a:ext uri="{FF2B5EF4-FFF2-40B4-BE49-F238E27FC236}">
+                <a16:creationId xmlns:a16="http://schemas.microsoft.com/office/drawing/2014/main" id="{9D6C7F66-2DFA-4146-BE1A-CE2890FE45E2}"/>
+              </a:ext>
+            </a:extLst>
+          </p:cNvPr>
+          <p:cNvSpPr>
+            <a:spLocks noGrp="1"/>
+          </p:cNvSpPr>
+          <p:nvPr>
+            <p:ph type="ftr" sz="quarter" idx="11"/>
+          </p:nvPr>
+        </p:nvSpPr>
         <p:spPr/>
         <p:txBody>
           <a:bodyPr/>
           <a:lstStyle/>
           <a:p>
-            <a:fld id="{916416A7-E3AC-4F4D-99D0-B565CC5C8F64}" type="datetimeFigureOut">
-              <a:rPr lang="en-AU" smtClean="0"/>
-              <a:t>22/9/2024</a:t>
-            </a:fld>
-            <a:endParaRPr lang="en-AU"/>
-          </a:p>
-        </p:txBody>
-      </p:sp>
-      <p:sp>
-        <p:nvSpPr>
-          <p:cNvPr id="6" name="Footer Placeholder 5">
-            <a:extLst>
-              <a:ext uri="{FF2B5EF4-FFF2-40B4-BE49-F238E27FC236}">
-                <a16:creationId xmlns:a16="http://schemas.microsoft.com/office/drawing/2014/main" id="{414B7951-35B4-2CEC-4C37-6FBF8B92ADA4}"/>
+            <a:endParaRPr lang="en-US"/>
+          </a:p>
+        </p:txBody>
+      </p:sp>
+      <p:sp>
+        <p:nvSpPr>
+          <p:cNvPr id="7" name="Slide Number Placeholder 6">
+            <a:extLst>
+              <a:ext uri="{FF2B5EF4-FFF2-40B4-BE49-F238E27FC236}">
+                <a16:creationId xmlns:a16="http://schemas.microsoft.com/office/drawing/2014/main" id="{D285D185-B1B6-4D62-81BE-BE82C80ACA6C}"/>
               </a:ext>
             </a:extLst>
           </p:cNvPr>
@@ -2412,7 +3994,7 @@
             <a:spLocks noGrp="1"/>
           </p:cNvSpPr>
           <p:nvPr>
-            <p:ph type="ftr" sz="quarter" idx="11"/>
+            <p:ph type="sldNum" sz="quarter" idx="12"/>
           </p:nvPr>
         </p:nvSpPr>
         <p:spPr/>
@@ -2420,43 +4002,18 @@
           <a:bodyPr/>
           <a:lstStyle/>
           <a:p>
-            <a:endParaRPr lang="en-AU"/>
-          </a:p>
-        </p:txBody>
-      </p:sp>
-      <p:sp>
-        <p:nvSpPr>
-          <p:cNvPr id="7" name="Slide Number Placeholder 6">
-            <a:extLst>
-              <a:ext uri="{FF2B5EF4-FFF2-40B4-BE49-F238E27FC236}">
-                <a16:creationId xmlns:a16="http://schemas.microsoft.com/office/drawing/2014/main" id="{D2D869A2-96D2-013E-287B-8B178DF7549E}"/>
-              </a:ext>
-            </a:extLst>
-          </p:cNvPr>
-          <p:cNvSpPr>
-            <a:spLocks noGrp="1"/>
-          </p:cNvSpPr>
-          <p:nvPr>
-            <p:ph type="sldNum" sz="quarter" idx="12"/>
-          </p:nvPr>
-        </p:nvSpPr>
-        <p:spPr/>
-        <p:txBody>
-          <a:bodyPr/>
-          <a:lstStyle/>
-          <a:p>
-            <a:fld id="{3A7546D1-F557-9445-B9CE-424F41EE8835}" type="slidenum">
-              <a:rPr lang="en-AU" smtClean="0"/>
+            <a:fld id="{B2DC25EE-239B-4C5F-AAD1-255A7D5F1EE2}" type="slidenum">
+              <a:rPr lang="en-US" smtClean="0"/>
               <a:t>‹#›</a:t>
             </a:fld>
-            <a:endParaRPr lang="en-AU"/>
+            <a:endParaRPr lang="en-US"/>
           </a:p>
         </p:txBody>
       </p:sp>
     </p:spTree>
     <p:extLst>
       <p:ext uri="{BB962C8B-B14F-4D97-AF65-F5344CB8AC3E}">
-        <p14:creationId xmlns:p14="http://schemas.microsoft.com/office/powerpoint/2010/main" val="3537808946"/>
+        <p14:creationId xmlns:p14="http://schemas.microsoft.com/office/powerpoint/2010/main" val="2786160735"/>
       </p:ext>
     </p:extLst>
   </p:cSld>
@@ -2483,41 +4040,217 @@
           <a:chExt cx="0" cy="0"/>
         </a:xfrm>
       </p:grpSpPr>
-      <p:sp>
-        <p:nvSpPr>
-          <p:cNvPr id="2" name="Title 1">
-            <a:extLst>
-              <a:ext uri="{FF2B5EF4-FFF2-40B4-BE49-F238E27FC236}">
-                <a16:creationId xmlns:a16="http://schemas.microsoft.com/office/drawing/2014/main" id="{027C21BD-5E8F-2EAE-6B50-D67CFFEC1CCD}"/>
-              </a:ext>
-            </a:extLst>
-          </p:cNvPr>
-          <p:cNvSpPr>
-            <a:spLocks noGrp="1"/>
-          </p:cNvSpPr>
-          <p:nvPr>
-            <p:ph type="title"/>
-          </p:nvPr>
+      <p:sp useBgFill="1">
+        <p:nvSpPr>
+          <p:cNvPr id="9" name="Rectangle 8">
+            <a:extLst>
+              <a:ext uri="{FF2B5EF4-FFF2-40B4-BE49-F238E27FC236}">
+                <a16:creationId xmlns:a16="http://schemas.microsoft.com/office/drawing/2014/main" id="{168B77B5-211C-456E-B79F-306CC3619347}"/>
+              </a:ext>
+            </a:extLst>
+          </p:cNvPr>
+          <p:cNvSpPr/>
+          <p:nvPr/>
         </p:nvSpPr>
         <p:spPr>
           <a:xfrm>
-            <a:off x="839788" y="457200"/>
-            <a:ext cx="3932237" cy="1600200"/>
+            <a:off x="558210" y="1162033"/>
+            <a:ext cx="3740740" cy="4643344"/>
+          </a:xfrm>
+          <a:prstGeom prst="rect">
+            <a:avLst/>
+          </a:prstGeom>
+          <a:ln w="12700">
+            <a:solidFill>
+              <a:schemeClr val="tx2">
+                <a:lumMod val="10000"/>
+                <a:lumOff val="90000"/>
+              </a:schemeClr>
+            </a:solidFill>
+          </a:ln>
+          <a:effectLst>
+            <a:outerShdw blurRad="50800" dist="38100" dir="2700000" algn="tl" rotWithShape="0">
+              <a:schemeClr val="bg1">
+                <a:lumMod val="85000"/>
+                <a:alpha val="30000"/>
+              </a:schemeClr>
+            </a:outerShdw>
+          </a:effectLst>
+        </p:spPr>
+        <p:style>
+          <a:lnRef idx="2">
+            <a:schemeClr val="accent1">
+              <a:shade val="50000"/>
+            </a:schemeClr>
+          </a:lnRef>
+          <a:fillRef idx="1">
+            <a:schemeClr val="accent1"/>
+          </a:fillRef>
+          <a:effectRef idx="0">
+            <a:schemeClr val="accent1"/>
+          </a:effectRef>
+          <a:fontRef idx="minor">
+            <a:schemeClr val="lt1"/>
+          </a:fontRef>
+        </p:style>
+        <p:txBody>
+          <a:bodyPr rtlCol="0" anchor="ctr"/>
+          <a:lstStyle/>
+          <a:p>
+            <a:pPr marL="0" marR="0" lvl="0" indent="0" algn="ctr" defTabSz="914400" rtl="0" eaLnBrk="1" fontAlgn="auto" latinLnBrk="0" hangingPunct="1">
+              <a:lnSpc>
+                <a:spcPct val="100000"/>
+              </a:lnSpc>
+              <a:spcBef>
+                <a:spcPts val="0"/>
+              </a:spcBef>
+              <a:spcAft>
+                <a:spcPts val="0"/>
+              </a:spcAft>
+              <a:buClrTx/>
+              <a:buSzTx/>
+              <a:buFontTx/>
+              <a:buNone/>
+              <a:tabLst/>
+              <a:defRPr/>
+            </a:pPr>
+            <a:endParaRPr kumimoji="0" lang="en-US" sz="1800" b="0" i="0" u="none" strike="noStrike" kern="1200" cap="none" spc="0" normalizeH="0" baseline="0" noProof="0">
+              <a:ln>
+                <a:noFill/>
+              </a:ln>
+              <a:solidFill>
+                <a:prstClr val="white"/>
+              </a:solidFill>
+              <a:effectLst/>
+              <a:uLnTx/>
+              <a:uFillTx/>
+              <a:latin typeface="Calibri" panose="020F0502020204030204"/>
+              <a:ea typeface="+mn-ea"/>
+              <a:cs typeface="+mn-cs"/>
+            </a:endParaRPr>
+          </a:p>
+        </p:txBody>
+      </p:sp>
+      <p:sp>
+        <p:nvSpPr>
+          <p:cNvPr id="11" name="Rectangle 10">
+            <a:extLst>
+              <a:ext uri="{FF2B5EF4-FFF2-40B4-BE49-F238E27FC236}">
+                <a16:creationId xmlns:a16="http://schemas.microsoft.com/office/drawing/2014/main" id="{3B63C338-194D-4F23-ABEC-60A7EA96F302}"/>
+              </a:ext>
+            </a:extLst>
+          </p:cNvPr>
+          <p:cNvSpPr/>
+          <p:nvPr/>
+        </p:nvSpPr>
+        <p:spPr>
+          <a:xfrm>
+            <a:off x="498834" y="1618375"/>
+            <a:ext cx="146304" cy="822960"/>
+          </a:xfrm>
+          <a:prstGeom prst="rect">
+            <a:avLst/>
+          </a:prstGeom>
+          <a:solidFill>
+            <a:schemeClr val="accent1"/>
+          </a:solidFill>
+          <a:ln>
+            <a:noFill/>
+          </a:ln>
+        </p:spPr>
+        <p:style>
+          <a:lnRef idx="2">
+            <a:schemeClr val="accent1">
+              <a:shade val="50000"/>
+            </a:schemeClr>
+          </a:lnRef>
+          <a:fillRef idx="1">
+            <a:schemeClr val="accent1"/>
+          </a:fillRef>
+          <a:effectRef idx="0">
+            <a:schemeClr val="accent1"/>
+          </a:effectRef>
+          <a:fontRef idx="minor">
+            <a:schemeClr val="lt1"/>
+          </a:fontRef>
+        </p:style>
+        <p:txBody>
+          <a:bodyPr rtlCol="0" anchor="ctr"/>
+          <a:lstStyle/>
+          <a:p>
+            <a:pPr marL="0" marR="0" lvl="0" indent="0" algn="ctr" defTabSz="914400" rtl="0" eaLnBrk="1" fontAlgn="auto" latinLnBrk="0" hangingPunct="1">
+              <a:lnSpc>
+                <a:spcPct val="100000"/>
+              </a:lnSpc>
+              <a:spcBef>
+                <a:spcPts val="0"/>
+              </a:spcBef>
+              <a:spcAft>
+                <a:spcPts val="0"/>
+              </a:spcAft>
+              <a:buClrTx/>
+              <a:buSzTx/>
+              <a:buFontTx/>
+              <a:buNone/>
+              <a:tabLst/>
+              <a:defRPr/>
+            </a:pPr>
+            <a:endParaRPr kumimoji="0" lang="en-US" sz="1800" b="0" i="0" u="none" strike="noStrike" kern="1200" cap="none" spc="0" normalizeH="0" baseline="0" noProof="0">
+              <a:ln>
+                <a:noFill/>
+              </a:ln>
+              <a:solidFill>
+                <a:prstClr val="white"/>
+              </a:solidFill>
+              <a:effectLst/>
+              <a:uLnTx/>
+              <a:uFillTx/>
+              <a:latin typeface="Calibri" panose="020F0502020204030204"/>
+              <a:ea typeface="+mn-ea"/>
+              <a:cs typeface="+mn-cs"/>
+            </a:endParaRPr>
+          </a:p>
+        </p:txBody>
+      </p:sp>
+      <p:sp>
+        <p:nvSpPr>
+          <p:cNvPr id="2" name="Title 1">
+            <a:extLst>
+              <a:ext uri="{FF2B5EF4-FFF2-40B4-BE49-F238E27FC236}">
+                <a16:creationId xmlns:a16="http://schemas.microsoft.com/office/drawing/2014/main" id="{A0C04DCC-0E3E-4F05-9FAC-9FA6CA4B2BAE}"/>
+              </a:ext>
+            </a:extLst>
+          </p:cNvPr>
+          <p:cNvSpPr>
+            <a:spLocks noGrp="1"/>
+          </p:cNvSpPr>
+          <p:nvPr>
+            <p:ph type="title"/>
+          </p:nvPr>
+        </p:nvSpPr>
+        <p:spPr>
+          <a:xfrm>
+            <a:off x="868680" y="1709928"/>
+            <a:ext cx="3099816" cy="1709928"/>
           </a:xfrm>
         </p:spPr>
         <p:txBody>
-          <a:bodyPr anchor="b"/>
+          <a:bodyPr tIns="45720" anchor="t">
+            <a:normAutofit/>
+          </a:bodyPr>
           <a:lstStyle>
             <a:lvl1pPr>
-              <a:defRPr sz="3200"/>
+              <a:lnSpc>
+                <a:spcPct val="100000"/>
+              </a:lnSpc>
+              <a:defRPr sz="3400"/>
             </a:lvl1pPr>
           </a:lstStyle>
           <a:p>
             <a:r>
-              <a:rPr lang="en-GB"/>
+              <a:rPr lang="en-US" dirty="0"/>
               <a:t>Click to edit Master title style</a:t>
             </a:r>
-            <a:endParaRPr lang="en-AU"/>
           </a:p>
         </p:txBody>
       </p:sp>
@@ -2526,7 +4259,7 @@
           <p:cNvPr id="3" name="Picture Placeholder 2">
             <a:extLst>
               <a:ext uri="{FF2B5EF4-FFF2-40B4-BE49-F238E27FC236}">
-                <a16:creationId xmlns:a16="http://schemas.microsoft.com/office/drawing/2014/main" id="{FE5F2803-16FC-E3F7-93E4-423D66DBCE5B}"/>
+                <a16:creationId xmlns:a16="http://schemas.microsoft.com/office/drawing/2014/main" id="{EBA29649-B19F-499E-8E9A-3577EAC8F031}"/>
               </a:ext>
             </a:extLst>
           </p:cNvPr>
@@ -2539,16 +4272,18 @@
         </p:nvSpPr>
         <p:spPr>
           <a:xfrm>
-            <a:off x="5183188" y="987425"/>
-            <a:ext cx="6172200" cy="4873625"/>
+            <a:off x="4965192" y="1161288"/>
+            <a:ext cx="6729984" cy="4645152"/>
           </a:xfrm>
         </p:spPr>
         <p:txBody>
-          <a:bodyPr/>
+          <a:bodyPr>
+            <a:normAutofit/>
+          </a:bodyPr>
           <a:lstStyle>
             <a:lvl1pPr marL="0" indent="0">
               <a:buNone/>
-              <a:defRPr sz="3200"/>
+              <a:defRPr sz="2800"/>
             </a:lvl1pPr>
             <a:lvl2pPr marL="457200" indent="0">
               <a:buNone/>
@@ -2584,7 +4319,10 @@
             </a:lvl9pPr>
           </a:lstStyle>
           <a:p>
-            <a:endParaRPr lang="en-AU"/>
+            <a:r>
+              <a:rPr lang="en-US" dirty="0"/>
+              <a:t>Click icon to add picture</a:t>
+            </a:r>
           </a:p>
         </p:txBody>
       </p:sp>
@@ -2593,7 +4331,7 @@
           <p:cNvPr id="4" name="Text Placeholder 3">
             <a:extLst>
               <a:ext uri="{FF2B5EF4-FFF2-40B4-BE49-F238E27FC236}">
-                <a16:creationId xmlns:a16="http://schemas.microsoft.com/office/drawing/2014/main" id="{7EEB8E32-5CE0-8AFD-1865-0357D1CFB1D3}"/>
+                <a16:creationId xmlns:a16="http://schemas.microsoft.com/office/drawing/2014/main" id="{1BC9EF2E-A8CD-41A1-B11A-0D8842797A98}"/>
               </a:ext>
             </a:extLst>
           </p:cNvPr>
@@ -2606,16 +4344,18 @@
         </p:nvSpPr>
         <p:spPr>
           <a:xfrm>
-            <a:off x="839788" y="2057400"/>
-            <a:ext cx="3932237" cy="3811588"/>
+            <a:off x="868680" y="3438144"/>
+            <a:ext cx="3099816" cy="2057400"/>
           </a:xfrm>
         </p:spPr>
         <p:txBody>
-          <a:bodyPr/>
+          <a:bodyPr>
+            <a:normAutofit/>
+          </a:bodyPr>
           <a:lstStyle>
             <a:lvl1pPr marL="0" indent="0">
               <a:buNone/>
-              <a:defRPr sz="1600"/>
+              <a:defRPr sz="1800"/>
             </a:lvl1pPr>
             <a:lvl2pPr marL="457200" indent="0">
               <a:buNone/>
@@ -2653,7 +4393,7 @@
           <a:p>
             <a:pPr lvl="0"/>
             <a:r>
-              <a:rPr lang="en-GB"/>
+              <a:rPr lang="en-US" dirty="0"/>
               <a:t>Click to edit Master text styles</a:t>
             </a:r>
           </a:p>
@@ -2664,7 +4404,7 @@
           <p:cNvPr id="5" name="Date Placeholder 4">
             <a:extLst>
               <a:ext uri="{FF2B5EF4-FFF2-40B4-BE49-F238E27FC236}">
-                <a16:creationId xmlns:a16="http://schemas.microsoft.com/office/drawing/2014/main" id="{842FA1D3-428D-93CC-19B7-6A4335745960}"/>
+                <a16:creationId xmlns:a16="http://schemas.microsoft.com/office/drawing/2014/main" id="{B44257B5-0DE0-401F-9171-E8687A97DBA7}"/>
               </a:ext>
             </a:extLst>
           </p:cNvPr>
@@ -2675,25 +4415,55 @@
             <p:ph type="dt" sz="half" idx="10"/>
           </p:nvPr>
         </p:nvSpPr>
+        <p:spPr>
+          <a:xfrm>
+            <a:off x="868680" y="6356350"/>
+            <a:ext cx="2743200" cy="365125"/>
+          </a:xfrm>
+        </p:spPr>
+        <p:txBody>
+          <a:bodyPr/>
+          <a:lstStyle/>
+          <a:p>
+            <a:fld id="{02AC24A9-CCB6-4F8D-B8DB-C2F3692CFA5A}" type="datetimeFigureOut">
+              <a:rPr lang="en-US" smtClean="0"/>
+              <a:t>9/26/24</a:t>
+            </a:fld>
+            <a:endParaRPr lang="en-US"/>
+          </a:p>
+        </p:txBody>
+      </p:sp>
+      <p:sp>
+        <p:nvSpPr>
+          <p:cNvPr id="6" name="Footer Placeholder 5">
+            <a:extLst>
+              <a:ext uri="{FF2B5EF4-FFF2-40B4-BE49-F238E27FC236}">
+                <a16:creationId xmlns:a16="http://schemas.microsoft.com/office/drawing/2014/main" id="{788CD9AD-D667-4FD4-AA34-428AA0BCD09E}"/>
+              </a:ext>
+            </a:extLst>
+          </p:cNvPr>
+          <p:cNvSpPr>
+            <a:spLocks noGrp="1"/>
+          </p:cNvSpPr>
+          <p:nvPr>
+            <p:ph type="ftr" sz="quarter" idx="11"/>
+          </p:nvPr>
+        </p:nvSpPr>
         <p:spPr/>
         <p:txBody>
           <a:bodyPr/>
           <a:lstStyle/>
           <a:p>
-            <a:fld id="{916416A7-E3AC-4F4D-99D0-B565CC5C8F64}" type="datetimeFigureOut">
-              <a:rPr lang="en-AU" smtClean="0"/>
-              <a:t>22/9/2024</a:t>
-            </a:fld>
-            <a:endParaRPr lang="en-AU"/>
-          </a:p>
-        </p:txBody>
-      </p:sp>
-      <p:sp>
-        <p:nvSpPr>
-          <p:cNvPr id="6" name="Footer Placeholder 5">
-            <a:extLst>
-              <a:ext uri="{FF2B5EF4-FFF2-40B4-BE49-F238E27FC236}">
-                <a16:creationId xmlns:a16="http://schemas.microsoft.com/office/drawing/2014/main" id="{1C025E57-C4B1-5ED6-64D8-3722D175F1BC}"/>
+            <a:endParaRPr lang="en-US"/>
+          </a:p>
+        </p:txBody>
+      </p:sp>
+      <p:sp>
+        <p:nvSpPr>
+          <p:cNvPr id="7" name="Slide Number Placeholder 6">
+            <a:extLst>
+              <a:ext uri="{FF2B5EF4-FFF2-40B4-BE49-F238E27FC236}">
+                <a16:creationId xmlns:a16="http://schemas.microsoft.com/office/drawing/2014/main" id="{18770FB6-F273-4BA6-8B97-9835AC537871}"/>
               </a:ext>
             </a:extLst>
           </p:cNvPr>
@@ -2701,7 +4471,7 @@
             <a:spLocks noGrp="1"/>
           </p:cNvSpPr>
           <p:nvPr>
-            <p:ph type="ftr" sz="quarter" idx="11"/>
+            <p:ph type="sldNum" sz="quarter" idx="12"/>
           </p:nvPr>
         </p:nvSpPr>
         <p:spPr/>
@@ -2709,43 +4479,18 @@
           <a:bodyPr/>
           <a:lstStyle/>
           <a:p>
-            <a:endParaRPr lang="en-AU"/>
-          </a:p>
-        </p:txBody>
-      </p:sp>
-      <p:sp>
-        <p:nvSpPr>
-          <p:cNvPr id="7" name="Slide Number Placeholder 6">
-            <a:extLst>
-              <a:ext uri="{FF2B5EF4-FFF2-40B4-BE49-F238E27FC236}">
-                <a16:creationId xmlns:a16="http://schemas.microsoft.com/office/drawing/2014/main" id="{1EF5EC2B-CFD6-4658-937A-FC6863ACE0A9}"/>
-              </a:ext>
-            </a:extLst>
-          </p:cNvPr>
-          <p:cNvSpPr>
-            <a:spLocks noGrp="1"/>
-          </p:cNvSpPr>
-          <p:nvPr>
-            <p:ph type="sldNum" sz="quarter" idx="12"/>
-          </p:nvPr>
-        </p:nvSpPr>
-        <p:spPr/>
-        <p:txBody>
-          <a:bodyPr/>
-          <a:lstStyle/>
-          <a:p>
-            <a:fld id="{3A7546D1-F557-9445-B9CE-424F41EE8835}" type="slidenum">
-              <a:rPr lang="en-AU" smtClean="0"/>
+            <a:fld id="{B2DC25EE-239B-4C5F-AAD1-255A7D5F1EE2}" type="slidenum">
+              <a:rPr lang="en-US" smtClean="0"/>
               <a:t>‹#›</a:t>
             </a:fld>
-            <a:endParaRPr lang="en-AU"/>
+            <a:endParaRPr lang="en-US"/>
           </a:p>
         </p:txBody>
       </p:sp>
     </p:spTree>
     <p:extLst>
       <p:ext uri="{BB962C8B-B14F-4D97-AF65-F5344CB8AC3E}">
-        <p14:creationId xmlns:p14="http://schemas.microsoft.com/office/powerpoint/2010/main" val="826489763"/>
+        <p14:creationId xmlns:p14="http://schemas.microsoft.com/office/powerpoint/2010/main" val="889641064"/>
       </p:ext>
     </p:extLst>
   </p:cSld>
@@ -2782,7 +4527,7 @@
           <p:cNvPr id="2" name="Title Placeholder 1">
             <a:extLst>
               <a:ext uri="{FF2B5EF4-FFF2-40B4-BE49-F238E27FC236}">
-                <a16:creationId xmlns:a16="http://schemas.microsoft.com/office/drawing/2014/main" id="{7C6D6618-A0F2-546A-10D7-A1DA214EB78F}"/>
+                <a16:creationId xmlns:a16="http://schemas.microsoft.com/office/drawing/2014/main" id="{BB325BDE-35A4-4AAD-960B-C1415864ADD9}"/>
               </a:ext>
             </a:extLst>
           </p:cNvPr>
@@ -2809,10 +4554,10 @@
           <a:lstStyle/>
           <a:p>
             <a:r>
-              <a:rPr lang="en-GB"/>
+              <a:rPr lang="en-US"/>
               <a:t>Click to edit Master title style</a:t>
             </a:r>
-            <a:endParaRPr lang="en-AU"/>
+            <a:endParaRPr lang="en-US" dirty="0"/>
           </a:p>
         </p:txBody>
       </p:sp>
@@ -2821,7 +4566,7 @@
           <p:cNvPr id="3" name="Text Placeholder 2">
             <a:extLst>
               <a:ext uri="{FF2B5EF4-FFF2-40B4-BE49-F238E27FC236}">
-                <a16:creationId xmlns:a16="http://schemas.microsoft.com/office/drawing/2014/main" id="{49FDAD1C-0C08-2A74-163E-B09362C49650}"/>
+                <a16:creationId xmlns:a16="http://schemas.microsoft.com/office/drawing/2014/main" id="{BE459C78-0CC4-4552-93DD-49B4194D005D}"/>
               </a:ext>
             </a:extLst>
           </p:cNvPr>
@@ -2849,38 +4594,38 @@
           <a:p>
             <a:pPr lvl="0"/>
             <a:r>
-              <a:rPr lang="en-GB"/>
+              <a:rPr lang="en-US"/>
               <a:t>Click to edit Master text styles</a:t>
             </a:r>
           </a:p>
           <a:p>
             <a:pPr lvl="1"/>
             <a:r>
-              <a:rPr lang="en-GB"/>
+              <a:rPr lang="en-US"/>
               <a:t>Second level</a:t>
             </a:r>
           </a:p>
           <a:p>
             <a:pPr lvl="2"/>
             <a:r>
-              <a:rPr lang="en-GB"/>
+              <a:rPr lang="en-US"/>
               <a:t>Third level</a:t>
             </a:r>
           </a:p>
           <a:p>
             <a:pPr lvl="3"/>
             <a:r>
-              <a:rPr lang="en-GB"/>
+              <a:rPr lang="en-US"/>
               <a:t>Fourth level</a:t>
             </a:r>
           </a:p>
           <a:p>
             <a:pPr lvl="4"/>
             <a:r>
-              <a:rPr lang="en-GB"/>
+              <a:rPr lang="en-US"/>
               <a:t>Fifth level</a:t>
             </a:r>
-            <a:endParaRPr lang="en-AU"/>
+            <a:endParaRPr lang="en-US" dirty="0"/>
           </a:p>
         </p:txBody>
       </p:sp>
@@ -2889,7 +4634,7 @@
           <p:cNvPr id="4" name="Date Placeholder 3">
             <a:extLst>
               <a:ext uri="{FF2B5EF4-FFF2-40B4-BE49-F238E27FC236}">
-                <a16:creationId xmlns:a16="http://schemas.microsoft.com/office/drawing/2014/main" id="{B96B3007-E390-D587-237C-A707678CC325}"/>
+                <a16:creationId xmlns:a16="http://schemas.microsoft.com/office/drawing/2014/main" id="{06744A3C-9C54-46A6-B3EF-5B36362423EB}"/>
               </a:ext>
             </a:extLst>
           </p:cNvPr>
@@ -2916,18 +4661,18 @@
               <a:defRPr sz="1200">
                 <a:solidFill>
                   <a:schemeClr val="tx1">
-                    <a:tint val="82000"/>
+                    <a:tint val="75000"/>
                   </a:schemeClr>
                 </a:solidFill>
               </a:defRPr>
             </a:lvl1pPr>
           </a:lstStyle>
           <a:p>
-            <a:fld id="{916416A7-E3AC-4F4D-99D0-B565CC5C8F64}" type="datetimeFigureOut">
-              <a:rPr lang="en-AU" smtClean="0"/>
-              <a:t>22/9/2024</a:t>
+            <a:fld id="{02AC24A9-CCB6-4F8D-B8DB-C2F3692CFA5A}" type="datetimeFigureOut">
+              <a:rPr lang="en-US" smtClean="0"/>
+              <a:t>9/26/24</a:t>
             </a:fld>
-            <a:endParaRPr lang="en-AU"/>
+            <a:endParaRPr lang="en-US"/>
           </a:p>
         </p:txBody>
       </p:sp>
@@ -2936,7 +4681,7 @@
           <p:cNvPr id="5" name="Footer Placeholder 4">
             <a:extLst>
               <a:ext uri="{FF2B5EF4-FFF2-40B4-BE49-F238E27FC236}">
-                <a16:creationId xmlns:a16="http://schemas.microsoft.com/office/drawing/2014/main" id="{FF3990FE-5C77-6E9E-1CEC-C4D6BAD888C2}"/>
+                <a16:creationId xmlns:a16="http://schemas.microsoft.com/office/drawing/2014/main" id="{07D5A696-7B4B-4181-A961-7D66556D507F}"/>
               </a:ext>
             </a:extLst>
           </p:cNvPr>
@@ -2963,14 +4708,14 @@
               <a:defRPr sz="1200">
                 <a:solidFill>
                   <a:schemeClr val="tx1">
-                    <a:tint val="82000"/>
+                    <a:tint val="75000"/>
                   </a:schemeClr>
                 </a:solidFill>
               </a:defRPr>
             </a:lvl1pPr>
           </a:lstStyle>
           <a:p>
-            <a:endParaRPr lang="en-AU"/>
+            <a:endParaRPr lang="en-US"/>
           </a:p>
         </p:txBody>
       </p:sp>
@@ -2979,7 +4724,7 @@
           <p:cNvPr id="6" name="Slide Number Placeholder 5">
             <a:extLst>
               <a:ext uri="{FF2B5EF4-FFF2-40B4-BE49-F238E27FC236}">
-                <a16:creationId xmlns:a16="http://schemas.microsoft.com/office/drawing/2014/main" id="{9DB913E0-6AF6-A658-CAD6-DC2A1EFB74B8}"/>
+                <a16:creationId xmlns:a16="http://schemas.microsoft.com/office/drawing/2014/main" id="{23038CB5-8F4A-401D-A3A9-B27DC15B7A81}"/>
               </a:ext>
             </a:extLst>
           </p:cNvPr>
@@ -3006,41 +4751,41 @@
               <a:defRPr sz="1200">
                 <a:solidFill>
                   <a:schemeClr val="tx1">
-                    <a:tint val="82000"/>
+                    <a:tint val="75000"/>
                   </a:schemeClr>
                 </a:solidFill>
               </a:defRPr>
             </a:lvl1pPr>
           </a:lstStyle>
           <a:p>
-            <a:fld id="{3A7546D1-F557-9445-B9CE-424F41EE8835}" type="slidenum">
-              <a:rPr lang="en-AU" smtClean="0"/>
+            <a:fld id="{B2DC25EE-239B-4C5F-AAD1-255A7D5F1EE2}" type="slidenum">
+              <a:rPr lang="en-US" smtClean="0"/>
               <a:t>‹#›</a:t>
             </a:fld>
-            <a:endParaRPr lang="en-AU"/>
+            <a:endParaRPr lang="en-US"/>
           </a:p>
         </p:txBody>
       </p:sp>
     </p:spTree>
     <p:extLst>
       <p:ext uri="{BB962C8B-B14F-4D97-AF65-F5344CB8AC3E}">
-        <p14:creationId xmlns:p14="http://schemas.microsoft.com/office/powerpoint/2010/main" val="565644423"/>
+        <p14:creationId xmlns:p14="http://schemas.microsoft.com/office/powerpoint/2010/main" val="879964235"/>
       </p:ext>
     </p:extLst>
   </p:cSld>
   <p:clrMap bg1="lt1" tx1="dk1" bg2="lt2" tx2="dk2" accent1="accent1" accent2="accent2" accent3="accent3" accent4="accent4" accent5="accent5" accent6="accent6" hlink="hlink" folHlink="folHlink"/>
   <p:sldLayoutIdLst>
-    <p:sldLayoutId id="2147483649" r:id="rId1"/>
-    <p:sldLayoutId id="2147483650" r:id="rId2"/>
-    <p:sldLayoutId id="2147483651" r:id="rId3"/>
-    <p:sldLayoutId id="2147483652" r:id="rId4"/>
-    <p:sldLayoutId id="2147483653" r:id="rId5"/>
-    <p:sldLayoutId id="2147483654" r:id="rId6"/>
-    <p:sldLayoutId id="2147483655" r:id="rId7"/>
-    <p:sldLayoutId id="2147483656" r:id="rId8"/>
-    <p:sldLayoutId id="2147483657" r:id="rId9"/>
-    <p:sldLayoutId id="2147483658" r:id="rId10"/>
-    <p:sldLayoutId id="2147483659" r:id="rId11"/>
+    <p:sldLayoutId id="2147483671" r:id="rId1"/>
+    <p:sldLayoutId id="2147483670" r:id="rId2"/>
+    <p:sldLayoutId id="2147483669" r:id="rId3"/>
+    <p:sldLayoutId id="2147483668" r:id="rId4"/>
+    <p:sldLayoutId id="2147483667" r:id="rId5"/>
+    <p:sldLayoutId id="2147483666" r:id="rId6"/>
+    <p:sldLayoutId id="2147483665" r:id="rId7"/>
+    <p:sldLayoutId id="2147483664" r:id="rId8"/>
+    <p:sldLayoutId id="2147483663" r:id="rId9"/>
+    <p:sldLayoutId id="2147483662" r:id="rId10"/>
+    <p:sldLayoutId id="2147483661" r:id="rId11"/>
   </p:sldLayoutIdLst>
   <p:txStyles>
     <p:titleStyle>
@@ -3065,7 +4810,7 @@
     <p:bodyStyle>
       <a:lvl1pPr marL="228600" indent="-228600" algn="l" defTabSz="914400" rtl="0" eaLnBrk="1" latinLnBrk="0" hangingPunct="1">
         <a:lnSpc>
-          <a:spcPct val="90000"/>
+          <a:spcPct val="110000"/>
         </a:lnSpc>
         <a:spcBef>
           <a:spcPts val="1000"/>
@@ -3083,7 +4828,7 @@
       </a:lvl1pPr>
       <a:lvl2pPr marL="685800" indent="-228600" algn="l" defTabSz="914400" rtl="0" eaLnBrk="1" latinLnBrk="0" hangingPunct="1">
         <a:lnSpc>
-          <a:spcPct val="90000"/>
+          <a:spcPct val="110000"/>
         </a:lnSpc>
         <a:spcBef>
           <a:spcPts val="500"/>
@@ -3101,7 +4846,7 @@
       </a:lvl2pPr>
       <a:lvl3pPr marL="1143000" indent="-228600" algn="l" defTabSz="914400" rtl="0" eaLnBrk="1" latinLnBrk="0" hangingPunct="1">
         <a:lnSpc>
-          <a:spcPct val="90000"/>
+          <a:spcPct val="110000"/>
         </a:lnSpc>
         <a:spcBef>
           <a:spcPts val="500"/>
@@ -3119,7 +4864,7 @@
       </a:lvl3pPr>
       <a:lvl4pPr marL="1600200" indent="-228600" algn="l" defTabSz="914400" rtl="0" eaLnBrk="1" latinLnBrk="0" hangingPunct="1">
         <a:lnSpc>
-          <a:spcPct val="90000"/>
+          <a:spcPct val="110000"/>
         </a:lnSpc>
         <a:spcBef>
           <a:spcPts val="500"/>
@@ -3137,7 +4882,7 @@
       </a:lvl4pPr>
       <a:lvl5pPr marL="2057400" indent="-228600" algn="l" defTabSz="914400" rtl="0" eaLnBrk="1" latinLnBrk="0" hangingPunct="1">
         <a:lnSpc>
-          <a:spcPct val="90000"/>
+          <a:spcPct val="110000"/>
         </a:lnSpc>
         <a:spcBef>
           <a:spcPts val="500"/>
@@ -3328,6 +5073,14 @@
 <file path=ppt/slides/slide1.xml><?xml version="1.0" encoding="utf-8"?>
 <p:sld xmlns:a="http://schemas.openxmlformats.org/drawingml/2006/main" xmlns:r="http://schemas.openxmlformats.org/officeDocument/2006/relationships" xmlns:p="http://schemas.openxmlformats.org/presentationml/2006/main">
   <p:cSld>
+    <p:bg>
+      <p:bgPr>
+        <a:solidFill>
+          <a:schemeClr val="bg1"/>
+        </a:solidFill>
+        <a:effectLst/>
+      </p:bgPr>
+    </p:bg>
     <p:spTree>
       <p:nvGrpSpPr>
         <p:cNvPr id="1" name=""/>
@@ -3342,6 +5095,372 @@
           <a:chExt cx="0" cy="0"/>
         </a:xfrm>
       </p:grpSpPr>
+      <p:sp useBgFill="1">
+        <p:nvSpPr>
+          <p:cNvPr id="9" name="Rectangle 8">
+            <a:extLst>
+              <a:ext uri="{FF2B5EF4-FFF2-40B4-BE49-F238E27FC236}">
+                <a16:creationId xmlns:a16="http://schemas.microsoft.com/office/drawing/2014/main" id="{68AF5748-FED8-45BA-8631-26D1D10F3246}"/>
+              </a:ext>
+              <a:ext uri="{C183D7F6-B498-43B3-948B-1728B52AA6E4}">
+                <adec:decorative xmlns:adec="http://schemas.microsoft.com/office/drawing/2017/decorative" val="1"/>
+              </a:ext>
+            </a:extLst>
+          </p:cNvPr>
+          <p:cNvSpPr>
+            <a:spLocks noGrp="1" noRot="1" noChangeAspect="1" noMove="1" noResize="1" noEditPoints="1" noAdjustHandles="1" noChangeArrowheads="1" noChangeShapeType="1" noTextEdit="1"/>
+          </p:cNvSpPr>
+          <p:nvPr>
+            <p:extLst>
+              <p:ext uri="{386F3935-93C4-4BCD-93E2-E3B085C9AB24}">
+                <p16:designElem xmlns:p16="http://schemas.microsoft.com/office/powerpoint/2015/main" val="1"/>
+              </p:ext>
+            </p:extLst>
+          </p:nvPr>
+        </p:nvSpPr>
+        <p:spPr>
+          <a:xfrm>
+            <a:off x="0" y="0"/>
+            <a:ext cx="12192000" cy="6858000"/>
+          </a:xfrm>
+          <a:prstGeom prst="rect">
+            <a:avLst/>
+          </a:prstGeom>
+          <a:ln>
+            <a:noFill/>
+          </a:ln>
+        </p:spPr>
+        <p:style>
+          <a:lnRef idx="2">
+            <a:schemeClr val="accent1">
+              <a:shade val="50000"/>
+            </a:schemeClr>
+          </a:lnRef>
+          <a:fillRef idx="1">
+            <a:schemeClr val="accent1"/>
+          </a:fillRef>
+          <a:effectRef idx="0">
+            <a:schemeClr val="accent1"/>
+          </a:effectRef>
+          <a:fontRef idx="minor">
+            <a:schemeClr val="lt1"/>
+          </a:fontRef>
+        </p:style>
+        <p:txBody>
+          <a:bodyPr rtlCol="0" anchor="ctr"/>
+          <a:lstStyle/>
+          <a:p>
+            <a:pPr algn="ctr"/>
+            <a:endParaRPr lang="en-US"/>
+          </a:p>
+        </p:txBody>
+      </p:sp>
+      <p:sp>
+        <p:nvSpPr>
+          <p:cNvPr id="4" name="TextBox 3">
+            <a:extLst>
+              <a:ext uri="{FF2B5EF4-FFF2-40B4-BE49-F238E27FC236}">
+                <a16:creationId xmlns:a16="http://schemas.microsoft.com/office/drawing/2014/main" id="{98B85F23-B343-13F5-6CCB-6F28E04D7F18}"/>
+              </a:ext>
+            </a:extLst>
+          </p:cNvPr>
+          <p:cNvSpPr txBox="1"/>
+          <p:nvPr/>
+        </p:nvSpPr>
+        <p:spPr>
+          <a:xfrm>
+            <a:off x="477981" y="1122363"/>
+            <a:ext cx="4023360" cy="3204134"/>
+          </a:xfrm>
+          <a:prstGeom prst="rect">
+            <a:avLst/>
+          </a:prstGeom>
+        </p:spPr>
+        <p:txBody>
+          <a:bodyPr vert="horz" lIns="91440" tIns="45720" rIns="91440" bIns="45720" rtlCol="0" anchor="b">
+            <a:normAutofit/>
+          </a:bodyPr>
+          <a:lstStyle/>
+          <a:p>
+            <a:pPr>
+              <a:lnSpc>
+                <a:spcPct val="90000"/>
+              </a:lnSpc>
+              <a:spcBef>
+                <a:spcPct val="0"/>
+              </a:spcBef>
+              <a:spcAft>
+                <a:spcPts val="600"/>
+              </a:spcAft>
+            </a:pPr>
+            <a:r>
+              <a:rPr lang="en-US" sz="4100" dirty="0">
+                <a:latin typeface="+mj-lt"/>
+                <a:ea typeface="+mj-ea"/>
+                <a:cs typeface="+mj-cs"/>
+              </a:rPr>
+              <a:t>PAVO</a:t>
+            </a:r>
+          </a:p>
+          <a:p>
+            <a:pPr>
+              <a:lnSpc>
+                <a:spcPct val="90000"/>
+              </a:lnSpc>
+              <a:spcBef>
+                <a:spcPct val="0"/>
+              </a:spcBef>
+              <a:spcAft>
+                <a:spcPts val="600"/>
+              </a:spcAft>
+            </a:pPr>
+            <a:endParaRPr lang="en-US" sz="4100" dirty="0">
+              <a:latin typeface="+mj-lt"/>
+              <a:ea typeface="+mj-ea"/>
+              <a:cs typeface="+mj-cs"/>
+            </a:endParaRPr>
+          </a:p>
+          <a:p>
+            <a:pPr>
+              <a:lnSpc>
+                <a:spcPct val="90000"/>
+              </a:lnSpc>
+              <a:spcBef>
+                <a:spcPct val="0"/>
+              </a:spcBef>
+              <a:spcAft>
+                <a:spcPts val="600"/>
+              </a:spcAft>
+            </a:pPr>
+            <a:r>
+              <a:rPr lang="en-US" sz="4100" dirty="0">
+                <a:latin typeface="+mj-lt"/>
+                <a:ea typeface="+mj-ea"/>
+                <a:cs typeface="+mj-cs"/>
+              </a:rPr>
+              <a:t>An introduction and overview</a:t>
+            </a:r>
+          </a:p>
+        </p:txBody>
+      </p:sp>
+      <p:sp>
+        <p:nvSpPr>
+          <p:cNvPr id="11" name="Rectangle 10">
+            <a:extLst>
+              <a:ext uri="{FF2B5EF4-FFF2-40B4-BE49-F238E27FC236}">
+                <a16:creationId xmlns:a16="http://schemas.microsoft.com/office/drawing/2014/main" id="{AF2F604E-43BE-4DC3-B983-E071523364F8}"/>
+              </a:ext>
+              <a:ext uri="{C183D7F6-B498-43B3-948B-1728B52AA6E4}">
+                <adec:decorative xmlns:adec="http://schemas.microsoft.com/office/drawing/2017/decorative" val="1"/>
+              </a:ext>
+            </a:extLst>
+          </p:cNvPr>
+          <p:cNvSpPr>
+            <a:spLocks noGrp="1" noRot="1" noChangeAspect="1" noMove="1" noResize="1" noEditPoints="1" noAdjustHandles="1" noChangeArrowheads="1" noChangeShapeType="1" noTextEdit="1"/>
+          </p:cNvSpPr>
+          <p:nvPr>
+            <p:extLst>
+              <p:ext uri="{386F3935-93C4-4BCD-93E2-E3B085C9AB24}">
+                <p16:designElem xmlns:p16="http://schemas.microsoft.com/office/powerpoint/2015/main" val="1"/>
+              </p:ext>
+            </p:extLst>
+          </p:nvPr>
+        </p:nvSpPr>
+        <p:spPr>
+          <a:xfrm rot="5400000">
+            <a:off x="759921" y="346791"/>
+            <a:ext cx="146304" cy="704088"/>
+          </a:xfrm>
+          <a:prstGeom prst="rect">
+            <a:avLst/>
+          </a:prstGeom>
+          <a:solidFill>
+            <a:schemeClr val="accent1"/>
+          </a:solidFill>
+          <a:ln>
+            <a:noFill/>
+          </a:ln>
+        </p:spPr>
+        <p:style>
+          <a:lnRef idx="2">
+            <a:schemeClr val="accent1">
+              <a:shade val="50000"/>
+            </a:schemeClr>
+          </a:lnRef>
+          <a:fillRef idx="1">
+            <a:schemeClr val="accent1"/>
+          </a:fillRef>
+          <a:effectRef idx="0">
+            <a:schemeClr val="accent1"/>
+          </a:effectRef>
+          <a:fontRef idx="minor">
+            <a:schemeClr val="lt1"/>
+          </a:fontRef>
+        </p:style>
+        <p:txBody>
+          <a:bodyPr rtlCol="0" anchor="ctr"/>
+          <a:lstStyle/>
+          <a:p>
+            <a:pPr marL="0" marR="0" lvl="0" indent="0" algn="ctr" defTabSz="914400" rtl="0" eaLnBrk="1" fontAlgn="auto" latinLnBrk="0" hangingPunct="1">
+              <a:lnSpc>
+                <a:spcPct val="100000"/>
+              </a:lnSpc>
+              <a:spcBef>
+                <a:spcPts val="0"/>
+              </a:spcBef>
+              <a:spcAft>
+                <a:spcPts val="0"/>
+              </a:spcAft>
+              <a:buClrTx/>
+              <a:buSzTx/>
+              <a:buFontTx/>
+              <a:buNone/>
+              <a:tabLst/>
+              <a:defRPr/>
+            </a:pPr>
+            <a:endParaRPr kumimoji="0" lang="en-US" sz="1800" b="0" i="0" u="none" strike="noStrike" kern="1200" cap="none" spc="0" normalizeH="0" baseline="0" noProof="0">
+              <a:ln>
+                <a:noFill/>
+              </a:ln>
+              <a:solidFill>
+                <a:prstClr val="white"/>
+              </a:solidFill>
+              <a:effectLst/>
+              <a:uLnTx/>
+              <a:uFillTx/>
+              <a:latin typeface="Calibri" panose="020F0502020204030204"/>
+              <a:ea typeface="+mn-ea"/>
+              <a:cs typeface="+mn-cs"/>
+            </a:endParaRPr>
+          </a:p>
+        </p:txBody>
+      </p:sp>
+      <p:sp>
+        <p:nvSpPr>
+          <p:cNvPr id="13" name="Rectangle 12">
+            <a:extLst>
+              <a:ext uri="{FF2B5EF4-FFF2-40B4-BE49-F238E27FC236}">
+                <a16:creationId xmlns:a16="http://schemas.microsoft.com/office/drawing/2014/main" id="{08C9B587-E65E-4B52-B37C-ABEBB6E87928}"/>
+              </a:ext>
+              <a:ext uri="{C183D7F6-B498-43B3-948B-1728B52AA6E4}">
+                <adec:decorative xmlns:adec="http://schemas.microsoft.com/office/drawing/2017/decorative" val="1"/>
+              </a:ext>
+            </a:extLst>
+          </p:cNvPr>
+          <p:cNvSpPr>
+            <a:spLocks noGrp="1" noRot="1" noChangeAspect="1" noMove="1" noResize="1" noEditPoints="1" noAdjustHandles="1" noChangeArrowheads="1" noChangeShapeType="1" noTextEdit="1"/>
+          </p:cNvSpPr>
+          <p:nvPr>
+            <p:extLst>
+              <p:ext uri="{386F3935-93C4-4BCD-93E2-E3B085C9AB24}">
+                <p16:designElem xmlns:p16="http://schemas.microsoft.com/office/powerpoint/2015/main" val="1"/>
+              </p:ext>
+            </p:extLst>
+          </p:nvPr>
+        </p:nvSpPr>
+        <p:spPr>
+          <a:xfrm>
+            <a:off x="481029" y="4546920"/>
+            <a:ext cx="4023360" cy="18288"/>
+          </a:xfrm>
+          <a:prstGeom prst="rect">
+            <a:avLst/>
+          </a:prstGeom>
+          <a:solidFill>
+            <a:schemeClr val="tx2">
+              <a:lumMod val="25000"/>
+              <a:lumOff val="75000"/>
+            </a:schemeClr>
+          </a:solidFill>
+          <a:ln w="3175">
+            <a:noFill/>
+          </a:ln>
+          <a:effectLst/>
+        </p:spPr>
+        <p:style>
+          <a:lnRef idx="2">
+            <a:schemeClr val="accent1">
+              <a:shade val="50000"/>
+            </a:schemeClr>
+          </a:lnRef>
+          <a:fillRef idx="1">
+            <a:schemeClr val="accent1"/>
+          </a:fillRef>
+          <a:effectRef idx="0">
+            <a:schemeClr val="accent1"/>
+          </a:effectRef>
+          <a:fontRef idx="minor">
+            <a:schemeClr val="lt1"/>
+          </a:fontRef>
+        </p:style>
+        <p:txBody>
+          <a:bodyPr rtlCol="0" anchor="ctr"/>
+          <a:lstStyle/>
+          <a:p>
+            <a:pPr marL="0" marR="0" lvl="0" indent="0" algn="ctr" defTabSz="914400" rtl="0" eaLnBrk="1" fontAlgn="auto" latinLnBrk="0" hangingPunct="1">
+              <a:lnSpc>
+                <a:spcPct val="100000"/>
+              </a:lnSpc>
+              <a:spcBef>
+                <a:spcPts val="0"/>
+              </a:spcBef>
+              <a:spcAft>
+                <a:spcPts val="0"/>
+              </a:spcAft>
+              <a:buClrTx/>
+              <a:buSzTx/>
+              <a:buFontTx/>
+              <a:buNone/>
+              <a:tabLst/>
+              <a:defRPr/>
+            </a:pPr>
+            <a:endParaRPr kumimoji="0" lang="en-US" sz="1800" b="0" i="0" u="none" strike="noStrike" kern="1200" cap="none" spc="0" normalizeH="0" baseline="0" noProof="0">
+              <a:ln>
+                <a:noFill/>
+              </a:ln>
+              <a:solidFill>
+                <a:prstClr val="white"/>
+              </a:solidFill>
+              <a:effectLst/>
+              <a:uLnTx/>
+              <a:uFillTx/>
+              <a:latin typeface="Calibri" panose="020F0502020204030204"/>
+              <a:ea typeface="+mn-ea"/>
+              <a:cs typeface="+mn-cs"/>
+            </a:endParaRPr>
+          </a:p>
+        </p:txBody>
+      </p:sp>
+      <p:pic>
+        <p:nvPicPr>
+          <p:cNvPr id="3" name="Picture 2" descr="A logo with colorful peacock feathers&#10;&#10;Description automatically generated">
+            <a:extLst>
+              <a:ext uri="{FF2B5EF4-FFF2-40B4-BE49-F238E27FC236}">
+                <a16:creationId xmlns:a16="http://schemas.microsoft.com/office/drawing/2014/main" id="{4AACC99B-B7BF-5B0F-EB07-81875E6DB07C}"/>
+              </a:ext>
+            </a:extLst>
+          </p:cNvPr>
+          <p:cNvPicPr>
+            <a:picLocks noChangeAspect="1"/>
+          </p:cNvPicPr>
+          <p:nvPr/>
+        </p:nvPicPr>
+        <p:blipFill>
+          <a:blip r:embed="rId2"/>
+          <a:stretch>
+            <a:fillRect/>
+          </a:stretch>
+        </p:blipFill>
+        <p:spPr>
+          <a:xfrm>
+            <a:off x="5560099" y="625683"/>
+            <a:ext cx="5455380" cy="5455380"/>
+          </a:xfrm>
+          <a:prstGeom prst="rect">
+            <a:avLst/>
+          </a:prstGeom>
+        </p:spPr>
+      </p:pic>
     </p:spTree>
     <p:extLst>
       <p:ext uri="{BB962C8B-B14F-4D97-AF65-F5344CB8AC3E}">
@@ -3355,151 +5474,2652 @@
 </p:sld>
 </file>
 
+<file path=ppt/slides/slide10.xml><?xml version="1.0" encoding="utf-8"?>
+<p:sld xmlns:a="http://schemas.openxmlformats.org/drawingml/2006/main" xmlns:r="http://schemas.openxmlformats.org/officeDocument/2006/relationships" xmlns:p="http://schemas.openxmlformats.org/presentationml/2006/main">
+  <p:cSld>
+    <p:spTree>
+      <p:nvGrpSpPr>
+        <p:cNvPr id="1" name="">
+          <a:extLst>
+            <a:ext uri="{FF2B5EF4-FFF2-40B4-BE49-F238E27FC236}">
+              <a16:creationId xmlns:a16="http://schemas.microsoft.com/office/drawing/2014/main" id="{4A10A63A-130B-2B38-326E-66E0093729F0}"/>
+            </a:ext>
+          </a:extLst>
+        </p:cNvPr>
+        <p:cNvGrpSpPr/>
+        <p:nvPr/>
+      </p:nvGrpSpPr>
+      <p:grpSpPr>
+        <a:xfrm>
+          <a:off x="0" y="0"/>
+          <a:ext cx="0" cy="0"/>
+          <a:chOff x="0" y="0"/>
+          <a:chExt cx="0" cy="0"/>
+        </a:xfrm>
+      </p:grpSpPr>
+      <p:sp>
+        <p:nvSpPr>
+          <p:cNvPr id="2" name="Title 1">
+            <a:extLst>
+              <a:ext uri="{FF2B5EF4-FFF2-40B4-BE49-F238E27FC236}">
+                <a16:creationId xmlns:a16="http://schemas.microsoft.com/office/drawing/2014/main" id="{3B89B429-D3B0-5C93-557E-F26E9E4AD7D5}"/>
+              </a:ext>
+            </a:extLst>
+          </p:cNvPr>
+          <p:cNvSpPr>
+            <a:spLocks noGrp="1"/>
+          </p:cNvSpPr>
+          <p:nvPr>
+            <p:ph type="title"/>
+          </p:nvPr>
+        </p:nvSpPr>
+        <p:spPr/>
+        <p:txBody>
+          <a:bodyPr/>
+          <a:lstStyle/>
+          <a:p>
+            <a:r>
+              <a:rPr lang="en-AU" dirty="0"/>
+              <a:t>Analysis</a:t>
+            </a:r>
+          </a:p>
+        </p:txBody>
+      </p:sp>
+    </p:spTree>
+    <p:extLst>
+      <p:ext uri="{BB962C8B-B14F-4D97-AF65-F5344CB8AC3E}">
+        <p14:creationId xmlns:p14="http://schemas.microsoft.com/office/powerpoint/2010/main" val="3029729755"/>
+      </p:ext>
+    </p:extLst>
+  </p:cSld>
+  <p:clrMapOvr>
+    <a:masterClrMapping/>
+  </p:clrMapOvr>
+</p:sld>
+</file>
+
+<file path=ppt/slides/slide11.xml><?xml version="1.0" encoding="utf-8"?>
+<p:sld xmlns:a="http://schemas.openxmlformats.org/drawingml/2006/main" xmlns:r="http://schemas.openxmlformats.org/officeDocument/2006/relationships" xmlns:p="http://schemas.openxmlformats.org/presentationml/2006/main">
+  <p:cSld>
+    <p:spTree>
+      <p:nvGrpSpPr>
+        <p:cNvPr id="1" name="">
+          <a:extLst>
+            <a:ext uri="{FF2B5EF4-FFF2-40B4-BE49-F238E27FC236}">
+              <a16:creationId xmlns:a16="http://schemas.microsoft.com/office/drawing/2014/main" id="{8070923E-F3E6-B925-5F48-F33333EF9EB0}"/>
+            </a:ext>
+          </a:extLst>
+        </p:cNvPr>
+        <p:cNvGrpSpPr/>
+        <p:nvPr/>
+      </p:nvGrpSpPr>
+      <p:grpSpPr>
+        <a:xfrm>
+          <a:off x="0" y="0"/>
+          <a:ext cx="0" cy="0"/>
+          <a:chOff x="0" y="0"/>
+          <a:chExt cx="0" cy="0"/>
+        </a:xfrm>
+      </p:grpSpPr>
+      <p:sp>
+        <p:nvSpPr>
+          <p:cNvPr id="2" name="Title 1">
+            <a:extLst>
+              <a:ext uri="{FF2B5EF4-FFF2-40B4-BE49-F238E27FC236}">
+                <a16:creationId xmlns:a16="http://schemas.microsoft.com/office/drawing/2014/main" id="{AB006C39-0877-931A-10C5-F2DCE624B552}"/>
+              </a:ext>
+            </a:extLst>
+          </p:cNvPr>
+          <p:cNvSpPr>
+            <a:spLocks noGrp="1"/>
+          </p:cNvSpPr>
+          <p:nvPr>
+            <p:ph type="title"/>
+          </p:nvPr>
+        </p:nvSpPr>
+        <p:spPr/>
+        <p:txBody>
+          <a:bodyPr/>
+          <a:lstStyle/>
+          <a:p>
+            <a:r>
+              <a:rPr lang="en-AU" dirty="0"/>
+              <a:t>TODO</a:t>
+            </a:r>
+          </a:p>
+        </p:txBody>
+      </p:sp>
+    </p:spTree>
+    <p:extLst>
+      <p:ext uri="{BB962C8B-B14F-4D97-AF65-F5344CB8AC3E}">
+        <p14:creationId xmlns:p14="http://schemas.microsoft.com/office/powerpoint/2010/main" val="2006065714"/>
+      </p:ext>
+    </p:extLst>
+  </p:cSld>
+  <p:clrMapOvr>
+    <a:masterClrMapping/>
+  </p:clrMapOvr>
+</p:sld>
+</file>
+
+<file path=ppt/slides/slide12.xml><?xml version="1.0" encoding="utf-8"?>
+<p:sld xmlns:a="http://schemas.openxmlformats.org/drawingml/2006/main" xmlns:r="http://schemas.openxmlformats.org/officeDocument/2006/relationships" xmlns:p="http://schemas.openxmlformats.org/presentationml/2006/main">
+  <p:cSld>
+    <p:spTree>
+      <p:nvGrpSpPr>
+        <p:cNvPr id="1" name="">
+          <a:extLst>
+            <a:ext uri="{FF2B5EF4-FFF2-40B4-BE49-F238E27FC236}">
+              <a16:creationId xmlns:a16="http://schemas.microsoft.com/office/drawing/2014/main" id="{4DE186BC-3FAE-BE84-2A67-CBB9A3A715A0}"/>
+            </a:ext>
+          </a:extLst>
+        </p:cNvPr>
+        <p:cNvGrpSpPr/>
+        <p:nvPr/>
+      </p:nvGrpSpPr>
+      <p:grpSpPr>
+        <a:xfrm>
+          <a:off x="0" y="0"/>
+          <a:ext cx="0" cy="0"/>
+          <a:chOff x="0" y="0"/>
+          <a:chExt cx="0" cy="0"/>
+        </a:xfrm>
+      </p:grpSpPr>
+      <p:sp>
+        <p:nvSpPr>
+          <p:cNvPr id="2" name="Title 1">
+            <a:extLst>
+              <a:ext uri="{FF2B5EF4-FFF2-40B4-BE49-F238E27FC236}">
+                <a16:creationId xmlns:a16="http://schemas.microsoft.com/office/drawing/2014/main" id="{B0EE7BDB-2C88-762A-A486-AADDF8DF7A17}"/>
+              </a:ext>
+            </a:extLst>
+          </p:cNvPr>
+          <p:cNvSpPr>
+            <a:spLocks noGrp="1"/>
+          </p:cNvSpPr>
+          <p:nvPr>
+            <p:ph type="title"/>
+          </p:nvPr>
+        </p:nvSpPr>
+        <p:spPr/>
+        <p:txBody>
+          <a:bodyPr/>
+          <a:lstStyle/>
+          <a:p>
+            <a:r>
+              <a:rPr lang="en-AU" dirty="0"/>
+              <a:t>Today: question-driven examples</a:t>
+            </a:r>
+          </a:p>
+        </p:txBody>
+      </p:sp>
+    </p:spTree>
+    <p:extLst>
+      <p:ext uri="{BB962C8B-B14F-4D97-AF65-F5344CB8AC3E}">
+        <p14:creationId xmlns:p14="http://schemas.microsoft.com/office/powerpoint/2010/main" val="2457638562"/>
+      </p:ext>
+    </p:extLst>
+  </p:cSld>
+  <p:clrMapOvr>
+    <a:masterClrMapping/>
+  </p:clrMapOvr>
+</p:sld>
+</file>
+
+<file path=ppt/slides/slide2.xml><?xml version="1.0" encoding="utf-8"?>
+<p:sld xmlns:a="http://schemas.openxmlformats.org/drawingml/2006/main" xmlns:r="http://schemas.openxmlformats.org/officeDocument/2006/relationships" xmlns:p="http://schemas.openxmlformats.org/presentationml/2006/main">
+  <p:cSld>
+    <p:spTree>
+      <p:nvGrpSpPr>
+        <p:cNvPr id="1" name="">
+          <a:extLst>
+            <a:ext uri="{FF2B5EF4-FFF2-40B4-BE49-F238E27FC236}">
+              <a16:creationId xmlns:a16="http://schemas.microsoft.com/office/drawing/2014/main" id="{C930F766-53E3-F929-5972-CC0BBE4EA9AD}"/>
+            </a:ext>
+          </a:extLst>
+        </p:cNvPr>
+        <p:cNvGrpSpPr/>
+        <p:nvPr/>
+      </p:nvGrpSpPr>
+      <p:grpSpPr>
+        <a:xfrm>
+          <a:off x="0" y="0"/>
+          <a:ext cx="0" cy="0"/>
+          <a:chOff x="0" y="0"/>
+          <a:chExt cx="0" cy="0"/>
+        </a:xfrm>
+      </p:grpSpPr>
+      <p:sp>
+        <p:nvSpPr>
+          <p:cNvPr id="2" name="Title 1">
+            <a:extLst>
+              <a:ext uri="{FF2B5EF4-FFF2-40B4-BE49-F238E27FC236}">
+                <a16:creationId xmlns:a16="http://schemas.microsoft.com/office/drawing/2014/main" id="{B5C64C99-192B-B455-B7F8-FF35D050528D}"/>
+              </a:ext>
+            </a:extLst>
+          </p:cNvPr>
+          <p:cNvSpPr>
+            <a:spLocks noGrp="1"/>
+          </p:cNvSpPr>
+          <p:nvPr>
+            <p:ph type="title"/>
+          </p:nvPr>
+        </p:nvSpPr>
+        <p:spPr/>
+        <p:txBody>
+          <a:bodyPr/>
+          <a:lstStyle/>
+          <a:p>
+            <a:r>
+              <a:rPr lang="en-AU" dirty="0"/>
+              <a:t>The aim</a:t>
+            </a:r>
+          </a:p>
+        </p:txBody>
+      </p:sp>
+      <p:sp>
+        <p:nvSpPr>
+          <p:cNvPr id="4" name="TextBox 3">
+            <a:extLst>
+              <a:ext uri="{FF2B5EF4-FFF2-40B4-BE49-F238E27FC236}">
+                <a16:creationId xmlns:a16="http://schemas.microsoft.com/office/drawing/2014/main" id="{809CCACA-A928-7800-2B88-A10E97C72D75}"/>
+              </a:ext>
+            </a:extLst>
+          </p:cNvPr>
+          <p:cNvSpPr txBox="1"/>
+          <p:nvPr/>
+        </p:nvSpPr>
+        <p:spPr>
+          <a:xfrm>
+            <a:off x="513760" y="2410607"/>
+            <a:ext cx="8781068" cy="369332"/>
+          </a:xfrm>
+          <a:prstGeom prst="rect">
+            <a:avLst/>
+          </a:prstGeom>
+          <a:noFill/>
+        </p:spPr>
+        <p:txBody>
+          <a:bodyPr wrap="square">
+            <a:spAutoFit/>
+          </a:bodyPr>
+          <a:lstStyle/>
+          <a:p>
+            <a:r>
+              <a:rPr lang="en-AU" b="0" i="0" u="none" strike="noStrike" dirty="0">
+                <a:solidFill>
+                  <a:srgbClr val="333333"/>
+                </a:solidFill>
+                <a:effectLst/>
+                <a:latin typeface="Helvetica Neue" panose="02000503000000020004" pitchFamily="2" charset="0"/>
+              </a:rPr>
+              <a:t>A flexible and integrated workflow for working with spectral and spatial colour data. </a:t>
+            </a:r>
+            <a:endParaRPr lang="en-AU" dirty="0"/>
+          </a:p>
+        </p:txBody>
+      </p:sp>
+    </p:spTree>
+    <p:extLst>
+      <p:ext uri="{BB962C8B-B14F-4D97-AF65-F5344CB8AC3E}">
+        <p14:creationId xmlns:p14="http://schemas.microsoft.com/office/powerpoint/2010/main" val="3946095425"/>
+      </p:ext>
+    </p:extLst>
+  </p:cSld>
+  <p:clrMapOvr>
+    <a:masterClrMapping/>
+  </p:clrMapOvr>
+</p:sld>
+</file>
+
+<file path=ppt/slides/slide3.xml><?xml version="1.0" encoding="utf-8"?>
+<p:sld xmlns:a="http://schemas.openxmlformats.org/drawingml/2006/main" xmlns:r="http://schemas.openxmlformats.org/officeDocument/2006/relationships" xmlns:p="http://schemas.openxmlformats.org/presentationml/2006/main">
+  <p:cSld>
+    <p:spTree>
+      <p:nvGrpSpPr>
+        <p:cNvPr id="1" name="">
+          <a:extLst>
+            <a:ext uri="{FF2B5EF4-FFF2-40B4-BE49-F238E27FC236}">
+              <a16:creationId xmlns:a16="http://schemas.microsoft.com/office/drawing/2014/main" id="{98B05AE4-5B33-72C4-5A44-1A52E5CDFD58}"/>
+            </a:ext>
+          </a:extLst>
+        </p:cNvPr>
+        <p:cNvGrpSpPr/>
+        <p:nvPr/>
+      </p:nvGrpSpPr>
+      <p:grpSpPr>
+        <a:xfrm>
+          <a:off x="0" y="0"/>
+          <a:ext cx="0" cy="0"/>
+          <a:chOff x="0" y="0"/>
+          <a:chExt cx="0" cy="0"/>
+        </a:xfrm>
+      </p:grpSpPr>
+      <p:sp>
+        <p:nvSpPr>
+          <p:cNvPr id="2" name="Title 1">
+            <a:extLst>
+              <a:ext uri="{FF2B5EF4-FFF2-40B4-BE49-F238E27FC236}">
+                <a16:creationId xmlns:a16="http://schemas.microsoft.com/office/drawing/2014/main" id="{E72B8677-561A-36A8-B58D-CCE5A5DD814A}"/>
+              </a:ext>
+            </a:extLst>
+          </p:cNvPr>
+          <p:cNvSpPr>
+            <a:spLocks noGrp="1"/>
+          </p:cNvSpPr>
+          <p:nvPr>
+            <p:ph type="title"/>
+          </p:nvPr>
+        </p:nvSpPr>
+        <p:spPr/>
+        <p:txBody>
+          <a:bodyPr/>
+          <a:lstStyle/>
+          <a:p>
+            <a:r>
+              <a:rPr lang="en-AU" dirty="0"/>
+              <a:t>History &amp; team</a:t>
+            </a:r>
+          </a:p>
+        </p:txBody>
+      </p:sp>
+      <p:sp>
+        <p:nvSpPr>
+          <p:cNvPr id="3" name="TextBox 2">
+            <a:extLst>
+              <a:ext uri="{FF2B5EF4-FFF2-40B4-BE49-F238E27FC236}">
+                <a16:creationId xmlns:a16="http://schemas.microsoft.com/office/drawing/2014/main" id="{BFD55BFE-1D59-4C5C-1BA4-1CA1DEFDEB0B}"/>
+              </a:ext>
+            </a:extLst>
+          </p:cNvPr>
+          <p:cNvSpPr txBox="1"/>
+          <p:nvPr/>
+        </p:nvSpPr>
+        <p:spPr>
+          <a:xfrm>
+            <a:off x="683443" y="2382327"/>
+            <a:ext cx="4312763" cy="3693319"/>
+          </a:xfrm>
+          <a:prstGeom prst="rect">
+            <a:avLst/>
+          </a:prstGeom>
+          <a:noFill/>
+        </p:spPr>
+        <p:txBody>
+          <a:bodyPr wrap="square">
+            <a:spAutoFit/>
+          </a:bodyPr>
+          <a:lstStyle/>
+          <a:p>
+            <a:r>
+              <a:rPr lang="en-AU" b="0" i="0" u="none" strike="noStrike" dirty="0">
+                <a:solidFill>
+                  <a:srgbClr val="333333"/>
+                </a:solidFill>
+                <a:effectLst/>
+                <a:latin typeface="Helvetica Neue" panose="02000503000000020004" pitchFamily="2" charset="0"/>
+              </a:rPr>
+              <a:t>~2011 -&gt; Inception</a:t>
+            </a:r>
+          </a:p>
+          <a:p>
+            <a:endParaRPr lang="en-AU" b="0" i="0" u="none" strike="noStrike" dirty="0">
+              <a:solidFill>
+                <a:srgbClr val="333333"/>
+              </a:solidFill>
+              <a:effectLst/>
+              <a:latin typeface="Helvetica Neue" panose="02000503000000020004" pitchFamily="2" charset="0"/>
+            </a:endParaRPr>
+          </a:p>
+          <a:p>
+            <a:r>
+              <a:rPr lang="en-AU" b="0" i="0" u="none" strike="noStrike" dirty="0">
+                <a:solidFill>
+                  <a:srgbClr val="333333"/>
+                </a:solidFill>
+                <a:effectLst/>
+                <a:latin typeface="Helvetica Neue" panose="02000503000000020004" pitchFamily="2" charset="0"/>
+              </a:rPr>
+              <a:t>2013 -&gt; v0.5. Maia et al. (2013) original paper</a:t>
+            </a:r>
+          </a:p>
+          <a:p>
+            <a:endParaRPr lang="en-AU" b="0" i="0" u="none" strike="noStrike" dirty="0">
+              <a:solidFill>
+                <a:srgbClr val="333333"/>
+              </a:solidFill>
+              <a:effectLst/>
+              <a:latin typeface="Helvetica Neue" panose="02000503000000020004" pitchFamily="2" charset="0"/>
+            </a:endParaRPr>
+          </a:p>
+          <a:p>
+            <a:r>
+              <a:rPr lang="en-AU" b="0" i="0" u="none" strike="noStrike" dirty="0">
+                <a:solidFill>
+                  <a:srgbClr val="333333"/>
+                </a:solidFill>
+                <a:effectLst/>
+                <a:latin typeface="Helvetica Neue" panose="02000503000000020004" pitchFamily="2" charset="0"/>
+              </a:rPr>
+              <a:t>~2014 -&gt; I joined. </a:t>
+            </a:r>
+            <a:r>
+              <a:rPr lang="en-AU" dirty="0">
+                <a:solidFill>
+                  <a:srgbClr val="333333"/>
+                </a:solidFill>
+                <a:latin typeface="Helvetica Neue" panose="02000503000000020004" pitchFamily="2" charset="0"/>
+              </a:rPr>
+              <a:t>v</a:t>
+            </a:r>
+            <a:r>
+              <a:rPr lang="en-AU" b="0" i="0" u="none" strike="noStrike" dirty="0">
+                <a:solidFill>
+                  <a:srgbClr val="333333"/>
+                </a:solidFill>
+                <a:effectLst/>
+                <a:latin typeface="Helvetica Neue" panose="02000503000000020004" pitchFamily="2" charset="0"/>
+              </a:rPr>
+              <a:t> 1.0.</a:t>
+            </a:r>
+          </a:p>
+          <a:p>
+            <a:endParaRPr lang="en-AU" dirty="0">
+              <a:solidFill>
+                <a:srgbClr val="333333"/>
+              </a:solidFill>
+              <a:latin typeface="Helvetica Neue" panose="02000503000000020004" pitchFamily="2" charset="0"/>
+            </a:endParaRPr>
+          </a:p>
+          <a:p>
+            <a:r>
+              <a:rPr lang="en-AU" b="0" i="0" u="none" strike="noStrike" dirty="0">
+                <a:solidFill>
+                  <a:srgbClr val="333333"/>
+                </a:solidFill>
+                <a:effectLst/>
+                <a:latin typeface="Helvetica Neue" panose="02000503000000020004" pitchFamily="2" charset="0"/>
+              </a:rPr>
+              <a:t>~2017 -&gt; Hugo aboard</a:t>
+            </a:r>
+          </a:p>
+          <a:p>
+            <a:endParaRPr lang="en-AU" dirty="0">
+              <a:solidFill>
+                <a:srgbClr val="333333"/>
+              </a:solidFill>
+              <a:latin typeface="Helvetica Neue" panose="02000503000000020004" pitchFamily="2" charset="0"/>
+            </a:endParaRPr>
+          </a:p>
+          <a:p>
+            <a:r>
+              <a:rPr lang="en-AU" b="0" i="0" u="none" strike="noStrike" dirty="0">
+                <a:solidFill>
+                  <a:srgbClr val="333333"/>
+                </a:solidFill>
+                <a:effectLst/>
+                <a:latin typeface="Helvetica Neue" panose="02000503000000020004" pitchFamily="2" charset="0"/>
+              </a:rPr>
+              <a:t>~2019 -&gt; v2</a:t>
+            </a:r>
+          </a:p>
+          <a:p>
+            <a:endParaRPr lang="en-AU" dirty="0">
+              <a:solidFill>
+                <a:srgbClr val="333333"/>
+              </a:solidFill>
+              <a:latin typeface="Helvetica Neue" panose="02000503000000020004" pitchFamily="2" charset="0"/>
+            </a:endParaRPr>
+          </a:p>
+          <a:p>
+            <a:r>
+              <a:rPr lang="en-AU" b="0" i="0" u="none" strike="noStrike" dirty="0">
+                <a:solidFill>
+                  <a:srgbClr val="333333"/>
+                </a:solidFill>
+                <a:effectLst/>
+                <a:latin typeface="Helvetica Neue" panose="02000503000000020004" pitchFamily="2" charset="0"/>
+              </a:rPr>
+              <a:t>Present -&gt; v2.9.0</a:t>
+            </a:r>
+          </a:p>
+          <a:p>
+            <a:endParaRPr lang="en-AU" b="0" i="0" u="none" strike="noStrike" dirty="0">
+              <a:solidFill>
+                <a:srgbClr val="333333"/>
+              </a:solidFill>
+              <a:effectLst/>
+              <a:latin typeface="Helvetica Neue" panose="02000503000000020004" pitchFamily="2" charset="0"/>
+            </a:endParaRPr>
+          </a:p>
+        </p:txBody>
+      </p:sp>
+      <p:sp>
+        <p:nvSpPr>
+          <p:cNvPr id="5" name="TextBox 4">
+            <a:extLst>
+              <a:ext uri="{FF2B5EF4-FFF2-40B4-BE49-F238E27FC236}">
+                <a16:creationId xmlns:a16="http://schemas.microsoft.com/office/drawing/2014/main" id="{FCB85123-B8B8-9F9D-B640-1372B8A66EEB}"/>
+              </a:ext>
+            </a:extLst>
+          </p:cNvPr>
+          <p:cNvSpPr txBox="1"/>
+          <p:nvPr/>
+        </p:nvSpPr>
+        <p:spPr>
+          <a:xfrm>
+            <a:off x="7528874" y="2308483"/>
+            <a:ext cx="4312763" cy="2947410"/>
+          </a:xfrm>
+          <a:prstGeom prst="rect">
+            <a:avLst/>
+          </a:prstGeom>
+          <a:noFill/>
+        </p:spPr>
+        <p:txBody>
+          <a:bodyPr wrap="square">
+            <a:spAutoFit/>
+          </a:bodyPr>
+          <a:lstStyle/>
+          <a:p>
+            <a:pPr>
+              <a:lnSpc>
+                <a:spcPct val="150000"/>
+              </a:lnSpc>
+            </a:pPr>
+            <a:r>
+              <a:rPr lang="en-AU" b="1" dirty="0">
+                <a:solidFill>
+                  <a:srgbClr val="333333"/>
+                </a:solidFill>
+                <a:latin typeface="Helvetica Neue" panose="02000503000000020004" pitchFamily="2" charset="0"/>
+              </a:rPr>
+              <a:t>Thomas White</a:t>
+            </a:r>
+          </a:p>
+          <a:p>
+            <a:pPr>
+              <a:lnSpc>
+                <a:spcPct val="150000"/>
+              </a:lnSpc>
+            </a:pPr>
+            <a:r>
+              <a:rPr lang="en-AU" b="1" i="0" u="none" strike="noStrike" dirty="0">
+                <a:solidFill>
+                  <a:srgbClr val="333333"/>
+                </a:solidFill>
+                <a:effectLst/>
+                <a:latin typeface="Helvetica Neue" panose="02000503000000020004" pitchFamily="2" charset="0"/>
+              </a:rPr>
+              <a:t>Hugo </a:t>
+            </a:r>
+            <a:r>
+              <a:rPr lang="en-AU" b="1" i="0" u="none" strike="noStrike" dirty="0" err="1">
+                <a:solidFill>
+                  <a:srgbClr val="333333"/>
+                </a:solidFill>
+                <a:effectLst/>
+                <a:latin typeface="Helvetica Neue" panose="02000503000000020004" pitchFamily="2" charset="0"/>
+              </a:rPr>
+              <a:t>Gruson</a:t>
+            </a:r>
+            <a:endParaRPr lang="en-AU" b="1" i="0" u="none" strike="noStrike" dirty="0">
+              <a:solidFill>
+                <a:srgbClr val="333333"/>
+              </a:solidFill>
+              <a:effectLst/>
+              <a:latin typeface="Helvetica Neue" panose="02000503000000020004" pitchFamily="2" charset="0"/>
+            </a:endParaRPr>
+          </a:p>
+          <a:p>
+            <a:pPr>
+              <a:lnSpc>
+                <a:spcPct val="150000"/>
+              </a:lnSpc>
+            </a:pPr>
+            <a:r>
+              <a:rPr lang="en-AU" i="1" dirty="0">
+                <a:solidFill>
+                  <a:srgbClr val="333333"/>
+                </a:solidFill>
+                <a:latin typeface="Helvetica Neue" panose="02000503000000020004" pitchFamily="2" charset="0"/>
+              </a:rPr>
+              <a:t>Rafael Maia</a:t>
+            </a:r>
+          </a:p>
+          <a:p>
+            <a:pPr>
+              <a:lnSpc>
+                <a:spcPct val="150000"/>
+              </a:lnSpc>
+            </a:pPr>
+            <a:r>
+              <a:rPr lang="en-AU" i="1" u="none" strike="noStrike" dirty="0">
+                <a:solidFill>
+                  <a:srgbClr val="333333"/>
+                </a:solidFill>
+                <a:effectLst/>
+                <a:latin typeface="Helvetica Neue" panose="02000503000000020004" pitchFamily="2" charset="0"/>
+              </a:rPr>
+              <a:t>Chad Eliason</a:t>
+            </a:r>
+          </a:p>
+          <a:p>
+            <a:pPr>
+              <a:lnSpc>
+                <a:spcPct val="150000"/>
+              </a:lnSpc>
+            </a:pPr>
+            <a:r>
+              <a:rPr lang="en-AU" i="1" dirty="0">
+                <a:solidFill>
+                  <a:srgbClr val="333333"/>
+                </a:solidFill>
+                <a:latin typeface="Helvetica Neue" panose="02000503000000020004" pitchFamily="2" charset="0"/>
+              </a:rPr>
+              <a:t>Pierre-Paul </a:t>
+            </a:r>
+            <a:r>
+              <a:rPr lang="en-AU" i="1" dirty="0" err="1">
+                <a:solidFill>
+                  <a:srgbClr val="333333"/>
+                </a:solidFill>
+                <a:latin typeface="Helvetica Neue" panose="02000503000000020004" pitchFamily="2" charset="0"/>
+              </a:rPr>
+              <a:t>Bitton</a:t>
+            </a:r>
+            <a:endParaRPr lang="en-AU" i="1" u="none" strike="noStrike" dirty="0">
+              <a:solidFill>
+                <a:srgbClr val="333333"/>
+              </a:solidFill>
+              <a:effectLst/>
+              <a:latin typeface="Helvetica Neue" panose="02000503000000020004" pitchFamily="2" charset="0"/>
+            </a:endParaRPr>
+          </a:p>
+          <a:p>
+            <a:pPr>
+              <a:lnSpc>
+                <a:spcPct val="150000"/>
+              </a:lnSpc>
+            </a:pPr>
+            <a:r>
+              <a:rPr lang="en-AU" i="1" dirty="0">
+                <a:solidFill>
+                  <a:srgbClr val="333333"/>
+                </a:solidFill>
+                <a:latin typeface="Helvetica Neue" panose="02000503000000020004" pitchFamily="2" charset="0"/>
+              </a:rPr>
+              <a:t>Matthew </a:t>
+            </a:r>
+            <a:r>
+              <a:rPr lang="en-AU" i="1" dirty="0" err="1">
+                <a:solidFill>
+                  <a:srgbClr val="333333"/>
+                </a:solidFill>
+                <a:latin typeface="Helvetica Neue" panose="02000503000000020004" pitchFamily="2" charset="0"/>
+              </a:rPr>
+              <a:t>Shawkey</a:t>
+            </a:r>
+            <a:endParaRPr lang="en-AU" i="1" dirty="0">
+              <a:solidFill>
+                <a:srgbClr val="333333"/>
+              </a:solidFill>
+              <a:latin typeface="Helvetica Neue" panose="02000503000000020004" pitchFamily="2" charset="0"/>
+            </a:endParaRPr>
+          </a:p>
+          <a:p>
+            <a:pPr>
+              <a:lnSpc>
+                <a:spcPct val="150000"/>
+              </a:lnSpc>
+            </a:pPr>
+            <a:r>
+              <a:rPr lang="en-AU" i="1" u="none" strike="noStrike" dirty="0">
+                <a:solidFill>
+                  <a:srgbClr val="333333"/>
+                </a:solidFill>
+                <a:effectLst/>
+                <a:latin typeface="Helvetica Neue" panose="02000503000000020004" pitchFamily="2" charset="0"/>
+              </a:rPr>
+              <a:t>Stephanie </a:t>
+            </a:r>
+            <a:r>
+              <a:rPr lang="en-AU" i="1" dirty="0">
+                <a:solidFill>
+                  <a:srgbClr val="333333"/>
+                </a:solidFill>
+                <a:latin typeface="Helvetica Neue" panose="02000503000000020004" pitchFamily="2" charset="0"/>
+              </a:rPr>
+              <a:t>Doucet</a:t>
+            </a:r>
+            <a:endParaRPr lang="en-AU" i="1" u="none" strike="noStrike" dirty="0">
+              <a:solidFill>
+                <a:srgbClr val="333333"/>
+              </a:solidFill>
+              <a:effectLst/>
+              <a:latin typeface="Helvetica Neue" panose="02000503000000020004" pitchFamily="2" charset="0"/>
+            </a:endParaRPr>
+          </a:p>
+        </p:txBody>
+      </p:sp>
+    </p:spTree>
+    <p:extLst>
+      <p:ext uri="{BB962C8B-B14F-4D97-AF65-F5344CB8AC3E}">
+        <p14:creationId xmlns:p14="http://schemas.microsoft.com/office/powerpoint/2010/main" val="2123196203"/>
+      </p:ext>
+    </p:extLst>
+  </p:cSld>
+  <p:clrMapOvr>
+    <a:masterClrMapping/>
+  </p:clrMapOvr>
+</p:sld>
+</file>
+
+<file path=ppt/slides/slide4.xml><?xml version="1.0" encoding="utf-8"?>
+<p:sld xmlns:a="http://schemas.openxmlformats.org/drawingml/2006/main" xmlns:r="http://schemas.openxmlformats.org/officeDocument/2006/relationships" xmlns:p="http://schemas.openxmlformats.org/presentationml/2006/main">
+  <p:cSld>
+    <p:spTree>
+      <p:nvGrpSpPr>
+        <p:cNvPr id="1" name="">
+          <a:extLst>
+            <a:ext uri="{FF2B5EF4-FFF2-40B4-BE49-F238E27FC236}">
+              <a16:creationId xmlns:a16="http://schemas.microsoft.com/office/drawing/2014/main" id="{416D1AF6-CB75-864A-D3C1-1BCB5E22F3D3}"/>
+            </a:ext>
+          </a:extLst>
+        </p:cNvPr>
+        <p:cNvGrpSpPr/>
+        <p:nvPr/>
+      </p:nvGrpSpPr>
+      <p:grpSpPr>
+        <a:xfrm>
+          <a:off x="0" y="0"/>
+          <a:ext cx="0" cy="0"/>
+          <a:chOff x="0" y="0"/>
+          <a:chExt cx="0" cy="0"/>
+        </a:xfrm>
+      </p:grpSpPr>
+      <p:sp>
+        <p:nvSpPr>
+          <p:cNvPr id="2" name="Title 1">
+            <a:extLst>
+              <a:ext uri="{FF2B5EF4-FFF2-40B4-BE49-F238E27FC236}">
+                <a16:creationId xmlns:a16="http://schemas.microsoft.com/office/drawing/2014/main" id="{66CEEEE7-120C-64A5-3607-C31800C59B0A}"/>
+              </a:ext>
+            </a:extLst>
+          </p:cNvPr>
+          <p:cNvSpPr>
+            <a:spLocks noGrp="1"/>
+          </p:cNvSpPr>
+          <p:nvPr>
+            <p:ph type="title"/>
+          </p:nvPr>
+        </p:nvSpPr>
+        <p:spPr/>
+        <p:txBody>
+          <a:bodyPr/>
+          <a:lstStyle/>
+          <a:p>
+            <a:r>
+              <a:rPr lang="en-AU" dirty="0"/>
+              <a:t>Installation</a:t>
+            </a:r>
+          </a:p>
+        </p:txBody>
+      </p:sp>
+      <p:sp>
+        <p:nvSpPr>
+          <p:cNvPr id="5" name="TextBox 4">
+            <a:extLst>
+              <a:ext uri="{FF2B5EF4-FFF2-40B4-BE49-F238E27FC236}">
+                <a16:creationId xmlns:a16="http://schemas.microsoft.com/office/drawing/2014/main" id="{B4727684-48F2-6AAB-1231-76E69D351133}"/>
+              </a:ext>
+            </a:extLst>
+          </p:cNvPr>
+          <p:cNvSpPr txBox="1"/>
+          <p:nvPr/>
+        </p:nvSpPr>
+        <p:spPr>
+          <a:xfrm>
+            <a:off x="3013435" y="2459312"/>
+            <a:ext cx="4312763" cy="2947410"/>
+          </a:xfrm>
+          <a:prstGeom prst="rect">
+            <a:avLst/>
+          </a:prstGeom>
+          <a:noFill/>
+        </p:spPr>
+        <p:txBody>
+          <a:bodyPr wrap="square">
+            <a:spAutoFit/>
+          </a:bodyPr>
+          <a:lstStyle/>
+          <a:p>
+            <a:pPr>
+              <a:lnSpc>
+                <a:spcPct val="150000"/>
+              </a:lnSpc>
+            </a:pPr>
+            <a:r>
+              <a:rPr lang="en-AU" b="1" dirty="0">
+                <a:solidFill>
+                  <a:srgbClr val="333333"/>
+                </a:solidFill>
+                <a:latin typeface="Helvetica Neue" panose="02000503000000020004" pitchFamily="2" charset="0"/>
+              </a:rPr>
+              <a:t>Thomas White</a:t>
+            </a:r>
+          </a:p>
+          <a:p>
+            <a:pPr>
+              <a:lnSpc>
+                <a:spcPct val="150000"/>
+              </a:lnSpc>
+            </a:pPr>
+            <a:r>
+              <a:rPr lang="en-AU" b="1" i="0" u="none" strike="noStrike" dirty="0">
+                <a:solidFill>
+                  <a:srgbClr val="333333"/>
+                </a:solidFill>
+                <a:effectLst/>
+                <a:latin typeface="Helvetica Neue" panose="02000503000000020004" pitchFamily="2" charset="0"/>
+              </a:rPr>
+              <a:t>Hugo </a:t>
+            </a:r>
+            <a:r>
+              <a:rPr lang="en-AU" b="1" i="0" u="none" strike="noStrike" dirty="0" err="1">
+                <a:solidFill>
+                  <a:srgbClr val="333333"/>
+                </a:solidFill>
+                <a:effectLst/>
+                <a:latin typeface="Helvetica Neue" panose="02000503000000020004" pitchFamily="2" charset="0"/>
+              </a:rPr>
+              <a:t>Gruson</a:t>
+            </a:r>
+            <a:endParaRPr lang="en-AU" b="1" i="0" u="none" strike="noStrike" dirty="0">
+              <a:solidFill>
+                <a:srgbClr val="333333"/>
+              </a:solidFill>
+              <a:effectLst/>
+              <a:latin typeface="Helvetica Neue" panose="02000503000000020004" pitchFamily="2" charset="0"/>
+            </a:endParaRPr>
+          </a:p>
+          <a:p>
+            <a:pPr>
+              <a:lnSpc>
+                <a:spcPct val="150000"/>
+              </a:lnSpc>
+            </a:pPr>
+            <a:r>
+              <a:rPr lang="en-AU" i="1" dirty="0">
+                <a:solidFill>
+                  <a:srgbClr val="333333"/>
+                </a:solidFill>
+                <a:latin typeface="Helvetica Neue" panose="02000503000000020004" pitchFamily="2" charset="0"/>
+              </a:rPr>
+              <a:t>Rafael Maia</a:t>
+            </a:r>
+          </a:p>
+          <a:p>
+            <a:pPr>
+              <a:lnSpc>
+                <a:spcPct val="150000"/>
+              </a:lnSpc>
+            </a:pPr>
+            <a:r>
+              <a:rPr lang="en-AU" i="1" u="none" strike="noStrike" dirty="0">
+                <a:solidFill>
+                  <a:srgbClr val="333333"/>
+                </a:solidFill>
+                <a:effectLst/>
+                <a:latin typeface="Helvetica Neue" panose="02000503000000020004" pitchFamily="2" charset="0"/>
+              </a:rPr>
+              <a:t>Chad Eliason</a:t>
+            </a:r>
+          </a:p>
+          <a:p>
+            <a:pPr>
+              <a:lnSpc>
+                <a:spcPct val="150000"/>
+              </a:lnSpc>
+            </a:pPr>
+            <a:r>
+              <a:rPr lang="en-AU" i="1" dirty="0">
+                <a:solidFill>
+                  <a:srgbClr val="333333"/>
+                </a:solidFill>
+                <a:latin typeface="Helvetica Neue" panose="02000503000000020004" pitchFamily="2" charset="0"/>
+              </a:rPr>
+              <a:t>Pierre-Paul </a:t>
+            </a:r>
+            <a:r>
+              <a:rPr lang="en-AU" i="1" dirty="0" err="1">
+                <a:solidFill>
+                  <a:srgbClr val="333333"/>
+                </a:solidFill>
+                <a:latin typeface="Helvetica Neue" panose="02000503000000020004" pitchFamily="2" charset="0"/>
+              </a:rPr>
+              <a:t>Bitton</a:t>
+            </a:r>
+            <a:endParaRPr lang="en-AU" i="1" u="none" strike="noStrike" dirty="0">
+              <a:solidFill>
+                <a:srgbClr val="333333"/>
+              </a:solidFill>
+              <a:effectLst/>
+              <a:latin typeface="Helvetica Neue" panose="02000503000000020004" pitchFamily="2" charset="0"/>
+            </a:endParaRPr>
+          </a:p>
+          <a:p>
+            <a:pPr>
+              <a:lnSpc>
+                <a:spcPct val="150000"/>
+              </a:lnSpc>
+            </a:pPr>
+            <a:r>
+              <a:rPr lang="en-AU" i="1" dirty="0">
+                <a:solidFill>
+                  <a:srgbClr val="333333"/>
+                </a:solidFill>
+                <a:latin typeface="Helvetica Neue" panose="02000503000000020004" pitchFamily="2" charset="0"/>
+              </a:rPr>
+              <a:t>Matthew </a:t>
+            </a:r>
+            <a:r>
+              <a:rPr lang="en-AU" i="1" dirty="0" err="1">
+                <a:solidFill>
+                  <a:srgbClr val="333333"/>
+                </a:solidFill>
+                <a:latin typeface="Helvetica Neue" panose="02000503000000020004" pitchFamily="2" charset="0"/>
+              </a:rPr>
+              <a:t>Shawkey</a:t>
+            </a:r>
+            <a:endParaRPr lang="en-AU" i="1" dirty="0">
+              <a:solidFill>
+                <a:srgbClr val="333333"/>
+              </a:solidFill>
+              <a:latin typeface="Helvetica Neue" panose="02000503000000020004" pitchFamily="2" charset="0"/>
+            </a:endParaRPr>
+          </a:p>
+          <a:p>
+            <a:pPr>
+              <a:lnSpc>
+                <a:spcPct val="150000"/>
+              </a:lnSpc>
+            </a:pPr>
+            <a:r>
+              <a:rPr lang="en-AU" i="1" u="none" strike="noStrike" dirty="0">
+                <a:solidFill>
+                  <a:srgbClr val="333333"/>
+                </a:solidFill>
+                <a:effectLst/>
+                <a:latin typeface="Helvetica Neue" panose="02000503000000020004" pitchFamily="2" charset="0"/>
+              </a:rPr>
+              <a:t>Stephanie </a:t>
+            </a:r>
+            <a:r>
+              <a:rPr lang="en-AU" i="1" dirty="0">
+                <a:solidFill>
+                  <a:srgbClr val="333333"/>
+                </a:solidFill>
+                <a:latin typeface="Helvetica Neue" panose="02000503000000020004" pitchFamily="2" charset="0"/>
+              </a:rPr>
+              <a:t>Doucet</a:t>
+            </a:r>
+            <a:endParaRPr lang="en-AU" i="1" u="none" strike="noStrike" dirty="0">
+              <a:solidFill>
+                <a:srgbClr val="333333"/>
+              </a:solidFill>
+              <a:effectLst/>
+              <a:latin typeface="Helvetica Neue" panose="02000503000000020004" pitchFamily="2" charset="0"/>
+            </a:endParaRPr>
+          </a:p>
+        </p:txBody>
+      </p:sp>
+    </p:spTree>
+    <p:extLst>
+      <p:ext uri="{BB962C8B-B14F-4D97-AF65-F5344CB8AC3E}">
+        <p14:creationId xmlns:p14="http://schemas.microsoft.com/office/powerpoint/2010/main" val="420143321"/>
+      </p:ext>
+    </p:extLst>
+  </p:cSld>
+  <p:clrMapOvr>
+    <a:masterClrMapping/>
+  </p:clrMapOvr>
+</p:sld>
+</file>
+
+<file path=ppt/slides/slide5.xml><?xml version="1.0" encoding="utf-8"?>
+<p:sld xmlns:a="http://schemas.openxmlformats.org/drawingml/2006/main" xmlns:r="http://schemas.openxmlformats.org/officeDocument/2006/relationships" xmlns:p="http://schemas.openxmlformats.org/presentationml/2006/main">
+  <p:cSld>
+    <p:bg>
+      <p:bgPr>
+        <a:solidFill>
+          <a:schemeClr val="bg1"/>
+        </a:solidFill>
+        <a:effectLst/>
+      </p:bgPr>
+    </p:bg>
+    <p:spTree>
+      <p:nvGrpSpPr>
+        <p:cNvPr id="1" name="">
+          <a:extLst>
+            <a:ext uri="{FF2B5EF4-FFF2-40B4-BE49-F238E27FC236}">
+              <a16:creationId xmlns:a16="http://schemas.microsoft.com/office/drawing/2014/main" id="{0E34B8CE-29FD-C54D-F077-37F2F1685D0F}"/>
+            </a:ext>
+          </a:extLst>
+        </p:cNvPr>
+        <p:cNvGrpSpPr/>
+        <p:nvPr/>
+      </p:nvGrpSpPr>
+      <p:grpSpPr>
+        <a:xfrm>
+          <a:off x="0" y="0"/>
+          <a:ext cx="0" cy="0"/>
+          <a:chOff x="0" y="0"/>
+          <a:chExt cx="0" cy="0"/>
+        </a:xfrm>
+      </p:grpSpPr>
+      <p:sp>
+        <p:nvSpPr>
+          <p:cNvPr id="21" name="Rectangle 20">
+            <a:extLst>
+              <a:ext uri="{FF2B5EF4-FFF2-40B4-BE49-F238E27FC236}">
+                <a16:creationId xmlns:a16="http://schemas.microsoft.com/office/drawing/2014/main" id="{8D06CE56-3881-4ADA-8CEF-D18B02C242A3}"/>
+              </a:ext>
+              <a:ext uri="{C183D7F6-B498-43B3-948B-1728B52AA6E4}">
+                <adec:decorative xmlns:adec="http://schemas.microsoft.com/office/drawing/2017/decorative" val="1"/>
+              </a:ext>
+            </a:extLst>
+          </p:cNvPr>
+          <p:cNvSpPr>
+            <a:spLocks noGrp="1" noRot="1" noChangeAspect="1" noMove="1" noResize="1" noEditPoints="1" noAdjustHandles="1" noChangeArrowheads="1" noChangeShapeType="1" noTextEdit="1"/>
+          </p:cNvSpPr>
+          <p:nvPr>
+            <p:extLst>
+              <p:ext uri="{386F3935-93C4-4BCD-93E2-E3B085C9AB24}">
+                <p16:designElem xmlns:p16="http://schemas.microsoft.com/office/powerpoint/2015/main" val="1"/>
+              </p:ext>
+            </p:extLst>
+          </p:nvPr>
+        </p:nvSpPr>
+        <p:spPr>
+          <a:xfrm rot="5400000">
+            <a:off x="857544" y="346791"/>
+            <a:ext cx="146304" cy="704088"/>
+          </a:xfrm>
+          <a:prstGeom prst="rect">
+            <a:avLst/>
+          </a:prstGeom>
+          <a:solidFill>
+            <a:schemeClr val="accent1"/>
+          </a:solidFill>
+          <a:ln>
+            <a:noFill/>
+          </a:ln>
+        </p:spPr>
+        <p:style>
+          <a:lnRef idx="2">
+            <a:schemeClr val="accent1">
+              <a:shade val="50000"/>
+            </a:schemeClr>
+          </a:lnRef>
+          <a:fillRef idx="1">
+            <a:schemeClr val="accent1"/>
+          </a:fillRef>
+          <a:effectRef idx="0">
+            <a:schemeClr val="accent1"/>
+          </a:effectRef>
+          <a:fontRef idx="minor">
+            <a:schemeClr val="lt1"/>
+          </a:fontRef>
+        </p:style>
+        <p:txBody>
+          <a:bodyPr rtlCol="0" anchor="ctr"/>
+          <a:lstStyle/>
+          <a:p>
+            <a:pPr marL="0" marR="0" lvl="0" indent="0" algn="ctr" defTabSz="914400" rtl="0" eaLnBrk="1" fontAlgn="auto" latinLnBrk="0" hangingPunct="1">
+              <a:lnSpc>
+                <a:spcPct val="100000"/>
+              </a:lnSpc>
+              <a:spcBef>
+                <a:spcPts val="0"/>
+              </a:spcBef>
+              <a:spcAft>
+                <a:spcPts val="0"/>
+              </a:spcAft>
+              <a:buClrTx/>
+              <a:buSzTx/>
+              <a:buFontTx/>
+              <a:buNone/>
+              <a:tabLst/>
+              <a:defRPr/>
+            </a:pPr>
+            <a:endParaRPr kumimoji="0" lang="en-US" sz="1800" b="0" i="0" u="none" strike="noStrike" kern="1200" cap="none" spc="0" normalizeH="0" baseline="0" noProof="0">
+              <a:ln>
+                <a:noFill/>
+              </a:ln>
+              <a:solidFill>
+                <a:prstClr val="white"/>
+              </a:solidFill>
+              <a:effectLst/>
+              <a:uLnTx/>
+              <a:uFillTx/>
+              <a:latin typeface="Calibri" panose="020F0502020204030204"/>
+              <a:ea typeface="+mn-ea"/>
+              <a:cs typeface="+mn-cs"/>
+            </a:endParaRPr>
+          </a:p>
+        </p:txBody>
+      </p:sp>
+      <p:sp>
+        <p:nvSpPr>
+          <p:cNvPr id="23" name="Rectangle 22">
+            <a:extLst>
+              <a:ext uri="{FF2B5EF4-FFF2-40B4-BE49-F238E27FC236}">
+                <a16:creationId xmlns:a16="http://schemas.microsoft.com/office/drawing/2014/main" id="{79F3C543-62EC-4433-9C93-A2CD8764E9B4}"/>
+              </a:ext>
+              <a:ext uri="{C183D7F6-B498-43B3-948B-1728B52AA6E4}">
+                <adec:decorative xmlns:adec="http://schemas.microsoft.com/office/drawing/2017/decorative" val="1"/>
+              </a:ext>
+            </a:extLst>
+          </p:cNvPr>
+          <p:cNvSpPr>
+            <a:spLocks noGrp="1" noRot="1" noChangeAspect="1" noMove="1" noResize="1" noEditPoints="1" noAdjustHandles="1" noChangeArrowheads="1" noChangeShapeType="1" noTextEdit="1"/>
+          </p:cNvSpPr>
+          <p:nvPr>
+            <p:extLst>
+              <p:ext uri="{386F3935-93C4-4BCD-93E2-E3B085C9AB24}">
+                <p16:designElem xmlns:p16="http://schemas.microsoft.com/office/powerpoint/2015/main" val="1"/>
+              </p:ext>
+            </p:extLst>
+          </p:nvPr>
+        </p:nvSpPr>
+        <p:spPr>
+          <a:xfrm flipV="1">
+            <a:off x="578652" y="4501201"/>
+            <a:ext cx="11034696" cy="18288"/>
+          </a:xfrm>
+          <a:prstGeom prst="rect">
+            <a:avLst/>
+          </a:prstGeom>
+          <a:solidFill>
+            <a:schemeClr val="tx2">
+              <a:lumMod val="25000"/>
+              <a:lumOff val="75000"/>
+            </a:schemeClr>
+          </a:solidFill>
+          <a:ln w="3175">
+            <a:noFill/>
+          </a:ln>
+          <a:effectLst/>
+        </p:spPr>
+        <p:style>
+          <a:lnRef idx="2">
+            <a:schemeClr val="accent1">
+              <a:shade val="50000"/>
+            </a:schemeClr>
+          </a:lnRef>
+          <a:fillRef idx="1">
+            <a:schemeClr val="accent1"/>
+          </a:fillRef>
+          <a:effectRef idx="0">
+            <a:schemeClr val="accent1"/>
+          </a:effectRef>
+          <a:fontRef idx="minor">
+            <a:schemeClr val="lt1"/>
+          </a:fontRef>
+        </p:style>
+        <p:txBody>
+          <a:bodyPr rtlCol="0" anchor="ctr"/>
+          <a:lstStyle/>
+          <a:p>
+            <a:pPr marL="0" marR="0" lvl="0" indent="0" algn="ctr" defTabSz="914400" rtl="0" eaLnBrk="1" fontAlgn="auto" latinLnBrk="0" hangingPunct="1">
+              <a:lnSpc>
+                <a:spcPct val="100000"/>
+              </a:lnSpc>
+              <a:spcBef>
+                <a:spcPts val="0"/>
+              </a:spcBef>
+              <a:spcAft>
+                <a:spcPts val="0"/>
+              </a:spcAft>
+              <a:buClrTx/>
+              <a:buSzTx/>
+              <a:buFontTx/>
+              <a:buNone/>
+              <a:tabLst/>
+              <a:defRPr/>
+            </a:pPr>
+            <a:endParaRPr kumimoji="0" lang="en-US" sz="1800" b="0" i="0" u="none" strike="noStrike" kern="1200" cap="none" spc="0" normalizeH="0" baseline="0" noProof="0">
+              <a:ln>
+                <a:noFill/>
+              </a:ln>
+              <a:solidFill>
+                <a:prstClr val="white"/>
+              </a:solidFill>
+              <a:effectLst/>
+              <a:uLnTx/>
+              <a:uFillTx/>
+              <a:latin typeface="Calibri" panose="020F0502020204030204"/>
+              <a:ea typeface="+mn-ea"/>
+              <a:cs typeface="+mn-cs"/>
+            </a:endParaRPr>
+          </a:p>
+        </p:txBody>
+      </p:sp>
+      <p:sp useBgFill="1">
+        <p:nvSpPr>
+          <p:cNvPr id="25" name="Rectangle 24">
+            <a:extLst>
+              <a:ext uri="{FF2B5EF4-FFF2-40B4-BE49-F238E27FC236}">
+                <a16:creationId xmlns:a16="http://schemas.microsoft.com/office/drawing/2014/main" id="{F1C4E306-BC28-4A7B-871B-1926F6FA6EF3}"/>
+              </a:ext>
+              <a:ext uri="{C183D7F6-B498-43B3-948B-1728B52AA6E4}">
+                <adec:decorative xmlns:adec="http://schemas.microsoft.com/office/drawing/2017/decorative" val="1"/>
+              </a:ext>
+            </a:extLst>
+          </p:cNvPr>
+          <p:cNvSpPr>
+            <a:spLocks noGrp="1" noRot="1" noChangeAspect="1" noMove="1" noResize="1" noEditPoints="1" noAdjustHandles="1" noChangeArrowheads="1" noChangeShapeType="1" noTextEdit="1"/>
+          </p:cNvSpPr>
+          <p:nvPr>
+            <p:extLst>
+              <p:ext uri="{386F3935-93C4-4BCD-93E2-E3B085C9AB24}">
+                <p16:designElem xmlns:p16="http://schemas.microsoft.com/office/powerpoint/2015/main" val="1"/>
+              </p:ext>
+            </p:extLst>
+          </p:nvPr>
+        </p:nvSpPr>
+        <p:spPr>
+          <a:xfrm>
+            <a:off x="0" y="0"/>
+            <a:ext cx="12192000" cy="6858000"/>
+          </a:xfrm>
+          <a:prstGeom prst="rect">
+            <a:avLst/>
+          </a:prstGeom>
+          <a:ln>
+            <a:noFill/>
+          </a:ln>
+        </p:spPr>
+        <p:style>
+          <a:lnRef idx="2">
+            <a:schemeClr val="accent1">
+              <a:shade val="50000"/>
+            </a:schemeClr>
+          </a:lnRef>
+          <a:fillRef idx="1">
+            <a:schemeClr val="accent1"/>
+          </a:fillRef>
+          <a:effectRef idx="0">
+            <a:schemeClr val="accent1"/>
+          </a:effectRef>
+          <a:fontRef idx="minor">
+            <a:schemeClr val="lt1"/>
+          </a:fontRef>
+        </p:style>
+        <p:txBody>
+          <a:bodyPr rtlCol="0" anchor="ctr"/>
+          <a:lstStyle/>
+          <a:p>
+            <a:pPr algn="ctr"/>
+            <a:endParaRPr lang="en-US"/>
+          </a:p>
+        </p:txBody>
+      </p:sp>
+      <p:sp useBgFill="1">
+        <p:nvSpPr>
+          <p:cNvPr id="27" name="Freeform: Shape 26">
+            <a:extLst>
+              <a:ext uri="{FF2B5EF4-FFF2-40B4-BE49-F238E27FC236}">
+                <a16:creationId xmlns:a16="http://schemas.microsoft.com/office/drawing/2014/main" id="{C3ECC9B4-989C-4F71-A6BC-DEBC1D9FD0BD}"/>
+              </a:ext>
+              <a:ext uri="{C183D7F6-B498-43B3-948B-1728B52AA6E4}">
+                <adec:decorative xmlns:adec="http://schemas.microsoft.com/office/drawing/2017/decorative" val="1"/>
+              </a:ext>
+            </a:extLst>
+          </p:cNvPr>
+          <p:cNvSpPr>
+            <a:spLocks noGrp="1" noRot="1" noChangeAspect="1" noMove="1" noResize="1" noEditPoints="1" noAdjustHandles="1" noChangeArrowheads="1" noChangeShapeType="1" noTextEdit="1"/>
+          </p:cNvSpPr>
+          <p:nvPr>
+            <p:extLst>
+              <p:ext uri="{386F3935-93C4-4BCD-93E2-E3B085C9AB24}">
+                <p16:designElem xmlns:p16="http://schemas.microsoft.com/office/powerpoint/2015/main" val="1"/>
+              </p:ext>
+            </p:extLst>
+          </p:nvPr>
+        </p:nvSpPr>
+        <p:spPr>
+          <a:xfrm>
+            <a:off x="0" y="0"/>
+            <a:ext cx="8452322" cy="6858000"/>
+          </a:xfrm>
+          <a:custGeom>
+            <a:avLst/>
+            <a:gdLst>
+              <a:gd name="connsiteX0" fmla="*/ 0 w 8452322"/>
+              <a:gd name="connsiteY0" fmla="*/ 0 h 6858000"/>
+              <a:gd name="connsiteX1" fmla="*/ 7447992 w 8452322"/>
+              <a:gd name="connsiteY1" fmla="*/ 0 h 6858000"/>
+              <a:gd name="connsiteX2" fmla="*/ 7501089 w 8452322"/>
+              <a:gd name="connsiteY2" fmla="*/ 79009 h 6858000"/>
+              <a:gd name="connsiteX3" fmla="*/ 8452322 w 8452322"/>
+              <a:gd name="connsiteY3" fmla="*/ 3429001 h 6858000"/>
+              <a:gd name="connsiteX4" fmla="*/ 7501089 w 8452322"/>
+              <a:gd name="connsiteY4" fmla="*/ 6778993 h 6858000"/>
+              <a:gd name="connsiteX5" fmla="*/ 7447994 w 8452322"/>
+              <a:gd name="connsiteY5" fmla="*/ 6858000 h 6858000"/>
+              <a:gd name="connsiteX6" fmla="*/ 0 w 8452322"/>
+              <a:gd name="connsiteY6" fmla="*/ 6858000 h 6858000"/>
+            </a:gdLst>
+            <a:ahLst/>
+            <a:cxnLst>
+              <a:cxn ang="0">
+                <a:pos x="connsiteX0" y="connsiteY0"/>
+              </a:cxn>
+              <a:cxn ang="0">
+                <a:pos x="connsiteX1" y="connsiteY1"/>
+              </a:cxn>
+              <a:cxn ang="0">
+                <a:pos x="connsiteX2" y="connsiteY2"/>
+              </a:cxn>
+              <a:cxn ang="0">
+                <a:pos x="connsiteX3" y="connsiteY3"/>
+              </a:cxn>
+              <a:cxn ang="0">
+                <a:pos x="connsiteX4" y="connsiteY4"/>
+              </a:cxn>
+              <a:cxn ang="0">
+                <a:pos x="connsiteX5" y="connsiteY5"/>
+              </a:cxn>
+              <a:cxn ang="0">
+                <a:pos x="connsiteX6" y="connsiteY6"/>
+              </a:cxn>
+            </a:cxnLst>
+            <a:rect l="l" t="t" r="r" b="b"/>
+            <a:pathLst>
+              <a:path w="8452322" h="6858000">
+                <a:moveTo>
+                  <a:pt x="0" y="0"/>
+                </a:moveTo>
+                <a:lnTo>
+                  <a:pt x="7447992" y="0"/>
+                </a:lnTo>
+                <a:lnTo>
+                  <a:pt x="7501089" y="79009"/>
+                </a:lnTo>
+                <a:cubicBezTo>
+                  <a:pt x="8098524" y="1013167"/>
+                  <a:pt x="8452322" y="2172770"/>
+                  <a:pt x="8452322" y="3429001"/>
+                </a:cubicBezTo>
+                <a:cubicBezTo>
+                  <a:pt x="8452322" y="4685233"/>
+                  <a:pt x="8098524" y="5844836"/>
+                  <a:pt x="7501089" y="6778993"/>
+                </a:cubicBezTo>
+                <a:lnTo>
+                  <a:pt x="7447994" y="6858000"/>
+                </a:lnTo>
+                <a:lnTo>
+                  <a:pt x="0" y="6858000"/>
+                </a:lnTo>
+                <a:close/>
+              </a:path>
+            </a:pathLst>
+          </a:custGeom>
+          <a:ln w="9525">
+            <a:solidFill>
+              <a:schemeClr val="tx2">
+                <a:lumMod val="10000"/>
+                <a:lumOff val="90000"/>
+              </a:schemeClr>
+            </a:solidFill>
+          </a:ln>
+          <a:effectLst>
+            <a:outerShdw blurRad="50800" dist="38100" algn="l" rotWithShape="0">
+              <a:schemeClr val="bg1">
+                <a:lumMod val="85000"/>
+                <a:alpha val="30000"/>
+              </a:schemeClr>
+            </a:outerShdw>
+          </a:effectLst>
+        </p:spPr>
+        <p:style>
+          <a:lnRef idx="2">
+            <a:schemeClr val="accent1">
+              <a:shade val="50000"/>
+            </a:schemeClr>
+          </a:lnRef>
+          <a:fillRef idx="1">
+            <a:schemeClr val="accent1"/>
+          </a:fillRef>
+          <a:effectRef idx="0">
+            <a:schemeClr val="accent1"/>
+          </a:effectRef>
+          <a:fontRef idx="minor">
+            <a:schemeClr val="lt1"/>
+          </a:fontRef>
+        </p:style>
+        <p:txBody>
+          <a:bodyPr wrap="square" rtlCol="0" anchor="ctr">
+            <a:noAutofit/>
+          </a:bodyPr>
+          <a:lstStyle/>
+          <a:p>
+            <a:pPr marL="0" marR="0" lvl="0" indent="0" algn="ctr" defTabSz="914400" rtl="0" eaLnBrk="1" fontAlgn="auto" latinLnBrk="0" hangingPunct="1">
+              <a:lnSpc>
+                <a:spcPct val="100000"/>
+              </a:lnSpc>
+              <a:spcBef>
+                <a:spcPts val="0"/>
+              </a:spcBef>
+              <a:spcAft>
+                <a:spcPts val="0"/>
+              </a:spcAft>
+              <a:buClrTx/>
+              <a:buSzTx/>
+              <a:buFontTx/>
+              <a:buNone/>
+              <a:tabLst/>
+              <a:defRPr/>
+            </a:pPr>
+            <a:endParaRPr kumimoji="0" lang="en-US" sz="1800" b="0" i="0" u="none" strike="noStrike" kern="1200" cap="none" spc="0" normalizeH="0" baseline="0" noProof="0">
+              <a:ln>
+                <a:noFill/>
+              </a:ln>
+              <a:solidFill>
+                <a:prstClr val="white"/>
+              </a:solidFill>
+              <a:effectLst/>
+              <a:uLnTx/>
+              <a:uFillTx/>
+              <a:latin typeface="Calibri" panose="020F0502020204030204"/>
+              <a:ea typeface="+mn-ea"/>
+              <a:cs typeface="+mn-cs"/>
+            </a:endParaRPr>
+          </a:p>
+        </p:txBody>
+      </p:sp>
+      <p:sp useBgFill="1">
+        <p:nvSpPr>
+          <p:cNvPr id="29" name="Freeform: Shape 28">
+            <a:extLst>
+              <a:ext uri="{FF2B5EF4-FFF2-40B4-BE49-F238E27FC236}">
+                <a16:creationId xmlns:a16="http://schemas.microsoft.com/office/drawing/2014/main" id="{7948E8DE-A931-4EF0-BE1D-F1027474099B}"/>
+              </a:ext>
+              <a:ext uri="{C183D7F6-B498-43B3-948B-1728B52AA6E4}">
+                <adec:decorative xmlns:adec="http://schemas.microsoft.com/office/drawing/2017/decorative" val="1"/>
+              </a:ext>
+            </a:extLst>
+          </p:cNvPr>
+          <p:cNvSpPr>
+            <a:spLocks noGrp="1" noRot="1" noChangeAspect="1" noMove="1" noResize="1" noEditPoints="1" noAdjustHandles="1" noChangeArrowheads="1" noChangeShapeType="1" noTextEdit="1"/>
+          </p:cNvSpPr>
+          <p:nvPr>
+            <p:extLst>
+              <p:ext uri="{386F3935-93C4-4BCD-93E2-E3B085C9AB24}">
+                <p16:designElem xmlns:p16="http://schemas.microsoft.com/office/powerpoint/2015/main" val="1"/>
+              </p:ext>
+            </p:extLst>
+          </p:nvPr>
+        </p:nvSpPr>
+        <p:spPr>
+          <a:xfrm>
+            <a:off x="0" y="0"/>
+            <a:ext cx="8443572" cy="6858000"/>
+          </a:xfrm>
+          <a:custGeom>
+            <a:avLst/>
+            <a:gdLst>
+              <a:gd name="connsiteX0" fmla="*/ 0 w 8443572"/>
+              <a:gd name="connsiteY0" fmla="*/ 0 h 6858000"/>
+              <a:gd name="connsiteX1" fmla="*/ 7439242 w 8443572"/>
+              <a:gd name="connsiteY1" fmla="*/ 0 h 6858000"/>
+              <a:gd name="connsiteX2" fmla="*/ 7492339 w 8443572"/>
+              <a:gd name="connsiteY2" fmla="*/ 79009 h 6858000"/>
+              <a:gd name="connsiteX3" fmla="*/ 8443572 w 8443572"/>
+              <a:gd name="connsiteY3" fmla="*/ 3429001 h 6858000"/>
+              <a:gd name="connsiteX4" fmla="*/ 7492339 w 8443572"/>
+              <a:gd name="connsiteY4" fmla="*/ 6778993 h 6858000"/>
+              <a:gd name="connsiteX5" fmla="*/ 7439244 w 8443572"/>
+              <a:gd name="connsiteY5" fmla="*/ 6858000 h 6858000"/>
+              <a:gd name="connsiteX6" fmla="*/ 0 w 8443572"/>
+              <a:gd name="connsiteY6" fmla="*/ 6858000 h 6858000"/>
+            </a:gdLst>
+            <a:ahLst/>
+            <a:cxnLst>
+              <a:cxn ang="0">
+                <a:pos x="connsiteX0" y="connsiteY0"/>
+              </a:cxn>
+              <a:cxn ang="0">
+                <a:pos x="connsiteX1" y="connsiteY1"/>
+              </a:cxn>
+              <a:cxn ang="0">
+                <a:pos x="connsiteX2" y="connsiteY2"/>
+              </a:cxn>
+              <a:cxn ang="0">
+                <a:pos x="connsiteX3" y="connsiteY3"/>
+              </a:cxn>
+              <a:cxn ang="0">
+                <a:pos x="connsiteX4" y="connsiteY4"/>
+              </a:cxn>
+              <a:cxn ang="0">
+                <a:pos x="connsiteX5" y="connsiteY5"/>
+              </a:cxn>
+              <a:cxn ang="0">
+                <a:pos x="connsiteX6" y="connsiteY6"/>
+              </a:cxn>
+            </a:cxnLst>
+            <a:rect l="l" t="t" r="r" b="b"/>
+            <a:pathLst>
+              <a:path w="8443572" h="6858000">
+                <a:moveTo>
+                  <a:pt x="0" y="0"/>
+                </a:moveTo>
+                <a:lnTo>
+                  <a:pt x="7439242" y="0"/>
+                </a:lnTo>
+                <a:lnTo>
+                  <a:pt x="7492339" y="79009"/>
+                </a:lnTo>
+                <a:cubicBezTo>
+                  <a:pt x="8089774" y="1013167"/>
+                  <a:pt x="8443572" y="2172770"/>
+                  <a:pt x="8443572" y="3429001"/>
+                </a:cubicBezTo>
+                <a:cubicBezTo>
+                  <a:pt x="8443572" y="4685233"/>
+                  <a:pt x="8089774" y="5844836"/>
+                  <a:pt x="7492339" y="6778993"/>
+                </a:cubicBezTo>
+                <a:lnTo>
+                  <a:pt x="7439244" y="6858000"/>
+                </a:lnTo>
+                <a:lnTo>
+                  <a:pt x="0" y="6858000"/>
+                </a:lnTo>
+                <a:close/>
+              </a:path>
+            </a:pathLst>
+          </a:custGeom>
+          <a:ln w="9525">
+            <a:noFill/>
+          </a:ln>
+          <a:effectLst/>
+        </p:spPr>
+        <p:style>
+          <a:lnRef idx="2">
+            <a:schemeClr val="accent1">
+              <a:shade val="50000"/>
+            </a:schemeClr>
+          </a:lnRef>
+          <a:fillRef idx="1">
+            <a:schemeClr val="accent1"/>
+          </a:fillRef>
+          <a:effectRef idx="0">
+            <a:schemeClr val="accent1"/>
+          </a:effectRef>
+          <a:fontRef idx="minor">
+            <a:schemeClr val="lt1"/>
+          </a:fontRef>
+        </p:style>
+        <p:txBody>
+          <a:bodyPr wrap="square" rtlCol="0" anchor="ctr">
+            <a:noAutofit/>
+          </a:bodyPr>
+          <a:lstStyle/>
+          <a:p>
+            <a:pPr marL="0" marR="0" lvl="0" indent="0" algn="ctr" defTabSz="914400" rtl="0" eaLnBrk="1" fontAlgn="auto" latinLnBrk="0" hangingPunct="1">
+              <a:lnSpc>
+                <a:spcPct val="100000"/>
+              </a:lnSpc>
+              <a:spcBef>
+                <a:spcPts val="0"/>
+              </a:spcBef>
+              <a:spcAft>
+                <a:spcPts val="0"/>
+              </a:spcAft>
+              <a:buClrTx/>
+              <a:buSzTx/>
+              <a:buFontTx/>
+              <a:buNone/>
+              <a:tabLst/>
+              <a:defRPr/>
+            </a:pPr>
+            <a:endParaRPr kumimoji="0" lang="en-US" sz="1800" b="0" i="0" u="none" strike="noStrike" kern="1200" cap="none" spc="0" normalizeH="0" baseline="0" noProof="0">
+              <a:ln>
+                <a:noFill/>
+              </a:ln>
+              <a:solidFill>
+                <a:prstClr val="white"/>
+              </a:solidFill>
+              <a:effectLst/>
+              <a:uLnTx/>
+              <a:uFillTx/>
+              <a:latin typeface="Calibri" panose="020F0502020204030204"/>
+              <a:ea typeface="+mn-ea"/>
+              <a:cs typeface="+mn-cs"/>
+            </a:endParaRPr>
+          </a:p>
+        </p:txBody>
+      </p:sp>
+      <p:sp>
+        <p:nvSpPr>
+          <p:cNvPr id="2" name="Title 1">
+            <a:extLst>
+              <a:ext uri="{FF2B5EF4-FFF2-40B4-BE49-F238E27FC236}">
+                <a16:creationId xmlns:a16="http://schemas.microsoft.com/office/drawing/2014/main" id="{58894F22-459A-5623-86A6-4530AEEB2AE9}"/>
+              </a:ext>
+            </a:extLst>
+          </p:cNvPr>
+          <p:cNvSpPr>
+            <a:spLocks noGrp="1"/>
+          </p:cNvSpPr>
+          <p:nvPr>
+            <p:ph type="title"/>
+          </p:nvPr>
+        </p:nvSpPr>
+        <p:spPr>
+          <a:xfrm>
+            <a:off x="616893" y="1238250"/>
+            <a:ext cx="7003107" cy="4381500"/>
+          </a:xfrm>
+        </p:spPr>
+        <p:txBody>
+          <a:bodyPr vert="horz" lIns="91440" tIns="45720" rIns="91440" bIns="45720" rtlCol="0" anchor="ctr">
+            <a:normAutofit/>
+          </a:bodyPr>
+          <a:lstStyle/>
+          <a:p>
+            <a:r>
+              <a:rPr lang="en-US" sz="7200" dirty="0"/>
+              <a:t>Workflow</a:t>
+            </a:r>
+          </a:p>
+        </p:txBody>
+      </p:sp>
+      <p:sp>
+        <p:nvSpPr>
+          <p:cNvPr id="4" name="TextBox 3">
+            <a:extLst>
+              <a:ext uri="{FF2B5EF4-FFF2-40B4-BE49-F238E27FC236}">
+                <a16:creationId xmlns:a16="http://schemas.microsoft.com/office/drawing/2014/main" id="{47251353-7134-22F9-34C0-1F221AE1F2A7}"/>
+              </a:ext>
+            </a:extLst>
+          </p:cNvPr>
+          <p:cNvSpPr txBox="1"/>
+          <p:nvPr/>
+        </p:nvSpPr>
+        <p:spPr>
+          <a:xfrm>
+            <a:off x="8791575" y="1238250"/>
+            <a:ext cx="3000375" cy="4381500"/>
+          </a:xfrm>
+          <a:prstGeom prst="rect">
+            <a:avLst/>
+          </a:prstGeom>
+        </p:spPr>
+        <p:txBody>
+          <a:bodyPr vert="horz" lIns="91440" tIns="45720" rIns="91440" bIns="45720" rtlCol="0" anchor="ctr">
+            <a:normAutofit/>
+          </a:bodyPr>
+          <a:lstStyle/>
+          <a:p>
+            <a:pPr>
+              <a:lnSpc>
+                <a:spcPct val="110000"/>
+              </a:lnSpc>
+              <a:spcBef>
+                <a:spcPts val="1000"/>
+              </a:spcBef>
+            </a:pPr>
+            <a:r>
+              <a:rPr lang="en-US" sz="2800" b="0" i="0" u="none" strike="noStrike" dirty="0" err="1">
+                <a:effectLst/>
+              </a:rPr>
+              <a:t>Organisation</a:t>
+            </a:r>
+            <a:r>
+              <a:rPr lang="en-US" sz="2800" b="0" i="0" u="none" strike="noStrike" dirty="0">
+                <a:effectLst/>
+              </a:rPr>
+              <a:t> </a:t>
+            </a:r>
+          </a:p>
+          <a:p>
+            <a:pPr>
+              <a:lnSpc>
+                <a:spcPct val="110000"/>
+              </a:lnSpc>
+              <a:spcBef>
+                <a:spcPts val="1000"/>
+              </a:spcBef>
+            </a:pPr>
+            <a:r>
+              <a:rPr lang="en-US" sz="2800" b="0" i="0" u="none" strike="noStrike" dirty="0" err="1">
+                <a:effectLst/>
+              </a:rPr>
+              <a:t>Visualisation</a:t>
+            </a:r>
+            <a:r>
+              <a:rPr lang="en-US" sz="2800" b="0" i="0" u="none" strike="noStrike" dirty="0">
+                <a:effectLst/>
+              </a:rPr>
+              <a:t> </a:t>
+            </a:r>
+          </a:p>
+          <a:p>
+            <a:pPr>
+              <a:lnSpc>
+                <a:spcPct val="110000"/>
+              </a:lnSpc>
+              <a:spcBef>
+                <a:spcPts val="1000"/>
+              </a:spcBef>
+            </a:pPr>
+            <a:r>
+              <a:rPr lang="en-US" sz="2800" b="0" i="0" u="none" strike="noStrike" dirty="0">
+                <a:effectLst/>
+              </a:rPr>
+              <a:t>Analysis</a:t>
+            </a:r>
+          </a:p>
+        </p:txBody>
+      </p:sp>
+      <p:sp>
+        <p:nvSpPr>
+          <p:cNvPr id="31" name="Rectangle 30">
+            <a:extLst>
+              <a:ext uri="{FF2B5EF4-FFF2-40B4-BE49-F238E27FC236}">
+                <a16:creationId xmlns:a16="http://schemas.microsoft.com/office/drawing/2014/main" id="{B0E4BB4F-99AB-4C4E-A763-C5AC5273DF5D}"/>
+              </a:ext>
+              <a:ext uri="{C183D7F6-B498-43B3-948B-1728B52AA6E4}">
+                <adec:decorative xmlns:adec="http://schemas.microsoft.com/office/drawing/2017/decorative" val="1"/>
+              </a:ext>
+            </a:extLst>
+          </p:cNvPr>
+          <p:cNvSpPr>
+            <a:spLocks noGrp="1" noRot="1" noChangeAspect="1" noMove="1" noResize="1" noEditPoints="1" noAdjustHandles="1" noChangeArrowheads="1" noChangeShapeType="1" noTextEdit="1"/>
+          </p:cNvSpPr>
+          <p:nvPr>
+            <p:extLst>
+              <p:ext uri="{386F3935-93C4-4BCD-93E2-E3B085C9AB24}">
+                <p16:designElem xmlns:p16="http://schemas.microsoft.com/office/powerpoint/2015/main" val="1"/>
+              </p:ext>
+            </p:extLst>
+          </p:nvPr>
+        </p:nvSpPr>
+        <p:spPr>
+          <a:xfrm>
+            <a:off x="0" y="2827916"/>
+            <a:ext cx="128016" cy="1188720"/>
+          </a:xfrm>
+          <a:prstGeom prst="rect">
+            <a:avLst/>
+          </a:prstGeom>
+          <a:solidFill>
+            <a:schemeClr val="accent1"/>
+          </a:solidFill>
+          <a:ln>
+            <a:noFill/>
+          </a:ln>
+        </p:spPr>
+        <p:style>
+          <a:lnRef idx="2">
+            <a:schemeClr val="accent1">
+              <a:shade val="50000"/>
+            </a:schemeClr>
+          </a:lnRef>
+          <a:fillRef idx="1">
+            <a:schemeClr val="accent1"/>
+          </a:fillRef>
+          <a:effectRef idx="0">
+            <a:schemeClr val="accent1"/>
+          </a:effectRef>
+          <a:fontRef idx="minor">
+            <a:schemeClr val="lt1"/>
+          </a:fontRef>
+        </p:style>
+        <p:txBody>
+          <a:bodyPr rtlCol="0" anchor="ctr"/>
+          <a:lstStyle/>
+          <a:p>
+            <a:pPr marL="0" marR="0" lvl="0" indent="0" algn="ctr" defTabSz="914400" rtl="0" eaLnBrk="1" fontAlgn="auto" latinLnBrk="0" hangingPunct="1">
+              <a:lnSpc>
+                <a:spcPct val="100000"/>
+              </a:lnSpc>
+              <a:spcBef>
+                <a:spcPts val="0"/>
+              </a:spcBef>
+              <a:spcAft>
+                <a:spcPts val="0"/>
+              </a:spcAft>
+              <a:buClrTx/>
+              <a:buSzTx/>
+              <a:buFontTx/>
+              <a:buNone/>
+              <a:tabLst/>
+              <a:defRPr/>
+            </a:pPr>
+            <a:endParaRPr kumimoji="0" lang="en-US" sz="1800" b="0" i="0" u="none" strike="noStrike" kern="1200" cap="none" spc="0" normalizeH="0" baseline="0" noProof="0">
+              <a:ln>
+                <a:noFill/>
+              </a:ln>
+              <a:solidFill>
+                <a:prstClr val="white"/>
+              </a:solidFill>
+              <a:effectLst/>
+              <a:uLnTx/>
+              <a:uFillTx/>
+              <a:latin typeface="Calibri" panose="020F0502020204030204"/>
+              <a:ea typeface="+mn-ea"/>
+              <a:cs typeface="+mn-cs"/>
+            </a:endParaRPr>
+          </a:p>
+        </p:txBody>
+      </p:sp>
+    </p:spTree>
+    <p:extLst>
+      <p:ext uri="{BB962C8B-B14F-4D97-AF65-F5344CB8AC3E}">
+        <p14:creationId xmlns:p14="http://schemas.microsoft.com/office/powerpoint/2010/main" val="1333663358"/>
+      </p:ext>
+    </p:extLst>
+  </p:cSld>
+  <p:clrMapOvr>
+    <a:masterClrMapping/>
+  </p:clrMapOvr>
+</p:sld>
+</file>
+
+<file path=ppt/slides/slide6.xml><?xml version="1.0" encoding="utf-8"?>
+<p:sld xmlns:a="http://schemas.openxmlformats.org/drawingml/2006/main" xmlns:r="http://schemas.openxmlformats.org/officeDocument/2006/relationships" xmlns:p="http://schemas.openxmlformats.org/presentationml/2006/main">
+  <p:cSld>
+    <p:bg>
+      <p:bgPr>
+        <a:solidFill>
+          <a:schemeClr val="bg1"/>
+        </a:solidFill>
+        <a:effectLst/>
+      </p:bgPr>
+    </p:bg>
+    <p:spTree>
+      <p:nvGrpSpPr>
+        <p:cNvPr id="1" name="">
+          <a:extLst>
+            <a:ext uri="{FF2B5EF4-FFF2-40B4-BE49-F238E27FC236}">
+              <a16:creationId xmlns:a16="http://schemas.microsoft.com/office/drawing/2014/main" id="{95D2B98B-202A-3630-B583-5D77901AE52A}"/>
+            </a:ext>
+          </a:extLst>
+        </p:cNvPr>
+        <p:cNvGrpSpPr/>
+        <p:nvPr/>
+      </p:nvGrpSpPr>
+      <p:grpSpPr>
+        <a:xfrm>
+          <a:off x="0" y="0"/>
+          <a:ext cx="0" cy="0"/>
+          <a:chOff x="0" y="0"/>
+          <a:chExt cx="0" cy="0"/>
+        </a:xfrm>
+      </p:grpSpPr>
+      <p:sp>
+        <p:nvSpPr>
+          <p:cNvPr id="8" name="Rectangle 7">
+            <a:extLst>
+              <a:ext uri="{FF2B5EF4-FFF2-40B4-BE49-F238E27FC236}">
+                <a16:creationId xmlns:a16="http://schemas.microsoft.com/office/drawing/2014/main" id="{8D06CE56-3881-4ADA-8CEF-D18B02C242A3}"/>
+              </a:ext>
+              <a:ext uri="{C183D7F6-B498-43B3-948B-1728B52AA6E4}">
+                <adec:decorative xmlns:adec="http://schemas.microsoft.com/office/drawing/2017/decorative" val="1"/>
+              </a:ext>
+            </a:extLst>
+          </p:cNvPr>
+          <p:cNvSpPr>
+            <a:spLocks noGrp="1" noRot="1" noChangeAspect="1" noMove="1" noResize="1" noEditPoints="1" noAdjustHandles="1" noChangeArrowheads="1" noChangeShapeType="1" noTextEdit="1"/>
+          </p:cNvSpPr>
+          <p:nvPr>
+            <p:extLst>
+              <p:ext uri="{386F3935-93C4-4BCD-93E2-E3B085C9AB24}">
+                <p16:designElem xmlns:p16="http://schemas.microsoft.com/office/powerpoint/2015/main" val="1"/>
+              </p:ext>
+            </p:extLst>
+          </p:nvPr>
+        </p:nvSpPr>
+        <p:spPr>
+          <a:xfrm rot="5400000">
+            <a:off x="857544" y="346791"/>
+            <a:ext cx="146304" cy="704088"/>
+          </a:xfrm>
+          <a:prstGeom prst="rect">
+            <a:avLst/>
+          </a:prstGeom>
+          <a:solidFill>
+            <a:schemeClr val="accent1"/>
+          </a:solidFill>
+          <a:ln>
+            <a:noFill/>
+          </a:ln>
+        </p:spPr>
+        <p:style>
+          <a:lnRef idx="2">
+            <a:schemeClr val="accent1">
+              <a:shade val="50000"/>
+            </a:schemeClr>
+          </a:lnRef>
+          <a:fillRef idx="1">
+            <a:schemeClr val="accent1"/>
+          </a:fillRef>
+          <a:effectRef idx="0">
+            <a:schemeClr val="accent1"/>
+          </a:effectRef>
+          <a:fontRef idx="minor">
+            <a:schemeClr val="lt1"/>
+          </a:fontRef>
+        </p:style>
+        <p:txBody>
+          <a:bodyPr rtlCol="0" anchor="ctr"/>
+          <a:lstStyle/>
+          <a:p>
+            <a:pPr marL="0" marR="0" lvl="0" indent="0" algn="ctr" defTabSz="914400" rtl="0" eaLnBrk="1" fontAlgn="auto" latinLnBrk="0" hangingPunct="1">
+              <a:lnSpc>
+                <a:spcPct val="100000"/>
+              </a:lnSpc>
+              <a:spcBef>
+                <a:spcPts val="0"/>
+              </a:spcBef>
+              <a:spcAft>
+                <a:spcPts val="0"/>
+              </a:spcAft>
+              <a:buClrTx/>
+              <a:buSzTx/>
+              <a:buFontTx/>
+              <a:buNone/>
+              <a:tabLst/>
+              <a:defRPr/>
+            </a:pPr>
+            <a:endParaRPr kumimoji="0" lang="en-US" sz="1800" b="0" i="0" u="none" strike="noStrike" kern="1200" cap="none" spc="0" normalizeH="0" baseline="0" noProof="0">
+              <a:ln>
+                <a:noFill/>
+              </a:ln>
+              <a:solidFill>
+                <a:prstClr val="white"/>
+              </a:solidFill>
+              <a:effectLst/>
+              <a:uLnTx/>
+              <a:uFillTx/>
+              <a:latin typeface="Calibri" panose="020F0502020204030204"/>
+              <a:ea typeface="+mn-ea"/>
+              <a:cs typeface="+mn-cs"/>
+            </a:endParaRPr>
+          </a:p>
+        </p:txBody>
+      </p:sp>
+      <p:sp>
+        <p:nvSpPr>
+          <p:cNvPr id="10" name="Rectangle 9">
+            <a:extLst>
+              <a:ext uri="{FF2B5EF4-FFF2-40B4-BE49-F238E27FC236}">
+                <a16:creationId xmlns:a16="http://schemas.microsoft.com/office/drawing/2014/main" id="{79F3C543-62EC-4433-9C93-A2CD8764E9B4}"/>
+              </a:ext>
+              <a:ext uri="{C183D7F6-B498-43B3-948B-1728B52AA6E4}">
+                <adec:decorative xmlns:adec="http://schemas.microsoft.com/office/drawing/2017/decorative" val="1"/>
+              </a:ext>
+            </a:extLst>
+          </p:cNvPr>
+          <p:cNvSpPr>
+            <a:spLocks noGrp="1" noRot="1" noChangeAspect="1" noMove="1" noResize="1" noEditPoints="1" noAdjustHandles="1" noChangeArrowheads="1" noChangeShapeType="1" noTextEdit="1"/>
+          </p:cNvSpPr>
+          <p:nvPr>
+            <p:extLst>
+              <p:ext uri="{386F3935-93C4-4BCD-93E2-E3B085C9AB24}">
+                <p16:designElem xmlns:p16="http://schemas.microsoft.com/office/powerpoint/2015/main" val="1"/>
+              </p:ext>
+            </p:extLst>
+          </p:nvPr>
+        </p:nvSpPr>
+        <p:spPr>
+          <a:xfrm flipV="1">
+            <a:off x="578652" y="4501201"/>
+            <a:ext cx="11034696" cy="18288"/>
+          </a:xfrm>
+          <a:prstGeom prst="rect">
+            <a:avLst/>
+          </a:prstGeom>
+          <a:solidFill>
+            <a:schemeClr val="tx2">
+              <a:lumMod val="25000"/>
+              <a:lumOff val="75000"/>
+            </a:schemeClr>
+          </a:solidFill>
+          <a:ln w="3175">
+            <a:noFill/>
+          </a:ln>
+          <a:effectLst/>
+        </p:spPr>
+        <p:style>
+          <a:lnRef idx="2">
+            <a:schemeClr val="accent1">
+              <a:shade val="50000"/>
+            </a:schemeClr>
+          </a:lnRef>
+          <a:fillRef idx="1">
+            <a:schemeClr val="accent1"/>
+          </a:fillRef>
+          <a:effectRef idx="0">
+            <a:schemeClr val="accent1"/>
+          </a:effectRef>
+          <a:fontRef idx="minor">
+            <a:schemeClr val="lt1"/>
+          </a:fontRef>
+        </p:style>
+        <p:txBody>
+          <a:bodyPr rtlCol="0" anchor="ctr"/>
+          <a:lstStyle/>
+          <a:p>
+            <a:pPr marL="0" marR="0" lvl="0" indent="0" algn="ctr" defTabSz="914400" rtl="0" eaLnBrk="1" fontAlgn="auto" latinLnBrk="0" hangingPunct="1">
+              <a:lnSpc>
+                <a:spcPct val="100000"/>
+              </a:lnSpc>
+              <a:spcBef>
+                <a:spcPts val="0"/>
+              </a:spcBef>
+              <a:spcAft>
+                <a:spcPts val="0"/>
+              </a:spcAft>
+              <a:buClrTx/>
+              <a:buSzTx/>
+              <a:buFontTx/>
+              <a:buNone/>
+              <a:tabLst/>
+              <a:defRPr/>
+            </a:pPr>
+            <a:endParaRPr kumimoji="0" lang="en-US" sz="1800" b="0" i="0" u="none" strike="noStrike" kern="1200" cap="none" spc="0" normalizeH="0" baseline="0" noProof="0">
+              <a:ln>
+                <a:noFill/>
+              </a:ln>
+              <a:solidFill>
+                <a:prstClr val="white"/>
+              </a:solidFill>
+              <a:effectLst/>
+              <a:uLnTx/>
+              <a:uFillTx/>
+              <a:latin typeface="Calibri" panose="020F0502020204030204"/>
+              <a:ea typeface="+mn-ea"/>
+              <a:cs typeface="+mn-cs"/>
+            </a:endParaRPr>
+          </a:p>
+        </p:txBody>
+      </p:sp>
+      <p:sp useBgFill="1">
+        <p:nvSpPr>
+          <p:cNvPr id="12" name="Rectangle 11">
+            <a:extLst>
+              <a:ext uri="{FF2B5EF4-FFF2-40B4-BE49-F238E27FC236}">
+                <a16:creationId xmlns:a16="http://schemas.microsoft.com/office/drawing/2014/main" id="{68AF5748-FED8-45BA-8631-26D1D10F3246}"/>
+              </a:ext>
+              <a:ext uri="{C183D7F6-B498-43B3-948B-1728B52AA6E4}">
+                <adec:decorative xmlns:adec="http://schemas.microsoft.com/office/drawing/2017/decorative" val="1"/>
+              </a:ext>
+            </a:extLst>
+          </p:cNvPr>
+          <p:cNvSpPr>
+            <a:spLocks noGrp="1" noRot="1" noChangeAspect="1" noMove="1" noResize="1" noEditPoints="1" noAdjustHandles="1" noChangeArrowheads="1" noChangeShapeType="1" noTextEdit="1"/>
+          </p:cNvSpPr>
+          <p:nvPr>
+            <p:extLst>
+              <p:ext uri="{386F3935-93C4-4BCD-93E2-E3B085C9AB24}">
+                <p16:designElem xmlns:p16="http://schemas.microsoft.com/office/powerpoint/2015/main" val="1"/>
+              </p:ext>
+            </p:extLst>
+          </p:nvPr>
+        </p:nvSpPr>
+        <p:spPr>
+          <a:xfrm>
+            <a:off x="0" y="0"/>
+            <a:ext cx="12192000" cy="6858000"/>
+          </a:xfrm>
+          <a:prstGeom prst="rect">
+            <a:avLst/>
+          </a:prstGeom>
+          <a:ln>
+            <a:noFill/>
+          </a:ln>
+        </p:spPr>
+        <p:style>
+          <a:lnRef idx="2">
+            <a:schemeClr val="accent1">
+              <a:shade val="50000"/>
+            </a:schemeClr>
+          </a:lnRef>
+          <a:fillRef idx="1">
+            <a:schemeClr val="accent1"/>
+          </a:fillRef>
+          <a:effectRef idx="0">
+            <a:schemeClr val="accent1"/>
+          </a:effectRef>
+          <a:fontRef idx="minor">
+            <a:schemeClr val="lt1"/>
+          </a:fontRef>
+        </p:style>
+        <p:txBody>
+          <a:bodyPr rtlCol="0" anchor="ctr"/>
+          <a:lstStyle/>
+          <a:p>
+            <a:pPr algn="ctr"/>
+            <a:endParaRPr lang="en-US"/>
+          </a:p>
+        </p:txBody>
+      </p:sp>
+      <p:sp>
+        <p:nvSpPr>
+          <p:cNvPr id="2" name="Title 1">
+            <a:extLst>
+              <a:ext uri="{FF2B5EF4-FFF2-40B4-BE49-F238E27FC236}">
+                <a16:creationId xmlns:a16="http://schemas.microsoft.com/office/drawing/2014/main" id="{3792D007-B19C-2712-396E-A23B4FA8987D}"/>
+              </a:ext>
+            </a:extLst>
+          </p:cNvPr>
+          <p:cNvSpPr>
+            <a:spLocks noGrp="1"/>
+          </p:cNvSpPr>
+          <p:nvPr>
+            <p:ph type="title"/>
+          </p:nvPr>
+        </p:nvSpPr>
+        <p:spPr>
+          <a:xfrm>
+            <a:off x="477981" y="1122363"/>
+            <a:ext cx="4023360" cy="3204134"/>
+          </a:xfrm>
+        </p:spPr>
+        <p:txBody>
+          <a:bodyPr vert="horz" lIns="91440" tIns="45720" rIns="91440" bIns="45720" rtlCol="0" anchor="b">
+            <a:normAutofit/>
+          </a:bodyPr>
+          <a:lstStyle/>
+          <a:p>
+            <a:r>
+              <a:rPr lang="en-US" sz="4800"/>
+              <a:t>Workflow</a:t>
+            </a:r>
+          </a:p>
+        </p:txBody>
+      </p:sp>
+      <p:sp>
+        <p:nvSpPr>
+          <p:cNvPr id="14" name="Rectangle 13">
+            <a:extLst>
+              <a:ext uri="{FF2B5EF4-FFF2-40B4-BE49-F238E27FC236}">
+                <a16:creationId xmlns:a16="http://schemas.microsoft.com/office/drawing/2014/main" id="{AF2F604E-43BE-4DC3-B983-E071523364F8}"/>
+              </a:ext>
+              <a:ext uri="{C183D7F6-B498-43B3-948B-1728B52AA6E4}">
+                <adec:decorative xmlns:adec="http://schemas.microsoft.com/office/drawing/2017/decorative" val="1"/>
+              </a:ext>
+            </a:extLst>
+          </p:cNvPr>
+          <p:cNvSpPr>
+            <a:spLocks noGrp="1" noRot="1" noChangeAspect="1" noMove="1" noResize="1" noEditPoints="1" noAdjustHandles="1" noChangeArrowheads="1" noChangeShapeType="1" noTextEdit="1"/>
+          </p:cNvSpPr>
+          <p:nvPr>
+            <p:extLst>
+              <p:ext uri="{386F3935-93C4-4BCD-93E2-E3B085C9AB24}">
+                <p16:designElem xmlns:p16="http://schemas.microsoft.com/office/powerpoint/2015/main" val="1"/>
+              </p:ext>
+            </p:extLst>
+          </p:nvPr>
+        </p:nvSpPr>
+        <p:spPr>
+          <a:xfrm rot="5400000">
+            <a:off x="759921" y="346791"/>
+            <a:ext cx="146304" cy="704088"/>
+          </a:xfrm>
+          <a:prstGeom prst="rect">
+            <a:avLst/>
+          </a:prstGeom>
+          <a:solidFill>
+            <a:schemeClr val="accent1"/>
+          </a:solidFill>
+          <a:ln>
+            <a:noFill/>
+          </a:ln>
+        </p:spPr>
+        <p:style>
+          <a:lnRef idx="2">
+            <a:schemeClr val="accent1">
+              <a:shade val="50000"/>
+            </a:schemeClr>
+          </a:lnRef>
+          <a:fillRef idx="1">
+            <a:schemeClr val="accent1"/>
+          </a:fillRef>
+          <a:effectRef idx="0">
+            <a:schemeClr val="accent1"/>
+          </a:effectRef>
+          <a:fontRef idx="minor">
+            <a:schemeClr val="lt1"/>
+          </a:fontRef>
+        </p:style>
+        <p:txBody>
+          <a:bodyPr rtlCol="0" anchor="ctr"/>
+          <a:lstStyle/>
+          <a:p>
+            <a:pPr marL="0" marR="0" lvl="0" indent="0" algn="ctr" defTabSz="914400" rtl="0" eaLnBrk="1" fontAlgn="auto" latinLnBrk="0" hangingPunct="1">
+              <a:lnSpc>
+                <a:spcPct val="100000"/>
+              </a:lnSpc>
+              <a:spcBef>
+                <a:spcPts val="0"/>
+              </a:spcBef>
+              <a:spcAft>
+                <a:spcPts val="0"/>
+              </a:spcAft>
+              <a:buClrTx/>
+              <a:buSzTx/>
+              <a:buFontTx/>
+              <a:buNone/>
+              <a:tabLst/>
+              <a:defRPr/>
+            </a:pPr>
+            <a:endParaRPr kumimoji="0" lang="en-US" sz="1800" b="0" i="0" u="none" strike="noStrike" kern="1200" cap="none" spc="0" normalizeH="0" baseline="0" noProof="0">
+              <a:ln>
+                <a:noFill/>
+              </a:ln>
+              <a:solidFill>
+                <a:prstClr val="white"/>
+              </a:solidFill>
+              <a:effectLst/>
+              <a:uLnTx/>
+              <a:uFillTx/>
+              <a:latin typeface="Calibri" panose="020F0502020204030204"/>
+              <a:ea typeface="+mn-ea"/>
+              <a:cs typeface="+mn-cs"/>
+            </a:endParaRPr>
+          </a:p>
+        </p:txBody>
+      </p:sp>
+      <p:sp>
+        <p:nvSpPr>
+          <p:cNvPr id="16" name="Rectangle 15">
+            <a:extLst>
+              <a:ext uri="{FF2B5EF4-FFF2-40B4-BE49-F238E27FC236}">
+                <a16:creationId xmlns:a16="http://schemas.microsoft.com/office/drawing/2014/main" id="{08C9B587-E65E-4B52-B37C-ABEBB6E87928}"/>
+              </a:ext>
+              <a:ext uri="{C183D7F6-B498-43B3-948B-1728B52AA6E4}">
+                <adec:decorative xmlns:adec="http://schemas.microsoft.com/office/drawing/2017/decorative" val="1"/>
+              </a:ext>
+            </a:extLst>
+          </p:cNvPr>
+          <p:cNvSpPr>
+            <a:spLocks noGrp="1" noRot="1" noChangeAspect="1" noMove="1" noResize="1" noEditPoints="1" noAdjustHandles="1" noChangeArrowheads="1" noChangeShapeType="1" noTextEdit="1"/>
+          </p:cNvSpPr>
+          <p:nvPr>
+            <p:extLst>
+              <p:ext uri="{386F3935-93C4-4BCD-93E2-E3B085C9AB24}">
+                <p16:designElem xmlns:p16="http://schemas.microsoft.com/office/powerpoint/2015/main" val="1"/>
+              </p:ext>
+            </p:extLst>
+          </p:nvPr>
+        </p:nvSpPr>
+        <p:spPr>
+          <a:xfrm>
+            <a:off x="481029" y="4546920"/>
+            <a:ext cx="4023360" cy="18288"/>
+          </a:xfrm>
+          <a:prstGeom prst="rect">
+            <a:avLst/>
+          </a:prstGeom>
+          <a:solidFill>
+            <a:schemeClr val="tx2">
+              <a:lumMod val="25000"/>
+              <a:lumOff val="75000"/>
+            </a:schemeClr>
+          </a:solidFill>
+          <a:ln w="3175">
+            <a:noFill/>
+          </a:ln>
+          <a:effectLst/>
+        </p:spPr>
+        <p:style>
+          <a:lnRef idx="2">
+            <a:schemeClr val="accent1">
+              <a:shade val="50000"/>
+            </a:schemeClr>
+          </a:lnRef>
+          <a:fillRef idx="1">
+            <a:schemeClr val="accent1"/>
+          </a:fillRef>
+          <a:effectRef idx="0">
+            <a:schemeClr val="accent1"/>
+          </a:effectRef>
+          <a:fontRef idx="minor">
+            <a:schemeClr val="lt1"/>
+          </a:fontRef>
+        </p:style>
+        <p:txBody>
+          <a:bodyPr rtlCol="0" anchor="ctr"/>
+          <a:lstStyle/>
+          <a:p>
+            <a:pPr marL="0" marR="0" lvl="0" indent="0" algn="ctr" defTabSz="914400" rtl="0" eaLnBrk="1" fontAlgn="auto" latinLnBrk="0" hangingPunct="1">
+              <a:lnSpc>
+                <a:spcPct val="100000"/>
+              </a:lnSpc>
+              <a:spcBef>
+                <a:spcPts val="0"/>
+              </a:spcBef>
+              <a:spcAft>
+                <a:spcPts val="0"/>
+              </a:spcAft>
+              <a:buClrTx/>
+              <a:buSzTx/>
+              <a:buFontTx/>
+              <a:buNone/>
+              <a:tabLst/>
+              <a:defRPr/>
+            </a:pPr>
+            <a:endParaRPr kumimoji="0" lang="en-US" sz="1800" b="0" i="0" u="none" strike="noStrike" kern="1200" cap="none" spc="0" normalizeH="0" baseline="0" noProof="0">
+              <a:ln>
+                <a:noFill/>
+              </a:ln>
+              <a:solidFill>
+                <a:prstClr val="white"/>
+              </a:solidFill>
+              <a:effectLst/>
+              <a:uLnTx/>
+              <a:uFillTx/>
+              <a:latin typeface="Calibri" panose="020F0502020204030204"/>
+              <a:ea typeface="+mn-ea"/>
+              <a:cs typeface="+mn-cs"/>
+            </a:endParaRPr>
+          </a:p>
+        </p:txBody>
+      </p:sp>
+      <p:pic>
+        <p:nvPicPr>
+          <p:cNvPr id="3" name="Picture 2" descr="A diagram of a diagram&#10;&#10;Description automatically generated with medium confidence">
+            <a:extLst>
+              <a:ext uri="{FF2B5EF4-FFF2-40B4-BE49-F238E27FC236}">
+                <a16:creationId xmlns:a16="http://schemas.microsoft.com/office/drawing/2014/main" id="{1203D0D8-9415-2D1A-3358-F6778C6115C8}"/>
+              </a:ext>
+            </a:extLst>
+          </p:cNvPr>
+          <p:cNvPicPr>
+            <a:picLocks noChangeAspect="1"/>
+          </p:cNvPicPr>
+          <p:nvPr/>
+        </p:nvPicPr>
+        <p:blipFill>
+          <a:blip r:embed="rId2"/>
+          <a:stretch>
+            <a:fillRect/>
+          </a:stretch>
+        </p:blipFill>
+        <p:spPr>
+          <a:xfrm>
+            <a:off x="4979322" y="52064"/>
+            <a:ext cx="7193567" cy="6672034"/>
+          </a:xfrm>
+          <a:prstGeom prst="rect">
+            <a:avLst/>
+          </a:prstGeom>
+        </p:spPr>
+      </p:pic>
+    </p:spTree>
+    <p:extLst>
+      <p:ext uri="{BB962C8B-B14F-4D97-AF65-F5344CB8AC3E}">
+        <p14:creationId xmlns:p14="http://schemas.microsoft.com/office/powerpoint/2010/main" val="3874029546"/>
+      </p:ext>
+    </p:extLst>
+  </p:cSld>
+  <p:clrMapOvr>
+    <a:masterClrMapping/>
+  </p:clrMapOvr>
+</p:sld>
+</file>
+
+<file path=ppt/slides/slide7.xml><?xml version="1.0" encoding="utf-8"?>
+<p:sld xmlns:a="http://schemas.openxmlformats.org/drawingml/2006/main" xmlns:r="http://schemas.openxmlformats.org/officeDocument/2006/relationships" xmlns:p="http://schemas.openxmlformats.org/presentationml/2006/main">
+  <p:cSld>
+    <p:spTree>
+      <p:nvGrpSpPr>
+        <p:cNvPr id="1" name="">
+          <a:extLst>
+            <a:ext uri="{FF2B5EF4-FFF2-40B4-BE49-F238E27FC236}">
+              <a16:creationId xmlns:a16="http://schemas.microsoft.com/office/drawing/2014/main" id="{1CFC8329-4B4A-41C3-69D8-C6D7883475FE}"/>
+            </a:ext>
+          </a:extLst>
+        </p:cNvPr>
+        <p:cNvGrpSpPr/>
+        <p:nvPr/>
+      </p:nvGrpSpPr>
+      <p:grpSpPr>
+        <a:xfrm>
+          <a:off x="0" y="0"/>
+          <a:ext cx="0" cy="0"/>
+          <a:chOff x="0" y="0"/>
+          <a:chExt cx="0" cy="0"/>
+        </a:xfrm>
+      </p:grpSpPr>
+      <p:sp>
+        <p:nvSpPr>
+          <p:cNvPr id="2" name="Title 1">
+            <a:extLst>
+              <a:ext uri="{FF2B5EF4-FFF2-40B4-BE49-F238E27FC236}">
+                <a16:creationId xmlns:a16="http://schemas.microsoft.com/office/drawing/2014/main" id="{40FFF2B7-7220-415F-34F9-FEEF8788E189}"/>
+              </a:ext>
+            </a:extLst>
+          </p:cNvPr>
+          <p:cNvSpPr>
+            <a:spLocks noGrp="1"/>
+          </p:cNvSpPr>
+          <p:nvPr>
+            <p:ph type="title"/>
+          </p:nvPr>
+        </p:nvSpPr>
+        <p:spPr/>
+        <p:txBody>
+          <a:bodyPr/>
+          <a:lstStyle/>
+          <a:p>
+            <a:r>
+              <a:rPr lang="en-AU" dirty="0"/>
+              <a:t>Newish stuff (up to v.2.9.0)</a:t>
+            </a:r>
+          </a:p>
+        </p:txBody>
+      </p:sp>
+    </p:spTree>
+    <p:extLst>
+      <p:ext uri="{BB962C8B-B14F-4D97-AF65-F5344CB8AC3E}">
+        <p14:creationId xmlns:p14="http://schemas.microsoft.com/office/powerpoint/2010/main" val="341122046"/>
+      </p:ext>
+    </p:extLst>
+  </p:cSld>
+  <p:clrMapOvr>
+    <a:masterClrMapping/>
+  </p:clrMapOvr>
+</p:sld>
+</file>
+
+<file path=ppt/slides/slide8.xml><?xml version="1.0" encoding="utf-8"?>
+<p:sld xmlns:a="http://schemas.openxmlformats.org/drawingml/2006/main" xmlns:r="http://schemas.openxmlformats.org/officeDocument/2006/relationships" xmlns:p="http://schemas.openxmlformats.org/presentationml/2006/main">
+  <p:cSld>
+    <p:spTree>
+      <p:nvGrpSpPr>
+        <p:cNvPr id="1" name="">
+          <a:extLst>
+            <a:ext uri="{FF2B5EF4-FFF2-40B4-BE49-F238E27FC236}">
+              <a16:creationId xmlns:a16="http://schemas.microsoft.com/office/drawing/2014/main" id="{03889389-3D73-AC43-8F4F-DFE3386D3DC4}"/>
+            </a:ext>
+          </a:extLst>
+        </p:cNvPr>
+        <p:cNvGrpSpPr/>
+        <p:nvPr/>
+      </p:nvGrpSpPr>
+      <p:grpSpPr>
+        <a:xfrm>
+          <a:off x="0" y="0"/>
+          <a:ext cx="0" cy="0"/>
+          <a:chOff x="0" y="0"/>
+          <a:chExt cx="0" cy="0"/>
+        </a:xfrm>
+      </p:grpSpPr>
+      <p:sp>
+        <p:nvSpPr>
+          <p:cNvPr id="2" name="Title 1">
+            <a:extLst>
+              <a:ext uri="{FF2B5EF4-FFF2-40B4-BE49-F238E27FC236}">
+                <a16:creationId xmlns:a16="http://schemas.microsoft.com/office/drawing/2014/main" id="{A6B3457B-4D4B-10D7-6C08-146E23484E05}"/>
+              </a:ext>
+            </a:extLst>
+          </p:cNvPr>
+          <p:cNvSpPr>
+            <a:spLocks noGrp="1"/>
+          </p:cNvSpPr>
+          <p:nvPr>
+            <p:ph type="title"/>
+          </p:nvPr>
+        </p:nvSpPr>
+        <p:spPr/>
+        <p:txBody>
+          <a:bodyPr/>
+          <a:lstStyle/>
+          <a:p>
+            <a:r>
+              <a:rPr lang="en-AU" dirty="0"/>
+              <a:t>Organisation</a:t>
+            </a:r>
+          </a:p>
+        </p:txBody>
+      </p:sp>
+    </p:spTree>
+    <p:extLst>
+      <p:ext uri="{BB962C8B-B14F-4D97-AF65-F5344CB8AC3E}">
+        <p14:creationId xmlns:p14="http://schemas.microsoft.com/office/powerpoint/2010/main" val="858918871"/>
+      </p:ext>
+    </p:extLst>
+  </p:cSld>
+  <p:clrMapOvr>
+    <a:masterClrMapping/>
+  </p:clrMapOvr>
+</p:sld>
+</file>
+
+<file path=ppt/slides/slide9.xml><?xml version="1.0" encoding="utf-8"?>
+<p:sld xmlns:a="http://schemas.openxmlformats.org/drawingml/2006/main" xmlns:r="http://schemas.openxmlformats.org/officeDocument/2006/relationships" xmlns:p="http://schemas.openxmlformats.org/presentationml/2006/main">
+  <p:cSld>
+    <p:spTree>
+      <p:nvGrpSpPr>
+        <p:cNvPr id="1" name="">
+          <a:extLst>
+            <a:ext uri="{FF2B5EF4-FFF2-40B4-BE49-F238E27FC236}">
+              <a16:creationId xmlns:a16="http://schemas.microsoft.com/office/drawing/2014/main" id="{00E8E982-64FE-D9C2-A9FE-C1373F858407}"/>
+            </a:ext>
+          </a:extLst>
+        </p:cNvPr>
+        <p:cNvGrpSpPr/>
+        <p:nvPr/>
+      </p:nvGrpSpPr>
+      <p:grpSpPr>
+        <a:xfrm>
+          <a:off x="0" y="0"/>
+          <a:ext cx="0" cy="0"/>
+          <a:chOff x="0" y="0"/>
+          <a:chExt cx="0" cy="0"/>
+        </a:xfrm>
+      </p:grpSpPr>
+      <p:sp>
+        <p:nvSpPr>
+          <p:cNvPr id="2" name="Title 1">
+            <a:extLst>
+              <a:ext uri="{FF2B5EF4-FFF2-40B4-BE49-F238E27FC236}">
+                <a16:creationId xmlns:a16="http://schemas.microsoft.com/office/drawing/2014/main" id="{EFA066CF-CDC4-25DB-F5AC-605AE26B7352}"/>
+              </a:ext>
+            </a:extLst>
+          </p:cNvPr>
+          <p:cNvSpPr>
+            <a:spLocks noGrp="1"/>
+          </p:cNvSpPr>
+          <p:nvPr>
+            <p:ph type="title"/>
+          </p:nvPr>
+        </p:nvSpPr>
+        <p:spPr/>
+        <p:txBody>
+          <a:bodyPr/>
+          <a:lstStyle/>
+          <a:p>
+            <a:r>
+              <a:rPr lang="en-AU" dirty="0"/>
+              <a:t>Visualisation</a:t>
+            </a:r>
+          </a:p>
+        </p:txBody>
+      </p:sp>
+    </p:spTree>
+    <p:extLst>
+      <p:ext uri="{BB962C8B-B14F-4D97-AF65-F5344CB8AC3E}">
+        <p14:creationId xmlns:p14="http://schemas.microsoft.com/office/powerpoint/2010/main" val="3816093489"/>
+      </p:ext>
+    </p:extLst>
+  </p:cSld>
+  <p:clrMapOvr>
+    <a:masterClrMapping/>
+  </p:clrMapOvr>
+</p:sld>
+</file>
+
 <file path=ppt/theme/theme1.xml><?xml version="1.0" encoding="utf-8"?>
-<a:theme xmlns:a="http://schemas.openxmlformats.org/drawingml/2006/main" name="Office Theme">
+<a:theme xmlns:a="http://schemas.openxmlformats.org/drawingml/2006/main" name="AccentBoxVTI">
   <a:themeElements>
-    <a:clrScheme name="Office">
+    <a:clrScheme name="AccentBoxVTI">
       <a:dk1>
-        <a:sysClr val="windowText" lastClr="000000"/>
+        <a:srgbClr val="000000"/>
       </a:dk1>
       <a:lt1>
         <a:sysClr val="window" lastClr="FFFFFF"/>
       </a:lt1>
       <a:dk2>
-        <a:srgbClr val="0E2841"/>
+        <a:srgbClr val="262626"/>
       </a:dk2>
       <a:lt2>
-        <a:srgbClr val="E8E8E8"/>
+        <a:srgbClr val="FFFFFF"/>
       </a:lt2>
       <a:accent1>
-        <a:srgbClr val="156082"/>
+        <a:srgbClr val="F5A700"/>
       </a:accent1>
       <a:accent2>
-        <a:srgbClr val="E97132"/>
+        <a:srgbClr val="00A5AB"/>
       </a:accent2>
       <a:accent3>
-        <a:srgbClr val="196B24"/>
+        <a:srgbClr val="09963B"/>
       </a:accent3>
       <a:accent4>
-        <a:srgbClr val="0F9ED5"/>
+        <a:srgbClr val="E64823"/>
       </a:accent4>
       <a:accent5>
-        <a:srgbClr val="A02B93"/>
+        <a:srgbClr val="9C6A6A"/>
       </a:accent5>
       <a:accent6>
-        <a:srgbClr val="4EA72E"/>
+        <a:srgbClr val="824F8C"/>
       </a:accent6>
       <a:hlink>
-        <a:srgbClr val="467886"/>
+        <a:srgbClr val="2998E3"/>
       </a:hlink>
       <a:folHlink>
-        <a:srgbClr val="96607D"/>
+        <a:srgbClr val="7F723D"/>
       </a:folHlink>
     </a:clrScheme>
-    <a:fontScheme name="Office">
+    <a:fontScheme name="Avenir">
       <a:majorFont>
-        <a:latin typeface="Aptos Display" panose="02110004020202020204"/>
+        <a:latin typeface="Avenir Next LT Pro"/>
         <a:ea typeface=""/>
         <a:cs typeface=""/>
-        <a:font script="Jpan" typeface="游ゴシック Light"/>
-        <a:font script="Hang" typeface="맑은 고딕"/>
-        <a:font script="Hans" typeface="等线 Light"/>
-        <a:font script="Hant" typeface="新細明體"/>
-        <a:font script="Arab" typeface="Times New Roman"/>
-        <a:font script="Hebr" typeface="Times New Roman"/>
-        <a:font script="Thai" typeface="Angsana New"/>
-        <a:font script="Ethi" typeface="Nyala"/>
-        <a:font script="Beng" typeface="Vrinda"/>
-        <a:font script="Gujr" typeface="Shruti"/>
-        <a:font script="Khmr" typeface="MoolBoran"/>
-        <a:font script="Knda" typeface="Tunga"/>
-        <a:font script="Guru" typeface="Raavi"/>
-        <a:font script="Cans" typeface="Euphemia"/>
-        <a:font script="Cher" typeface="Plantagenet Cherokee"/>
-        <a:font script="Yiii" typeface="Microsoft Yi Baiti"/>
-        <a:font script="Tibt" typeface="Microsoft Himalaya"/>
-        <a:font script="Thaa" typeface="MV Boli"/>
-        <a:font script="Deva" typeface="Mangal"/>
-        <a:font script="Telu" typeface="Gautami"/>
-        <a:font script="Taml" typeface="Latha"/>
-        <a:font script="Syrc" typeface="Estrangelo Edessa"/>
-        <a:font script="Orya" typeface="Kalinga"/>
-        <a:font script="Mlym" typeface="Kartika"/>
-        <a:font script="Laoo" typeface="DokChampa"/>
-        <a:font script="Sinh" typeface="Iskoola Pota"/>
-        <a:font script="Mong" typeface="Mongolian Baiti"/>
-        <a:font script="Viet" typeface="Times New Roman"/>
-        <a:font script="Uigh" typeface="Microsoft Uighur"/>
-        <a:font script="Geor" typeface="Sylfaen"/>
-        <a:font script="Armn" typeface="Arial"/>
-        <a:font script="Bugi" typeface="Leelawadee UI"/>
-        <a:font script="Bopo" typeface="Microsoft JhengHei"/>
-        <a:font script="Java" typeface="Javanese Text"/>
-        <a:font script="Lisu" typeface="Segoe UI"/>
-        <a:font script="Mymr" typeface="Myanmar Text"/>
-        <a:font script="Nkoo" typeface="Ebrima"/>
-        <a:font script="Olck" typeface="Nirmala UI"/>
-        <a:font script="Osma" typeface="Ebrima"/>
-        <a:font script="Phag" typeface="Phagspa"/>
-        <a:font script="Syrn" typeface="Estrangelo Edessa"/>
-        <a:font script="Syrj" typeface="Estrangelo Edessa"/>
-        <a:font script="Syre" typeface="Estrangelo Edessa"/>
-        <a:font script="Sora" typeface="Nirmala UI"/>
-        <a:font script="Tale" typeface="Microsoft Tai Le"/>
-        <a:font script="Talu" typeface="Microsoft New Tai Lue"/>
-        <a:font script="Tfng" typeface="Ebrima"/>
       </a:majorFont>
       <a:minorFont>
-        <a:latin typeface="Aptos" panose="02110004020202020204"/>
+        <a:latin typeface="Avenir Next LT Pro"/>
         <a:ea typeface=""/>
         <a:cs typeface=""/>
-        <a:font script="Jpan" typeface="游ゴシック"/>
-        <a:font script="Hang" typeface="맑은 고딕"/>
-        <a:font script="Hans" typeface="等线"/>
-        <a:font script="Hant" typeface="新細明體"/>
-        <a:font script="Arab" typeface="Arial"/>
-        <a:font script="Hebr" typeface="Arial"/>
-        <a:font script="Thai" typeface="Cordia New"/>
-        <a:font script="Ethi" typeface="Nyala"/>
-        <a:font script="Beng" typeface="Vrinda"/>
-        <a:font script="Gujr" typeface="Shruti"/>
-        <a:font script="Khmr" typeface="DaunPenh"/>
-        <a:font script="Knda" typeface="Tunga"/>
-        <a:font script="Guru" typeface="Raavi"/>
-        <a:font script="Cans" typeface="Euphemia"/>
-        <a:font script="Cher" typeface="Plantagenet Cherokee"/>
-        <a:font script="Yiii" typeface="Microsoft Yi Baiti"/>
-        <a:font script="Tibt" typeface="Microsoft Himalaya"/>
-        <a:font script="Thaa" typeface="MV Boli"/>
-        <a:font script="Deva" typeface="Mangal"/>
-        <a:font script="Telu" typeface="Gautami"/>
-        <a:font script="Taml" typeface="Latha"/>
-        <a:font script="Syrc" typeface="Estrangelo Edessa"/>
-        <a:font script="Orya" typeface="Kalinga"/>
-        <a:font script="Mlym" typeface="Kartika"/>
-        <a:font script="Laoo" typeface="DokChampa"/>
-        <a:font script="Sinh" typeface="Iskoola Pota"/>
-        <a:font script="Mong" typeface="Mongolian Baiti"/>
-        <a:font script="Viet" typeface="Arial"/>
-        <a:font script="Uigh" typeface="Microsoft Uighur"/>
-        <a:font script="Geor" typeface="Sylfaen"/>
-        <a:font script="Armn" typeface="Arial"/>
-        <a:font script="Bugi" typeface="Leelawadee UI"/>
-        <a:font script="Bopo" typeface="Microsoft JhengHei"/>
-        <a:font script="Java" typeface="Javanese Text"/>
-        <a:font script="Lisu" typeface="Segoe UI"/>
-        <a:font script="Mymr" typeface="Myanmar Text"/>
-        <a:font script="Nkoo" typeface="Ebrima"/>
-        <a:font script="Olck" typeface="Nirmala UI"/>
-        <a:font script="Osma" typeface="Ebrima"/>
-        <a:font script="Phag" typeface="Phagspa"/>
-        <a:font script="Syrn" typeface="Estrangelo Edessa"/>
-        <a:font script="Syrj" typeface="Estrangelo Edessa"/>
-        <a:font script="Syre" typeface="Estrangelo Edessa"/>
-        <a:font script="Sora" typeface="Nirmala UI"/>
-        <a:font script="Tale" typeface="Microsoft Tai Le"/>
-        <a:font script="Talu" typeface="Microsoft New Tai Lue"/>
-        <a:font script="Tfng" typeface="Ebrima"/>
       </a:minorFont>
     </a:fontScheme>
     <a:fmtScheme name="Office">
@@ -3561,6 +8181,13 @@
         </a:gradFill>
       </a:fillStyleLst>
       <a:lnStyleLst>
+        <a:ln w="6350" cap="flat" cmpd="sng" algn="ctr">
+          <a:solidFill>
+            <a:schemeClr val="phClr"/>
+          </a:solidFill>
+          <a:prstDash val="solid"/>
+          <a:miter lim="800000"/>
+        </a:ln>
         <a:ln w="12700" cap="flat" cmpd="sng" algn="ctr">
           <a:solidFill>
             <a:schemeClr val="phClr"/>
@@ -3569,13 +8196,6 @@
           <a:miter lim="800000"/>
         </a:ln>
         <a:ln w="19050" cap="flat" cmpd="sng" algn="ctr">
-          <a:solidFill>
-            <a:schemeClr val="phClr"/>
-          </a:solidFill>
-          <a:prstDash val="solid"/>
-          <a:miter lim="800000"/>
-        </a:ln>
-        <a:ln w="25400" cap="flat" cmpd="sng" algn="ctr">
           <a:solidFill>
             <a:schemeClr val="phClr"/>
           </a:solidFill>
@@ -3640,31 +8260,11 @@
       </a:bgFillStyleLst>
     </a:fmtScheme>
   </a:themeElements>
-  <a:objectDefaults>
-    <a:lnDef>
-      <a:spPr/>
-      <a:bodyPr/>
-      <a:lstStyle/>
-      <a:style>
-        <a:lnRef idx="2">
-          <a:schemeClr val="accent1"/>
-        </a:lnRef>
-        <a:fillRef idx="0">
-          <a:schemeClr val="accent1"/>
-        </a:fillRef>
-        <a:effectRef idx="1">
-          <a:schemeClr val="accent1"/>
-        </a:effectRef>
-        <a:fontRef idx="minor">
-          <a:schemeClr val="tx1"/>
-        </a:fontRef>
-      </a:style>
-    </a:lnDef>
-  </a:objectDefaults>
+  <a:objectDefaults/>
   <a:extraClrSchemeLst/>
   <a:extLst>
     <a:ext uri="{05A4C25C-085E-4340-85A3-A5531E510DB2}">
-      <thm15:themeFamily xmlns:thm15="http://schemas.microsoft.com/office/thememl/2012/main" name="Office Theme" id="{2E142A2C-CD16-42D6-873A-C26D2A0506FA}" vid="{1BDDFF52-6CD6-40A5-AB3C-68EB2F1E4D0A}"/>
+      <thm15:themeFamily xmlns:thm15="http://schemas.microsoft.com/office/thememl/2012/main" name="AccentBoxVTI" id="{9F778A78-DC9A-453A-A82D-A75CAD503E15}" vid="{EA961113-7CC4-4569-8A6A-7BC2C1E2F401}"/>
     </a:ext>
   </a:extLst>
 </a:theme>

--- a/slides/intro_pavo.pptx
+++ b/slides/intro_pavo.pptx
@@ -17,6 +17,7 @@
     <p:sldId id="268" r:id="rId11"/>
     <p:sldId id="266" r:id="rId12"/>
     <p:sldId id="264" r:id="rId13"/>
+    <p:sldId id="270" r:id="rId14"/>
   </p:sldIdLst>
   <p:sldSz cx="12192000" cy="6858000"/>
   <p:notesSz cx="6858000" cy="9144000"/>
@@ -279,7 +280,7 @@
           <a:p>
             <a:fld id="{02AC24A9-CCB6-4F8D-B8DB-C2F3692CFA5A}" type="datetimeFigureOut">
               <a:rPr lang="en-US" smtClean="0"/>
-              <a:t>9/26/24</a:t>
+              <a:t>9/27/24</a:t>
             </a:fld>
             <a:endParaRPr lang="en-US" dirty="0"/>
           </a:p>
@@ -649,7 +650,7 @@
           <a:p>
             <a:fld id="{02AC24A9-CCB6-4F8D-B8DB-C2F3692CFA5A}" type="datetimeFigureOut">
               <a:rPr lang="en-US" smtClean="0"/>
-              <a:t>9/26/24</a:t>
+              <a:t>9/27/24</a:t>
             </a:fld>
             <a:endParaRPr lang="en-US"/>
           </a:p>
@@ -858,7 +859,7 @@
           <a:p>
             <a:fld id="{02AC24A9-CCB6-4F8D-B8DB-C2F3692CFA5A}" type="datetimeFigureOut">
               <a:rPr lang="en-US" smtClean="0"/>
-              <a:t>9/26/24</a:t>
+              <a:t>9/27/24</a:t>
             </a:fld>
             <a:endParaRPr lang="en-US"/>
           </a:p>
@@ -1328,7 +1329,7 @@
           <a:p>
             <a:fld id="{02AC24A9-CCB6-4F8D-B8DB-C2F3692CFA5A}" type="datetimeFigureOut">
               <a:rPr lang="en-US" smtClean="0"/>
-              <a:t>9/26/24</a:t>
+              <a:t>9/27/24</a:t>
             </a:fld>
             <a:endParaRPr lang="en-US"/>
           </a:p>
@@ -1782,7 +1783,7 @@
           <a:p>
             <a:fld id="{02AC24A9-CCB6-4F8D-B8DB-C2F3692CFA5A}" type="datetimeFigureOut">
               <a:rPr lang="en-US" smtClean="0"/>
-              <a:t>9/26/24</a:t>
+              <a:t>9/27/24</a:t>
             </a:fld>
             <a:endParaRPr lang="en-US"/>
           </a:p>
@@ -2314,7 +2315,7 @@
           <a:p>
             <a:fld id="{02AC24A9-CCB6-4F8D-B8DB-C2F3692CFA5A}" type="datetimeFigureOut">
               <a:rPr lang="en-US" smtClean="0"/>
-              <a:t>9/26/24</a:t>
+              <a:t>9/27/24</a:t>
             </a:fld>
             <a:endParaRPr lang="en-US"/>
           </a:p>
@@ -3013,7 +3014,7 @@
           <a:p>
             <a:fld id="{02AC24A9-CCB6-4F8D-B8DB-C2F3692CFA5A}" type="datetimeFigureOut">
               <a:rPr lang="en-US" smtClean="0"/>
-              <a:t>9/26/24</a:t>
+              <a:t>9/27/24</a:t>
             </a:fld>
             <a:endParaRPr lang="en-US"/>
           </a:p>
@@ -3342,7 +3343,7 @@
           <a:p>
             <a:fld id="{02AC24A9-CCB6-4F8D-B8DB-C2F3692CFA5A}" type="datetimeFigureOut">
               <a:rPr lang="en-US" smtClean="0"/>
-              <a:t>9/26/24</a:t>
+              <a:t>9/27/24</a:t>
             </a:fld>
             <a:endParaRPr lang="en-US"/>
           </a:p>
@@ -3455,7 +3456,7 @@
           <a:p>
             <a:fld id="{02AC24A9-CCB6-4F8D-B8DB-C2F3692CFA5A}" type="datetimeFigureOut">
               <a:rPr lang="en-US" smtClean="0"/>
-              <a:t>9/26/24</a:t>
+              <a:t>9/27/24</a:t>
             </a:fld>
             <a:endParaRPr lang="en-US"/>
           </a:p>
@@ -3950,7 +3951,7 @@
           <a:p>
             <a:fld id="{02AC24A9-CCB6-4F8D-B8DB-C2F3692CFA5A}" type="datetimeFigureOut">
               <a:rPr lang="en-US" smtClean="0"/>
-              <a:t>9/26/24</a:t>
+              <a:t>9/27/24</a:t>
             </a:fld>
             <a:endParaRPr lang="en-US" dirty="0"/>
           </a:p>
@@ -4427,7 +4428,7 @@
           <a:p>
             <a:fld id="{02AC24A9-CCB6-4F8D-B8DB-C2F3692CFA5A}" type="datetimeFigureOut">
               <a:rPr lang="en-US" smtClean="0"/>
-              <a:t>9/26/24</a:t>
+              <a:t>9/27/24</a:t>
             </a:fld>
             <a:endParaRPr lang="en-US"/>
           </a:p>
@@ -4670,7 +4671,7 @@
           <a:p>
             <a:fld id="{02AC24A9-CCB6-4F8D-B8DB-C2F3692CFA5A}" type="datetimeFigureOut">
               <a:rPr lang="en-US" smtClean="0"/>
-              <a:t>9/26/24</a:t>
+              <a:t>9/27/24</a:t>
             </a:fld>
             <a:endParaRPr lang="en-US"/>
           </a:p>
@@ -5648,8 +5649,64 @@
           <a:p>
             <a:r>
               <a:rPr lang="en-AU" dirty="0"/>
-              <a:t>Today: question-driven examples</a:t>
-            </a:r>
+              <a:t>Today’s goal</a:t>
+            </a:r>
+          </a:p>
+        </p:txBody>
+      </p:sp>
+      <p:sp>
+        <p:nvSpPr>
+          <p:cNvPr id="3" name="TextBox 2">
+            <a:extLst>
+              <a:ext uri="{FF2B5EF4-FFF2-40B4-BE49-F238E27FC236}">
+                <a16:creationId xmlns:a16="http://schemas.microsoft.com/office/drawing/2014/main" id="{F0EA386D-2327-639D-9924-5BB1C8B3AD1B}"/>
+              </a:ext>
+            </a:extLst>
+          </p:cNvPr>
+          <p:cNvSpPr txBox="1"/>
+          <p:nvPr/>
+        </p:nvSpPr>
+        <p:spPr>
+          <a:xfrm>
+            <a:off x="1352745" y="2828835"/>
+            <a:ext cx="9318398" cy="1690206"/>
+          </a:xfrm>
+          <a:prstGeom prst="rect">
+            <a:avLst/>
+          </a:prstGeom>
+          <a:noFill/>
+        </p:spPr>
+        <p:txBody>
+          <a:bodyPr wrap="square">
+            <a:spAutoFit/>
+          </a:bodyPr>
+          <a:lstStyle/>
+          <a:p>
+            <a:pPr algn="ctr">
+              <a:lnSpc>
+                <a:spcPct val="150000"/>
+              </a:lnSpc>
+            </a:pPr>
+            <a:r>
+              <a:rPr lang="en-AU" sz="2400" b="0" i="0" u="none" strike="noStrike" dirty="0">
+                <a:solidFill>
+                  <a:srgbClr val="333333"/>
+                </a:solidFill>
+                <a:effectLst/>
+                <a:latin typeface="Helvetica Neue" panose="02000503000000020004" pitchFamily="2" charset="0"/>
+              </a:rPr>
+              <a:t>Develop and sense of the major functionality of PAVO </a:t>
+            </a:r>
+            <a:r>
+              <a:rPr lang="en-AU" sz="2400" dirty="0">
+                <a:solidFill>
+                  <a:srgbClr val="333333"/>
+                </a:solidFill>
+                <a:latin typeface="Helvetica Neue" panose="02000503000000020004" pitchFamily="2" charset="0"/>
+              </a:rPr>
+              <a:t>and spectrometry-based methods, across representative biological questions</a:t>
+            </a:r>
+            <a:endParaRPr lang="en-AU" sz="2400" dirty="0"/>
           </a:p>
         </p:txBody>
       </p:sp>
@@ -5657,6 +5714,70 @@
     <p:extLst>
       <p:ext uri="{BB962C8B-B14F-4D97-AF65-F5344CB8AC3E}">
         <p14:creationId xmlns:p14="http://schemas.microsoft.com/office/powerpoint/2010/main" val="2457638562"/>
+      </p:ext>
+    </p:extLst>
+  </p:cSld>
+  <p:clrMapOvr>
+    <a:masterClrMapping/>
+  </p:clrMapOvr>
+</p:sld>
+</file>
+
+<file path=ppt/slides/slide13.xml><?xml version="1.0" encoding="utf-8"?>
+<p:sld xmlns:a="http://schemas.openxmlformats.org/drawingml/2006/main" xmlns:r="http://schemas.openxmlformats.org/officeDocument/2006/relationships" xmlns:p="http://schemas.openxmlformats.org/presentationml/2006/main">
+  <p:cSld>
+    <p:spTree>
+      <p:nvGrpSpPr>
+        <p:cNvPr id="1" name="">
+          <a:extLst>
+            <a:ext uri="{FF2B5EF4-FFF2-40B4-BE49-F238E27FC236}">
+              <a16:creationId xmlns:a16="http://schemas.microsoft.com/office/drawing/2014/main" id="{E7AE0A1B-8BB0-EE55-1A7B-ABB7100AA300}"/>
+            </a:ext>
+          </a:extLst>
+        </p:cNvPr>
+        <p:cNvGrpSpPr/>
+        <p:nvPr/>
+      </p:nvGrpSpPr>
+      <p:grpSpPr>
+        <a:xfrm>
+          <a:off x="0" y="0"/>
+          <a:ext cx="0" cy="0"/>
+          <a:chOff x="0" y="0"/>
+          <a:chExt cx="0" cy="0"/>
+        </a:xfrm>
+      </p:grpSpPr>
+      <p:sp>
+        <p:nvSpPr>
+          <p:cNvPr id="2" name="Title 1">
+            <a:extLst>
+              <a:ext uri="{FF2B5EF4-FFF2-40B4-BE49-F238E27FC236}">
+                <a16:creationId xmlns:a16="http://schemas.microsoft.com/office/drawing/2014/main" id="{98A0D91C-50F4-446E-FA1A-198FA280F2F9}"/>
+              </a:ext>
+            </a:extLst>
+          </p:cNvPr>
+          <p:cNvSpPr>
+            <a:spLocks noGrp="1"/>
+          </p:cNvSpPr>
+          <p:nvPr>
+            <p:ph type="title"/>
+          </p:nvPr>
+        </p:nvSpPr>
+        <p:spPr/>
+        <p:txBody>
+          <a:bodyPr/>
+          <a:lstStyle/>
+          <a:p>
+            <a:r>
+              <a:rPr lang="en-AU" dirty="0"/>
+              <a:t>Today: question-driven examples</a:t>
+            </a:r>
+          </a:p>
+        </p:txBody>
+      </p:sp>
+    </p:spTree>
+    <p:extLst>
+      <p:ext uri="{BB962C8B-B14F-4D97-AF65-F5344CB8AC3E}">
+        <p14:creationId xmlns:p14="http://schemas.microsoft.com/office/powerpoint/2010/main" val="373496172"/>
       </p:ext>
     </p:extLst>
   </p:cSld>

--- a/slides/intro_pavo.pptx
+++ b/slides/intro_pavo.pptx
@@ -11,13 +11,18 @@
     <p:sldId id="269" r:id="rId5"/>
     <p:sldId id="265" r:id="rId6"/>
     <p:sldId id="262" r:id="rId7"/>
-    <p:sldId id="263" r:id="rId8"/>
-    <p:sldId id="261" r:id="rId9"/>
+    <p:sldId id="261" r:id="rId8"/>
+    <p:sldId id="274" r:id="rId9"/>
     <p:sldId id="267" r:id="rId10"/>
-    <p:sldId id="268" r:id="rId11"/>
-    <p:sldId id="266" r:id="rId12"/>
-    <p:sldId id="264" r:id="rId13"/>
-    <p:sldId id="270" r:id="rId14"/>
+    <p:sldId id="271" r:id="rId11"/>
+    <p:sldId id="268" r:id="rId12"/>
+    <p:sldId id="272" r:id="rId13"/>
+    <p:sldId id="273" r:id="rId14"/>
+    <p:sldId id="263" r:id="rId15"/>
+    <p:sldId id="266" r:id="rId16"/>
+    <p:sldId id="264" r:id="rId17"/>
+    <p:sldId id="270" r:id="rId18"/>
+    <p:sldId id="275" r:id="rId19"/>
   </p:sldIdLst>
   <p:sldSz cx="12192000" cy="6858000"/>
   <p:notesSz cx="6858000" cy="9144000"/>
@@ -5483,6 +5488,70 @@
         <p:cNvPr id="1" name="">
           <a:extLst>
             <a:ext uri="{FF2B5EF4-FFF2-40B4-BE49-F238E27FC236}">
+              <a16:creationId xmlns:a16="http://schemas.microsoft.com/office/drawing/2014/main" id="{662CFFE9-87FB-B2F5-6FF2-A9572DEA603D}"/>
+            </a:ext>
+          </a:extLst>
+        </p:cNvPr>
+        <p:cNvGrpSpPr/>
+        <p:nvPr/>
+      </p:nvGrpSpPr>
+      <p:grpSpPr>
+        <a:xfrm>
+          <a:off x="0" y="0"/>
+          <a:ext cx="0" cy="0"/>
+          <a:chOff x="0" y="0"/>
+          <a:chExt cx="0" cy="0"/>
+        </a:xfrm>
+      </p:grpSpPr>
+      <p:sp>
+        <p:nvSpPr>
+          <p:cNvPr id="2" name="Title 1">
+            <a:extLst>
+              <a:ext uri="{FF2B5EF4-FFF2-40B4-BE49-F238E27FC236}">
+                <a16:creationId xmlns:a16="http://schemas.microsoft.com/office/drawing/2014/main" id="{4E808785-4A4E-0175-9C4D-67F2CAF0964A}"/>
+              </a:ext>
+            </a:extLst>
+          </p:cNvPr>
+          <p:cNvSpPr>
+            <a:spLocks noGrp="1"/>
+          </p:cNvSpPr>
+          <p:nvPr>
+            <p:ph type="title"/>
+          </p:nvPr>
+        </p:nvSpPr>
+        <p:spPr/>
+        <p:txBody>
+          <a:bodyPr/>
+          <a:lstStyle/>
+          <a:p>
+            <a:r>
+              <a:rPr lang="en-AU" dirty="0"/>
+              <a:t>Analysis: spectral</a:t>
+            </a:r>
+          </a:p>
+        </p:txBody>
+      </p:sp>
+    </p:spTree>
+    <p:extLst>
+      <p:ext uri="{BB962C8B-B14F-4D97-AF65-F5344CB8AC3E}">
+        <p14:creationId xmlns:p14="http://schemas.microsoft.com/office/powerpoint/2010/main" val="2896749820"/>
+      </p:ext>
+    </p:extLst>
+  </p:cSld>
+  <p:clrMapOvr>
+    <a:masterClrMapping/>
+  </p:clrMapOvr>
+</p:sld>
+</file>
+
+<file path=ppt/slides/slide11.xml><?xml version="1.0" encoding="utf-8"?>
+<p:sld xmlns:a="http://schemas.openxmlformats.org/drawingml/2006/main" xmlns:r="http://schemas.openxmlformats.org/officeDocument/2006/relationships" xmlns:p="http://schemas.openxmlformats.org/presentationml/2006/main">
+  <p:cSld>
+    <p:spTree>
+      <p:nvGrpSpPr>
+        <p:cNvPr id="1" name="">
+          <a:extLst>
+            <a:ext uri="{FF2B5EF4-FFF2-40B4-BE49-F238E27FC236}">
               <a16:creationId xmlns:a16="http://schemas.microsoft.com/office/drawing/2014/main" id="{4A10A63A-130B-2B38-326E-66E0093729F0}"/>
             </a:ext>
           </a:extLst>
@@ -5521,8 +5590,185 @@
           <a:p>
             <a:r>
               <a:rPr lang="en-AU" dirty="0"/>
-              <a:t>Analysis</a:t>
-            </a:r>
+              <a:t>Analysis: visual modelling</a:t>
+            </a:r>
+          </a:p>
+        </p:txBody>
+      </p:sp>
+      <p:sp>
+        <p:nvSpPr>
+          <p:cNvPr id="3" name="TextBox 2">
+            <a:extLst>
+              <a:ext uri="{FF2B5EF4-FFF2-40B4-BE49-F238E27FC236}">
+                <a16:creationId xmlns:a16="http://schemas.microsoft.com/office/drawing/2014/main" id="{BDB7F878-B5DB-FA25-7E32-967E598D73A6}"/>
+              </a:ext>
+            </a:extLst>
+          </p:cNvPr>
+          <p:cNvSpPr txBox="1"/>
+          <p:nvPr/>
+        </p:nvSpPr>
+        <p:spPr>
+          <a:xfrm>
+            <a:off x="282804" y="2306032"/>
+            <a:ext cx="11265031" cy="3364319"/>
+          </a:xfrm>
+          <a:prstGeom prst="rect">
+            <a:avLst/>
+          </a:prstGeom>
+          <a:noFill/>
+        </p:spPr>
+        <p:txBody>
+          <a:bodyPr wrap="square">
+            <a:spAutoFit/>
+          </a:bodyPr>
+          <a:lstStyle/>
+          <a:p>
+            <a:pPr algn="ctr">
+              <a:lnSpc>
+                <a:spcPct val="150000"/>
+              </a:lnSpc>
+            </a:pPr>
+            <a:r>
+              <a:rPr lang="en-AU" sz="2400" dirty="0">
+                <a:latin typeface="+mj-lt"/>
+              </a:rPr>
+              <a:t>Most-used</a:t>
+            </a:r>
+            <a:endParaRPr lang="en-AU" sz="2000" dirty="0">
+              <a:latin typeface="+mj-lt"/>
+            </a:endParaRPr>
+          </a:p>
+          <a:p>
+            <a:pPr>
+              <a:lnSpc>
+                <a:spcPct val="150000"/>
+              </a:lnSpc>
+            </a:pPr>
+            <a:r>
+              <a:rPr lang="en-AU" sz="2000" dirty="0" err="1">
+                <a:latin typeface="Cambria" panose="02040503050406030204" pitchFamily="18" charset="0"/>
+              </a:rPr>
+              <a:t>vismodel</a:t>
+            </a:r>
+            <a:r>
+              <a:rPr lang="en-AU" sz="2000" dirty="0">
+                <a:latin typeface="Cambria" panose="02040503050406030204" pitchFamily="18" charset="0"/>
+              </a:rPr>
+              <a:t>() </a:t>
+            </a:r>
+            <a:r>
+              <a:rPr lang="en-AU" sz="2000" dirty="0"/>
+              <a:t>– estimating cone/quantum catches for RN and </a:t>
+            </a:r>
+            <a:r>
+              <a:rPr lang="en-AU" sz="2000" dirty="0" err="1"/>
+              <a:t>colourspace</a:t>
+            </a:r>
+            <a:r>
+              <a:rPr lang="en-AU" sz="2000" dirty="0"/>
+              <a:t> models </a:t>
+            </a:r>
+          </a:p>
+          <a:p>
+            <a:pPr>
+              <a:lnSpc>
+                <a:spcPct val="150000"/>
+              </a:lnSpc>
+            </a:pPr>
+            <a:r>
+              <a:rPr lang="en-AU" sz="2000" dirty="0" err="1">
+                <a:latin typeface="Cambria" panose="02040503050406030204" pitchFamily="18" charset="0"/>
+              </a:rPr>
+              <a:t>colspace</a:t>
+            </a:r>
+            <a:r>
+              <a:rPr lang="en-AU" sz="2000" dirty="0">
+                <a:latin typeface="Cambria" panose="02040503050406030204" pitchFamily="18" charset="0"/>
+              </a:rPr>
+              <a:t>() </a:t>
+            </a:r>
+            <a:r>
+              <a:rPr lang="en-AU" sz="2000" dirty="0"/>
+              <a:t>– implementing </a:t>
+            </a:r>
+            <a:r>
+              <a:rPr lang="en-AU" sz="2000" dirty="0" err="1"/>
+              <a:t>colourspace</a:t>
+            </a:r>
+            <a:r>
+              <a:rPr lang="en-AU" sz="2000" dirty="0"/>
+              <a:t> models. </a:t>
+            </a:r>
+          </a:p>
+          <a:p>
+            <a:pPr>
+              <a:lnSpc>
+                <a:spcPct val="150000"/>
+              </a:lnSpc>
+            </a:pPr>
+            <a:r>
+              <a:rPr lang="en-AU" sz="2000" dirty="0"/>
+              <a:t>	Generic n-dimensional, Hexagon, ‘categorical’ space (</a:t>
+            </a:r>
+            <a:r>
+              <a:rPr lang="en-AU" sz="2000" dirty="0" err="1"/>
+              <a:t>Troje</a:t>
+            </a:r>
+            <a:r>
+              <a:rPr lang="en-AU" sz="2000" dirty="0"/>
+              <a:t>), COC, CIE models  </a:t>
+            </a:r>
+          </a:p>
+          <a:p>
+            <a:pPr>
+              <a:lnSpc>
+                <a:spcPct val="150000"/>
+              </a:lnSpc>
+            </a:pPr>
+            <a:r>
+              <a:rPr lang="en-AU" sz="2000" dirty="0" err="1">
+                <a:latin typeface="Cambria" panose="02040503050406030204" pitchFamily="18" charset="0"/>
+              </a:rPr>
+              <a:t>coldist</a:t>
+            </a:r>
+            <a:r>
+              <a:rPr lang="en-AU" sz="2000" dirty="0">
+                <a:latin typeface="Cambria" panose="02040503050406030204" pitchFamily="18" charset="0"/>
+              </a:rPr>
+              <a:t>() &amp; </a:t>
+            </a:r>
+            <a:r>
+              <a:rPr lang="en-AU" sz="2000" dirty="0" err="1">
+                <a:latin typeface="Cambria" panose="02040503050406030204" pitchFamily="18" charset="0"/>
+              </a:rPr>
+              <a:t>bootcoldist</a:t>
+            </a:r>
+            <a:r>
+              <a:rPr lang="en-AU" sz="2000" dirty="0">
+                <a:latin typeface="Cambria" panose="02040503050406030204" pitchFamily="18" charset="0"/>
+              </a:rPr>
+              <a:t>()</a:t>
+            </a:r>
+            <a:r>
+              <a:rPr lang="en-AU" sz="2000" dirty="0"/>
+              <a:t> – calculating colour distances (all models/spaces)</a:t>
+            </a:r>
+          </a:p>
+          <a:p>
+            <a:pPr>
+              <a:lnSpc>
+                <a:spcPct val="150000"/>
+              </a:lnSpc>
+            </a:pPr>
+            <a:endParaRPr lang="en-AU" sz="2000" dirty="0"/>
+          </a:p>
+          <a:p>
+            <a:pPr>
+              <a:lnSpc>
+                <a:spcPct val="150000"/>
+              </a:lnSpc>
+            </a:pPr>
+            <a:endParaRPr lang="en-AU" sz="2000" dirty="0"/>
           </a:p>
         </p:txBody>
       </p:sp>
@@ -5539,7 +5785,453 @@
 </p:sld>
 </file>
 
-<file path=ppt/slides/slide11.xml><?xml version="1.0" encoding="utf-8"?>
+<file path=ppt/slides/slide12.xml><?xml version="1.0" encoding="utf-8"?>
+<p:sld xmlns:a="http://schemas.openxmlformats.org/drawingml/2006/main" xmlns:r="http://schemas.openxmlformats.org/officeDocument/2006/relationships" xmlns:p="http://schemas.openxmlformats.org/presentationml/2006/main">
+  <p:cSld>
+    <p:spTree>
+      <p:nvGrpSpPr>
+        <p:cNvPr id="1" name="">
+          <a:extLst>
+            <a:ext uri="{FF2B5EF4-FFF2-40B4-BE49-F238E27FC236}">
+              <a16:creationId xmlns:a16="http://schemas.microsoft.com/office/drawing/2014/main" id="{8535A48B-4C80-1A73-8C78-4081FA62D064}"/>
+            </a:ext>
+          </a:extLst>
+        </p:cNvPr>
+        <p:cNvGrpSpPr/>
+        <p:nvPr/>
+      </p:nvGrpSpPr>
+      <p:grpSpPr>
+        <a:xfrm>
+          <a:off x="0" y="0"/>
+          <a:ext cx="0" cy="0"/>
+          <a:chOff x="0" y="0"/>
+          <a:chExt cx="0" cy="0"/>
+        </a:xfrm>
+      </p:grpSpPr>
+      <p:sp>
+        <p:nvSpPr>
+          <p:cNvPr id="2" name="Title 1">
+            <a:extLst>
+              <a:ext uri="{FF2B5EF4-FFF2-40B4-BE49-F238E27FC236}">
+                <a16:creationId xmlns:a16="http://schemas.microsoft.com/office/drawing/2014/main" id="{43E7BD67-A24E-A5B4-DA4A-766F1FADF398}"/>
+              </a:ext>
+            </a:extLst>
+          </p:cNvPr>
+          <p:cNvSpPr>
+            <a:spLocks noGrp="1"/>
+          </p:cNvSpPr>
+          <p:nvPr>
+            <p:ph type="title"/>
+          </p:nvPr>
+        </p:nvSpPr>
+        <p:spPr/>
+        <p:txBody>
+          <a:bodyPr/>
+          <a:lstStyle/>
+          <a:p>
+            <a:r>
+              <a:rPr lang="en-AU" dirty="0"/>
+              <a:t>Analysis: visual modelling</a:t>
+            </a:r>
+          </a:p>
+        </p:txBody>
+      </p:sp>
+      <p:sp>
+        <p:nvSpPr>
+          <p:cNvPr id="3" name="TextBox 2">
+            <a:extLst>
+              <a:ext uri="{FF2B5EF4-FFF2-40B4-BE49-F238E27FC236}">
+                <a16:creationId xmlns:a16="http://schemas.microsoft.com/office/drawing/2014/main" id="{6AF94A53-8D57-0A84-0706-5607744663B9}"/>
+              </a:ext>
+            </a:extLst>
+          </p:cNvPr>
+          <p:cNvSpPr txBox="1"/>
+          <p:nvPr/>
+        </p:nvSpPr>
+        <p:spPr>
+          <a:xfrm>
+            <a:off x="282804" y="2306032"/>
+            <a:ext cx="11265031" cy="2902654"/>
+          </a:xfrm>
+          <a:prstGeom prst="rect">
+            <a:avLst/>
+          </a:prstGeom>
+          <a:noFill/>
+        </p:spPr>
+        <p:txBody>
+          <a:bodyPr wrap="square">
+            <a:spAutoFit/>
+          </a:bodyPr>
+          <a:lstStyle/>
+          <a:p>
+            <a:pPr algn="ctr">
+              <a:lnSpc>
+                <a:spcPct val="150000"/>
+              </a:lnSpc>
+            </a:pPr>
+            <a:r>
+              <a:rPr lang="en-AU" sz="2400" dirty="0">
+                <a:latin typeface="+mj-lt"/>
+              </a:rPr>
+              <a:t>Others</a:t>
+            </a:r>
+            <a:endParaRPr lang="en-AU" sz="2000" dirty="0">
+              <a:latin typeface="+mj-lt"/>
+            </a:endParaRPr>
+          </a:p>
+          <a:p>
+            <a:pPr>
+              <a:lnSpc>
+                <a:spcPct val="150000"/>
+              </a:lnSpc>
+            </a:pPr>
+            <a:r>
+              <a:rPr lang="en-AU" sz="2000" dirty="0">
+                <a:latin typeface="Cambria" panose="02040503050406030204" pitchFamily="18" charset="0"/>
+              </a:rPr>
+              <a:t>classify(), adjacent() </a:t>
+            </a:r>
+            <a:r>
+              <a:rPr lang="en-AU" sz="2000" dirty="0"/>
+              <a:t>– estimating cone/quantum catches for RN and </a:t>
+            </a:r>
+            <a:r>
+              <a:rPr lang="en-AU" sz="2000" dirty="0" err="1"/>
+              <a:t>colourspace</a:t>
+            </a:r>
+            <a:r>
+              <a:rPr lang="en-AU" sz="2000" dirty="0"/>
+              <a:t> models </a:t>
+            </a:r>
+          </a:p>
+          <a:p>
+            <a:pPr>
+              <a:lnSpc>
+                <a:spcPct val="150000"/>
+              </a:lnSpc>
+            </a:pPr>
+            <a:r>
+              <a:rPr lang="en-AU" sz="2000" dirty="0" err="1">
+                <a:latin typeface="Cambria" panose="02040503050406030204" pitchFamily="18" charset="0"/>
+              </a:rPr>
+              <a:t>colspace</a:t>
+            </a:r>
+            <a:r>
+              <a:rPr lang="en-AU" sz="2000" dirty="0">
+                <a:latin typeface="Cambria" panose="02040503050406030204" pitchFamily="18" charset="0"/>
+              </a:rPr>
+              <a:t>() </a:t>
+            </a:r>
+            <a:r>
+              <a:rPr lang="en-AU" sz="2000" dirty="0"/>
+              <a:t>– implementing </a:t>
+            </a:r>
+            <a:r>
+              <a:rPr lang="en-AU" sz="2000" dirty="0" err="1"/>
+              <a:t>colourspace</a:t>
+            </a:r>
+            <a:r>
+              <a:rPr lang="en-AU" sz="2000" dirty="0"/>
+              <a:t> models. </a:t>
+            </a:r>
+          </a:p>
+          <a:p>
+            <a:pPr>
+              <a:lnSpc>
+                <a:spcPct val="150000"/>
+              </a:lnSpc>
+            </a:pPr>
+            <a:r>
+              <a:rPr lang="en-AU" sz="2000" dirty="0"/>
+              <a:t>	Generic n-dimensional, Hexagon, ‘categorical’ space (</a:t>
+            </a:r>
+            <a:r>
+              <a:rPr lang="en-AU" sz="2000" dirty="0" err="1"/>
+              <a:t>Troje</a:t>
+            </a:r>
+            <a:r>
+              <a:rPr lang="en-AU" sz="2000" dirty="0"/>
+              <a:t>), COC, CIE models  </a:t>
+            </a:r>
+          </a:p>
+          <a:p>
+            <a:pPr>
+              <a:lnSpc>
+                <a:spcPct val="150000"/>
+              </a:lnSpc>
+            </a:pPr>
+            <a:r>
+              <a:rPr lang="en-AU" sz="2000" dirty="0" err="1">
+                <a:latin typeface="Cambria" panose="02040503050406030204" pitchFamily="18" charset="0"/>
+              </a:rPr>
+              <a:t>coldist</a:t>
+            </a:r>
+            <a:r>
+              <a:rPr lang="en-AU" sz="2000" dirty="0">
+                <a:latin typeface="Cambria" panose="02040503050406030204" pitchFamily="18" charset="0"/>
+              </a:rPr>
+              <a:t>()</a:t>
+            </a:r>
+            <a:r>
+              <a:rPr lang="en-AU" sz="2000" dirty="0"/>
+              <a:t> – calculating colour distances (all models/spaces)</a:t>
+            </a:r>
+          </a:p>
+          <a:p>
+            <a:pPr>
+              <a:lnSpc>
+                <a:spcPct val="150000"/>
+              </a:lnSpc>
+            </a:pPr>
+            <a:endParaRPr lang="en-AU" sz="2000" dirty="0"/>
+          </a:p>
+        </p:txBody>
+      </p:sp>
+    </p:spTree>
+    <p:extLst>
+      <p:ext uri="{BB962C8B-B14F-4D97-AF65-F5344CB8AC3E}">
+        <p14:creationId xmlns:p14="http://schemas.microsoft.com/office/powerpoint/2010/main" val="2073776883"/>
+      </p:ext>
+    </p:extLst>
+  </p:cSld>
+  <p:clrMapOvr>
+    <a:masterClrMapping/>
+  </p:clrMapOvr>
+</p:sld>
+</file>
+
+<file path=ppt/slides/slide13.xml><?xml version="1.0" encoding="utf-8"?>
+<p:sld xmlns:a="http://schemas.openxmlformats.org/drawingml/2006/main" xmlns:r="http://schemas.openxmlformats.org/officeDocument/2006/relationships" xmlns:p="http://schemas.openxmlformats.org/presentationml/2006/main">
+  <p:cSld>
+    <p:spTree>
+      <p:nvGrpSpPr>
+        <p:cNvPr id="1" name="">
+          <a:extLst>
+            <a:ext uri="{FF2B5EF4-FFF2-40B4-BE49-F238E27FC236}">
+              <a16:creationId xmlns:a16="http://schemas.microsoft.com/office/drawing/2014/main" id="{F20778D7-4EFF-4384-AD1D-17F9FE98D052}"/>
+            </a:ext>
+          </a:extLst>
+        </p:cNvPr>
+        <p:cNvGrpSpPr/>
+        <p:nvPr/>
+      </p:nvGrpSpPr>
+      <p:grpSpPr>
+        <a:xfrm>
+          <a:off x="0" y="0"/>
+          <a:ext cx="0" cy="0"/>
+          <a:chOff x="0" y="0"/>
+          <a:chExt cx="0" cy="0"/>
+        </a:xfrm>
+      </p:grpSpPr>
+      <p:sp>
+        <p:nvSpPr>
+          <p:cNvPr id="2" name="Title 1">
+            <a:extLst>
+              <a:ext uri="{FF2B5EF4-FFF2-40B4-BE49-F238E27FC236}">
+                <a16:creationId xmlns:a16="http://schemas.microsoft.com/office/drawing/2014/main" id="{8768A170-DA7C-D433-8F46-0E7FB75EFBC4}"/>
+              </a:ext>
+            </a:extLst>
+          </p:cNvPr>
+          <p:cNvSpPr>
+            <a:spLocks noGrp="1"/>
+          </p:cNvSpPr>
+          <p:nvPr>
+            <p:ph type="title"/>
+          </p:nvPr>
+        </p:nvSpPr>
+        <p:spPr/>
+        <p:txBody>
+          <a:bodyPr/>
+          <a:lstStyle/>
+          <a:p>
+            <a:r>
+              <a:rPr lang="en-AU" dirty="0"/>
+              <a:t>Analysis: visual modelling</a:t>
+            </a:r>
+          </a:p>
+        </p:txBody>
+      </p:sp>
+      <p:sp>
+        <p:nvSpPr>
+          <p:cNvPr id="3" name="TextBox 2">
+            <a:extLst>
+              <a:ext uri="{FF2B5EF4-FFF2-40B4-BE49-F238E27FC236}">
+                <a16:creationId xmlns:a16="http://schemas.microsoft.com/office/drawing/2014/main" id="{A8BD0873-233A-6B1D-2AD0-BCC829972742}"/>
+              </a:ext>
+            </a:extLst>
+          </p:cNvPr>
+          <p:cNvSpPr txBox="1"/>
+          <p:nvPr/>
+        </p:nvSpPr>
+        <p:spPr>
+          <a:xfrm>
+            <a:off x="282804" y="2306032"/>
+            <a:ext cx="11265031" cy="1979324"/>
+          </a:xfrm>
+          <a:prstGeom prst="rect">
+            <a:avLst/>
+          </a:prstGeom>
+          <a:noFill/>
+        </p:spPr>
+        <p:txBody>
+          <a:bodyPr wrap="square">
+            <a:spAutoFit/>
+          </a:bodyPr>
+          <a:lstStyle/>
+          <a:p>
+            <a:pPr algn="ctr">
+              <a:lnSpc>
+                <a:spcPct val="150000"/>
+              </a:lnSpc>
+            </a:pPr>
+            <a:r>
+              <a:rPr lang="en-AU" sz="2400" dirty="0">
+                <a:latin typeface="+mj-lt"/>
+              </a:rPr>
+              <a:t>Utility</a:t>
+            </a:r>
+            <a:endParaRPr lang="en-AU" sz="2000" dirty="0">
+              <a:latin typeface="+mj-lt"/>
+            </a:endParaRPr>
+          </a:p>
+          <a:p>
+            <a:pPr>
+              <a:lnSpc>
+                <a:spcPct val="150000"/>
+              </a:lnSpc>
+            </a:pPr>
+            <a:r>
+              <a:rPr lang="en-AU" sz="2000" dirty="0" err="1">
+                <a:latin typeface="Cambria" panose="02040503050406030204" pitchFamily="18" charset="0"/>
+              </a:rPr>
+              <a:t>sensmodel</a:t>
+            </a:r>
+            <a:r>
+              <a:rPr lang="en-AU" sz="2000" dirty="0">
+                <a:latin typeface="Cambria" panose="02040503050406030204" pitchFamily="18" charset="0"/>
+              </a:rPr>
+              <a:t>() </a:t>
+            </a:r>
+            <a:r>
+              <a:rPr lang="en-AU" sz="2000" dirty="0">
+                <a:latin typeface="+mj-lt"/>
+              </a:rPr>
+              <a:t>– modelling receptor absorbances</a:t>
+            </a:r>
+          </a:p>
+          <a:p>
+            <a:pPr>
+              <a:lnSpc>
+                <a:spcPct val="150000"/>
+              </a:lnSpc>
+            </a:pPr>
+            <a:r>
+              <a:rPr lang="en-AU" sz="2000" dirty="0" err="1">
+                <a:latin typeface="Cambria" panose="02040503050406030204" pitchFamily="18" charset="0"/>
+              </a:rPr>
+              <a:t>sensdata</a:t>
+            </a:r>
+            <a:r>
+              <a:rPr lang="en-AU" sz="2000" dirty="0">
+                <a:latin typeface="Cambria" panose="02040503050406030204" pitchFamily="18" charset="0"/>
+              </a:rPr>
+              <a:t>() </a:t>
+            </a:r>
+            <a:r>
+              <a:rPr lang="en-AU" sz="2000" dirty="0">
+                <a:latin typeface="+mj-lt"/>
+              </a:rPr>
+              <a:t>— checking out the build-in data (raw or plotted)</a:t>
+            </a:r>
+          </a:p>
+          <a:p>
+            <a:pPr>
+              <a:lnSpc>
+                <a:spcPct val="150000"/>
+              </a:lnSpc>
+            </a:pPr>
+            <a:endParaRPr lang="en-AU" sz="2000" dirty="0"/>
+          </a:p>
+        </p:txBody>
+      </p:sp>
+    </p:spTree>
+    <p:extLst>
+      <p:ext uri="{BB962C8B-B14F-4D97-AF65-F5344CB8AC3E}">
+        <p14:creationId xmlns:p14="http://schemas.microsoft.com/office/powerpoint/2010/main" val="1405188280"/>
+      </p:ext>
+    </p:extLst>
+  </p:cSld>
+  <p:clrMapOvr>
+    <a:masterClrMapping/>
+  </p:clrMapOvr>
+</p:sld>
+</file>
+
+<file path=ppt/slides/slide14.xml><?xml version="1.0" encoding="utf-8"?>
+<p:sld xmlns:a="http://schemas.openxmlformats.org/drawingml/2006/main" xmlns:r="http://schemas.openxmlformats.org/officeDocument/2006/relationships" xmlns:p="http://schemas.openxmlformats.org/presentationml/2006/main">
+  <p:cSld>
+    <p:spTree>
+      <p:nvGrpSpPr>
+        <p:cNvPr id="1" name="">
+          <a:extLst>
+            <a:ext uri="{FF2B5EF4-FFF2-40B4-BE49-F238E27FC236}">
+              <a16:creationId xmlns:a16="http://schemas.microsoft.com/office/drawing/2014/main" id="{1CFC8329-4B4A-41C3-69D8-C6D7883475FE}"/>
+            </a:ext>
+          </a:extLst>
+        </p:cNvPr>
+        <p:cNvGrpSpPr/>
+        <p:nvPr/>
+      </p:nvGrpSpPr>
+      <p:grpSpPr>
+        <a:xfrm>
+          <a:off x="0" y="0"/>
+          <a:ext cx="0" cy="0"/>
+          <a:chOff x="0" y="0"/>
+          <a:chExt cx="0" cy="0"/>
+        </a:xfrm>
+      </p:grpSpPr>
+      <p:sp>
+        <p:nvSpPr>
+          <p:cNvPr id="2" name="Title 1">
+            <a:extLst>
+              <a:ext uri="{FF2B5EF4-FFF2-40B4-BE49-F238E27FC236}">
+                <a16:creationId xmlns:a16="http://schemas.microsoft.com/office/drawing/2014/main" id="{40FFF2B7-7220-415F-34F9-FEEF8788E189}"/>
+              </a:ext>
+            </a:extLst>
+          </p:cNvPr>
+          <p:cNvSpPr>
+            <a:spLocks noGrp="1"/>
+          </p:cNvSpPr>
+          <p:nvPr>
+            <p:ph type="title"/>
+          </p:nvPr>
+        </p:nvSpPr>
+        <p:spPr/>
+        <p:txBody>
+          <a:bodyPr/>
+          <a:lstStyle/>
+          <a:p>
+            <a:r>
+              <a:rPr lang="en-AU" dirty="0"/>
+              <a:t>Newish stuff summary (up to v.2.9.0)</a:t>
+            </a:r>
+          </a:p>
+        </p:txBody>
+      </p:sp>
+    </p:spTree>
+    <p:extLst>
+      <p:ext uri="{BB962C8B-B14F-4D97-AF65-F5344CB8AC3E}">
+        <p14:creationId xmlns:p14="http://schemas.microsoft.com/office/powerpoint/2010/main" val="341122046"/>
+      </p:ext>
+    </p:extLst>
+  </p:cSld>
+  <p:clrMapOvr>
+    <a:masterClrMapping/>
+  </p:clrMapOvr>
+</p:sld>
+</file>
+
+<file path=ppt/slides/slide15.xml><?xml version="1.0" encoding="utf-8"?>
 <p:sld xmlns:a="http://schemas.openxmlformats.org/drawingml/2006/main" xmlns:r="http://schemas.openxmlformats.org/officeDocument/2006/relationships" xmlns:p="http://schemas.openxmlformats.org/presentationml/2006/main">
   <p:cSld>
     <p:spTree>
@@ -5590,6 +6282,109 @@
           </a:p>
         </p:txBody>
       </p:sp>
+      <p:sp>
+        <p:nvSpPr>
+          <p:cNvPr id="3" name="TextBox 2">
+            <a:extLst>
+              <a:ext uri="{FF2B5EF4-FFF2-40B4-BE49-F238E27FC236}">
+                <a16:creationId xmlns:a16="http://schemas.microsoft.com/office/drawing/2014/main" id="{01ECE910-56A1-5135-0E1D-CD0D01C34979}"/>
+              </a:ext>
+            </a:extLst>
+          </p:cNvPr>
+          <p:cNvSpPr txBox="1"/>
+          <p:nvPr/>
+        </p:nvSpPr>
+        <p:spPr>
+          <a:xfrm>
+            <a:off x="749429" y="2187812"/>
+            <a:ext cx="9318398" cy="1690206"/>
+          </a:xfrm>
+          <a:prstGeom prst="rect">
+            <a:avLst/>
+          </a:prstGeom>
+          <a:noFill/>
+        </p:spPr>
+        <p:txBody>
+          <a:bodyPr wrap="square">
+            <a:spAutoFit/>
+          </a:bodyPr>
+          <a:lstStyle/>
+          <a:p>
+            <a:pPr marL="342900" indent="-342900">
+              <a:lnSpc>
+                <a:spcPct val="150000"/>
+              </a:lnSpc>
+              <a:buFontTx/>
+              <a:buChar char="-"/>
+            </a:pPr>
+            <a:r>
+              <a:rPr lang="en-AU" sz="2400" b="0" i="0" u="none" strike="noStrike" dirty="0" err="1">
+                <a:solidFill>
+                  <a:srgbClr val="333333"/>
+                </a:solidFill>
+                <a:effectLst/>
+                <a:latin typeface="Helvetica Neue" panose="02000503000000020004" pitchFamily="2" charset="0"/>
+              </a:rPr>
+              <a:t>sensmodel</a:t>
+            </a:r>
+            <a:r>
+              <a:rPr lang="en-AU" sz="2400" b="0" i="0" u="none" strike="noStrike" dirty="0">
+                <a:solidFill>
+                  <a:srgbClr val="333333"/>
+                </a:solidFill>
+                <a:effectLst/>
+                <a:latin typeface="Helvetica Neue" panose="02000503000000020004" pitchFamily="2" charset="0"/>
+              </a:rPr>
+              <a:t>() expansion for alternate methods</a:t>
+            </a:r>
+          </a:p>
+          <a:p>
+            <a:pPr marL="342900" indent="-342900">
+              <a:lnSpc>
+                <a:spcPct val="150000"/>
+              </a:lnSpc>
+              <a:buFontTx/>
+              <a:buChar char="-"/>
+            </a:pPr>
+            <a:r>
+              <a:rPr lang="en-AU" sz="2400" dirty="0">
+                <a:solidFill>
+                  <a:srgbClr val="333333"/>
+                </a:solidFill>
+                <a:latin typeface="Helvetica Neue" panose="02000503000000020004" pitchFamily="2" charset="0"/>
+              </a:rPr>
+              <a:t>various QOL improvements</a:t>
+            </a:r>
+            <a:endParaRPr lang="en-AU" sz="2400" b="0" i="0" u="none" strike="noStrike" dirty="0">
+              <a:solidFill>
+                <a:srgbClr val="333333"/>
+              </a:solidFill>
+              <a:effectLst/>
+              <a:latin typeface="Helvetica Neue" panose="02000503000000020004" pitchFamily="2" charset="0"/>
+            </a:endParaRPr>
+          </a:p>
+          <a:p>
+            <a:pPr marL="342900" indent="-342900">
+              <a:lnSpc>
+                <a:spcPct val="150000"/>
+              </a:lnSpc>
+              <a:buFontTx/>
+              <a:buChar char="-"/>
+            </a:pPr>
+            <a:r>
+              <a:rPr lang="en-AU" sz="2400" b="0" i="0" u="none" strike="noStrike" dirty="0">
+                <a:solidFill>
+                  <a:srgbClr val="333333"/>
+                </a:solidFill>
+                <a:effectLst/>
+                <a:latin typeface="Helvetica Neue" panose="02000503000000020004" pitchFamily="2" charset="0"/>
+              </a:rPr>
+              <a:t>What do you want?</a:t>
+            </a:r>
+            <a:endParaRPr lang="en-AU" sz="2400" dirty="0"/>
+          </a:p>
+        </p:txBody>
+      </p:sp>
     </p:spTree>
     <p:extLst>
       <p:ext uri="{BB962C8B-B14F-4D97-AF65-F5344CB8AC3E}">
@@ -5603,7 +6398,7 @@
 </p:sld>
 </file>
 
-<file path=ppt/slides/slide12.xml><?xml version="1.0" encoding="utf-8"?>
+<file path=ppt/slides/slide16.xml><?xml version="1.0" encoding="utf-8"?>
 <p:sld xmlns:a="http://schemas.openxmlformats.org/drawingml/2006/main" xmlns:r="http://schemas.openxmlformats.org/officeDocument/2006/relationships" xmlns:p="http://schemas.openxmlformats.org/presentationml/2006/main">
   <p:cSld>
     <p:spTree>
@@ -5693,18 +6488,31 @@
                   <a:srgbClr val="333333"/>
                 </a:solidFill>
                 <a:effectLst/>
-                <a:latin typeface="Helvetica Neue" panose="02000503000000020004" pitchFamily="2" charset="0"/>
               </a:rPr>
-              <a:t>Develop and sense of the major functionality of PAVO </a:t>
+              <a:t>Develop a sense of the major functionality of PAVO </a:t>
             </a:r>
             <a:r>
               <a:rPr lang="en-AU" sz="2400" dirty="0">
                 <a:solidFill>
                   <a:srgbClr val="333333"/>
                 </a:solidFill>
-                <a:latin typeface="Helvetica Neue" panose="02000503000000020004" pitchFamily="2" charset="0"/>
               </a:rPr>
-              <a:t>and spectrometry-based methods, across representative biological questions</a:t>
+              <a:t>and spectrometry-based methods, </a:t>
+            </a:r>
+          </a:p>
+          <a:p>
+            <a:pPr algn="ctr">
+              <a:lnSpc>
+                <a:spcPct val="150000"/>
+              </a:lnSpc>
+            </a:pPr>
+            <a:r>
+              <a:rPr lang="en-AU" sz="2400" dirty="0">
+                <a:solidFill>
+                  <a:srgbClr val="333333"/>
+                </a:solidFill>
+              </a:rPr>
+              <a:t>via some representative biological questions</a:t>
             </a:r>
             <a:endParaRPr lang="en-AU" sz="2400" dirty="0"/>
           </a:p>
@@ -5723,7 +6531,7 @@
 </p:sld>
 </file>
 
-<file path=ppt/slides/slide13.xml><?xml version="1.0" encoding="utf-8"?>
+<file path=ppt/slides/slide17.xml><?xml version="1.0" encoding="utf-8"?>
 <p:sld xmlns:a="http://schemas.openxmlformats.org/drawingml/2006/main" xmlns:r="http://schemas.openxmlformats.org/officeDocument/2006/relationships" xmlns:p="http://schemas.openxmlformats.org/presentationml/2006/main">
   <p:cSld>
     <p:spTree>
@@ -5774,10 +6582,378 @@
           </a:p>
         </p:txBody>
       </p:sp>
+      <p:sp>
+        <p:nvSpPr>
+          <p:cNvPr id="7" name="TextBox 6">
+            <a:extLst>
+              <a:ext uri="{FF2B5EF4-FFF2-40B4-BE49-F238E27FC236}">
+                <a16:creationId xmlns:a16="http://schemas.microsoft.com/office/drawing/2014/main" id="{B04941AA-9058-2DA1-13EA-0A835395EEEA}"/>
+              </a:ext>
+            </a:extLst>
+          </p:cNvPr>
+          <p:cNvSpPr txBox="1"/>
+          <p:nvPr/>
+        </p:nvSpPr>
+        <p:spPr>
+          <a:xfrm>
+            <a:off x="117834" y="5986194"/>
+            <a:ext cx="9233556" cy="646331"/>
+          </a:xfrm>
+          <a:prstGeom prst="rect">
+            <a:avLst/>
+          </a:prstGeom>
+          <a:noFill/>
+        </p:spPr>
+        <p:txBody>
+          <a:bodyPr wrap="square">
+            <a:spAutoFit/>
+          </a:bodyPr>
+          <a:lstStyle/>
+          <a:p>
+            <a:r>
+              <a:rPr lang="en-AU" b="0" i="0" u="none" strike="noStrike" dirty="0">
+                <a:solidFill>
+                  <a:srgbClr val="222222"/>
+                </a:solidFill>
+                <a:effectLst/>
+              </a:rPr>
+              <a:t>Kemp et al. (2015). An integrative framework for the appraisal of coloration in nature. </a:t>
+            </a:r>
+          </a:p>
+          <a:p>
+            <a:r>
+              <a:rPr lang="en-AU" b="0" i="1" u="none" strike="noStrike" dirty="0">
+                <a:solidFill>
+                  <a:srgbClr val="222222"/>
+                </a:solidFill>
+                <a:effectLst/>
+              </a:rPr>
+              <a:t>The American Naturalist</a:t>
+            </a:r>
+            <a:r>
+              <a:rPr lang="en-AU" b="0" i="0" u="none" strike="noStrike" dirty="0">
+                <a:solidFill>
+                  <a:srgbClr val="222222"/>
+                </a:solidFill>
+                <a:effectLst/>
+              </a:rPr>
+              <a:t>, </a:t>
+            </a:r>
+            <a:r>
+              <a:rPr lang="en-AU" b="0" i="1" u="none" strike="noStrike" dirty="0">
+                <a:solidFill>
+                  <a:srgbClr val="222222"/>
+                </a:solidFill>
+                <a:effectLst/>
+              </a:rPr>
+              <a:t>185</a:t>
+            </a:r>
+            <a:r>
+              <a:rPr lang="en-AU" b="0" i="0" u="none" strike="noStrike" dirty="0">
+                <a:solidFill>
+                  <a:srgbClr val="222222"/>
+                </a:solidFill>
+                <a:effectLst/>
+              </a:rPr>
+              <a:t>(6), 705-724.</a:t>
+            </a:r>
+            <a:endParaRPr lang="en-AU" dirty="0"/>
+          </a:p>
+        </p:txBody>
+      </p:sp>
+      <p:sp>
+        <p:nvSpPr>
+          <p:cNvPr id="8" name="TextBox 7">
+            <a:extLst>
+              <a:ext uri="{FF2B5EF4-FFF2-40B4-BE49-F238E27FC236}">
+                <a16:creationId xmlns:a16="http://schemas.microsoft.com/office/drawing/2014/main" id="{FD2691CB-3701-8C56-5ED9-276EA975A828}"/>
+              </a:ext>
+            </a:extLst>
+          </p:cNvPr>
+          <p:cNvSpPr txBox="1"/>
+          <p:nvPr/>
+        </p:nvSpPr>
+        <p:spPr>
+          <a:xfrm>
+            <a:off x="476052" y="2866542"/>
+            <a:ext cx="4114802" cy="1691938"/>
+          </a:xfrm>
+          <a:prstGeom prst="rect">
+            <a:avLst/>
+          </a:prstGeom>
+          <a:noFill/>
+        </p:spPr>
+        <p:txBody>
+          <a:bodyPr wrap="square">
+            <a:spAutoFit/>
+          </a:bodyPr>
+          <a:lstStyle/>
+          <a:p>
+            <a:pPr>
+              <a:lnSpc>
+                <a:spcPct val="150000"/>
+              </a:lnSpc>
+            </a:pPr>
+            <a:r>
+              <a:rPr lang="en-AU" sz="2400" dirty="0">
+                <a:solidFill>
+                  <a:srgbClr val="333333"/>
+                </a:solidFill>
+              </a:rPr>
+              <a:t>(1) Spectral/physical</a:t>
+            </a:r>
+          </a:p>
+          <a:p>
+            <a:pPr>
+              <a:lnSpc>
+                <a:spcPct val="150000"/>
+              </a:lnSpc>
+            </a:pPr>
+            <a:r>
+              <a:rPr lang="en-AU" sz="2400" dirty="0">
+                <a:solidFill>
+                  <a:srgbClr val="333333"/>
+                </a:solidFill>
+              </a:rPr>
+              <a:t>(2) Discrimination</a:t>
+            </a:r>
+          </a:p>
+          <a:p>
+            <a:pPr>
+              <a:lnSpc>
+                <a:spcPct val="150000"/>
+              </a:lnSpc>
+            </a:pPr>
+            <a:r>
+              <a:rPr lang="en-AU" sz="2400" dirty="0">
+                <a:solidFill>
+                  <a:srgbClr val="333333"/>
+                </a:solidFill>
+              </a:rPr>
+              <a:t>(3) Perceptual distance</a:t>
+            </a:r>
+            <a:endParaRPr lang="en-AU" sz="2400" dirty="0"/>
+          </a:p>
+        </p:txBody>
+      </p:sp>
+      <p:pic>
+        <p:nvPicPr>
+          <p:cNvPr id="1026" name="Picture 2" descr="The science of camouflage: Do I need camo to hunt?">
+            <a:extLst>
+              <a:ext uri="{FF2B5EF4-FFF2-40B4-BE49-F238E27FC236}">
+                <a16:creationId xmlns:a16="http://schemas.microsoft.com/office/drawing/2014/main" id="{965548CC-49B8-CBD9-F740-E4651592A728}"/>
+              </a:ext>
+            </a:extLst>
+          </p:cNvPr>
+          <p:cNvPicPr>
+            <a:picLocks noChangeAspect="1" noChangeArrowheads="1"/>
+          </p:cNvPicPr>
+          <p:nvPr/>
+        </p:nvPicPr>
+        <p:blipFill>
+          <a:blip r:embed="rId2">
+            <a:extLst>
+              <a:ext uri="{28A0092B-C50C-407E-A947-70E740481C1C}">
+                <a14:useLocalDpi xmlns:a14="http://schemas.microsoft.com/office/drawing/2010/main" val="0"/>
+              </a:ext>
+            </a:extLst>
+          </a:blip>
+          <a:srcRect/>
+          <a:stretch>
+            <a:fillRect/>
+          </a:stretch>
+        </p:blipFill>
+        <p:spPr bwMode="auto">
+          <a:xfrm flipH="1">
+            <a:off x="5536323" y="2395202"/>
+            <a:ext cx="4767173" cy="3119652"/>
+          </a:xfrm>
+          <a:prstGeom prst="rect">
+            <a:avLst/>
+          </a:prstGeom>
+          <a:noFill/>
+          <a:extLst>
+            <a:ext uri="{909E8E84-426E-40DD-AFC4-6F175D3DCCD1}">
+              <a14:hiddenFill xmlns:a14="http://schemas.microsoft.com/office/drawing/2010/main">
+                <a:solidFill>
+                  <a:srgbClr val="FFFFFF"/>
+                </a:solidFill>
+              </a14:hiddenFill>
+            </a:ext>
+          </a:extLst>
+        </p:spPr>
+      </p:pic>
     </p:spTree>
     <p:extLst>
       <p:ext uri="{BB962C8B-B14F-4D97-AF65-F5344CB8AC3E}">
         <p14:creationId xmlns:p14="http://schemas.microsoft.com/office/powerpoint/2010/main" val="373496172"/>
+      </p:ext>
+    </p:extLst>
+  </p:cSld>
+  <p:clrMapOvr>
+    <a:masterClrMapping/>
+  </p:clrMapOvr>
+</p:sld>
+</file>
+
+<file path=ppt/slides/slide18.xml><?xml version="1.0" encoding="utf-8"?>
+<p:sld xmlns:a="http://schemas.openxmlformats.org/drawingml/2006/main" xmlns:r="http://schemas.openxmlformats.org/officeDocument/2006/relationships" xmlns:p="http://schemas.openxmlformats.org/presentationml/2006/main">
+  <p:cSld>
+    <p:spTree>
+      <p:nvGrpSpPr>
+        <p:cNvPr id="1" name="">
+          <a:extLst>
+            <a:ext uri="{FF2B5EF4-FFF2-40B4-BE49-F238E27FC236}">
+              <a16:creationId xmlns:a16="http://schemas.microsoft.com/office/drawing/2014/main" id="{40F98EA3-009A-96D6-70DC-AF0FC6A355CD}"/>
+            </a:ext>
+          </a:extLst>
+        </p:cNvPr>
+        <p:cNvGrpSpPr/>
+        <p:nvPr/>
+      </p:nvGrpSpPr>
+      <p:grpSpPr>
+        <a:xfrm>
+          <a:off x="0" y="0"/>
+          <a:ext cx="0" cy="0"/>
+          <a:chOff x="0" y="0"/>
+          <a:chExt cx="0" cy="0"/>
+        </a:xfrm>
+      </p:grpSpPr>
+      <p:sp>
+        <p:nvSpPr>
+          <p:cNvPr id="2" name="Title 1">
+            <a:extLst>
+              <a:ext uri="{FF2B5EF4-FFF2-40B4-BE49-F238E27FC236}">
+                <a16:creationId xmlns:a16="http://schemas.microsoft.com/office/drawing/2014/main" id="{FFBA5751-DBAC-AB89-1CE1-6A8EEDF85EC7}"/>
+              </a:ext>
+            </a:extLst>
+          </p:cNvPr>
+          <p:cNvSpPr>
+            <a:spLocks noGrp="1"/>
+          </p:cNvSpPr>
+          <p:nvPr>
+            <p:ph type="title"/>
+          </p:nvPr>
+        </p:nvSpPr>
+        <p:spPr/>
+        <p:txBody>
+          <a:bodyPr/>
+          <a:lstStyle/>
+          <a:p>
+            <a:r>
+              <a:rPr lang="en-AU" dirty="0"/>
+              <a:t>Today: question-driven examples</a:t>
+            </a:r>
+          </a:p>
+        </p:txBody>
+      </p:sp>
+      <p:sp>
+        <p:nvSpPr>
+          <p:cNvPr id="3" name="TextBox 2">
+            <a:extLst>
+              <a:ext uri="{FF2B5EF4-FFF2-40B4-BE49-F238E27FC236}">
+                <a16:creationId xmlns:a16="http://schemas.microsoft.com/office/drawing/2014/main" id="{F63E258F-33C1-D025-2555-1D293FF0FDC7}"/>
+              </a:ext>
+            </a:extLst>
+          </p:cNvPr>
+          <p:cNvSpPr txBox="1"/>
+          <p:nvPr/>
+        </p:nvSpPr>
+        <p:spPr>
+          <a:xfrm>
+            <a:off x="282804" y="2023228"/>
+            <a:ext cx="11265031" cy="583942"/>
+          </a:xfrm>
+          <a:prstGeom prst="rect">
+            <a:avLst/>
+          </a:prstGeom>
+          <a:noFill/>
+        </p:spPr>
+        <p:txBody>
+          <a:bodyPr wrap="square">
+            <a:spAutoFit/>
+          </a:bodyPr>
+          <a:lstStyle/>
+          <a:p>
+            <a:pPr algn="ctr">
+              <a:lnSpc>
+                <a:spcPct val="150000"/>
+              </a:lnSpc>
+            </a:pPr>
+            <a:r>
+              <a:rPr lang="en-AU" sz="2400" dirty="0">
+                <a:latin typeface="+mj-lt"/>
+              </a:rPr>
+              <a:t>https://</a:t>
+            </a:r>
+            <a:r>
+              <a:rPr lang="en-AU" sz="2400" dirty="0" err="1">
+                <a:latin typeface="+mj-lt"/>
+              </a:rPr>
+              <a:t>github.com</a:t>
+            </a:r>
+            <a:r>
+              <a:rPr lang="en-AU" sz="2400" dirty="0">
+                <a:latin typeface="+mj-lt"/>
+              </a:rPr>
+              <a:t>/</a:t>
+            </a:r>
+            <a:r>
+              <a:rPr lang="en-AU" sz="2400" dirty="0" err="1">
+                <a:latin typeface="+mj-lt"/>
+              </a:rPr>
+              <a:t>thomased</a:t>
+            </a:r>
+            <a:r>
+              <a:rPr lang="en-AU" sz="2400" dirty="0">
+                <a:latin typeface="+mj-lt"/>
+              </a:rPr>
+              <a:t>/</a:t>
+            </a:r>
+            <a:r>
+              <a:rPr lang="en-AU" sz="2400" dirty="0" err="1">
+                <a:latin typeface="+mj-lt"/>
+              </a:rPr>
+              <a:t>pavo_workshop</a:t>
+            </a:r>
+            <a:endParaRPr lang="en-AU" sz="2000" dirty="0"/>
+          </a:p>
+        </p:txBody>
+      </p:sp>
+      <p:pic>
+        <p:nvPicPr>
+          <p:cNvPr id="5" name="Picture 4" descr="A screenshot of a computer&#10;&#10;Description automatically generated">
+            <a:extLst>
+              <a:ext uri="{FF2B5EF4-FFF2-40B4-BE49-F238E27FC236}">
+                <a16:creationId xmlns:a16="http://schemas.microsoft.com/office/drawing/2014/main" id="{9E7B2654-78D1-D13C-EA87-A24315BA0F69}"/>
+              </a:ext>
+            </a:extLst>
+          </p:cNvPr>
+          <p:cNvPicPr>
+            <a:picLocks noChangeAspect="1"/>
+          </p:cNvPicPr>
+          <p:nvPr/>
+        </p:nvPicPr>
+        <p:blipFill>
+          <a:blip r:embed="rId2"/>
+          <a:stretch>
+            <a:fillRect/>
+          </a:stretch>
+        </p:blipFill>
+        <p:spPr>
+          <a:xfrm>
+            <a:off x="2406300" y="2705108"/>
+            <a:ext cx="7018038" cy="3963323"/>
+          </a:xfrm>
+          <a:prstGeom prst="rect">
+            <a:avLst/>
+          </a:prstGeom>
+        </p:spPr>
+      </p:pic>
+    </p:spTree>
+    <p:extLst>
+      <p:ext uri="{BB962C8B-B14F-4D97-AF65-F5344CB8AC3E}">
+        <p14:creationId xmlns:p14="http://schemas.microsoft.com/office/powerpoint/2010/main" val="3250945655"/>
       </p:ext>
     </p:extLst>
   </p:cSld>
@@ -5833,7 +7009,7 @@
           <a:p>
             <a:r>
               <a:rPr lang="en-AU" dirty="0"/>
-              <a:t>The aim</a:t>
+              <a:t>Package aim</a:t>
             </a:r>
           </a:p>
         </p:txBody>
@@ -5852,8 +7028,8 @@
         </p:nvSpPr>
         <p:spPr>
           <a:xfrm>
-            <a:off x="513760" y="2410607"/>
-            <a:ext cx="8781068" cy="369332"/>
+            <a:off x="1705466" y="2438887"/>
+            <a:ext cx="8781068" cy="830997"/>
           </a:xfrm>
           <a:prstGeom prst="rect">
             <a:avLst/>
@@ -5866,17 +7042,58 @@
           </a:bodyPr>
           <a:lstStyle/>
           <a:p>
-            <a:r>
-              <a:rPr lang="en-AU" b="0" i="0" u="none" strike="noStrike" dirty="0">
+            <a:pPr algn="ctr"/>
+            <a:r>
+              <a:rPr lang="en-AU" sz="2400" b="0" i="0" u="none" strike="noStrike" dirty="0">
                 <a:solidFill>
                   <a:srgbClr val="333333"/>
                 </a:solidFill>
                 <a:effectLst/>
                 <a:latin typeface="Helvetica Neue" panose="02000503000000020004" pitchFamily="2" charset="0"/>
               </a:rPr>
-              <a:t>A flexible and integrated workflow for working with spectral and spatial colour data. </a:t>
-            </a:r>
-            <a:endParaRPr lang="en-AU" dirty="0"/>
+              <a:t>A flexible and integrated workflow for working with </a:t>
+            </a:r>
+            <a:r>
+              <a:rPr lang="en-AU" sz="2400" b="0" i="1" u="none" strike="noStrike" dirty="0">
+                <a:solidFill>
+                  <a:srgbClr val="333333"/>
+                </a:solidFill>
+                <a:effectLst/>
+                <a:latin typeface="Helvetica Neue" panose="02000503000000020004" pitchFamily="2" charset="0"/>
+              </a:rPr>
+              <a:t>spectral </a:t>
+            </a:r>
+            <a:r>
+              <a:rPr lang="en-AU" sz="2400" b="0" i="0" u="none" strike="noStrike" dirty="0">
+                <a:solidFill>
+                  <a:srgbClr val="333333"/>
+                </a:solidFill>
+                <a:effectLst/>
+                <a:latin typeface="Helvetica Neue" panose="02000503000000020004" pitchFamily="2" charset="0"/>
+              </a:rPr>
+              <a:t>and </a:t>
+            </a:r>
+            <a:r>
+              <a:rPr lang="en-AU" sz="2400" b="0" i="1" u="none" strike="noStrike" dirty="0">
+                <a:solidFill>
+                  <a:srgbClr val="333333"/>
+                </a:solidFill>
+                <a:effectLst/>
+                <a:latin typeface="Helvetica Neue" panose="02000503000000020004" pitchFamily="2" charset="0"/>
+              </a:rPr>
+              <a:t>spatial </a:t>
+            </a:r>
+            <a:r>
+              <a:rPr lang="en-AU" sz="2400" b="0" i="0" u="none" strike="noStrike" dirty="0">
+                <a:solidFill>
+                  <a:srgbClr val="333333"/>
+                </a:solidFill>
+                <a:effectLst/>
+                <a:latin typeface="Helvetica Neue" panose="02000503000000020004" pitchFamily="2" charset="0"/>
+              </a:rPr>
+              <a:t>colour data. </a:t>
+            </a:r>
+            <a:endParaRPr lang="en-AU" sz="2400" dirty="0"/>
           </a:p>
         </p:txBody>
       </p:sp>
@@ -6022,7 +7239,7 @@
                 <a:effectLst/>
                 <a:latin typeface="Helvetica Neue" panose="02000503000000020004" pitchFamily="2" charset="0"/>
               </a:rPr>
-              <a:t>~2014 -&gt; I joined. </a:t>
+              <a:t>~2013 -&gt; I joined. </a:t>
             </a:r>
             <a:r>
               <a:rPr lang="en-AU" dirty="0">
@@ -6401,8 +7618,8 @@
         </p:nvSpPr>
         <p:spPr>
           <a:xfrm>
-            <a:off x="3013435" y="2459312"/>
-            <a:ext cx="4312763" cy="2947410"/>
+            <a:off x="1786379" y="2459312"/>
+            <a:ext cx="8619242" cy="2798715"/>
           </a:xfrm>
           <a:prstGeom prst="rect">
             <a:avLst/>
@@ -6415,182 +7632,184 @@
           </a:bodyPr>
           <a:lstStyle/>
           <a:p>
-            <a:pPr>
+            <a:pPr algn="ctr">
               <a:lnSpc>
                 <a:spcPct val="150000"/>
               </a:lnSpc>
             </a:pPr>
             <a:r>
-              <a:rPr lang="en-AU" b="1" dirty="0">
+              <a:rPr lang="en-AU" sz="2400" b="0" i="0" u="none" strike="noStrike" dirty="0">
                 <a:solidFill>
-                  <a:srgbClr val="333333"/>
+                  <a:srgbClr val="1F2328"/>
                 </a:solidFill>
-                <a:latin typeface="Helvetica Neue" panose="02000503000000020004" pitchFamily="2" charset="0"/>
+                <a:effectLst/>
               </a:rPr>
-              <a:t>Thomas White</a:t>
-            </a:r>
-          </a:p>
-          <a:p>
-            <a:pPr>
+              <a:t>current release</a:t>
+            </a:r>
+            <a:endParaRPr lang="en-AU" sz="2400" b="0" i="0" u="none" strike="noStrike" dirty="0">
+              <a:solidFill>
+                <a:srgbClr val="1F2328"/>
+              </a:solidFill>
+              <a:effectLst/>
+              <a:latin typeface="Cambria" panose="02040503050406030204" pitchFamily="18" charset="0"/>
+            </a:endParaRPr>
+          </a:p>
+          <a:p>
+            <a:pPr algn="ctr">
               <a:lnSpc>
                 <a:spcPct val="150000"/>
               </a:lnSpc>
             </a:pPr>
             <a:r>
-              <a:rPr lang="en-AU" b="1" i="0" u="none" strike="noStrike" dirty="0">
+              <a:rPr lang="en-AU" sz="2400" b="0" i="0" u="none" strike="noStrike" dirty="0" err="1">
                 <a:solidFill>
-                  <a:srgbClr val="333333"/>
+                  <a:srgbClr val="1F2328"/>
                 </a:solidFill>
                 <a:effectLst/>
-                <a:latin typeface="Helvetica Neue" panose="02000503000000020004" pitchFamily="2" charset="0"/>
+                <a:latin typeface="Cambria" panose="02040503050406030204" pitchFamily="18" charset="0"/>
               </a:rPr>
-              <a:t>Hugo </a:t>
-            </a:r>
-            <a:r>
-              <a:rPr lang="en-AU" b="1" i="0" u="none" strike="noStrike" dirty="0" err="1">
+              <a:t>install.packages</a:t>
+            </a:r>
+            <a:r>
+              <a:rPr lang="en-AU" sz="2400" b="0" i="0" u="none" strike="noStrike" dirty="0">
                 <a:solidFill>
-                  <a:srgbClr val="333333"/>
+                  <a:srgbClr val="1F2328"/>
                 </a:solidFill>
                 <a:effectLst/>
-                <a:latin typeface="Helvetica Neue" panose="02000503000000020004" pitchFamily="2" charset="0"/>
+                <a:latin typeface="Cambria" panose="02040503050406030204" pitchFamily="18" charset="0"/>
               </a:rPr>
-              <a:t>Gruson</a:t>
-            </a:r>
-            <a:endParaRPr lang="en-AU" b="1" i="0" u="none" strike="noStrike" dirty="0">
+              <a:t>("</a:t>
+            </a:r>
+            <a:r>
+              <a:rPr lang="en-AU" sz="2400" b="0" i="0" u="none" strike="noStrike" dirty="0" err="1">
+                <a:solidFill>
+                  <a:srgbClr val="1F2328"/>
+                </a:solidFill>
+                <a:effectLst/>
+                <a:latin typeface="Cambria" panose="02040503050406030204" pitchFamily="18" charset="0"/>
+              </a:rPr>
+              <a:t>pavo</a:t>
+            </a:r>
+            <a:r>
+              <a:rPr lang="en-AU" sz="2400" b="0" i="0" u="none" strike="noStrike" dirty="0">
+                <a:solidFill>
+                  <a:srgbClr val="1F2328"/>
+                </a:solidFill>
+                <a:effectLst/>
+                <a:latin typeface="Cambria" panose="02040503050406030204" pitchFamily="18" charset="0"/>
+              </a:rPr>
+              <a:t>") </a:t>
+            </a:r>
+            <a:endParaRPr lang="en-AU" sz="2400" b="0" i="0" u="none" strike="noStrike" dirty="0">
+              <a:solidFill>
+                <a:srgbClr val="1F2328"/>
+              </a:solidFill>
+              <a:effectLst/>
+            </a:endParaRPr>
+          </a:p>
+          <a:p>
+            <a:pPr algn="ctr">
+              <a:lnSpc>
+                <a:spcPct val="150000"/>
+              </a:lnSpc>
+            </a:pPr>
+            <a:endParaRPr lang="en-AU" sz="2400" b="0" i="0" u="none" strike="noStrike" dirty="0">
+              <a:solidFill>
+                <a:srgbClr val="1F2328"/>
+              </a:solidFill>
+              <a:effectLst/>
+              <a:latin typeface="Cambria" panose="02040503050406030204" pitchFamily="18" charset="0"/>
+            </a:endParaRPr>
+          </a:p>
+          <a:p>
+            <a:pPr algn="ctr">
+              <a:lnSpc>
+                <a:spcPct val="150000"/>
+              </a:lnSpc>
+            </a:pPr>
+            <a:r>
+              <a:rPr lang="en-AU" sz="2400" dirty="0"/>
+              <a:t>development version</a:t>
+            </a:r>
+            <a:endParaRPr lang="en-AU" sz="2400" b="0" i="0" u="none" strike="noStrike" dirty="0">
+              <a:solidFill>
+                <a:srgbClr val="1F2328"/>
+              </a:solidFill>
+              <a:effectLst/>
+              <a:latin typeface="Cambria" panose="02040503050406030204" pitchFamily="18" charset="0"/>
+            </a:endParaRPr>
+          </a:p>
+          <a:p>
+            <a:pPr algn="ctr">
+              <a:lnSpc>
+                <a:spcPct val="150000"/>
+              </a:lnSpc>
+            </a:pPr>
+            <a:r>
+              <a:rPr lang="en-AU" sz="2400" dirty="0">
+                <a:effectLst/>
+                <a:latin typeface="Cambria" panose="02040503050406030204" pitchFamily="18" charset="0"/>
+              </a:rPr>
+              <a:t>remotes::</a:t>
+            </a:r>
+            <a:r>
+              <a:rPr lang="en-AU" sz="2400" dirty="0" err="1">
+                <a:latin typeface="Cambria" panose="02040503050406030204" pitchFamily="18" charset="0"/>
+              </a:rPr>
+              <a:t>install_github</a:t>
+            </a:r>
+            <a:r>
+              <a:rPr lang="en-AU" sz="2400" dirty="0">
+                <a:latin typeface="Cambria" panose="02040503050406030204" pitchFamily="18" charset="0"/>
+              </a:rPr>
+              <a:t>(</a:t>
+            </a:r>
+            <a:r>
+              <a:rPr lang="en-AU" sz="2400" dirty="0">
+                <a:effectLst/>
+                <a:latin typeface="Cambria" panose="02040503050406030204" pitchFamily="18" charset="0"/>
+              </a:rPr>
+              <a:t>"</a:t>
+            </a:r>
+            <a:r>
+              <a:rPr lang="en-AU" sz="2400" dirty="0" err="1">
+                <a:effectLst/>
+                <a:latin typeface="Cambria" panose="02040503050406030204" pitchFamily="18" charset="0"/>
+              </a:rPr>
+              <a:t>rmaia</a:t>
+            </a:r>
+            <a:r>
+              <a:rPr lang="en-AU" sz="2400" dirty="0">
+                <a:effectLst/>
+                <a:latin typeface="Cambria" panose="02040503050406030204" pitchFamily="18" charset="0"/>
+              </a:rPr>
+              <a:t>/</a:t>
+            </a:r>
+            <a:r>
+              <a:rPr lang="en-AU" sz="2400" dirty="0" err="1">
+                <a:effectLst/>
+                <a:latin typeface="Cambria" panose="02040503050406030204" pitchFamily="18" charset="0"/>
+              </a:rPr>
+              <a:t>pavo</a:t>
+            </a:r>
+            <a:r>
+              <a:rPr lang="en-AU" sz="2400" dirty="0">
+                <a:effectLst/>
+                <a:latin typeface="Cambria" panose="02040503050406030204" pitchFamily="18" charset="0"/>
+              </a:rPr>
+              <a:t>"</a:t>
+            </a:r>
+            <a:r>
+              <a:rPr lang="en-AU" sz="2400" dirty="0">
+                <a:latin typeface="Cambria" panose="02040503050406030204" pitchFamily="18" charset="0"/>
+              </a:rPr>
+              <a:t>) </a:t>
+            </a:r>
+            <a:endParaRPr lang="en-AU" sz="2400" i="1" u="none" strike="noStrike" dirty="0">
               <a:solidFill>
                 <a:srgbClr val="333333"/>
               </a:solidFill>
               <a:effectLst/>
-              <a:latin typeface="Helvetica Neue" panose="02000503000000020004" pitchFamily="2" charset="0"/>
-            </a:endParaRPr>
-          </a:p>
-          <a:p>
-            <a:pPr>
-              <a:lnSpc>
-                <a:spcPct val="150000"/>
-              </a:lnSpc>
-            </a:pPr>
-            <a:r>
-              <a:rPr lang="en-AU" i="1" dirty="0">
-                <a:solidFill>
-                  <a:srgbClr val="333333"/>
-                </a:solidFill>
-                <a:latin typeface="Helvetica Neue" panose="02000503000000020004" pitchFamily="2" charset="0"/>
-              </a:rPr>
-              <a:t>Rafael Maia</a:t>
-            </a:r>
-          </a:p>
-          <a:p>
-            <a:pPr>
-              <a:lnSpc>
-                <a:spcPct val="150000"/>
-              </a:lnSpc>
-            </a:pPr>
-            <a:r>
-              <a:rPr lang="en-AU" i="1" u="none" strike="noStrike" dirty="0">
-                <a:solidFill>
-                  <a:srgbClr val="333333"/>
-                </a:solidFill>
-                <a:effectLst/>
-                <a:latin typeface="Helvetica Neue" panose="02000503000000020004" pitchFamily="2" charset="0"/>
-              </a:rPr>
-              <a:t>Chad Eliason</a:t>
-            </a:r>
-          </a:p>
-          <a:p>
-            <a:pPr>
-              <a:lnSpc>
-                <a:spcPct val="150000"/>
-              </a:lnSpc>
-            </a:pPr>
-            <a:r>
-              <a:rPr lang="en-AU" i="1" dirty="0">
-                <a:solidFill>
-                  <a:srgbClr val="333333"/>
-                </a:solidFill>
-                <a:latin typeface="Helvetica Neue" panose="02000503000000020004" pitchFamily="2" charset="0"/>
-              </a:rPr>
-              <a:t>Pierre-Paul </a:t>
-            </a:r>
-            <a:r>
-              <a:rPr lang="en-AU" i="1" dirty="0" err="1">
-                <a:solidFill>
-                  <a:srgbClr val="333333"/>
-                </a:solidFill>
-                <a:latin typeface="Helvetica Neue" panose="02000503000000020004" pitchFamily="2" charset="0"/>
-              </a:rPr>
-              <a:t>Bitton</a:t>
-            </a:r>
-            <a:endParaRPr lang="en-AU" i="1" u="none" strike="noStrike" dirty="0">
-              <a:solidFill>
-                <a:srgbClr val="333333"/>
-              </a:solidFill>
-              <a:effectLst/>
-              <a:latin typeface="Helvetica Neue" panose="02000503000000020004" pitchFamily="2" charset="0"/>
-            </a:endParaRPr>
-          </a:p>
-          <a:p>
-            <a:pPr>
-              <a:lnSpc>
-                <a:spcPct val="150000"/>
-              </a:lnSpc>
-            </a:pPr>
-            <a:r>
-              <a:rPr lang="en-AU" i="1" dirty="0">
-                <a:solidFill>
-                  <a:srgbClr val="333333"/>
-                </a:solidFill>
-                <a:latin typeface="Helvetica Neue" panose="02000503000000020004" pitchFamily="2" charset="0"/>
-              </a:rPr>
-              <a:t>Matthew </a:t>
-            </a:r>
-            <a:r>
-              <a:rPr lang="en-AU" i="1" dirty="0" err="1">
-                <a:solidFill>
-                  <a:srgbClr val="333333"/>
-                </a:solidFill>
-                <a:latin typeface="Helvetica Neue" panose="02000503000000020004" pitchFamily="2" charset="0"/>
-              </a:rPr>
-              <a:t>Shawkey</a:t>
-            </a:r>
-            <a:endParaRPr lang="en-AU" i="1" dirty="0">
-              <a:solidFill>
-                <a:srgbClr val="333333"/>
-              </a:solidFill>
-              <a:latin typeface="Helvetica Neue" panose="02000503000000020004" pitchFamily="2" charset="0"/>
-            </a:endParaRPr>
-          </a:p>
-          <a:p>
-            <a:pPr>
-              <a:lnSpc>
-                <a:spcPct val="150000"/>
-              </a:lnSpc>
-            </a:pPr>
-            <a:r>
-              <a:rPr lang="en-AU" i="1" u="none" strike="noStrike" dirty="0">
-                <a:solidFill>
-                  <a:srgbClr val="333333"/>
-                </a:solidFill>
-                <a:effectLst/>
-                <a:latin typeface="Helvetica Neue" panose="02000503000000020004" pitchFamily="2" charset="0"/>
-              </a:rPr>
-              <a:t>Stephanie </a:t>
-            </a:r>
-            <a:r>
-              <a:rPr lang="en-AU" i="1" dirty="0">
-                <a:solidFill>
-                  <a:srgbClr val="333333"/>
-                </a:solidFill>
-                <a:latin typeface="Helvetica Neue" panose="02000503000000020004" pitchFamily="2" charset="0"/>
-              </a:rPr>
-              <a:t>Doucet</a:t>
-            </a:r>
-            <a:endParaRPr lang="en-AU" i="1" u="none" strike="noStrike" dirty="0">
-              <a:solidFill>
-                <a:srgbClr val="333333"/>
-              </a:solidFill>
-              <a:effectLst/>
-              <a:latin typeface="Helvetica Neue" panose="02000503000000020004" pitchFamily="2" charset="0"/>
             </a:endParaRPr>
           </a:p>
         </p:txBody>
@@ -8006,7 +9225,7 @@
         <p:cNvPr id="1" name="">
           <a:extLst>
             <a:ext uri="{FF2B5EF4-FFF2-40B4-BE49-F238E27FC236}">
-              <a16:creationId xmlns:a16="http://schemas.microsoft.com/office/drawing/2014/main" id="{1CFC8329-4B4A-41C3-69D8-C6D7883475FE}"/>
+              <a16:creationId xmlns:a16="http://schemas.microsoft.com/office/drawing/2014/main" id="{03889389-3D73-AC43-8F4F-DFE3386D3DC4}"/>
             </a:ext>
           </a:extLst>
         </p:cNvPr>
@@ -8026,7 +9245,7 @@
           <p:cNvPr id="2" name="Title 1">
             <a:extLst>
               <a:ext uri="{FF2B5EF4-FFF2-40B4-BE49-F238E27FC236}">
-                <a16:creationId xmlns:a16="http://schemas.microsoft.com/office/drawing/2014/main" id="{40FFF2B7-7220-415F-34F9-FEEF8788E189}"/>
+                <a16:creationId xmlns:a16="http://schemas.microsoft.com/office/drawing/2014/main" id="{A6B3457B-4D4B-10D7-6C08-146E23484E05}"/>
               </a:ext>
             </a:extLst>
           </p:cNvPr>
@@ -8044,7 +9263,133 @@
           <a:p>
             <a:r>
               <a:rPr lang="en-AU" dirty="0"/>
-              <a:t>Newish stuff (up to v.2.9.0)</a:t>
+              <a:t>Quick aside</a:t>
+            </a:r>
+          </a:p>
+        </p:txBody>
+      </p:sp>
+      <p:sp>
+        <p:nvSpPr>
+          <p:cNvPr id="3" name="TextBox 2">
+            <a:extLst>
+              <a:ext uri="{FF2B5EF4-FFF2-40B4-BE49-F238E27FC236}">
+                <a16:creationId xmlns:a16="http://schemas.microsoft.com/office/drawing/2014/main" id="{2A855A71-565E-570A-B069-6B2A0D4A5831}"/>
+              </a:ext>
+            </a:extLst>
+          </p:cNvPr>
+          <p:cNvSpPr txBox="1"/>
+          <p:nvPr/>
+        </p:nvSpPr>
+        <p:spPr>
+          <a:xfrm>
+            <a:off x="282804" y="2306032"/>
+            <a:ext cx="11265031" cy="2902654"/>
+          </a:xfrm>
+          <a:prstGeom prst="rect">
+            <a:avLst/>
+          </a:prstGeom>
+          <a:noFill/>
+        </p:spPr>
+        <p:txBody>
+          <a:bodyPr wrap="square">
+            <a:spAutoFit/>
+          </a:bodyPr>
+          <a:lstStyle/>
+          <a:p>
+            <a:pPr algn="ctr">
+              <a:lnSpc>
+                <a:spcPct val="150000"/>
+              </a:lnSpc>
+            </a:pPr>
+            <a:r>
+              <a:rPr lang="en-AU" sz="2400" dirty="0">
+                <a:latin typeface="+mj-lt"/>
+              </a:rPr>
+              <a:t>PAVO’s Rich ‘generic’ system</a:t>
+            </a:r>
+            <a:endParaRPr lang="en-AU" sz="2000" dirty="0">
+              <a:latin typeface="+mj-lt"/>
+            </a:endParaRPr>
+          </a:p>
+          <a:p>
+            <a:pPr algn="ctr">
+              <a:lnSpc>
+                <a:spcPct val="150000"/>
+              </a:lnSpc>
+            </a:pPr>
+            <a:r>
+              <a:rPr lang="en-AU" sz="2000" dirty="0">
+                <a:latin typeface="Cambria" panose="02040503050406030204" pitchFamily="18" charset="0"/>
+              </a:rPr>
+              <a:t>plot(), </a:t>
+            </a:r>
+          </a:p>
+          <a:p>
+            <a:pPr algn="ctr">
+              <a:lnSpc>
+                <a:spcPct val="150000"/>
+              </a:lnSpc>
+            </a:pPr>
+            <a:r>
+              <a:rPr lang="en-AU" sz="2000" dirty="0">
+                <a:latin typeface="Cambria" panose="02040503050406030204" pitchFamily="18" charset="0"/>
+              </a:rPr>
+              <a:t>summary(), </a:t>
+            </a:r>
+          </a:p>
+          <a:p>
+            <a:pPr algn="ctr">
+              <a:lnSpc>
+                <a:spcPct val="150000"/>
+              </a:lnSpc>
+            </a:pPr>
+            <a:r>
+              <a:rPr lang="en-AU" sz="2000" dirty="0">
+                <a:latin typeface="Cambria" panose="02040503050406030204" pitchFamily="18" charset="0"/>
+              </a:rPr>
+              <a:t>merge() </a:t>
+            </a:r>
+          </a:p>
+          <a:p>
+            <a:pPr algn="ctr">
+              <a:lnSpc>
+                <a:spcPct val="150000"/>
+              </a:lnSpc>
+            </a:pPr>
+            <a:r>
+              <a:rPr lang="en-AU" sz="2000" dirty="0" err="1">
+                <a:latin typeface="Cambria" panose="02040503050406030204" pitchFamily="18" charset="0"/>
+              </a:rPr>
+              <a:t>is.rspec</a:t>
+            </a:r>
+            <a:r>
+              <a:rPr lang="en-AU" sz="2000" dirty="0">
+                <a:latin typeface="Cambria" panose="02040503050406030204" pitchFamily="18" charset="0"/>
+              </a:rPr>
+              <a:t>(), </a:t>
+            </a:r>
+            <a:r>
+              <a:rPr lang="en-AU" sz="2000" dirty="0" err="1">
+                <a:latin typeface="Cambria" panose="02040503050406030204" pitchFamily="18" charset="0"/>
+              </a:rPr>
+              <a:t>as.rspec</a:t>
+            </a:r>
+            <a:r>
+              <a:rPr lang="en-AU" sz="2000" dirty="0">
+                <a:latin typeface="Cambria" panose="02040503050406030204" pitchFamily="18" charset="0"/>
+              </a:rPr>
+              <a:t>() </a:t>
+            </a:r>
+          </a:p>
+          <a:p>
+            <a:pPr algn="ctr">
+              <a:lnSpc>
+                <a:spcPct val="150000"/>
+              </a:lnSpc>
+            </a:pPr>
+            <a:r>
+              <a:rPr lang="en-AU" sz="2000" dirty="0"/>
+              <a:t>...works on most stuff</a:t>
             </a:r>
           </a:p>
         </p:txBody>
@@ -8052,7 +9397,7 @@
     </p:spTree>
     <p:extLst>
       <p:ext uri="{BB962C8B-B14F-4D97-AF65-F5344CB8AC3E}">
-        <p14:creationId xmlns:p14="http://schemas.microsoft.com/office/powerpoint/2010/main" val="341122046"/>
+        <p14:creationId xmlns:p14="http://schemas.microsoft.com/office/powerpoint/2010/main" val="858918871"/>
       </p:ext>
     </p:extLst>
   </p:cSld>
@@ -8070,7 +9415,7 @@
         <p:cNvPr id="1" name="">
           <a:extLst>
             <a:ext uri="{FF2B5EF4-FFF2-40B4-BE49-F238E27FC236}">
-              <a16:creationId xmlns:a16="http://schemas.microsoft.com/office/drawing/2014/main" id="{03889389-3D73-AC43-8F4F-DFE3386D3DC4}"/>
+              <a16:creationId xmlns:a16="http://schemas.microsoft.com/office/drawing/2014/main" id="{933EB74A-26B8-3AFC-7DE7-FEDEF0094825}"/>
             </a:ext>
           </a:extLst>
         </p:cNvPr>
@@ -8090,7 +9435,7 @@
           <p:cNvPr id="2" name="Title 1">
             <a:extLst>
               <a:ext uri="{FF2B5EF4-FFF2-40B4-BE49-F238E27FC236}">
-                <a16:creationId xmlns:a16="http://schemas.microsoft.com/office/drawing/2014/main" id="{A6B3457B-4D4B-10D7-6C08-146E23484E05}"/>
+                <a16:creationId xmlns:a16="http://schemas.microsoft.com/office/drawing/2014/main" id="{3EA33BF5-330F-1AD3-0900-1F3553FC778F}"/>
               </a:ext>
             </a:extLst>
           </p:cNvPr>
@@ -8116,7 +9461,7 @@
     </p:spTree>
     <p:extLst>
       <p:ext uri="{BB962C8B-B14F-4D97-AF65-F5344CB8AC3E}">
-        <p14:creationId xmlns:p14="http://schemas.microsoft.com/office/powerpoint/2010/main" val="858918871"/>
+        <p14:creationId xmlns:p14="http://schemas.microsoft.com/office/powerpoint/2010/main" val="4216670542"/>
       </p:ext>
     </p:extLst>
   </p:cSld>
